--- a/에이전트발표.pptx
+++ b/에이전트발표.pptx
@@ -5,24 +5,26 @@
     <p:sldMasterId id="2147483660" r:id="rId4"/>
   </p:sldMasterIdLst>
   <p:notesMasterIdLst>
-    <p:notesMasterId r:id="rId17"/>
+    <p:notesMasterId r:id="rId19"/>
   </p:notesMasterIdLst>
   <p:handoutMasterIdLst>
-    <p:handoutMasterId r:id="rId18"/>
+    <p:handoutMasterId r:id="rId20"/>
   </p:handoutMasterIdLst>
   <p:sldIdLst>
     <p:sldId id="271" r:id="rId5"/>
-    <p:sldId id="285" r:id="rId6"/>
-    <p:sldId id="286" r:id="rId7"/>
-    <p:sldId id="287" r:id="rId8"/>
-    <p:sldId id="291" r:id="rId9"/>
-    <p:sldId id="292" r:id="rId10"/>
-    <p:sldId id="294" r:id="rId11"/>
-    <p:sldId id="293" r:id="rId12"/>
-    <p:sldId id="290" r:id="rId13"/>
-    <p:sldId id="288" r:id="rId14"/>
-    <p:sldId id="283" r:id="rId15"/>
-    <p:sldId id="284" r:id="rId16"/>
+    <p:sldId id="295" r:id="rId6"/>
+    <p:sldId id="285" r:id="rId7"/>
+    <p:sldId id="296" r:id="rId8"/>
+    <p:sldId id="286" r:id="rId9"/>
+    <p:sldId id="287" r:id="rId10"/>
+    <p:sldId id="291" r:id="rId11"/>
+    <p:sldId id="292" r:id="rId12"/>
+    <p:sldId id="294" r:id="rId13"/>
+    <p:sldId id="293" r:id="rId14"/>
+    <p:sldId id="290" r:id="rId15"/>
+    <p:sldId id="288" r:id="rId16"/>
+    <p:sldId id="283" r:id="rId17"/>
+    <p:sldId id="284" r:id="rId18"/>
   </p:sldIdLst>
   <p:sldSz cx="12192000" cy="6858000"/>
   <p:notesSz cx="6858000" cy="9144000"/>
@@ -130,7 +132,9 @@
         <p14:section name="디자인, 모핑, 주석 달기, 공동 작업, 입력하세요" id="{B9B51309-D148-4332-87C2-07BE32FBCA3B}">
           <p14:sldIdLst>
             <p14:sldId id="271"/>
+            <p14:sldId id="295"/>
             <p14:sldId id="285"/>
+            <p14:sldId id="296"/>
             <p14:sldId id="286"/>
             <p14:sldId id="287"/>
             <p14:sldId id="291"/>
@@ -896,6 +900,182 @@
     </p:spTree>
     <p:extLst>
       <p:ext uri="{BB962C8B-B14F-4D97-AF65-F5344CB8AC3E}">
+        <p14:creationId xmlns:p14="http://schemas.microsoft.com/office/powerpoint/2010/main" val="3782777789"/>
+      </p:ext>
+    </p:extLst>
+  </p:cSld>
+  <p:clrMapOvr>
+    <a:masterClrMapping/>
+  </p:clrMapOvr>
+</p:notes>
+</file>
+
+<file path=ppt/notesSlides/notesSlide11.xml><?xml version="1.0" encoding="utf-8"?>
+<p:notes xmlns:a="http://schemas.openxmlformats.org/drawingml/2006/main" xmlns:r="http://schemas.openxmlformats.org/officeDocument/2006/relationships" xmlns:p="http://schemas.openxmlformats.org/presentationml/2006/main">
+  <p:cSld>
+    <p:spTree>
+      <p:nvGrpSpPr>
+        <p:cNvPr id="1" name=""/>
+        <p:cNvGrpSpPr/>
+        <p:nvPr/>
+      </p:nvGrpSpPr>
+      <p:grpSpPr>
+        <a:xfrm>
+          <a:off x="0" y="0"/>
+          <a:ext cx="0" cy="0"/>
+          <a:chOff x="0" y="0"/>
+          <a:chExt cx="0" cy="0"/>
+        </a:xfrm>
+      </p:grpSpPr>
+      <p:sp>
+        <p:nvSpPr>
+          <p:cNvPr id="2" name="슬라이드 이미지 개체 틀 1"/>
+          <p:cNvSpPr>
+            <a:spLocks noGrp="1" noRot="1" noChangeAspect="1"/>
+          </p:cNvSpPr>
+          <p:nvPr>
+            <p:ph type="sldImg"/>
+          </p:nvPr>
+        </p:nvSpPr>
+        <p:spPr/>
+      </p:sp>
+      <p:sp>
+        <p:nvSpPr>
+          <p:cNvPr id="3" name="슬라이드 노트 개체 틀 2"/>
+          <p:cNvSpPr>
+            <a:spLocks noGrp="1"/>
+          </p:cNvSpPr>
+          <p:nvPr>
+            <p:ph type="body" idx="1"/>
+          </p:nvPr>
+        </p:nvSpPr>
+        <p:spPr/>
+        <p:txBody>
+          <a:bodyPr/>
+          <a:lstStyle/>
+          <a:p>
+            <a:endParaRPr lang="ko-KR" altLang="en-US" noProof="0" dirty="0">
+              <a:latin typeface="+mj-ea"/>
+              <a:ea typeface="+mj-ea"/>
+            </a:endParaRPr>
+          </a:p>
+        </p:txBody>
+      </p:sp>
+      <p:sp>
+        <p:nvSpPr>
+          <p:cNvPr id="4" name="슬라이드 번호 개체 틀 3"/>
+          <p:cNvSpPr>
+            <a:spLocks noGrp="1"/>
+          </p:cNvSpPr>
+          <p:nvPr>
+            <p:ph type="sldNum" sz="quarter" idx="10"/>
+          </p:nvPr>
+        </p:nvSpPr>
+        <p:spPr/>
+        <p:txBody>
+          <a:bodyPr/>
+          <a:lstStyle/>
+          <a:p>
+            <a:fld id="{DF61EA0F-A667-4B49-8422-0062BC55E249}" type="slidenum">
+              <a:rPr lang="en-US" altLang="ko-KR" smtClean="0"/>
+              <a:pPr/>
+              <a:t>11</a:t>
+            </a:fld>
+            <a:endParaRPr lang="ko-KR" altLang="en-US" dirty="0"/>
+          </a:p>
+        </p:txBody>
+      </p:sp>
+    </p:spTree>
+    <p:extLst>
+      <p:ext uri="{BB962C8B-B14F-4D97-AF65-F5344CB8AC3E}">
+        <p14:creationId xmlns:p14="http://schemas.microsoft.com/office/powerpoint/2010/main" val="3308988553"/>
+      </p:ext>
+    </p:extLst>
+  </p:cSld>
+  <p:clrMapOvr>
+    <a:masterClrMapping/>
+  </p:clrMapOvr>
+</p:notes>
+</file>
+
+<file path=ppt/notesSlides/notesSlide12.xml><?xml version="1.0" encoding="utf-8"?>
+<p:notes xmlns:a="http://schemas.openxmlformats.org/drawingml/2006/main" xmlns:r="http://schemas.openxmlformats.org/officeDocument/2006/relationships" xmlns:p="http://schemas.openxmlformats.org/presentationml/2006/main">
+  <p:cSld>
+    <p:spTree>
+      <p:nvGrpSpPr>
+        <p:cNvPr id="1" name=""/>
+        <p:cNvGrpSpPr/>
+        <p:nvPr/>
+      </p:nvGrpSpPr>
+      <p:grpSpPr>
+        <a:xfrm>
+          <a:off x="0" y="0"/>
+          <a:ext cx="0" cy="0"/>
+          <a:chOff x="0" y="0"/>
+          <a:chExt cx="0" cy="0"/>
+        </a:xfrm>
+      </p:grpSpPr>
+      <p:sp>
+        <p:nvSpPr>
+          <p:cNvPr id="2" name="슬라이드 이미지 개체 틀 1"/>
+          <p:cNvSpPr>
+            <a:spLocks noGrp="1" noRot="1" noChangeAspect="1"/>
+          </p:cNvSpPr>
+          <p:nvPr>
+            <p:ph type="sldImg"/>
+          </p:nvPr>
+        </p:nvSpPr>
+        <p:spPr/>
+      </p:sp>
+      <p:sp>
+        <p:nvSpPr>
+          <p:cNvPr id="3" name="슬라이드 노트 개체 틀 2"/>
+          <p:cNvSpPr>
+            <a:spLocks noGrp="1"/>
+          </p:cNvSpPr>
+          <p:nvPr>
+            <p:ph type="body" idx="1"/>
+          </p:nvPr>
+        </p:nvSpPr>
+        <p:spPr/>
+        <p:txBody>
+          <a:bodyPr/>
+          <a:lstStyle/>
+          <a:p>
+            <a:endParaRPr lang="ko-KR" altLang="en-US" noProof="0" dirty="0">
+              <a:latin typeface="+mj-ea"/>
+              <a:ea typeface="+mj-ea"/>
+            </a:endParaRPr>
+          </a:p>
+        </p:txBody>
+      </p:sp>
+      <p:sp>
+        <p:nvSpPr>
+          <p:cNvPr id="4" name="슬라이드 번호 개체 틀 3"/>
+          <p:cNvSpPr>
+            <a:spLocks noGrp="1"/>
+          </p:cNvSpPr>
+          <p:nvPr>
+            <p:ph type="sldNum" sz="quarter" idx="10"/>
+          </p:nvPr>
+        </p:nvSpPr>
+        <p:spPr/>
+        <p:txBody>
+          <a:bodyPr/>
+          <a:lstStyle/>
+          <a:p>
+            <a:fld id="{DF61EA0F-A667-4B49-8422-0062BC55E249}" type="slidenum">
+              <a:rPr lang="en-US" altLang="ko-KR" smtClean="0"/>
+              <a:pPr/>
+              <a:t>12</a:t>
+            </a:fld>
+            <a:endParaRPr lang="ko-KR" altLang="en-US" dirty="0"/>
+          </a:p>
+        </p:txBody>
+      </p:sp>
+    </p:spTree>
+    <p:extLst>
+      <p:ext uri="{BB962C8B-B14F-4D97-AF65-F5344CB8AC3E}">
         <p14:creationId xmlns:p14="http://schemas.microsoft.com/office/powerpoint/2010/main" val="3338003153"/>
       </p:ext>
     </p:extLst>
@@ -984,7 +1164,7 @@
     </p:spTree>
     <p:extLst>
       <p:ext uri="{BB962C8B-B14F-4D97-AF65-F5344CB8AC3E}">
-        <p14:creationId xmlns:p14="http://schemas.microsoft.com/office/powerpoint/2010/main" val="2281337671"/>
+        <p14:creationId xmlns:p14="http://schemas.microsoft.com/office/powerpoint/2010/main" val="3612406007"/>
       </p:ext>
     </p:extLst>
   </p:cSld>
@@ -1072,7 +1252,7 @@
     </p:spTree>
     <p:extLst>
       <p:ext uri="{BB962C8B-B14F-4D97-AF65-F5344CB8AC3E}">
-        <p14:creationId xmlns:p14="http://schemas.microsoft.com/office/powerpoint/2010/main" val="726773243"/>
+        <p14:creationId xmlns:p14="http://schemas.microsoft.com/office/powerpoint/2010/main" val="2281337671"/>
       </p:ext>
     </p:extLst>
   </p:cSld>
@@ -1160,7 +1340,7 @@
     </p:spTree>
     <p:extLst>
       <p:ext uri="{BB962C8B-B14F-4D97-AF65-F5344CB8AC3E}">
-        <p14:creationId xmlns:p14="http://schemas.microsoft.com/office/powerpoint/2010/main" val="2066295467"/>
+        <p14:creationId xmlns:p14="http://schemas.microsoft.com/office/powerpoint/2010/main" val="400033936"/>
       </p:ext>
     </p:extLst>
   </p:cSld>
@@ -1248,7 +1428,7 @@
     </p:spTree>
     <p:extLst>
       <p:ext uri="{BB962C8B-B14F-4D97-AF65-F5344CB8AC3E}">
-        <p14:creationId xmlns:p14="http://schemas.microsoft.com/office/powerpoint/2010/main" val="3298557689"/>
+        <p14:creationId xmlns:p14="http://schemas.microsoft.com/office/powerpoint/2010/main" val="726773243"/>
       </p:ext>
     </p:extLst>
   </p:cSld>
@@ -1336,7 +1516,7 @@
     </p:spTree>
     <p:extLst>
       <p:ext uri="{BB962C8B-B14F-4D97-AF65-F5344CB8AC3E}">
-        <p14:creationId xmlns:p14="http://schemas.microsoft.com/office/powerpoint/2010/main" val="3359627088"/>
+        <p14:creationId xmlns:p14="http://schemas.microsoft.com/office/powerpoint/2010/main" val="2066295467"/>
       </p:ext>
     </p:extLst>
   </p:cSld>
@@ -1424,7 +1604,7 @@
     </p:spTree>
     <p:extLst>
       <p:ext uri="{BB962C8B-B14F-4D97-AF65-F5344CB8AC3E}">
-        <p14:creationId xmlns:p14="http://schemas.microsoft.com/office/powerpoint/2010/main" val="2504963287"/>
+        <p14:creationId xmlns:p14="http://schemas.microsoft.com/office/powerpoint/2010/main" val="3298557689"/>
       </p:ext>
     </p:extLst>
   </p:cSld>
@@ -1512,7 +1692,7 @@
     </p:spTree>
     <p:extLst>
       <p:ext uri="{BB962C8B-B14F-4D97-AF65-F5344CB8AC3E}">
-        <p14:creationId xmlns:p14="http://schemas.microsoft.com/office/powerpoint/2010/main" val="3782777789"/>
+        <p14:creationId xmlns:p14="http://schemas.microsoft.com/office/powerpoint/2010/main" val="3359627088"/>
       </p:ext>
     </p:extLst>
   </p:cSld>
@@ -1600,7 +1780,7 @@
     </p:spTree>
     <p:extLst>
       <p:ext uri="{BB962C8B-B14F-4D97-AF65-F5344CB8AC3E}">
-        <p14:creationId xmlns:p14="http://schemas.microsoft.com/office/powerpoint/2010/main" val="3308988553"/>
+        <p14:creationId xmlns:p14="http://schemas.microsoft.com/office/powerpoint/2010/main" val="2504963287"/>
       </p:ext>
     </p:extLst>
   </p:cSld>
@@ -3692,6 +3872,1425 @@
               <a:rPr lang="en-US" altLang="ko-KR" dirty="0">
                 <a:cs typeface="Segoe UI Light" panose="020B0502040204020203" pitchFamily="34" charset="0"/>
               </a:rPr>
+              <a:t>DLL</a:t>
+            </a:r>
+            <a:r>
+              <a:rPr lang="ko-KR" altLang="en-US" dirty="0">
+                <a:cs typeface="Segoe UI Light" panose="020B0502040204020203" pitchFamily="34" charset="0"/>
+              </a:rPr>
+              <a:t> </a:t>
+            </a:r>
+            <a:r>
+              <a:rPr lang="en-US" altLang="ko-KR" dirty="0">
+                <a:cs typeface="Segoe UI Light" panose="020B0502040204020203" pitchFamily="34" charset="0"/>
+              </a:rPr>
+              <a:t>Injection</a:t>
+            </a:r>
+            <a:endParaRPr lang="ko-KR" altLang="en-US" dirty="0">
+              <a:cs typeface="Segoe UI Light" panose="020B0502040204020203" pitchFamily="34" charset="0"/>
+            </a:endParaRPr>
+          </a:p>
+        </p:txBody>
+      </p:sp>
+      <p:sp>
+        <p:nvSpPr>
+          <p:cNvPr id="38" name="내용 개체 틀 17"/>
+          <p:cNvSpPr txBox="1">
+            <a:spLocks/>
+          </p:cNvSpPr>
+          <p:nvPr/>
+        </p:nvSpPr>
+        <p:spPr>
+          <a:xfrm>
+            <a:off x="541610" y="1524708"/>
+            <a:ext cx="11142390" cy="4990392"/>
+          </a:xfrm>
+          <a:prstGeom prst="rect">
+            <a:avLst/>
+          </a:prstGeom>
+        </p:spPr>
+        <p:txBody>
+          <a:bodyPr vert="horz" lIns="91440" tIns="45720" rIns="91440" bIns="45720" rtlCol="0">
+            <a:normAutofit/>
+          </a:bodyPr>
+          <a:lstStyle>
+            <a:lvl1pPr marL="228600" indent="-228600" algn="l" defTabSz="914400" rtl="0" eaLnBrk="1" latinLnBrk="0" hangingPunct="1">
+              <a:lnSpc>
+                <a:spcPts val="1800"/>
+              </a:lnSpc>
+              <a:spcBef>
+                <a:spcPts val="1000"/>
+              </a:spcBef>
+              <a:spcAft>
+                <a:spcPts val="1000"/>
+              </a:spcAft>
+              <a:buFont typeface="Arial" panose="020B0604020202020204" pitchFamily="34" charset="0"/>
+              <a:buChar char="•"/>
+              <a:defRPr lang="en-US" sz="1200" kern="1200" smtClean="0">
+                <a:solidFill>
+                  <a:schemeClr val="tx1">
+                    <a:lumMod val="75000"/>
+                    <a:lumOff val="25000"/>
+                  </a:schemeClr>
+                </a:solidFill>
+                <a:latin typeface="+mn-lt"/>
+                <a:ea typeface="+mn-ea"/>
+                <a:cs typeface="+mn-cs"/>
+              </a:defRPr>
+            </a:lvl1pPr>
+            <a:lvl2pPr marL="685800" indent="-228600" algn="l" defTabSz="914400" rtl="0" eaLnBrk="1" latinLnBrk="0" hangingPunct="1">
+              <a:lnSpc>
+                <a:spcPts val="1800"/>
+              </a:lnSpc>
+              <a:spcBef>
+                <a:spcPts val="1000"/>
+              </a:spcBef>
+              <a:spcAft>
+                <a:spcPts val="1000"/>
+              </a:spcAft>
+              <a:buFont typeface="Arial" panose="020B0604020202020204" pitchFamily="34" charset="0"/>
+              <a:buChar char="•"/>
+              <a:defRPr lang="en-US" sz="1200" kern="1200" smtClean="0">
+                <a:solidFill>
+                  <a:schemeClr val="tx1">
+                    <a:lumMod val="75000"/>
+                    <a:lumOff val="25000"/>
+                  </a:schemeClr>
+                </a:solidFill>
+                <a:latin typeface="+mn-lt"/>
+                <a:ea typeface="+mn-ea"/>
+                <a:cs typeface="+mn-cs"/>
+              </a:defRPr>
+            </a:lvl2pPr>
+            <a:lvl3pPr marL="1143000" indent="-228600" algn="l" defTabSz="914400" rtl="0" eaLnBrk="1" latinLnBrk="0" hangingPunct="1">
+              <a:lnSpc>
+                <a:spcPts val="1800"/>
+              </a:lnSpc>
+              <a:spcBef>
+                <a:spcPts val="1000"/>
+              </a:spcBef>
+              <a:spcAft>
+                <a:spcPts val="1000"/>
+              </a:spcAft>
+              <a:buFont typeface="Arial" panose="020B0604020202020204" pitchFamily="34" charset="0"/>
+              <a:buChar char="•"/>
+              <a:defRPr lang="en-US" sz="1200" kern="1200" smtClean="0">
+                <a:solidFill>
+                  <a:schemeClr val="tx1">
+                    <a:lumMod val="75000"/>
+                    <a:lumOff val="25000"/>
+                  </a:schemeClr>
+                </a:solidFill>
+                <a:latin typeface="+mn-lt"/>
+                <a:ea typeface="+mn-ea"/>
+                <a:cs typeface="+mn-cs"/>
+              </a:defRPr>
+            </a:lvl3pPr>
+            <a:lvl4pPr marL="1600200" indent="-228600" algn="l" defTabSz="914400" rtl="0" eaLnBrk="1" latinLnBrk="0" hangingPunct="1">
+              <a:lnSpc>
+                <a:spcPts val="1800"/>
+              </a:lnSpc>
+              <a:spcBef>
+                <a:spcPts val="1000"/>
+              </a:spcBef>
+              <a:spcAft>
+                <a:spcPts val="1000"/>
+              </a:spcAft>
+              <a:buFont typeface="Arial" panose="020B0604020202020204" pitchFamily="34" charset="0"/>
+              <a:buChar char="•"/>
+              <a:defRPr lang="en-US" sz="1200" kern="1200" smtClean="0">
+                <a:solidFill>
+                  <a:schemeClr val="tx1">
+                    <a:lumMod val="75000"/>
+                    <a:lumOff val="25000"/>
+                  </a:schemeClr>
+                </a:solidFill>
+                <a:latin typeface="+mn-lt"/>
+                <a:ea typeface="+mn-ea"/>
+                <a:cs typeface="+mn-cs"/>
+              </a:defRPr>
+            </a:lvl4pPr>
+            <a:lvl5pPr marL="2057400" indent="-228600" algn="l" defTabSz="914400" rtl="0" eaLnBrk="1" latinLnBrk="0" hangingPunct="1">
+              <a:lnSpc>
+                <a:spcPts val="1800"/>
+              </a:lnSpc>
+              <a:spcBef>
+                <a:spcPts val="1000"/>
+              </a:spcBef>
+              <a:spcAft>
+                <a:spcPts val="1000"/>
+              </a:spcAft>
+              <a:buFont typeface="Arial" panose="020B0604020202020204" pitchFamily="34" charset="0"/>
+              <a:buChar char="•"/>
+              <a:defRPr lang="en-US" sz="1200" kern="1200">
+                <a:solidFill>
+                  <a:schemeClr val="tx1">
+                    <a:lumMod val="75000"/>
+                    <a:lumOff val="25000"/>
+                  </a:schemeClr>
+                </a:solidFill>
+                <a:latin typeface="+mn-lt"/>
+                <a:ea typeface="+mn-ea"/>
+                <a:cs typeface="+mn-cs"/>
+              </a:defRPr>
+            </a:lvl5pPr>
+            <a:lvl6pPr marL="2514600" indent="-228600" algn="l" defTabSz="914400" rtl="0" eaLnBrk="1" latinLnBrk="0" hangingPunct="1">
+              <a:lnSpc>
+                <a:spcPct val="90000"/>
+              </a:lnSpc>
+              <a:spcBef>
+                <a:spcPct val="30000"/>
+              </a:spcBef>
+              <a:buFont typeface="Arial" panose="020B0604020202020204" pitchFamily="34" charset="0"/>
+              <a:buChar char="•"/>
+              <a:defRPr sz="1800" kern="1200">
+                <a:solidFill>
+                  <a:schemeClr val="tx1"/>
+                </a:solidFill>
+                <a:latin typeface="+mn-lt"/>
+                <a:ea typeface="+mn-ea"/>
+                <a:cs typeface="+mn-cs"/>
+              </a:defRPr>
+            </a:lvl6pPr>
+            <a:lvl7pPr marL="2971800" indent="-228600" algn="l" defTabSz="914400" rtl="0" eaLnBrk="1" latinLnBrk="0" hangingPunct="1">
+              <a:lnSpc>
+                <a:spcPct val="90000"/>
+              </a:lnSpc>
+              <a:spcBef>
+                <a:spcPct val="30000"/>
+              </a:spcBef>
+              <a:buFont typeface="Arial" panose="020B0604020202020204" pitchFamily="34" charset="0"/>
+              <a:buChar char="•"/>
+              <a:defRPr sz="1800" kern="1200">
+                <a:solidFill>
+                  <a:schemeClr val="tx1"/>
+                </a:solidFill>
+                <a:latin typeface="+mn-lt"/>
+                <a:ea typeface="+mn-ea"/>
+                <a:cs typeface="+mn-cs"/>
+              </a:defRPr>
+            </a:lvl7pPr>
+            <a:lvl8pPr marL="3429000" indent="-228600" algn="l" defTabSz="914400" rtl="0" eaLnBrk="1" latinLnBrk="0" hangingPunct="1">
+              <a:lnSpc>
+                <a:spcPct val="90000"/>
+              </a:lnSpc>
+              <a:spcBef>
+                <a:spcPct val="30000"/>
+              </a:spcBef>
+              <a:buFont typeface="Arial" panose="020B0604020202020204" pitchFamily="34" charset="0"/>
+              <a:buChar char="•"/>
+              <a:defRPr sz="1800" kern="1200">
+                <a:solidFill>
+                  <a:schemeClr val="tx1"/>
+                </a:solidFill>
+                <a:latin typeface="+mn-lt"/>
+                <a:ea typeface="+mn-ea"/>
+                <a:cs typeface="+mn-cs"/>
+              </a:defRPr>
+            </a:lvl8pPr>
+            <a:lvl9pPr marL="3886200" indent="-228600" algn="l" defTabSz="914400" rtl="0" eaLnBrk="1" latinLnBrk="0" hangingPunct="1">
+              <a:lnSpc>
+                <a:spcPct val="90000"/>
+              </a:lnSpc>
+              <a:spcBef>
+                <a:spcPct val="30000"/>
+              </a:spcBef>
+              <a:buFont typeface="Arial" panose="020B0604020202020204" pitchFamily="34" charset="0"/>
+              <a:buChar char="•"/>
+              <a:defRPr sz="1800" kern="1200">
+                <a:solidFill>
+                  <a:schemeClr val="tx1"/>
+                </a:solidFill>
+                <a:latin typeface="+mn-lt"/>
+                <a:ea typeface="+mn-ea"/>
+                <a:cs typeface="+mn-cs"/>
+              </a:defRPr>
+            </a:lvl9pPr>
+          </a:lstStyle>
+          <a:p>
+            <a:pPr marL="0" lvl="0" indent="0" rtl="0">
+              <a:spcAft>
+                <a:spcPts val="600"/>
+              </a:spcAft>
+              <a:buNone/>
+              <a:defRPr/>
+            </a:pPr>
+            <a:r>
+              <a:rPr lang="en-US" altLang="ko-KR" sz="1600" dirty="0">
+                <a:solidFill>
+                  <a:schemeClr val="tx1"/>
+                </a:solidFill>
+                <a:latin typeface="맑은 고딕" panose="020B0503020000020004" pitchFamily="50" charset="-127"/>
+                <a:ea typeface="맑은 고딕" panose="020B0503020000020004" pitchFamily="50" charset="-127"/>
+                <a:cs typeface="Segoe UI" panose="020B0502040204020203" pitchFamily="34" charset="0"/>
+              </a:rPr>
+              <a:t>DLL – </a:t>
+            </a:r>
+            <a:r>
+              <a:rPr lang="ko-KR" altLang="en-US" sz="1600" dirty="0">
+                <a:solidFill>
+                  <a:schemeClr val="tx1"/>
+                </a:solidFill>
+                <a:latin typeface="맑은 고딕" panose="020B0503020000020004" pitchFamily="50" charset="-127"/>
+                <a:ea typeface="맑은 고딕" panose="020B0503020000020004" pitchFamily="50" charset="-127"/>
+                <a:cs typeface="Segoe UI" panose="020B0502040204020203" pitchFamily="34" charset="0"/>
+              </a:rPr>
+              <a:t>실행 파일에서 해당 라이브러리의 기능을 사용 시에만 라이브러리 파일을 참조하여 기능을 호출한다</a:t>
+            </a:r>
+            <a:r>
+              <a:rPr lang="en-US" altLang="ko-KR" sz="1600" dirty="0">
+                <a:solidFill>
+                  <a:schemeClr val="tx1"/>
+                </a:solidFill>
+                <a:latin typeface="맑은 고딕" panose="020B0503020000020004" pitchFamily="50" charset="-127"/>
+                <a:ea typeface="맑은 고딕" panose="020B0503020000020004" pitchFamily="50" charset="-127"/>
+                <a:cs typeface="Segoe UI" panose="020B0502040204020203" pitchFamily="34" charset="0"/>
+              </a:rPr>
+              <a:t>.</a:t>
+            </a:r>
+          </a:p>
+          <a:p>
+            <a:pPr marL="0" lvl="0" indent="0" rtl="0">
+              <a:spcAft>
+                <a:spcPts val="600"/>
+              </a:spcAft>
+              <a:buNone/>
+              <a:defRPr/>
+            </a:pPr>
+            <a:r>
+              <a:rPr lang="en-US" altLang="ko-KR" sz="1600" dirty="0">
+                <a:solidFill>
+                  <a:schemeClr val="tx1"/>
+                </a:solidFill>
+                <a:latin typeface="맑은 고딕" panose="020B0503020000020004" pitchFamily="50" charset="-127"/>
+                <a:ea typeface="맑은 고딕" panose="020B0503020000020004" pitchFamily="50" charset="-127"/>
+                <a:cs typeface="Segoe UI" panose="020B0502040204020203" pitchFamily="34" charset="0"/>
+              </a:rPr>
+              <a:t>DLL Injection</a:t>
+            </a:r>
+            <a:r>
+              <a:rPr lang="ko-KR" altLang="en-US" sz="1600" dirty="0">
+                <a:solidFill>
+                  <a:schemeClr val="tx1"/>
+                </a:solidFill>
+                <a:latin typeface="맑은 고딕" panose="020B0503020000020004" pitchFamily="50" charset="-127"/>
+                <a:ea typeface="맑은 고딕" panose="020B0503020000020004" pitchFamily="50" charset="-127"/>
+                <a:cs typeface="Segoe UI" panose="020B0502040204020203" pitchFamily="34" charset="0"/>
+              </a:rPr>
+              <a:t>을 통해 프로세스에 </a:t>
+            </a:r>
+            <a:r>
+              <a:rPr lang="en-US" altLang="ko-KR" sz="1600" dirty="0">
+                <a:solidFill>
+                  <a:schemeClr val="tx1"/>
+                </a:solidFill>
+                <a:latin typeface="맑은 고딕" panose="020B0503020000020004" pitchFamily="50" charset="-127"/>
+                <a:ea typeface="맑은 고딕" panose="020B0503020000020004" pitchFamily="50" charset="-127"/>
+                <a:cs typeface="Segoe UI" panose="020B0502040204020203" pitchFamily="34" charset="0"/>
+              </a:rPr>
+              <a:t>DLL</a:t>
+            </a:r>
+            <a:r>
+              <a:rPr lang="ko-KR" altLang="en-US" sz="1600" dirty="0">
+                <a:solidFill>
+                  <a:schemeClr val="tx1"/>
+                </a:solidFill>
+                <a:latin typeface="맑은 고딕" panose="020B0503020000020004" pitchFamily="50" charset="-127"/>
+                <a:ea typeface="맑은 고딕" panose="020B0503020000020004" pitchFamily="50" charset="-127"/>
+                <a:cs typeface="Segoe UI" panose="020B0502040204020203" pitchFamily="34" charset="0"/>
+              </a:rPr>
+              <a:t>을 붙여 놓으면 그 해당 프로세스에서 호출되는 함수를 가로 챌 수 있다</a:t>
+            </a:r>
+            <a:r>
+              <a:rPr lang="en-US" altLang="ko-KR" sz="1600" dirty="0">
+                <a:solidFill>
+                  <a:schemeClr val="tx1"/>
+                </a:solidFill>
+                <a:latin typeface="맑은 고딕" panose="020B0503020000020004" pitchFamily="50" charset="-127"/>
+                <a:ea typeface="맑은 고딕" panose="020B0503020000020004" pitchFamily="50" charset="-127"/>
+                <a:cs typeface="Segoe UI" panose="020B0502040204020203" pitchFamily="34" charset="0"/>
+              </a:rPr>
+              <a:t>.</a:t>
+            </a:r>
+          </a:p>
+        </p:txBody>
+      </p:sp>
+      <p:pic>
+        <p:nvPicPr>
+          <p:cNvPr id="3" name="그림 2" descr="테이블이(가) 표시된 사진&#10;&#10;자동 생성된 설명">
+            <a:extLst>
+              <a:ext uri="{FF2B5EF4-FFF2-40B4-BE49-F238E27FC236}">
+                <a16:creationId xmlns:a16="http://schemas.microsoft.com/office/drawing/2014/main" id="{0B9FEC8F-AF0F-4920-B96E-FCD34A33CC5B}"/>
+              </a:ext>
+            </a:extLst>
+          </p:cNvPr>
+          <p:cNvPicPr>
+            <a:picLocks noChangeAspect="1"/>
+          </p:cNvPicPr>
+          <p:nvPr/>
+        </p:nvPicPr>
+        <p:blipFill>
+          <a:blip r:embed="rId3"/>
+          <a:stretch>
+            <a:fillRect/>
+          </a:stretch>
+        </p:blipFill>
+        <p:spPr>
+          <a:xfrm>
+            <a:off x="553040" y="2431959"/>
+            <a:ext cx="5554390" cy="3977985"/>
+          </a:xfrm>
+          <a:prstGeom prst="rect">
+            <a:avLst/>
+          </a:prstGeom>
+        </p:spPr>
+      </p:pic>
+      <p:pic>
+        <p:nvPicPr>
+          <p:cNvPr id="4" name="그림 3" descr="텍스트이(가) 표시된 사진&#10;&#10;자동 생성된 설명">
+            <a:extLst>
+              <a:ext uri="{FF2B5EF4-FFF2-40B4-BE49-F238E27FC236}">
+                <a16:creationId xmlns:a16="http://schemas.microsoft.com/office/drawing/2014/main" id="{EBF516CE-A11C-448F-B379-9AF1B005E3B8}"/>
+              </a:ext>
+            </a:extLst>
+          </p:cNvPr>
+          <p:cNvPicPr>
+            <a:picLocks noChangeAspect="1"/>
+          </p:cNvPicPr>
+          <p:nvPr/>
+        </p:nvPicPr>
+        <p:blipFill>
+          <a:blip r:embed="rId4"/>
+          <a:stretch>
+            <a:fillRect/>
+          </a:stretch>
+        </p:blipFill>
+        <p:spPr>
+          <a:xfrm>
+            <a:off x="6309360" y="2431958"/>
+            <a:ext cx="5329600" cy="3977985"/>
+          </a:xfrm>
+          <a:prstGeom prst="rect">
+            <a:avLst/>
+          </a:prstGeom>
+        </p:spPr>
+      </p:pic>
+    </p:spTree>
+    <p:extLst>
+      <p:ext uri="{BB962C8B-B14F-4D97-AF65-F5344CB8AC3E}">
+        <p14:creationId xmlns:p14="http://schemas.microsoft.com/office/powerpoint/2010/main" val="3480091555"/>
+      </p:ext>
+    </p:extLst>
+  </p:cSld>
+  <p:clrMapOvr>
+    <a:masterClrMapping/>
+  </p:clrMapOvr>
+  <mc:AlternateContent xmlns:mc="http://schemas.openxmlformats.org/markup-compatibility/2006" xmlns:p14="http://schemas.microsoft.com/office/powerpoint/2010/main">
+    <mc:Choice Requires="p14">
+      <p:transition p14:dur="10"/>
+    </mc:Choice>
+    <mc:Fallback xmlns="">
+      <p:transition/>
+    </mc:Fallback>
+  </mc:AlternateContent>
+</p:sld>
+</file>
+
+<file path=ppt/slides/slide11.xml><?xml version="1.0" encoding="utf-8"?>
+<p:sld xmlns:a="http://schemas.openxmlformats.org/drawingml/2006/main" xmlns:r="http://schemas.openxmlformats.org/officeDocument/2006/relationships" xmlns:p="http://schemas.openxmlformats.org/presentationml/2006/main">
+  <p:cSld>
+    <p:spTree>
+      <p:nvGrpSpPr>
+        <p:cNvPr id="1" name=""/>
+        <p:cNvGrpSpPr/>
+        <p:nvPr/>
+      </p:nvGrpSpPr>
+      <p:grpSpPr>
+        <a:xfrm>
+          <a:off x="0" y="0"/>
+          <a:ext cx="0" cy="0"/>
+          <a:chOff x="0" y="0"/>
+          <a:chExt cx="0" cy="0"/>
+        </a:xfrm>
+      </p:grpSpPr>
+      <p:sp>
+        <p:nvSpPr>
+          <p:cNvPr id="8" name="제목 7"/>
+          <p:cNvSpPr>
+            <a:spLocks noGrp="1"/>
+          </p:cNvSpPr>
+          <p:nvPr>
+            <p:ph type="title"/>
+          </p:nvPr>
+        </p:nvSpPr>
+        <p:spPr>
+          <a:xfrm>
+            <a:off x="521206" y="448056"/>
+            <a:ext cx="8613915" cy="640080"/>
+          </a:xfrm>
+        </p:spPr>
+        <p:txBody>
+          <a:bodyPr rtlCol="0">
+            <a:noAutofit/>
+          </a:bodyPr>
+          <a:lstStyle/>
+          <a:p>
+            <a:pPr rtl="0"/>
+            <a:r>
+              <a:rPr lang="en-US" altLang="ko-KR" dirty="0">
+                <a:cs typeface="Segoe UI Light" panose="020B0502040204020203" pitchFamily="34" charset="0"/>
+              </a:rPr>
+              <a:t>EDR (Endpoint Detection and Response)</a:t>
+            </a:r>
+            <a:endParaRPr lang="ko-KR" altLang="en-US" dirty="0">
+              <a:cs typeface="Segoe UI Light" panose="020B0502040204020203" pitchFamily="34" charset="0"/>
+            </a:endParaRPr>
+          </a:p>
+        </p:txBody>
+      </p:sp>
+      <p:sp>
+        <p:nvSpPr>
+          <p:cNvPr id="38" name="내용 개체 틀 17"/>
+          <p:cNvSpPr txBox="1">
+            <a:spLocks/>
+          </p:cNvSpPr>
+          <p:nvPr/>
+        </p:nvSpPr>
+        <p:spPr>
+          <a:xfrm>
+            <a:off x="524805" y="1334208"/>
+            <a:ext cx="11142390" cy="5333292"/>
+          </a:xfrm>
+          <a:prstGeom prst="rect">
+            <a:avLst/>
+          </a:prstGeom>
+        </p:spPr>
+        <p:txBody>
+          <a:bodyPr vert="horz" lIns="91440" tIns="45720" rIns="91440" bIns="45720" rtlCol="0">
+            <a:normAutofit/>
+          </a:bodyPr>
+          <a:lstStyle>
+            <a:lvl1pPr marL="228600" indent="-228600" algn="l" defTabSz="914400" rtl="0" eaLnBrk="1" latinLnBrk="0" hangingPunct="1">
+              <a:lnSpc>
+                <a:spcPts val="1800"/>
+              </a:lnSpc>
+              <a:spcBef>
+                <a:spcPts val="1000"/>
+              </a:spcBef>
+              <a:spcAft>
+                <a:spcPts val="1000"/>
+              </a:spcAft>
+              <a:buFont typeface="Arial" panose="020B0604020202020204" pitchFamily="34" charset="0"/>
+              <a:buChar char="•"/>
+              <a:defRPr lang="en-US" sz="1200" kern="1200" smtClean="0">
+                <a:solidFill>
+                  <a:schemeClr val="tx1">
+                    <a:lumMod val="75000"/>
+                    <a:lumOff val="25000"/>
+                  </a:schemeClr>
+                </a:solidFill>
+                <a:latin typeface="+mn-lt"/>
+                <a:ea typeface="+mn-ea"/>
+                <a:cs typeface="+mn-cs"/>
+              </a:defRPr>
+            </a:lvl1pPr>
+            <a:lvl2pPr marL="685800" indent="-228600" algn="l" defTabSz="914400" rtl="0" eaLnBrk="1" latinLnBrk="0" hangingPunct="1">
+              <a:lnSpc>
+                <a:spcPts val="1800"/>
+              </a:lnSpc>
+              <a:spcBef>
+                <a:spcPts val="1000"/>
+              </a:spcBef>
+              <a:spcAft>
+                <a:spcPts val="1000"/>
+              </a:spcAft>
+              <a:buFont typeface="Arial" panose="020B0604020202020204" pitchFamily="34" charset="0"/>
+              <a:buChar char="•"/>
+              <a:defRPr lang="en-US" sz="1200" kern="1200" smtClean="0">
+                <a:solidFill>
+                  <a:schemeClr val="tx1">
+                    <a:lumMod val="75000"/>
+                    <a:lumOff val="25000"/>
+                  </a:schemeClr>
+                </a:solidFill>
+                <a:latin typeface="+mn-lt"/>
+                <a:ea typeface="+mn-ea"/>
+                <a:cs typeface="+mn-cs"/>
+              </a:defRPr>
+            </a:lvl2pPr>
+            <a:lvl3pPr marL="1143000" indent="-228600" algn="l" defTabSz="914400" rtl="0" eaLnBrk="1" latinLnBrk="0" hangingPunct="1">
+              <a:lnSpc>
+                <a:spcPts val="1800"/>
+              </a:lnSpc>
+              <a:spcBef>
+                <a:spcPts val="1000"/>
+              </a:spcBef>
+              <a:spcAft>
+                <a:spcPts val="1000"/>
+              </a:spcAft>
+              <a:buFont typeface="Arial" panose="020B0604020202020204" pitchFamily="34" charset="0"/>
+              <a:buChar char="•"/>
+              <a:defRPr lang="en-US" sz="1200" kern="1200" smtClean="0">
+                <a:solidFill>
+                  <a:schemeClr val="tx1">
+                    <a:lumMod val="75000"/>
+                    <a:lumOff val="25000"/>
+                  </a:schemeClr>
+                </a:solidFill>
+                <a:latin typeface="+mn-lt"/>
+                <a:ea typeface="+mn-ea"/>
+                <a:cs typeface="+mn-cs"/>
+              </a:defRPr>
+            </a:lvl3pPr>
+            <a:lvl4pPr marL="1600200" indent="-228600" algn="l" defTabSz="914400" rtl="0" eaLnBrk="1" latinLnBrk="0" hangingPunct="1">
+              <a:lnSpc>
+                <a:spcPts val="1800"/>
+              </a:lnSpc>
+              <a:spcBef>
+                <a:spcPts val="1000"/>
+              </a:spcBef>
+              <a:spcAft>
+                <a:spcPts val="1000"/>
+              </a:spcAft>
+              <a:buFont typeface="Arial" panose="020B0604020202020204" pitchFamily="34" charset="0"/>
+              <a:buChar char="•"/>
+              <a:defRPr lang="en-US" sz="1200" kern="1200" smtClean="0">
+                <a:solidFill>
+                  <a:schemeClr val="tx1">
+                    <a:lumMod val="75000"/>
+                    <a:lumOff val="25000"/>
+                  </a:schemeClr>
+                </a:solidFill>
+                <a:latin typeface="+mn-lt"/>
+                <a:ea typeface="+mn-ea"/>
+                <a:cs typeface="+mn-cs"/>
+              </a:defRPr>
+            </a:lvl4pPr>
+            <a:lvl5pPr marL="2057400" indent="-228600" algn="l" defTabSz="914400" rtl="0" eaLnBrk="1" latinLnBrk="0" hangingPunct="1">
+              <a:lnSpc>
+                <a:spcPts val="1800"/>
+              </a:lnSpc>
+              <a:spcBef>
+                <a:spcPts val="1000"/>
+              </a:spcBef>
+              <a:spcAft>
+                <a:spcPts val="1000"/>
+              </a:spcAft>
+              <a:buFont typeface="Arial" panose="020B0604020202020204" pitchFamily="34" charset="0"/>
+              <a:buChar char="•"/>
+              <a:defRPr lang="en-US" sz="1200" kern="1200">
+                <a:solidFill>
+                  <a:schemeClr val="tx1">
+                    <a:lumMod val="75000"/>
+                    <a:lumOff val="25000"/>
+                  </a:schemeClr>
+                </a:solidFill>
+                <a:latin typeface="+mn-lt"/>
+                <a:ea typeface="+mn-ea"/>
+                <a:cs typeface="+mn-cs"/>
+              </a:defRPr>
+            </a:lvl5pPr>
+            <a:lvl6pPr marL="2514600" indent="-228600" algn="l" defTabSz="914400" rtl="0" eaLnBrk="1" latinLnBrk="0" hangingPunct="1">
+              <a:lnSpc>
+                <a:spcPct val="90000"/>
+              </a:lnSpc>
+              <a:spcBef>
+                <a:spcPct val="30000"/>
+              </a:spcBef>
+              <a:buFont typeface="Arial" panose="020B0604020202020204" pitchFamily="34" charset="0"/>
+              <a:buChar char="•"/>
+              <a:defRPr sz="1800" kern="1200">
+                <a:solidFill>
+                  <a:schemeClr val="tx1"/>
+                </a:solidFill>
+                <a:latin typeface="+mn-lt"/>
+                <a:ea typeface="+mn-ea"/>
+                <a:cs typeface="+mn-cs"/>
+              </a:defRPr>
+            </a:lvl6pPr>
+            <a:lvl7pPr marL="2971800" indent="-228600" algn="l" defTabSz="914400" rtl="0" eaLnBrk="1" latinLnBrk="0" hangingPunct="1">
+              <a:lnSpc>
+                <a:spcPct val="90000"/>
+              </a:lnSpc>
+              <a:spcBef>
+                <a:spcPct val="30000"/>
+              </a:spcBef>
+              <a:buFont typeface="Arial" panose="020B0604020202020204" pitchFamily="34" charset="0"/>
+              <a:buChar char="•"/>
+              <a:defRPr sz="1800" kern="1200">
+                <a:solidFill>
+                  <a:schemeClr val="tx1"/>
+                </a:solidFill>
+                <a:latin typeface="+mn-lt"/>
+                <a:ea typeface="+mn-ea"/>
+                <a:cs typeface="+mn-cs"/>
+              </a:defRPr>
+            </a:lvl7pPr>
+            <a:lvl8pPr marL="3429000" indent="-228600" algn="l" defTabSz="914400" rtl="0" eaLnBrk="1" latinLnBrk="0" hangingPunct="1">
+              <a:lnSpc>
+                <a:spcPct val="90000"/>
+              </a:lnSpc>
+              <a:spcBef>
+                <a:spcPct val="30000"/>
+              </a:spcBef>
+              <a:buFont typeface="Arial" panose="020B0604020202020204" pitchFamily="34" charset="0"/>
+              <a:buChar char="•"/>
+              <a:defRPr sz="1800" kern="1200">
+                <a:solidFill>
+                  <a:schemeClr val="tx1"/>
+                </a:solidFill>
+                <a:latin typeface="+mn-lt"/>
+                <a:ea typeface="+mn-ea"/>
+                <a:cs typeface="+mn-cs"/>
+              </a:defRPr>
+            </a:lvl8pPr>
+            <a:lvl9pPr marL="3886200" indent="-228600" algn="l" defTabSz="914400" rtl="0" eaLnBrk="1" latinLnBrk="0" hangingPunct="1">
+              <a:lnSpc>
+                <a:spcPct val="90000"/>
+              </a:lnSpc>
+              <a:spcBef>
+                <a:spcPct val="30000"/>
+              </a:spcBef>
+              <a:buFont typeface="Arial" panose="020B0604020202020204" pitchFamily="34" charset="0"/>
+              <a:buChar char="•"/>
+              <a:defRPr sz="1800" kern="1200">
+                <a:solidFill>
+                  <a:schemeClr val="tx1"/>
+                </a:solidFill>
+                <a:latin typeface="+mn-lt"/>
+                <a:ea typeface="+mn-ea"/>
+                <a:cs typeface="+mn-cs"/>
+              </a:defRPr>
+            </a:lvl9pPr>
+          </a:lstStyle>
+          <a:p>
+            <a:pPr marL="0" lvl="0" indent="0" rtl="0">
+              <a:spcAft>
+                <a:spcPts val="600"/>
+              </a:spcAft>
+              <a:buNone/>
+              <a:defRPr/>
+            </a:pPr>
+            <a:r>
+              <a:rPr lang="ko-KR" altLang="en-US" sz="1600" dirty="0" err="1">
+                <a:solidFill>
+                  <a:schemeClr val="tx1"/>
+                </a:solidFill>
+                <a:latin typeface="맑은 고딕" panose="020B0503020000020004" pitchFamily="50" charset="-127"/>
+                <a:ea typeface="맑은 고딕" panose="020B0503020000020004" pitchFamily="50" charset="-127"/>
+                <a:cs typeface="Segoe UI" panose="020B0502040204020203" pitchFamily="34" charset="0"/>
+              </a:rPr>
+              <a:t>엔드포인트는</a:t>
+            </a:r>
+            <a:r>
+              <a:rPr lang="ko-KR" altLang="en-US" sz="1600" dirty="0">
+                <a:solidFill>
+                  <a:schemeClr val="tx1"/>
+                </a:solidFill>
+                <a:latin typeface="맑은 고딕" panose="020B0503020000020004" pitchFamily="50" charset="-127"/>
+                <a:ea typeface="맑은 고딕" panose="020B0503020000020004" pitchFamily="50" charset="-127"/>
+                <a:cs typeface="Segoe UI" panose="020B0502040204020203" pitchFamily="34" charset="0"/>
+              </a:rPr>
+              <a:t> 네트워크에 연결되어 있는 끝점</a:t>
+            </a:r>
+            <a:r>
+              <a:rPr lang="en-US" altLang="ko-KR" sz="1600" dirty="0">
+                <a:solidFill>
+                  <a:schemeClr val="tx1"/>
+                </a:solidFill>
+                <a:latin typeface="맑은 고딕" panose="020B0503020000020004" pitchFamily="50" charset="-127"/>
+                <a:ea typeface="맑은 고딕" panose="020B0503020000020004" pitchFamily="50" charset="-127"/>
+                <a:cs typeface="Segoe UI" panose="020B0502040204020203" pitchFamily="34" charset="0"/>
+              </a:rPr>
+              <a:t>(</a:t>
+            </a:r>
+            <a:r>
+              <a:rPr lang="ko-KR" altLang="en-US" sz="1600" dirty="0">
+                <a:solidFill>
+                  <a:schemeClr val="tx1"/>
+                </a:solidFill>
+                <a:latin typeface="맑은 고딕" panose="020B0503020000020004" pitchFamily="50" charset="-127"/>
+                <a:ea typeface="맑은 고딕" panose="020B0503020000020004" pitchFamily="50" charset="-127"/>
+                <a:cs typeface="Segoe UI" panose="020B0502040204020203" pitchFamily="34" charset="0"/>
+              </a:rPr>
+              <a:t>최종장치</a:t>
+            </a:r>
+            <a:r>
+              <a:rPr lang="en-US" altLang="ko-KR" sz="1600" dirty="0">
+                <a:solidFill>
+                  <a:schemeClr val="tx1"/>
+                </a:solidFill>
+                <a:latin typeface="맑은 고딕" panose="020B0503020000020004" pitchFamily="50" charset="-127"/>
+                <a:ea typeface="맑은 고딕" panose="020B0503020000020004" pitchFamily="50" charset="-127"/>
+                <a:cs typeface="Segoe UI" panose="020B0502040204020203" pitchFamily="34" charset="0"/>
+              </a:rPr>
+              <a:t>)</a:t>
+            </a:r>
+            <a:r>
+              <a:rPr lang="ko-KR" altLang="en-US" sz="1600" dirty="0">
+                <a:solidFill>
+                  <a:schemeClr val="tx1"/>
+                </a:solidFill>
+                <a:latin typeface="맑은 고딕" panose="020B0503020000020004" pitchFamily="50" charset="-127"/>
+                <a:ea typeface="맑은 고딕" panose="020B0503020000020004" pitchFamily="50" charset="-127"/>
+                <a:cs typeface="Segoe UI" panose="020B0502040204020203" pitchFamily="34" charset="0"/>
+              </a:rPr>
+              <a:t>인 전자기기</a:t>
+            </a:r>
+            <a:r>
+              <a:rPr lang="en-US" altLang="ko-KR" sz="1600" dirty="0">
+                <a:solidFill>
+                  <a:schemeClr val="tx1"/>
+                </a:solidFill>
+                <a:latin typeface="맑은 고딕" panose="020B0503020000020004" pitchFamily="50" charset="-127"/>
+                <a:ea typeface="맑은 고딕" panose="020B0503020000020004" pitchFamily="50" charset="-127"/>
+                <a:cs typeface="Segoe UI" panose="020B0502040204020203" pitchFamily="34" charset="0"/>
+              </a:rPr>
+              <a:t>(</a:t>
+            </a:r>
+            <a:r>
+              <a:rPr lang="ko-KR" altLang="en-US" sz="1600" dirty="0">
+                <a:solidFill>
+                  <a:schemeClr val="tx1"/>
+                </a:solidFill>
+                <a:latin typeface="맑은 고딕" panose="020B0503020000020004" pitchFamily="50" charset="-127"/>
+                <a:ea typeface="맑은 고딕" panose="020B0503020000020004" pitchFamily="50" charset="-127"/>
+                <a:cs typeface="Segoe UI" panose="020B0502040204020203" pitchFamily="34" charset="0"/>
+              </a:rPr>
+              <a:t>스마트폰 </a:t>
+            </a:r>
+            <a:r>
+              <a:rPr lang="en-US" altLang="ko-KR" sz="1600" dirty="0">
+                <a:solidFill>
+                  <a:schemeClr val="tx1"/>
+                </a:solidFill>
+                <a:latin typeface="맑은 고딕" panose="020B0503020000020004" pitchFamily="50" charset="-127"/>
+                <a:ea typeface="맑은 고딕" panose="020B0503020000020004" pitchFamily="50" charset="-127"/>
+                <a:cs typeface="Segoe UI" panose="020B0502040204020203" pitchFamily="34" charset="0"/>
+              </a:rPr>
+              <a:t>, </a:t>
+            </a:r>
+            <a:r>
+              <a:rPr lang="ko-KR" altLang="en-US" sz="1600" dirty="0">
+                <a:solidFill>
+                  <a:schemeClr val="tx1"/>
+                </a:solidFill>
+                <a:latin typeface="맑은 고딕" panose="020B0503020000020004" pitchFamily="50" charset="-127"/>
+                <a:ea typeface="맑은 고딕" panose="020B0503020000020004" pitchFamily="50" charset="-127"/>
+                <a:cs typeface="Segoe UI" panose="020B0502040204020203" pitchFamily="34" charset="0"/>
+              </a:rPr>
+              <a:t>데스크탑</a:t>
+            </a:r>
+            <a:r>
+              <a:rPr lang="en-US" altLang="ko-KR" sz="1600" dirty="0">
+                <a:solidFill>
+                  <a:schemeClr val="tx1"/>
+                </a:solidFill>
+                <a:latin typeface="맑은 고딕" panose="020B0503020000020004" pitchFamily="50" charset="-127"/>
+                <a:ea typeface="맑은 고딕" panose="020B0503020000020004" pitchFamily="50" charset="-127"/>
+                <a:cs typeface="Segoe UI" panose="020B0502040204020203" pitchFamily="34" charset="0"/>
+              </a:rPr>
+              <a:t>)</a:t>
+            </a:r>
+            <a:r>
+              <a:rPr lang="ko-KR" altLang="en-US" sz="1600" dirty="0">
+                <a:solidFill>
+                  <a:schemeClr val="tx1"/>
+                </a:solidFill>
+                <a:latin typeface="맑은 고딕" panose="020B0503020000020004" pitchFamily="50" charset="-127"/>
+                <a:ea typeface="맑은 고딕" panose="020B0503020000020004" pitchFamily="50" charset="-127"/>
+                <a:cs typeface="Segoe UI" panose="020B0502040204020203" pitchFamily="34" charset="0"/>
+              </a:rPr>
+              <a:t>을 말한다</a:t>
+            </a:r>
+            <a:r>
+              <a:rPr lang="en-US" altLang="ko-KR" sz="1600" dirty="0">
+                <a:solidFill>
+                  <a:schemeClr val="tx1"/>
+                </a:solidFill>
+                <a:latin typeface="맑은 고딕" panose="020B0503020000020004" pitchFamily="50" charset="-127"/>
+                <a:ea typeface="맑은 고딕" panose="020B0503020000020004" pitchFamily="50" charset="-127"/>
+                <a:cs typeface="Segoe UI" panose="020B0502040204020203" pitchFamily="34" charset="0"/>
+              </a:rPr>
+              <a:t>. </a:t>
+            </a:r>
+          </a:p>
+          <a:p>
+            <a:pPr marL="0" lvl="0" indent="0" rtl="0">
+              <a:spcAft>
+                <a:spcPts val="600"/>
+              </a:spcAft>
+              <a:buNone/>
+              <a:defRPr/>
+            </a:pPr>
+            <a:endParaRPr lang="en-US" altLang="ko-KR" sz="1600" dirty="0">
+              <a:solidFill>
+                <a:schemeClr val="tx1"/>
+              </a:solidFill>
+              <a:latin typeface="맑은 고딕" panose="020B0503020000020004" pitchFamily="50" charset="-127"/>
+              <a:ea typeface="맑은 고딕" panose="020B0503020000020004" pitchFamily="50" charset="-127"/>
+              <a:cs typeface="Segoe UI" panose="020B0502040204020203" pitchFamily="34" charset="0"/>
+            </a:endParaRPr>
+          </a:p>
+          <a:p>
+            <a:pPr marL="0" lvl="0" indent="0" rtl="0">
+              <a:spcAft>
+                <a:spcPts val="600"/>
+              </a:spcAft>
+              <a:buNone/>
+              <a:defRPr/>
+            </a:pPr>
+            <a:endParaRPr lang="en-US" altLang="ko-KR" sz="1600" dirty="0">
+              <a:solidFill>
+                <a:schemeClr val="tx1"/>
+              </a:solidFill>
+              <a:latin typeface="맑은 고딕" panose="020B0503020000020004" pitchFamily="50" charset="-127"/>
+              <a:ea typeface="맑은 고딕" panose="020B0503020000020004" pitchFamily="50" charset="-127"/>
+              <a:cs typeface="Segoe UI" panose="020B0502040204020203" pitchFamily="34" charset="0"/>
+            </a:endParaRPr>
+          </a:p>
+          <a:p>
+            <a:pPr marL="0" lvl="0" indent="0" rtl="0">
+              <a:spcAft>
+                <a:spcPts val="600"/>
+              </a:spcAft>
+              <a:buNone/>
+              <a:defRPr/>
+            </a:pPr>
+            <a:endParaRPr lang="en-US" altLang="ko-KR" sz="1600" dirty="0">
+              <a:solidFill>
+                <a:schemeClr val="tx1"/>
+              </a:solidFill>
+              <a:latin typeface="맑은 고딕" panose="020B0503020000020004" pitchFamily="50" charset="-127"/>
+              <a:ea typeface="맑은 고딕" panose="020B0503020000020004" pitchFamily="50" charset="-127"/>
+              <a:cs typeface="Segoe UI" panose="020B0502040204020203" pitchFamily="34" charset="0"/>
+            </a:endParaRPr>
+          </a:p>
+          <a:p>
+            <a:pPr marL="0" lvl="0" indent="0" rtl="0">
+              <a:spcAft>
+                <a:spcPts val="600"/>
+              </a:spcAft>
+              <a:buNone/>
+              <a:defRPr/>
+            </a:pPr>
+            <a:endParaRPr lang="en-US" altLang="ko-KR" sz="1600" dirty="0">
+              <a:solidFill>
+                <a:schemeClr val="tx1"/>
+              </a:solidFill>
+              <a:latin typeface="맑은 고딕" panose="020B0503020000020004" pitchFamily="50" charset="-127"/>
+              <a:ea typeface="맑은 고딕" panose="020B0503020000020004" pitchFamily="50" charset="-127"/>
+              <a:cs typeface="Segoe UI" panose="020B0502040204020203" pitchFamily="34" charset="0"/>
+            </a:endParaRPr>
+          </a:p>
+          <a:p>
+            <a:pPr marL="0" lvl="0" indent="0" rtl="0">
+              <a:spcAft>
+                <a:spcPts val="600"/>
+              </a:spcAft>
+              <a:buNone/>
+              <a:defRPr/>
+            </a:pPr>
+            <a:endParaRPr lang="en-US" altLang="ko-KR" sz="1600" dirty="0">
+              <a:solidFill>
+                <a:schemeClr val="tx1"/>
+              </a:solidFill>
+              <a:latin typeface="맑은 고딕" panose="020B0503020000020004" pitchFamily="50" charset="-127"/>
+              <a:ea typeface="맑은 고딕" panose="020B0503020000020004" pitchFamily="50" charset="-127"/>
+              <a:cs typeface="Segoe UI" panose="020B0502040204020203" pitchFamily="34" charset="0"/>
+            </a:endParaRPr>
+          </a:p>
+          <a:p>
+            <a:pPr marL="0" lvl="0" indent="0" rtl="0">
+              <a:spcAft>
+                <a:spcPts val="600"/>
+              </a:spcAft>
+              <a:buNone/>
+              <a:defRPr/>
+            </a:pPr>
+            <a:r>
+              <a:rPr lang="ko-KR" altLang="en-US" sz="1600" dirty="0">
+                <a:solidFill>
+                  <a:schemeClr val="tx1"/>
+                </a:solidFill>
+                <a:latin typeface="맑은 고딕" panose="020B0503020000020004" pitchFamily="50" charset="-127"/>
+                <a:ea typeface="맑은 고딕" panose="020B0503020000020004" pitchFamily="50" charset="-127"/>
+                <a:cs typeface="Segoe UI" panose="020B0502040204020203" pitchFamily="34" charset="0"/>
+              </a:rPr>
+              <a:t>작동원리</a:t>
+            </a:r>
+            <a:endParaRPr lang="en-US" altLang="ko-KR" sz="1600" dirty="0">
+              <a:solidFill>
+                <a:schemeClr val="tx1"/>
+              </a:solidFill>
+              <a:latin typeface="맑은 고딕" panose="020B0503020000020004" pitchFamily="50" charset="-127"/>
+              <a:ea typeface="맑은 고딕" panose="020B0503020000020004" pitchFamily="50" charset="-127"/>
+              <a:cs typeface="Segoe UI" panose="020B0502040204020203" pitchFamily="34" charset="0"/>
+            </a:endParaRPr>
+          </a:p>
+          <a:p>
+            <a:pPr marL="0" lvl="0" indent="0" rtl="0">
+              <a:spcAft>
+                <a:spcPts val="600"/>
+              </a:spcAft>
+              <a:buNone/>
+              <a:defRPr/>
+            </a:pPr>
+            <a:r>
+              <a:rPr lang="en-US" altLang="ko-KR" sz="1600" dirty="0">
+                <a:solidFill>
+                  <a:schemeClr val="tx1"/>
+                </a:solidFill>
+                <a:latin typeface="맑은 고딕" panose="020B0503020000020004" pitchFamily="50" charset="-127"/>
+                <a:ea typeface="맑은 고딕" panose="020B0503020000020004" pitchFamily="50" charset="-127"/>
+                <a:cs typeface="Segoe UI" panose="020B0502040204020203" pitchFamily="34" charset="0"/>
+              </a:rPr>
+              <a:t>1. </a:t>
+            </a:r>
+            <a:r>
+              <a:rPr lang="ko-KR" altLang="en-US" sz="1600" dirty="0">
+                <a:solidFill>
+                  <a:schemeClr val="tx1"/>
+                </a:solidFill>
+                <a:latin typeface="맑은 고딕" panose="020B0503020000020004" pitchFamily="50" charset="-127"/>
+                <a:ea typeface="맑은 고딕" panose="020B0503020000020004" pitchFamily="50" charset="-127"/>
+                <a:cs typeface="Segoe UI" panose="020B0502040204020203" pitchFamily="34" charset="0"/>
+              </a:rPr>
+              <a:t>엔드 포인트에서 프로세스 생성</a:t>
+            </a:r>
+            <a:r>
+              <a:rPr lang="en-US" altLang="ko-KR" sz="1600" dirty="0">
+                <a:solidFill>
+                  <a:schemeClr val="tx1"/>
+                </a:solidFill>
+                <a:latin typeface="맑은 고딕" panose="020B0503020000020004" pitchFamily="50" charset="-127"/>
+                <a:ea typeface="맑은 고딕" panose="020B0503020000020004" pitchFamily="50" charset="-127"/>
+                <a:cs typeface="Segoe UI" panose="020B0502040204020203" pitchFamily="34" charset="0"/>
+              </a:rPr>
+              <a:t>, </a:t>
+            </a:r>
+            <a:r>
+              <a:rPr lang="ko-KR" altLang="en-US" sz="1600" dirty="0">
+                <a:solidFill>
+                  <a:schemeClr val="tx1"/>
+                </a:solidFill>
+                <a:latin typeface="맑은 고딕" panose="020B0503020000020004" pitchFamily="50" charset="-127"/>
+                <a:ea typeface="맑은 고딕" panose="020B0503020000020004" pitchFamily="50" charset="-127"/>
+                <a:cs typeface="Segoe UI" panose="020B0502040204020203" pitchFamily="34" charset="0"/>
+              </a:rPr>
+              <a:t>레지스트리 변경</a:t>
+            </a:r>
+            <a:r>
+              <a:rPr lang="en-US" altLang="ko-KR" sz="1600" dirty="0">
+                <a:solidFill>
+                  <a:schemeClr val="tx1"/>
+                </a:solidFill>
+                <a:latin typeface="맑은 고딕" panose="020B0503020000020004" pitchFamily="50" charset="-127"/>
+                <a:ea typeface="맑은 고딕" panose="020B0503020000020004" pitchFamily="50" charset="-127"/>
+                <a:cs typeface="Segoe UI" panose="020B0502040204020203" pitchFamily="34" charset="0"/>
+              </a:rPr>
+              <a:t>, </a:t>
+            </a:r>
+            <a:r>
+              <a:rPr lang="ko-KR" altLang="en-US" sz="1600" dirty="0">
+                <a:solidFill>
+                  <a:schemeClr val="tx1"/>
+                </a:solidFill>
+                <a:latin typeface="맑은 고딕" panose="020B0503020000020004" pitchFamily="50" charset="-127"/>
+                <a:ea typeface="맑은 고딕" panose="020B0503020000020004" pitchFamily="50" charset="-127"/>
+                <a:cs typeface="Segoe UI" panose="020B0502040204020203" pitchFamily="34" charset="0"/>
+              </a:rPr>
+              <a:t>인터넷 접속기록</a:t>
+            </a:r>
+            <a:r>
+              <a:rPr lang="en-US" altLang="ko-KR" sz="1600" dirty="0">
+                <a:solidFill>
+                  <a:schemeClr val="tx1"/>
+                </a:solidFill>
+                <a:latin typeface="맑은 고딕" panose="020B0503020000020004" pitchFamily="50" charset="-127"/>
+                <a:ea typeface="맑은 고딕" panose="020B0503020000020004" pitchFamily="50" charset="-127"/>
+                <a:cs typeface="Segoe UI" panose="020B0502040204020203" pitchFamily="34" charset="0"/>
+              </a:rPr>
+              <a:t>, </a:t>
+            </a:r>
+            <a:r>
+              <a:rPr lang="ko-KR" altLang="en-US" sz="1600" dirty="0">
+                <a:solidFill>
+                  <a:schemeClr val="tx1"/>
+                </a:solidFill>
+                <a:latin typeface="맑은 고딕" panose="020B0503020000020004" pitchFamily="50" charset="-127"/>
+                <a:ea typeface="맑은 고딕" panose="020B0503020000020004" pitchFamily="50" charset="-127"/>
+                <a:cs typeface="Segoe UI" panose="020B0502040204020203" pitchFamily="34" charset="0"/>
+              </a:rPr>
+              <a:t>파일 다운로드 등 다양한 정보를 수집한다</a:t>
+            </a:r>
+            <a:r>
+              <a:rPr lang="en-US" altLang="ko-KR" sz="1600" dirty="0">
+                <a:solidFill>
+                  <a:schemeClr val="tx1"/>
+                </a:solidFill>
+                <a:latin typeface="맑은 고딕" panose="020B0503020000020004" pitchFamily="50" charset="-127"/>
+                <a:ea typeface="맑은 고딕" panose="020B0503020000020004" pitchFamily="50" charset="-127"/>
+                <a:cs typeface="Segoe UI" panose="020B0502040204020203" pitchFamily="34" charset="0"/>
+              </a:rPr>
+              <a:t>.</a:t>
+            </a:r>
+          </a:p>
+          <a:p>
+            <a:pPr marL="0" lvl="0" indent="0" rtl="0">
+              <a:spcAft>
+                <a:spcPts val="600"/>
+              </a:spcAft>
+              <a:buNone/>
+              <a:defRPr/>
+            </a:pPr>
+            <a:r>
+              <a:rPr lang="ko-KR" altLang="en-US" sz="1600" dirty="0">
+                <a:solidFill>
+                  <a:schemeClr val="tx1"/>
+                </a:solidFill>
+                <a:latin typeface="맑은 고딕" panose="020B0503020000020004" pitchFamily="50" charset="-127"/>
+                <a:ea typeface="맑은 고딕" panose="020B0503020000020004" pitchFamily="50" charset="-127"/>
+                <a:cs typeface="Segoe UI" panose="020B0502040204020203" pitchFamily="34" charset="0"/>
+              </a:rPr>
+              <a:t>수집 정보는 </a:t>
+            </a:r>
+            <a:r>
+              <a:rPr lang="en-US" altLang="ko-KR" sz="1600" dirty="0">
+                <a:solidFill>
+                  <a:schemeClr val="tx1"/>
+                </a:solidFill>
+                <a:latin typeface="맑은 고딕" panose="020B0503020000020004" pitchFamily="50" charset="-127"/>
+                <a:ea typeface="맑은 고딕" panose="020B0503020000020004" pitchFamily="50" charset="-127"/>
+                <a:cs typeface="Segoe UI" panose="020B0502040204020203" pitchFamily="34" charset="0"/>
+              </a:rPr>
+              <a:t>EDR </a:t>
+            </a:r>
+            <a:r>
+              <a:rPr lang="ko-KR" altLang="en-US" sz="1600" dirty="0">
+                <a:solidFill>
+                  <a:schemeClr val="tx1"/>
+                </a:solidFill>
+                <a:latin typeface="맑은 고딕" panose="020B0503020000020004" pitchFamily="50" charset="-127"/>
+                <a:ea typeface="맑은 고딕" panose="020B0503020000020004" pitchFamily="50" charset="-127"/>
+                <a:cs typeface="Segoe UI" panose="020B0502040204020203" pitchFamily="34" charset="0"/>
+              </a:rPr>
+              <a:t>서버로 전송 및 분석</a:t>
+            </a:r>
+            <a:endParaRPr lang="en-US" altLang="ko-KR" sz="1600" dirty="0">
+              <a:solidFill>
+                <a:schemeClr val="tx1"/>
+              </a:solidFill>
+              <a:latin typeface="맑은 고딕" panose="020B0503020000020004" pitchFamily="50" charset="-127"/>
+              <a:ea typeface="맑은 고딕" panose="020B0503020000020004" pitchFamily="50" charset="-127"/>
+              <a:cs typeface="Segoe UI" panose="020B0502040204020203" pitchFamily="34" charset="0"/>
+            </a:endParaRPr>
+          </a:p>
+          <a:p>
+            <a:pPr marL="0" lvl="0" indent="0" rtl="0">
+              <a:spcAft>
+                <a:spcPts val="600"/>
+              </a:spcAft>
+              <a:buNone/>
+              <a:defRPr/>
+            </a:pPr>
+            <a:r>
+              <a:rPr lang="en-US" altLang="ko-KR" sz="1600" dirty="0">
+                <a:solidFill>
+                  <a:schemeClr val="tx1"/>
+                </a:solidFill>
+                <a:latin typeface="맑은 고딕" panose="020B0503020000020004" pitchFamily="50" charset="-127"/>
+                <a:ea typeface="맑은 고딕" panose="020B0503020000020004" pitchFamily="50" charset="-127"/>
+                <a:cs typeface="Segoe UI" panose="020B0502040204020203" pitchFamily="34" charset="0"/>
+              </a:rPr>
+              <a:t>2. </a:t>
+            </a:r>
+            <a:r>
+              <a:rPr lang="ko-KR" altLang="en-US" sz="1600" dirty="0">
+                <a:solidFill>
+                  <a:schemeClr val="tx1"/>
+                </a:solidFill>
+                <a:latin typeface="맑은 고딕" panose="020B0503020000020004" pitchFamily="50" charset="-127"/>
+                <a:ea typeface="맑은 고딕" panose="020B0503020000020004" pitchFamily="50" charset="-127"/>
+                <a:cs typeface="Segoe UI" panose="020B0502040204020203" pitchFamily="34" charset="0"/>
+              </a:rPr>
+              <a:t>악성코드로 판명된 정보가 있을 경우 해당 패턴을 </a:t>
+            </a:r>
+            <a:r>
+              <a:rPr lang="en-US" altLang="ko-KR" sz="1600" dirty="0">
+                <a:solidFill>
+                  <a:schemeClr val="tx1"/>
+                </a:solidFill>
+                <a:latin typeface="맑은 고딕" panose="020B0503020000020004" pitchFamily="50" charset="-127"/>
+                <a:ea typeface="맑은 고딕" panose="020B0503020000020004" pitchFamily="50" charset="-127"/>
+                <a:cs typeface="Segoe UI" panose="020B0502040204020203" pitchFamily="34" charset="0"/>
+              </a:rPr>
+              <a:t>EDR</a:t>
+            </a:r>
+            <a:r>
+              <a:rPr lang="ko-KR" altLang="en-US" sz="1600" dirty="0">
+                <a:solidFill>
+                  <a:schemeClr val="tx1"/>
+                </a:solidFill>
+                <a:latin typeface="맑은 고딕" panose="020B0503020000020004" pitchFamily="50" charset="-127"/>
+                <a:ea typeface="맑은 고딕" panose="020B0503020000020004" pitchFamily="50" charset="-127"/>
+                <a:cs typeface="Segoe UI" panose="020B0502040204020203" pitchFamily="34" charset="0"/>
+              </a:rPr>
+              <a:t>엔진에 업데이트 한다</a:t>
+            </a:r>
+            <a:r>
+              <a:rPr lang="en-US" altLang="ko-KR" sz="1600" dirty="0">
+                <a:solidFill>
+                  <a:schemeClr val="tx1"/>
+                </a:solidFill>
+                <a:latin typeface="맑은 고딕" panose="020B0503020000020004" pitchFamily="50" charset="-127"/>
+                <a:ea typeface="맑은 고딕" panose="020B0503020000020004" pitchFamily="50" charset="-127"/>
+                <a:cs typeface="Segoe UI" panose="020B0502040204020203" pitchFamily="34" charset="0"/>
+              </a:rPr>
+              <a:t>. </a:t>
+            </a:r>
+            <a:r>
+              <a:rPr lang="ko-KR" altLang="en-US" sz="1600" dirty="0">
+                <a:solidFill>
+                  <a:schemeClr val="tx1"/>
+                </a:solidFill>
+                <a:latin typeface="맑은 고딕" panose="020B0503020000020004" pitchFamily="50" charset="-127"/>
+                <a:ea typeface="맑은 고딕" panose="020B0503020000020004" pitchFamily="50" charset="-127"/>
+                <a:cs typeface="Segoe UI" panose="020B0502040204020203" pitchFamily="34" charset="0"/>
+              </a:rPr>
+              <a:t>사내와 외부 클라우드 </a:t>
+            </a:r>
+            <a:r>
+              <a:rPr lang="en-US" altLang="ko-KR" sz="1600" dirty="0">
+                <a:solidFill>
+                  <a:schemeClr val="tx1"/>
+                </a:solidFill>
+                <a:latin typeface="맑은 고딕" panose="020B0503020000020004" pitchFamily="50" charset="-127"/>
+                <a:ea typeface="맑은 고딕" panose="020B0503020000020004" pitchFamily="50" charset="-127"/>
+                <a:cs typeface="Segoe UI" panose="020B0502040204020203" pitchFamily="34" charset="0"/>
+              </a:rPr>
+              <a:t>EDR</a:t>
+            </a:r>
+            <a:r>
+              <a:rPr lang="ko-KR" altLang="en-US" sz="1600" dirty="0">
+                <a:solidFill>
+                  <a:schemeClr val="tx1"/>
+                </a:solidFill>
+                <a:latin typeface="맑은 고딕" panose="020B0503020000020004" pitchFamily="50" charset="-127"/>
+                <a:ea typeface="맑은 고딕" panose="020B0503020000020004" pitchFamily="50" charset="-127"/>
+                <a:cs typeface="Segoe UI" panose="020B0502040204020203" pitchFamily="34" charset="0"/>
+              </a:rPr>
+              <a:t> 서버에도 적용되기 때문에 악성행위에 대응 가능</a:t>
+            </a:r>
+            <a:endParaRPr lang="en-US" altLang="ko-KR" sz="1600" dirty="0">
+              <a:solidFill>
+                <a:schemeClr val="tx1"/>
+              </a:solidFill>
+              <a:latin typeface="맑은 고딕" panose="020B0503020000020004" pitchFamily="50" charset="-127"/>
+              <a:ea typeface="맑은 고딕" panose="020B0503020000020004" pitchFamily="50" charset="-127"/>
+              <a:cs typeface="Segoe UI" panose="020B0502040204020203" pitchFamily="34" charset="0"/>
+            </a:endParaRPr>
+          </a:p>
+          <a:p>
+            <a:pPr marL="0" lvl="0" indent="0" rtl="0">
+              <a:spcAft>
+                <a:spcPts val="600"/>
+              </a:spcAft>
+              <a:buNone/>
+              <a:defRPr/>
+            </a:pPr>
+            <a:r>
+              <a:rPr lang="en-US" altLang="ko-KR" sz="1600" dirty="0">
+                <a:solidFill>
+                  <a:schemeClr val="tx1"/>
+                </a:solidFill>
+                <a:latin typeface="맑은 고딕" panose="020B0503020000020004" pitchFamily="50" charset="-127"/>
+                <a:ea typeface="맑은 고딕" panose="020B0503020000020004" pitchFamily="50" charset="-127"/>
+                <a:cs typeface="Segoe UI" panose="020B0502040204020203" pitchFamily="34" charset="0"/>
+              </a:rPr>
+              <a:t>3. </a:t>
+            </a:r>
+            <a:r>
+              <a:rPr lang="ko-KR" altLang="en-US" sz="1600" dirty="0">
+                <a:solidFill>
+                  <a:schemeClr val="tx1"/>
+                </a:solidFill>
+                <a:latin typeface="맑은 고딕" panose="020B0503020000020004" pitchFamily="50" charset="-127"/>
+                <a:ea typeface="맑은 고딕" panose="020B0503020000020004" pitchFamily="50" charset="-127"/>
+                <a:cs typeface="Segoe UI" panose="020B0502040204020203" pitchFamily="34" charset="0"/>
+              </a:rPr>
+              <a:t>패턴 업데이트 부분에서 안티바이러스와의 차이점이 있다면 안티바이러스는 </a:t>
+            </a:r>
+            <a:r>
+              <a:rPr lang="ko-KR" altLang="en-US" sz="1600" dirty="0" err="1">
+                <a:solidFill>
+                  <a:schemeClr val="tx1"/>
+                </a:solidFill>
+                <a:latin typeface="맑은 고딕" panose="020B0503020000020004" pitchFamily="50" charset="-127"/>
+                <a:ea typeface="맑은 고딕" panose="020B0503020000020004" pitchFamily="50" charset="-127"/>
+                <a:cs typeface="Segoe UI" panose="020B0502040204020203" pitchFamily="34" charset="0"/>
+              </a:rPr>
+              <a:t>시그니처</a:t>
+            </a:r>
+            <a:r>
+              <a:rPr lang="ko-KR" altLang="en-US" sz="1600" dirty="0">
+                <a:solidFill>
+                  <a:schemeClr val="tx1"/>
+                </a:solidFill>
+                <a:latin typeface="맑은 고딕" panose="020B0503020000020004" pitchFamily="50" charset="-127"/>
+                <a:ea typeface="맑은 고딕" panose="020B0503020000020004" pitchFamily="50" charset="-127"/>
+                <a:cs typeface="Segoe UI" panose="020B0502040204020203" pitchFamily="34" charset="0"/>
+              </a:rPr>
+              <a:t> 기반의 탐지방식을 사용하고 있으며 </a:t>
+            </a:r>
+            <a:r>
+              <a:rPr lang="en-US" altLang="ko-KR" sz="1600" dirty="0">
+                <a:solidFill>
+                  <a:schemeClr val="tx1"/>
+                </a:solidFill>
+                <a:latin typeface="맑은 고딕" panose="020B0503020000020004" pitchFamily="50" charset="-127"/>
+                <a:ea typeface="맑은 고딕" panose="020B0503020000020004" pitchFamily="50" charset="-127"/>
+                <a:cs typeface="Segoe UI" panose="020B0502040204020203" pitchFamily="34" charset="0"/>
+              </a:rPr>
+              <a:t>EDR</a:t>
+            </a:r>
+            <a:r>
+              <a:rPr lang="ko-KR" altLang="en-US" sz="1600" dirty="0">
+                <a:solidFill>
+                  <a:schemeClr val="tx1"/>
+                </a:solidFill>
+                <a:latin typeface="맑은 고딕" panose="020B0503020000020004" pitchFamily="50" charset="-127"/>
+                <a:ea typeface="맑은 고딕" panose="020B0503020000020004" pitchFamily="50" charset="-127"/>
+                <a:cs typeface="Segoe UI" panose="020B0502040204020203" pitchFamily="34" charset="0"/>
+              </a:rPr>
+              <a:t>은 행위기반을 통해 탐지한다</a:t>
+            </a:r>
+            <a:r>
+              <a:rPr lang="en-US" altLang="ko-KR" sz="1600" dirty="0">
+                <a:solidFill>
+                  <a:schemeClr val="tx1"/>
+                </a:solidFill>
+                <a:latin typeface="맑은 고딕" panose="020B0503020000020004" pitchFamily="50" charset="-127"/>
+                <a:ea typeface="맑은 고딕" panose="020B0503020000020004" pitchFamily="50" charset="-127"/>
+                <a:cs typeface="Segoe UI" panose="020B0502040204020203" pitchFamily="34" charset="0"/>
+              </a:rPr>
+              <a:t>.</a:t>
+            </a:r>
+          </a:p>
+        </p:txBody>
+      </p:sp>
+      <p:pic>
+        <p:nvPicPr>
+          <p:cNvPr id="1026" name="Picture 2">
+            <a:extLst>
+              <a:ext uri="{FF2B5EF4-FFF2-40B4-BE49-F238E27FC236}">
+                <a16:creationId xmlns:a16="http://schemas.microsoft.com/office/drawing/2014/main" id="{6729E0D5-62F6-4FA0-89C6-649B9362888B}"/>
+              </a:ext>
+            </a:extLst>
+          </p:cNvPr>
+          <p:cNvPicPr>
+            <a:picLocks noChangeAspect="1" noChangeArrowheads="1"/>
+          </p:cNvPicPr>
+          <p:nvPr/>
+        </p:nvPicPr>
+        <p:blipFill>
+          <a:blip r:embed="rId3">
+            <a:extLst>
+              <a:ext uri="{28A0092B-C50C-407E-A947-70E740481C1C}">
+                <a14:useLocalDpi xmlns:a14="http://schemas.microsoft.com/office/drawing/2010/main" val="0"/>
+              </a:ext>
+            </a:extLst>
+          </a:blip>
+          <a:srcRect/>
+          <a:stretch>
+            <a:fillRect/>
+          </a:stretch>
+        </p:blipFill>
+        <p:spPr bwMode="auto">
+          <a:xfrm>
+            <a:off x="4340225" y="1739900"/>
+            <a:ext cx="3511550" cy="2049626"/>
+          </a:xfrm>
+          <a:prstGeom prst="rect">
+            <a:avLst/>
+          </a:prstGeom>
+          <a:noFill/>
+          <a:extLst>
+            <a:ext uri="{909E8E84-426E-40DD-AFC4-6F175D3DCCD1}">
+              <a14:hiddenFill xmlns:a14="http://schemas.microsoft.com/office/drawing/2010/main">
+                <a:solidFill>
+                  <a:srgbClr val="FFFFFF"/>
+                </a:solidFill>
+              </a14:hiddenFill>
+            </a:ext>
+          </a:extLst>
+        </p:spPr>
+      </p:pic>
+    </p:spTree>
+    <p:extLst>
+      <p:ext uri="{BB962C8B-B14F-4D97-AF65-F5344CB8AC3E}">
+        <p14:creationId xmlns:p14="http://schemas.microsoft.com/office/powerpoint/2010/main" val="1711254318"/>
+      </p:ext>
+    </p:extLst>
+  </p:cSld>
+  <p:clrMapOvr>
+    <a:masterClrMapping/>
+  </p:clrMapOvr>
+  <mc:AlternateContent xmlns:mc="http://schemas.openxmlformats.org/markup-compatibility/2006" xmlns:p14="http://schemas.microsoft.com/office/powerpoint/2010/main">
+    <mc:Choice Requires="p14">
+      <p:transition p14:dur="10"/>
+    </mc:Choice>
+    <mc:Fallback xmlns="">
+      <p:transition/>
+    </mc:Fallback>
+  </mc:AlternateContent>
+</p:sld>
+</file>
+
+<file path=ppt/slides/slide12.xml><?xml version="1.0" encoding="utf-8"?>
+<p:sld xmlns:a="http://schemas.openxmlformats.org/drawingml/2006/main" xmlns:r="http://schemas.openxmlformats.org/officeDocument/2006/relationships" xmlns:p="http://schemas.openxmlformats.org/presentationml/2006/main">
+  <p:cSld>
+    <p:spTree>
+      <p:nvGrpSpPr>
+        <p:cNvPr id="1" name=""/>
+        <p:cNvGrpSpPr/>
+        <p:nvPr/>
+      </p:nvGrpSpPr>
+      <p:grpSpPr>
+        <a:xfrm>
+          <a:off x="0" y="0"/>
+          <a:ext cx="0" cy="0"/>
+          <a:chOff x="0" y="0"/>
+          <a:chExt cx="0" cy="0"/>
+        </a:xfrm>
+      </p:grpSpPr>
+      <p:sp>
+        <p:nvSpPr>
+          <p:cNvPr id="8" name="제목 7"/>
+          <p:cNvSpPr>
+            <a:spLocks noGrp="1"/>
+          </p:cNvSpPr>
+          <p:nvPr>
+            <p:ph type="title"/>
+          </p:nvPr>
+        </p:nvSpPr>
+        <p:spPr>
+          <a:xfrm>
+            <a:off x="521206" y="448056"/>
+            <a:ext cx="8613915" cy="640080"/>
+          </a:xfrm>
+        </p:spPr>
+        <p:txBody>
+          <a:bodyPr rtlCol="0">
+            <a:noAutofit/>
+          </a:bodyPr>
+          <a:lstStyle/>
+          <a:p>
+            <a:pPr rtl="0"/>
+            <a:r>
+              <a:rPr lang="en-US" altLang="ko-KR" dirty="0">
+                <a:cs typeface="Segoe UI Light" panose="020B0502040204020203" pitchFamily="34" charset="0"/>
+              </a:rPr>
               <a:t>DLP (Data Loss Prevention)</a:t>
             </a:r>
             <a:endParaRPr lang="ko-KR" altLang="en-US" dirty="0">
@@ -4617,7 +6216,7 @@
 </p:sld>
 </file>
 
-<file path=ppt/slides/slide11.xml><?xml version="1.0" encoding="utf-8"?>
+<file path=ppt/slides/slide13.xml><?xml version="1.0" encoding="utf-8"?>
 <p:sld xmlns:a="http://schemas.openxmlformats.org/drawingml/2006/main" xmlns:r="http://schemas.openxmlformats.org/officeDocument/2006/relationships" xmlns:p="http://schemas.openxmlformats.org/presentationml/2006/main">
   <p:cSld>
     <p:spTree>
@@ -5481,7 +7080,7 @@
 </p:sld>
 </file>
 
-<file path=ppt/slides/slide12.xml><?xml version="1.0" encoding="utf-8"?>
+<file path=ppt/slides/slide14.xml><?xml version="1.0" encoding="utf-8"?>
 <p:sld xmlns:a="http://schemas.openxmlformats.org/drawingml/2006/main" xmlns:r="http://schemas.openxmlformats.org/officeDocument/2006/relationships" xmlns:p="http://schemas.openxmlformats.org/presentationml/2006/main">
   <p:cSld>
     <p:spTree>
@@ -5622,6 +7221,136 @@
 </file>
 
 <file path=ppt/slides/slide2.xml><?xml version="1.0" encoding="utf-8"?>
+<p:sld xmlns:a="http://schemas.openxmlformats.org/drawingml/2006/main" xmlns:r="http://schemas.openxmlformats.org/officeDocument/2006/relationships" xmlns:p="http://schemas.openxmlformats.org/presentationml/2006/main">
+  <p:cSld>
+    <p:spTree>
+      <p:nvGrpSpPr>
+        <p:cNvPr id="1" name=""/>
+        <p:cNvGrpSpPr/>
+        <p:nvPr/>
+      </p:nvGrpSpPr>
+      <p:grpSpPr>
+        <a:xfrm>
+          <a:off x="0" y="0"/>
+          <a:ext cx="0" cy="0"/>
+          <a:chOff x="0" y="0"/>
+          <a:chExt cx="0" cy="0"/>
+        </a:xfrm>
+      </p:grpSpPr>
+      <p:sp>
+        <p:nvSpPr>
+          <p:cNvPr id="8" name="제목 7"/>
+          <p:cNvSpPr>
+            <a:spLocks noGrp="1"/>
+          </p:cNvSpPr>
+          <p:nvPr>
+            <p:ph type="title"/>
+          </p:nvPr>
+        </p:nvSpPr>
+        <p:spPr>
+          <a:xfrm>
+            <a:off x="521206" y="448056"/>
+            <a:ext cx="8613915" cy="640080"/>
+          </a:xfrm>
+        </p:spPr>
+        <p:txBody>
+          <a:bodyPr rtlCol="0">
+            <a:noAutofit/>
+          </a:bodyPr>
+          <a:lstStyle/>
+          <a:p>
+            <a:pPr rtl="0"/>
+            <a:r>
+              <a:rPr lang="ko-KR" altLang="en-US" dirty="0">
+                <a:cs typeface="Segoe UI Light" panose="020B0502040204020203" pitchFamily="34" charset="0"/>
+              </a:rPr>
+              <a:t>소프트웨어 실행 차단 로직</a:t>
+            </a:r>
+          </a:p>
+        </p:txBody>
+      </p:sp>
+      <p:pic>
+        <p:nvPicPr>
+          <p:cNvPr id="5" name="그림 4">
+            <a:extLst>
+              <a:ext uri="{FF2B5EF4-FFF2-40B4-BE49-F238E27FC236}">
+                <a16:creationId xmlns:a16="http://schemas.microsoft.com/office/drawing/2014/main" id="{754AA04D-21CA-4754-AC5F-8973074581E0}"/>
+              </a:ext>
+            </a:extLst>
+          </p:cNvPr>
+          <p:cNvPicPr>
+            <a:picLocks noChangeAspect="1"/>
+          </p:cNvPicPr>
+          <p:nvPr/>
+        </p:nvPicPr>
+        <p:blipFill>
+          <a:blip r:embed="rId3"/>
+          <a:stretch>
+            <a:fillRect/>
+          </a:stretch>
+        </p:blipFill>
+        <p:spPr>
+          <a:xfrm>
+            <a:off x="694094" y="1295914"/>
+            <a:ext cx="4849456" cy="5114030"/>
+          </a:xfrm>
+          <a:prstGeom prst="rect">
+            <a:avLst/>
+          </a:prstGeom>
+        </p:spPr>
+      </p:pic>
+      <p:pic>
+        <p:nvPicPr>
+          <p:cNvPr id="7" name="그림 6" descr="텍스트이(가) 표시된 사진&#10;&#10;자동 생성된 설명">
+            <a:extLst>
+              <a:ext uri="{FF2B5EF4-FFF2-40B4-BE49-F238E27FC236}">
+                <a16:creationId xmlns:a16="http://schemas.microsoft.com/office/drawing/2014/main" id="{0EE5B21D-D991-4524-94AF-09E127718097}"/>
+              </a:ext>
+            </a:extLst>
+          </p:cNvPr>
+          <p:cNvPicPr>
+            <a:picLocks noChangeAspect="1"/>
+          </p:cNvPicPr>
+          <p:nvPr/>
+        </p:nvPicPr>
+        <p:blipFill>
+          <a:blip r:embed="rId4"/>
+          <a:stretch>
+            <a:fillRect/>
+          </a:stretch>
+        </p:blipFill>
+        <p:spPr>
+          <a:xfrm>
+            <a:off x="5720211" y="1295915"/>
+            <a:ext cx="5991399" cy="5114030"/>
+          </a:xfrm>
+          <a:prstGeom prst="rect">
+            <a:avLst/>
+          </a:prstGeom>
+        </p:spPr>
+      </p:pic>
+    </p:spTree>
+    <p:extLst>
+      <p:ext uri="{BB962C8B-B14F-4D97-AF65-F5344CB8AC3E}">
+        <p14:creationId xmlns:p14="http://schemas.microsoft.com/office/powerpoint/2010/main" val="1903841928"/>
+      </p:ext>
+    </p:extLst>
+  </p:cSld>
+  <p:clrMapOvr>
+    <a:masterClrMapping/>
+  </p:clrMapOvr>
+  <mc:AlternateContent xmlns:mc="http://schemas.openxmlformats.org/markup-compatibility/2006">
+    <mc:Choice xmlns:p14="http://schemas.microsoft.com/office/powerpoint/2010/main" Requires="p14">
+      <p:transition p14:dur="10"/>
+    </mc:Choice>
+    <mc:Fallback>
+      <p:transition/>
+    </mc:Fallback>
+  </mc:AlternateContent>
+</p:sld>
+</file>
+
+<file path=ppt/slides/slide3.xml><?xml version="1.0" encoding="utf-8"?>
 <p:sld xmlns:a="http://schemas.openxmlformats.org/drawingml/2006/main" xmlns:r="http://schemas.openxmlformats.org/officeDocument/2006/relationships" xmlns:p="http://schemas.openxmlformats.org/presentationml/2006/main">
   <p:cSld>
     <p:spTree>
@@ -6176,1104 +7905,6 @@
 </p:sld>
 </file>
 
-<file path=ppt/slides/slide3.xml><?xml version="1.0" encoding="utf-8"?>
-<p:sld xmlns:a="http://schemas.openxmlformats.org/drawingml/2006/main" xmlns:r="http://schemas.openxmlformats.org/officeDocument/2006/relationships" xmlns:p="http://schemas.openxmlformats.org/presentationml/2006/main">
-  <p:cSld>
-    <p:spTree>
-      <p:nvGrpSpPr>
-        <p:cNvPr id="1" name=""/>
-        <p:cNvGrpSpPr/>
-        <p:nvPr/>
-      </p:nvGrpSpPr>
-      <p:grpSpPr>
-        <a:xfrm>
-          <a:off x="0" y="0"/>
-          <a:ext cx="0" cy="0"/>
-          <a:chOff x="0" y="0"/>
-          <a:chExt cx="0" cy="0"/>
-        </a:xfrm>
-      </p:grpSpPr>
-      <p:sp>
-        <p:nvSpPr>
-          <p:cNvPr id="8" name="제목 7"/>
-          <p:cNvSpPr>
-            <a:spLocks noGrp="1"/>
-          </p:cNvSpPr>
-          <p:nvPr>
-            <p:ph type="title"/>
-          </p:nvPr>
-        </p:nvSpPr>
-        <p:spPr>
-          <a:xfrm>
-            <a:off x="521206" y="448056"/>
-            <a:ext cx="8613915" cy="640080"/>
-          </a:xfrm>
-        </p:spPr>
-        <p:txBody>
-          <a:bodyPr rtlCol="0">
-            <a:noAutofit/>
-          </a:bodyPr>
-          <a:lstStyle/>
-          <a:p>
-            <a:pPr rtl="0"/>
-            <a:r>
-              <a:rPr lang="ko-KR" altLang="en-US" dirty="0">
-                <a:cs typeface="Segoe UI Light" panose="020B0502040204020203" pitchFamily="34" charset="0"/>
-              </a:rPr>
-              <a:t>정보 유출 방지</a:t>
-            </a:r>
-          </a:p>
-        </p:txBody>
-      </p:sp>
-      <p:sp>
-        <p:nvSpPr>
-          <p:cNvPr id="38" name="내용 개체 틀 17"/>
-          <p:cNvSpPr txBox="1">
-            <a:spLocks/>
-          </p:cNvSpPr>
-          <p:nvPr/>
-        </p:nvSpPr>
-        <p:spPr>
-          <a:xfrm>
-            <a:off x="541610" y="1524708"/>
-            <a:ext cx="11142390" cy="4885236"/>
-          </a:xfrm>
-          <a:prstGeom prst="rect">
-            <a:avLst/>
-          </a:prstGeom>
-        </p:spPr>
-        <p:txBody>
-          <a:bodyPr vert="horz" lIns="91440" tIns="45720" rIns="91440" bIns="45720" rtlCol="0">
-            <a:normAutofit/>
-          </a:bodyPr>
-          <a:lstStyle>
-            <a:lvl1pPr marL="228600" indent="-228600" algn="l" defTabSz="914400" rtl="0" eaLnBrk="1" latinLnBrk="0" hangingPunct="1">
-              <a:lnSpc>
-                <a:spcPts val="1800"/>
-              </a:lnSpc>
-              <a:spcBef>
-                <a:spcPts val="1000"/>
-              </a:spcBef>
-              <a:spcAft>
-                <a:spcPts val="1000"/>
-              </a:spcAft>
-              <a:buFont typeface="Arial" panose="020B0604020202020204" pitchFamily="34" charset="0"/>
-              <a:buChar char="•"/>
-              <a:defRPr lang="en-US" sz="1200" kern="1200" smtClean="0">
-                <a:solidFill>
-                  <a:schemeClr val="tx1">
-                    <a:lumMod val="75000"/>
-                    <a:lumOff val="25000"/>
-                  </a:schemeClr>
-                </a:solidFill>
-                <a:latin typeface="+mn-lt"/>
-                <a:ea typeface="+mn-ea"/>
-                <a:cs typeface="+mn-cs"/>
-              </a:defRPr>
-            </a:lvl1pPr>
-            <a:lvl2pPr marL="685800" indent="-228600" algn="l" defTabSz="914400" rtl="0" eaLnBrk="1" latinLnBrk="0" hangingPunct="1">
-              <a:lnSpc>
-                <a:spcPts val="1800"/>
-              </a:lnSpc>
-              <a:spcBef>
-                <a:spcPts val="1000"/>
-              </a:spcBef>
-              <a:spcAft>
-                <a:spcPts val="1000"/>
-              </a:spcAft>
-              <a:buFont typeface="Arial" panose="020B0604020202020204" pitchFamily="34" charset="0"/>
-              <a:buChar char="•"/>
-              <a:defRPr lang="en-US" sz="1200" kern="1200" smtClean="0">
-                <a:solidFill>
-                  <a:schemeClr val="tx1">
-                    <a:lumMod val="75000"/>
-                    <a:lumOff val="25000"/>
-                  </a:schemeClr>
-                </a:solidFill>
-                <a:latin typeface="+mn-lt"/>
-                <a:ea typeface="+mn-ea"/>
-                <a:cs typeface="+mn-cs"/>
-              </a:defRPr>
-            </a:lvl2pPr>
-            <a:lvl3pPr marL="1143000" indent="-228600" algn="l" defTabSz="914400" rtl="0" eaLnBrk="1" latinLnBrk="0" hangingPunct="1">
-              <a:lnSpc>
-                <a:spcPts val="1800"/>
-              </a:lnSpc>
-              <a:spcBef>
-                <a:spcPts val="1000"/>
-              </a:spcBef>
-              <a:spcAft>
-                <a:spcPts val="1000"/>
-              </a:spcAft>
-              <a:buFont typeface="Arial" panose="020B0604020202020204" pitchFamily="34" charset="0"/>
-              <a:buChar char="•"/>
-              <a:defRPr lang="en-US" sz="1200" kern="1200" smtClean="0">
-                <a:solidFill>
-                  <a:schemeClr val="tx1">
-                    <a:lumMod val="75000"/>
-                    <a:lumOff val="25000"/>
-                  </a:schemeClr>
-                </a:solidFill>
-                <a:latin typeface="+mn-lt"/>
-                <a:ea typeface="+mn-ea"/>
-                <a:cs typeface="+mn-cs"/>
-              </a:defRPr>
-            </a:lvl3pPr>
-            <a:lvl4pPr marL="1600200" indent="-228600" algn="l" defTabSz="914400" rtl="0" eaLnBrk="1" latinLnBrk="0" hangingPunct="1">
-              <a:lnSpc>
-                <a:spcPts val="1800"/>
-              </a:lnSpc>
-              <a:spcBef>
-                <a:spcPts val="1000"/>
-              </a:spcBef>
-              <a:spcAft>
-                <a:spcPts val="1000"/>
-              </a:spcAft>
-              <a:buFont typeface="Arial" panose="020B0604020202020204" pitchFamily="34" charset="0"/>
-              <a:buChar char="•"/>
-              <a:defRPr lang="en-US" sz="1200" kern="1200" smtClean="0">
-                <a:solidFill>
-                  <a:schemeClr val="tx1">
-                    <a:lumMod val="75000"/>
-                    <a:lumOff val="25000"/>
-                  </a:schemeClr>
-                </a:solidFill>
-                <a:latin typeface="+mn-lt"/>
-                <a:ea typeface="+mn-ea"/>
-                <a:cs typeface="+mn-cs"/>
-              </a:defRPr>
-            </a:lvl4pPr>
-            <a:lvl5pPr marL="2057400" indent="-228600" algn="l" defTabSz="914400" rtl="0" eaLnBrk="1" latinLnBrk="0" hangingPunct="1">
-              <a:lnSpc>
-                <a:spcPts val="1800"/>
-              </a:lnSpc>
-              <a:spcBef>
-                <a:spcPts val="1000"/>
-              </a:spcBef>
-              <a:spcAft>
-                <a:spcPts val="1000"/>
-              </a:spcAft>
-              <a:buFont typeface="Arial" panose="020B0604020202020204" pitchFamily="34" charset="0"/>
-              <a:buChar char="•"/>
-              <a:defRPr lang="en-US" sz="1200" kern="1200">
-                <a:solidFill>
-                  <a:schemeClr val="tx1">
-                    <a:lumMod val="75000"/>
-                    <a:lumOff val="25000"/>
-                  </a:schemeClr>
-                </a:solidFill>
-                <a:latin typeface="+mn-lt"/>
-                <a:ea typeface="+mn-ea"/>
-                <a:cs typeface="+mn-cs"/>
-              </a:defRPr>
-            </a:lvl5pPr>
-            <a:lvl6pPr marL="2514600" indent="-228600" algn="l" defTabSz="914400" rtl="0" eaLnBrk="1" latinLnBrk="0" hangingPunct="1">
-              <a:lnSpc>
-                <a:spcPct val="90000"/>
-              </a:lnSpc>
-              <a:spcBef>
-                <a:spcPct val="30000"/>
-              </a:spcBef>
-              <a:buFont typeface="Arial" panose="020B0604020202020204" pitchFamily="34" charset="0"/>
-              <a:buChar char="•"/>
-              <a:defRPr sz="1800" kern="1200">
-                <a:solidFill>
-                  <a:schemeClr val="tx1"/>
-                </a:solidFill>
-                <a:latin typeface="+mn-lt"/>
-                <a:ea typeface="+mn-ea"/>
-                <a:cs typeface="+mn-cs"/>
-              </a:defRPr>
-            </a:lvl6pPr>
-            <a:lvl7pPr marL="2971800" indent="-228600" algn="l" defTabSz="914400" rtl="0" eaLnBrk="1" latinLnBrk="0" hangingPunct="1">
-              <a:lnSpc>
-                <a:spcPct val="90000"/>
-              </a:lnSpc>
-              <a:spcBef>
-                <a:spcPct val="30000"/>
-              </a:spcBef>
-              <a:buFont typeface="Arial" panose="020B0604020202020204" pitchFamily="34" charset="0"/>
-              <a:buChar char="•"/>
-              <a:defRPr sz="1800" kern="1200">
-                <a:solidFill>
-                  <a:schemeClr val="tx1"/>
-                </a:solidFill>
-                <a:latin typeface="+mn-lt"/>
-                <a:ea typeface="+mn-ea"/>
-                <a:cs typeface="+mn-cs"/>
-              </a:defRPr>
-            </a:lvl7pPr>
-            <a:lvl8pPr marL="3429000" indent="-228600" algn="l" defTabSz="914400" rtl="0" eaLnBrk="1" latinLnBrk="0" hangingPunct="1">
-              <a:lnSpc>
-                <a:spcPct val="90000"/>
-              </a:lnSpc>
-              <a:spcBef>
-                <a:spcPct val="30000"/>
-              </a:spcBef>
-              <a:buFont typeface="Arial" panose="020B0604020202020204" pitchFamily="34" charset="0"/>
-              <a:buChar char="•"/>
-              <a:defRPr sz="1800" kern="1200">
-                <a:solidFill>
-                  <a:schemeClr val="tx1"/>
-                </a:solidFill>
-                <a:latin typeface="+mn-lt"/>
-                <a:ea typeface="+mn-ea"/>
-                <a:cs typeface="+mn-cs"/>
-              </a:defRPr>
-            </a:lvl8pPr>
-            <a:lvl9pPr marL="3886200" indent="-228600" algn="l" defTabSz="914400" rtl="0" eaLnBrk="1" latinLnBrk="0" hangingPunct="1">
-              <a:lnSpc>
-                <a:spcPct val="90000"/>
-              </a:lnSpc>
-              <a:spcBef>
-                <a:spcPct val="30000"/>
-              </a:spcBef>
-              <a:buFont typeface="Arial" panose="020B0604020202020204" pitchFamily="34" charset="0"/>
-              <a:buChar char="•"/>
-              <a:defRPr sz="1800" kern="1200">
-                <a:solidFill>
-                  <a:schemeClr val="tx1"/>
-                </a:solidFill>
-                <a:latin typeface="+mn-lt"/>
-                <a:ea typeface="+mn-ea"/>
-                <a:cs typeface="+mn-cs"/>
-              </a:defRPr>
-            </a:lvl9pPr>
-          </a:lstStyle>
-          <a:p>
-            <a:pPr marL="0" lvl="0" indent="0" rtl="0">
-              <a:spcAft>
-                <a:spcPts val="600"/>
-              </a:spcAft>
-              <a:buNone/>
-              <a:defRPr/>
-            </a:pPr>
-            <a:r>
-              <a:rPr lang="ko-KR" altLang="en-US" sz="1600" b="1" dirty="0" err="1">
-                <a:solidFill>
-                  <a:schemeClr val="tx1"/>
-                </a:solidFill>
-                <a:latin typeface="맑은 고딕" panose="020B0503020000020004" pitchFamily="50" charset="-127"/>
-                <a:ea typeface="맑은 고딕" panose="020B0503020000020004" pitchFamily="50" charset="-127"/>
-                <a:cs typeface="Segoe UI" panose="020B0502040204020203" pitchFamily="34" charset="0"/>
-              </a:rPr>
-              <a:t>매체별</a:t>
-            </a:r>
-            <a:r>
-              <a:rPr lang="ko-KR" altLang="en-US" sz="1600" b="1" dirty="0">
-                <a:solidFill>
-                  <a:schemeClr val="tx1"/>
-                </a:solidFill>
-                <a:latin typeface="맑은 고딕" panose="020B0503020000020004" pitchFamily="50" charset="-127"/>
-                <a:ea typeface="맑은 고딕" panose="020B0503020000020004" pitchFamily="50" charset="-127"/>
-                <a:cs typeface="Segoe UI" panose="020B0502040204020203" pitchFamily="34" charset="0"/>
-              </a:rPr>
-              <a:t> 차단정책 </a:t>
-            </a:r>
-            <a:r>
-              <a:rPr lang="en-US" altLang="ko-KR" sz="1600" dirty="0">
-                <a:solidFill>
-                  <a:schemeClr val="tx1"/>
-                </a:solidFill>
-                <a:latin typeface="맑은 고딕" panose="020B0503020000020004" pitchFamily="50" charset="-127"/>
-                <a:ea typeface="맑은 고딕" panose="020B0503020000020004" pitchFamily="50" charset="-127"/>
-                <a:cs typeface="Segoe UI" panose="020B0502040204020203" pitchFamily="34" charset="0"/>
-              </a:rPr>
-              <a:t>- </a:t>
-            </a:r>
-            <a:r>
-              <a:rPr lang="ko-KR" altLang="en-US" sz="1600" dirty="0">
-                <a:solidFill>
-                  <a:schemeClr val="tx1"/>
-                </a:solidFill>
-                <a:latin typeface="맑은 고딕" panose="020B0503020000020004" pitchFamily="50" charset="-127"/>
-                <a:ea typeface="맑은 고딕" panose="020B0503020000020004" pitchFamily="50" charset="-127"/>
-                <a:cs typeface="Segoe UI" panose="020B0502040204020203" pitchFamily="34" charset="0"/>
-              </a:rPr>
-              <a:t>저장매체 </a:t>
-            </a:r>
-            <a:r>
-              <a:rPr lang="en-US" altLang="ko-KR" sz="1600" dirty="0">
-                <a:solidFill>
-                  <a:schemeClr val="tx1"/>
-                </a:solidFill>
-                <a:latin typeface="맑은 고딕" panose="020B0503020000020004" pitchFamily="50" charset="-127"/>
-                <a:ea typeface="맑은 고딕" panose="020B0503020000020004" pitchFamily="50" charset="-127"/>
-                <a:cs typeface="Segoe UI" panose="020B0502040204020203" pitchFamily="34" charset="0"/>
-              </a:rPr>
-              <a:t>(</a:t>
-            </a:r>
-            <a:r>
-              <a:rPr lang="ko-KR" altLang="en-US" sz="1600" dirty="0">
-                <a:solidFill>
-                  <a:schemeClr val="tx1"/>
-                </a:solidFill>
-                <a:latin typeface="맑은 고딕" panose="020B0503020000020004" pitchFamily="50" charset="-127"/>
-                <a:ea typeface="맑은 고딕" panose="020B0503020000020004" pitchFamily="50" charset="-127"/>
-                <a:cs typeface="Segoe UI" panose="020B0502040204020203" pitchFamily="34" charset="0"/>
-              </a:rPr>
-              <a:t>이동식 디스크</a:t>
-            </a:r>
-            <a:r>
-              <a:rPr lang="en-US" altLang="ko-KR" sz="1600" dirty="0">
-                <a:solidFill>
-                  <a:schemeClr val="tx1"/>
-                </a:solidFill>
-                <a:latin typeface="맑은 고딕" panose="020B0503020000020004" pitchFamily="50" charset="-127"/>
-                <a:ea typeface="맑은 고딕" panose="020B0503020000020004" pitchFamily="50" charset="-127"/>
-                <a:cs typeface="Segoe UI" panose="020B0502040204020203" pitchFamily="34" charset="0"/>
-              </a:rPr>
-              <a:t> </a:t>
-            </a:r>
-            <a:r>
-              <a:rPr lang="ko-KR" altLang="en-US" sz="1600" dirty="0">
-                <a:solidFill>
-                  <a:schemeClr val="tx1"/>
-                </a:solidFill>
-                <a:latin typeface="맑은 고딕" panose="020B0503020000020004" pitchFamily="50" charset="-127"/>
-                <a:ea typeface="맑은 고딕" panose="020B0503020000020004" pitchFamily="50" charset="-127"/>
-                <a:cs typeface="Segoe UI" panose="020B0502040204020203" pitchFamily="34" charset="0"/>
-              </a:rPr>
-              <a:t>등</a:t>
-            </a:r>
-            <a:r>
-              <a:rPr lang="en-US" altLang="ko-KR" sz="1600" dirty="0">
-                <a:solidFill>
-                  <a:schemeClr val="tx1"/>
-                </a:solidFill>
-                <a:latin typeface="맑은 고딕" panose="020B0503020000020004" pitchFamily="50" charset="-127"/>
-                <a:ea typeface="맑은 고딕" panose="020B0503020000020004" pitchFamily="50" charset="-127"/>
-                <a:cs typeface="Segoe UI" panose="020B0502040204020203" pitchFamily="34" charset="0"/>
-              </a:rPr>
-              <a:t>) </a:t>
-            </a:r>
-            <a:r>
-              <a:rPr lang="ko-KR" altLang="en-US" sz="1600" dirty="0">
-                <a:solidFill>
-                  <a:schemeClr val="tx1"/>
-                </a:solidFill>
-                <a:latin typeface="맑은 고딕" panose="020B0503020000020004" pitchFamily="50" charset="-127"/>
-                <a:ea typeface="맑은 고딕" panose="020B0503020000020004" pitchFamily="50" charset="-127"/>
-                <a:cs typeface="Segoe UI" panose="020B0502040204020203" pitchFamily="34" charset="0"/>
-              </a:rPr>
-              <a:t>과 기타매체 </a:t>
-            </a:r>
-            <a:r>
-              <a:rPr lang="en-US" altLang="ko-KR" sz="1600" dirty="0">
-                <a:solidFill>
-                  <a:schemeClr val="tx1"/>
-                </a:solidFill>
-                <a:latin typeface="맑은 고딕" panose="020B0503020000020004" pitchFamily="50" charset="-127"/>
-                <a:ea typeface="맑은 고딕" panose="020B0503020000020004" pitchFamily="50" charset="-127"/>
-                <a:cs typeface="Segoe UI" panose="020B0502040204020203" pitchFamily="34" charset="0"/>
-              </a:rPr>
-              <a:t>(</a:t>
-            </a:r>
-            <a:r>
-              <a:rPr lang="ko-KR" altLang="en-US" sz="1600" dirty="0">
-                <a:solidFill>
-                  <a:schemeClr val="tx1"/>
-                </a:solidFill>
-                <a:latin typeface="맑은 고딕" panose="020B0503020000020004" pitchFamily="50" charset="-127"/>
-                <a:ea typeface="맑은 고딕" panose="020B0503020000020004" pitchFamily="50" charset="-127"/>
-                <a:cs typeface="Segoe UI" panose="020B0502040204020203" pitchFamily="34" charset="0"/>
-              </a:rPr>
-              <a:t>블루투스 등</a:t>
-            </a:r>
-            <a:r>
-              <a:rPr lang="en-US" altLang="ko-KR" sz="1600" dirty="0">
-                <a:solidFill>
-                  <a:schemeClr val="tx1"/>
-                </a:solidFill>
-                <a:latin typeface="맑은 고딕" panose="020B0503020000020004" pitchFamily="50" charset="-127"/>
-                <a:ea typeface="맑은 고딕" panose="020B0503020000020004" pitchFamily="50" charset="-127"/>
-                <a:cs typeface="Segoe UI" panose="020B0502040204020203" pitchFamily="34" charset="0"/>
-              </a:rPr>
-              <a:t>)</a:t>
-            </a:r>
-            <a:r>
-              <a:rPr lang="ko-KR" altLang="en-US" sz="1600" dirty="0">
-                <a:solidFill>
-                  <a:schemeClr val="tx1"/>
-                </a:solidFill>
-                <a:latin typeface="맑은 고딕" panose="020B0503020000020004" pitchFamily="50" charset="-127"/>
-                <a:ea typeface="맑은 고딕" panose="020B0503020000020004" pitchFamily="50" charset="-127"/>
-                <a:cs typeface="Segoe UI" panose="020B0502040204020203" pitchFamily="34" charset="0"/>
-              </a:rPr>
-              <a:t>을 카테고리 차단 설정을 통해 접속을 차단할 수 있는 기능</a:t>
-            </a:r>
-            <a:endParaRPr lang="en-US" altLang="ko-KR" sz="1600" dirty="0">
-              <a:solidFill>
-                <a:schemeClr val="tx1"/>
-              </a:solidFill>
-              <a:latin typeface="맑은 고딕" panose="020B0503020000020004" pitchFamily="50" charset="-127"/>
-              <a:ea typeface="맑은 고딕" panose="020B0503020000020004" pitchFamily="50" charset="-127"/>
-              <a:cs typeface="Segoe UI" panose="020B0502040204020203" pitchFamily="34" charset="0"/>
-            </a:endParaRPr>
-          </a:p>
-          <a:p>
-            <a:pPr marL="0" lvl="0" indent="0" rtl="0">
-              <a:spcAft>
-                <a:spcPts val="600"/>
-              </a:spcAft>
-              <a:buNone/>
-              <a:defRPr/>
-            </a:pPr>
-            <a:r>
-              <a:rPr lang="en-US" altLang="ko-KR" sz="1600" dirty="0">
-                <a:solidFill>
-                  <a:schemeClr val="tx1"/>
-                </a:solidFill>
-                <a:latin typeface="맑은 고딕" panose="020B0503020000020004" pitchFamily="50" charset="-127"/>
-                <a:ea typeface="맑은 고딕" panose="020B0503020000020004" pitchFamily="50" charset="-127"/>
-                <a:cs typeface="Segoe UI" panose="020B0502040204020203" pitchFamily="34" charset="0"/>
-              </a:rPr>
-              <a:t>* </a:t>
-            </a:r>
-            <a:r>
-              <a:rPr lang="ko-KR" altLang="en-US" sz="1600" dirty="0">
-                <a:solidFill>
-                  <a:schemeClr val="tx1"/>
-                </a:solidFill>
-                <a:latin typeface="맑은 고딕" panose="020B0503020000020004" pitchFamily="50" charset="-127"/>
-                <a:ea typeface="맑은 고딕" panose="020B0503020000020004" pitchFamily="50" charset="-127"/>
-                <a:cs typeface="Segoe UI" panose="020B0502040204020203" pitchFamily="34" charset="0"/>
-              </a:rPr>
-              <a:t>시리얼 통신을 이용해 포트에 입력된 매체 </a:t>
-            </a:r>
-            <a:r>
-              <a:rPr lang="en-US" altLang="ko-KR" sz="1600" dirty="0">
-                <a:solidFill>
-                  <a:schemeClr val="tx1"/>
-                </a:solidFill>
-                <a:latin typeface="맑은 고딕" panose="020B0503020000020004" pitchFamily="50" charset="-127"/>
-                <a:ea typeface="맑은 고딕" panose="020B0503020000020004" pitchFamily="50" charset="-127"/>
-                <a:cs typeface="Segoe UI" panose="020B0502040204020203" pitchFamily="34" charset="0"/>
-              </a:rPr>
-              <a:t>(</a:t>
-            </a:r>
-            <a:r>
-              <a:rPr lang="en-US" altLang="ko-KR" sz="1600" dirty="0" err="1">
-                <a:solidFill>
-                  <a:schemeClr val="tx1"/>
-                </a:solidFill>
-                <a:latin typeface="맑은 고딕" panose="020B0503020000020004" pitchFamily="50" charset="-127"/>
-                <a:ea typeface="맑은 고딕" panose="020B0503020000020004" pitchFamily="50" charset="-127"/>
-                <a:cs typeface="Segoe UI" panose="020B0502040204020203" pitchFamily="34" charset="0"/>
-              </a:rPr>
-              <a:t>usb</a:t>
-            </a:r>
-            <a:r>
-              <a:rPr lang="en-US" altLang="ko-KR" sz="1600" dirty="0">
-                <a:solidFill>
-                  <a:schemeClr val="tx1"/>
-                </a:solidFill>
-                <a:latin typeface="맑은 고딕" panose="020B0503020000020004" pitchFamily="50" charset="-127"/>
-                <a:ea typeface="맑은 고딕" panose="020B0503020000020004" pitchFamily="50" charset="-127"/>
-                <a:cs typeface="Segoe UI" panose="020B0502040204020203" pitchFamily="34" charset="0"/>
-              </a:rPr>
-              <a:t> </a:t>
-            </a:r>
-            <a:r>
-              <a:rPr lang="ko-KR" altLang="en-US" sz="1600" dirty="0">
-                <a:solidFill>
-                  <a:schemeClr val="tx1"/>
-                </a:solidFill>
-                <a:latin typeface="맑은 고딕" panose="020B0503020000020004" pitchFamily="50" charset="-127"/>
-                <a:ea typeface="맑은 고딕" panose="020B0503020000020004" pitchFamily="50" charset="-127"/>
-                <a:cs typeface="Segoe UI" panose="020B0502040204020203" pitchFamily="34" charset="0"/>
-              </a:rPr>
-              <a:t>등</a:t>
-            </a:r>
-            <a:r>
-              <a:rPr lang="en-US" altLang="ko-KR" sz="1600" dirty="0">
-                <a:solidFill>
-                  <a:schemeClr val="tx1"/>
-                </a:solidFill>
-                <a:latin typeface="맑은 고딕" panose="020B0503020000020004" pitchFamily="50" charset="-127"/>
-                <a:ea typeface="맑은 고딕" panose="020B0503020000020004" pitchFamily="50" charset="-127"/>
-                <a:cs typeface="Segoe UI" panose="020B0502040204020203" pitchFamily="34" charset="0"/>
-              </a:rPr>
-              <a:t>)</a:t>
-            </a:r>
-            <a:r>
-              <a:rPr lang="ko-KR" altLang="en-US" sz="1600" dirty="0">
-                <a:solidFill>
-                  <a:schemeClr val="tx1"/>
-                </a:solidFill>
-                <a:latin typeface="맑은 고딕" panose="020B0503020000020004" pitchFamily="50" charset="-127"/>
-                <a:ea typeface="맑은 고딕" panose="020B0503020000020004" pitchFamily="50" charset="-127"/>
-                <a:cs typeface="Segoe UI" panose="020B0502040204020203" pitchFamily="34" charset="0"/>
-              </a:rPr>
-              <a:t>의 입력 신호 통해 미니 필터 드라이버를 만들어 차단</a:t>
-            </a:r>
-            <a:r>
-              <a:rPr lang="en-US" altLang="ko-KR" sz="1600" dirty="0">
-                <a:solidFill>
-                  <a:schemeClr val="tx1"/>
-                </a:solidFill>
-                <a:latin typeface="맑은 고딕" panose="020B0503020000020004" pitchFamily="50" charset="-127"/>
-                <a:ea typeface="맑은 고딕" panose="020B0503020000020004" pitchFamily="50" charset="-127"/>
-                <a:cs typeface="Segoe UI" panose="020B0502040204020203" pitchFamily="34" charset="0"/>
-              </a:rPr>
-              <a:t>?</a:t>
-            </a:r>
-            <a:r>
-              <a:rPr lang="ko-KR" altLang="en-US" sz="1600" dirty="0">
-                <a:solidFill>
-                  <a:schemeClr val="tx1"/>
-                </a:solidFill>
-                <a:latin typeface="맑은 고딕" panose="020B0503020000020004" pitchFamily="50" charset="-127"/>
-                <a:ea typeface="맑은 고딕" panose="020B0503020000020004" pitchFamily="50" charset="-127"/>
-                <a:cs typeface="Segoe UI" panose="020B0502040204020203" pitchFamily="34" charset="0"/>
-              </a:rPr>
-              <a:t> </a:t>
-            </a:r>
-            <a:endParaRPr lang="en-US" altLang="ko-KR" sz="1600" dirty="0">
-              <a:solidFill>
-                <a:schemeClr val="tx1"/>
-              </a:solidFill>
-              <a:latin typeface="맑은 고딕" panose="020B0503020000020004" pitchFamily="50" charset="-127"/>
-              <a:ea typeface="맑은 고딕" panose="020B0503020000020004" pitchFamily="50" charset="-127"/>
-              <a:cs typeface="Segoe UI" panose="020B0502040204020203" pitchFamily="34" charset="0"/>
-            </a:endParaRPr>
-          </a:p>
-          <a:p>
-            <a:pPr marL="0" lvl="0" indent="0" rtl="0">
-              <a:spcAft>
-                <a:spcPts val="600"/>
-              </a:spcAft>
-              <a:buNone/>
-              <a:defRPr/>
-            </a:pPr>
-            <a:r>
-              <a:rPr lang="ko-KR" altLang="en-US" sz="1600" b="1" dirty="0">
-                <a:solidFill>
-                  <a:schemeClr val="tx1"/>
-                </a:solidFill>
-                <a:latin typeface="맑은 고딕" panose="020B0503020000020004" pitchFamily="50" charset="-127"/>
-                <a:ea typeface="맑은 고딕" panose="020B0503020000020004" pitchFamily="50" charset="-127"/>
-                <a:cs typeface="Segoe UI" panose="020B0502040204020203" pitchFamily="34" charset="0"/>
-              </a:rPr>
-              <a:t>파일첨부 차단정책 </a:t>
-            </a:r>
-            <a:r>
-              <a:rPr lang="en-US" altLang="ko-KR" sz="1600" dirty="0">
-                <a:solidFill>
-                  <a:schemeClr val="tx1"/>
-                </a:solidFill>
-                <a:latin typeface="맑은 고딕" panose="020B0503020000020004" pitchFamily="50" charset="-127"/>
-                <a:ea typeface="맑은 고딕" panose="020B0503020000020004" pitchFamily="50" charset="-127"/>
-                <a:cs typeface="Segoe UI" panose="020B0502040204020203" pitchFamily="34" charset="0"/>
-              </a:rPr>
-              <a:t>– </a:t>
-            </a:r>
-            <a:r>
-              <a:rPr lang="ko-KR" altLang="en-US" sz="1600" dirty="0">
-                <a:solidFill>
-                  <a:schemeClr val="tx1"/>
-                </a:solidFill>
-                <a:latin typeface="맑은 고딕" panose="020B0503020000020004" pitchFamily="50" charset="-127"/>
-                <a:ea typeface="맑은 고딕" panose="020B0503020000020004" pitchFamily="50" charset="-127"/>
-                <a:cs typeface="Segoe UI" panose="020B0502040204020203" pitchFamily="34" charset="0"/>
-              </a:rPr>
-              <a:t>카테고리별 설정을 통해 파일 첨부 차단시에 첨부된 파일의 내용을 없애는 기능</a:t>
-            </a:r>
-            <a:endParaRPr lang="en-US" altLang="ko-KR" sz="1600" dirty="0">
-              <a:solidFill>
-                <a:schemeClr val="tx1"/>
-              </a:solidFill>
-              <a:latin typeface="맑은 고딕" panose="020B0503020000020004" pitchFamily="50" charset="-127"/>
-              <a:ea typeface="맑은 고딕" panose="020B0503020000020004" pitchFamily="50" charset="-127"/>
-              <a:cs typeface="Segoe UI" panose="020B0502040204020203" pitchFamily="34" charset="0"/>
-            </a:endParaRPr>
-          </a:p>
-          <a:p>
-            <a:pPr marL="0" lvl="0" indent="0" rtl="0">
-              <a:spcAft>
-                <a:spcPts val="600"/>
-              </a:spcAft>
-              <a:buNone/>
-              <a:defRPr/>
-            </a:pPr>
-            <a:r>
-              <a:rPr lang="en-US" altLang="ko-KR" sz="1600" dirty="0">
-                <a:solidFill>
-                  <a:schemeClr val="tx1"/>
-                </a:solidFill>
-                <a:latin typeface="맑은 고딕" panose="020B0503020000020004" pitchFamily="50" charset="-127"/>
-                <a:ea typeface="맑은 고딕" panose="020B0503020000020004" pitchFamily="50" charset="-127"/>
-                <a:cs typeface="Segoe UI" panose="020B0502040204020203" pitchFamily="34" charset="0"/>
-              </a:rPr>
-              <a:t>* </a:t>
-            </a:r>
-            <a:r>
-              <a:rPr lang="ko-KR" altLang="en-US" sz="1600" dirty="0">
-                <a:solidFill>
-                  <a:schemeClr val="tx1"/>
-                </a:solidFill>
-                <a:latin typeface="맑은 고딕" panose="020B0503020000020004" pitchFamily="50" charset="-127"/>
-                <a:ea typeface="맑은 고딕" panose="020B0503020000020004" pitchFamily="50" charset="-127"/>
-                <a:cs typeface="Segoe UI" panose="020B0502040204020203" pitchFamily="34" charset="0"/>
-              </a:rPr>
-              <a:t>첨부된 파일의 경로를 통해 해당 파일과 똑같은 복사본 파일로 만들어 쓰기 형태로 열고 안의 내용을 지운다음 업로드 시킨다</a:t>
-            </a:r>
-            <a:r>
-              <a:rPr lang="en-US" altLang="ko-KR" sz="1600" dirty="0">
-                <a:solidFill>
-                  <a:schemeClr val="tx1"/>
-                </a:solidFill>
-                <a:latin typeface="맑은 고딕" panose="020B0503020000020004" pitchFamily="50" charset="-127"/>
-                <a:ea typeface="맑은 고딕" panose="020B0503020000020004" pitchFamily="50" charset="-127"/>
-                <a:cs typeface="Segoe UI" panose="020B0502040204020203" pitchFamily="34" charset="0"/>
-              </a:rPr>
-              <a:t>.</a:t>
-            </a:r>
-            <a:r>
-              <a:rPr lang="ko-KR" altLang="en-US" sz="1600" dirty="0">
-                <a:solidFill>
-                  <a:schemeClr val="tx1"/>
-                </a:solidFill>
-                <a:latin typeface="맑은 고딕" panose="020B0503020000020004" pitchFamily="50" charset="-127"/>
-                <a:ea typeface="맑은 고딕" panose="020B0503020000020004" pitchFamily="50" charset="-127"/>
-                <a:cs typeface="Segoe UI" panose="020B0502040204020203" pitchFamily="34" charset="0"/>
-              </a:rPr>
-              <a:t>  </a:t>
-            </a:r>
-            <a:endParaRPr lang="en-US" altLang="ko-KR" sz="1600" dirty="0">
-              <a:solidFill>
-                <a:schemeClr val="tx1"/>
-              </a:solidFill>
-              <a:latin typeface="맑은 고딕" panose="020B0503020000020004" pitchFamily="50" charset="-127"/>
-              <a:ea typeface="맑은 고딕" panose="020B0503020000020004" pitchFamily="50" charset="-127"/>
-              <a:cs typeface="Segoe UI" panose="020B0502040204020203" pitchFamily="34" charset="0"/>
-            </a:endParaRPr>
-          </a:p>
-          <a:p>
-            <a:pPr marL="0" lvl="0" indent="0" rtl="0">
-              <a:spcAft>
-                <a:spcPts val="600"/>
-              </a:spcAft>
-              <a:buNone/>
-              <a:defRPr/>
-            </a:pPr>
-            <a:r>
-              <a:rPr lang="ko-KR" altLang="en-US" sz="1600" b="1" dirty="0" err="1">
-                <a:solidFill>
-                  <a:schemeClr val="tx1"/>
-                </a:solidFill>
-                <a:latin typeface="맑은 고딕" panose="020B0503020000020004" pitchFamily="50" charset="-127"/>
-                <a:ea typeface="맑은 고딕" panose="020B0503020000020004" pitchFamily="50" charset="-127"/>
-                <a:cs typeface="Segoe UI" panose="020B0502040204020203" pitchFamily="34" charset="0"/>
-              </a:rPr>
-              <a:t>화면캡처</a:t>
-            </a:r>
-            <a:r>
-              <a:rPr lang="ko-KR" altLang="en-US" sz="1600" b="1" dirty="0">
-                <a:solidFill>
-                  <a:schemeClr val="tx1"/>
-                </a:solidFill>
-                <a:latin typeface="맑은 고딕" panose="020B0503020000020004" pitchFamily="50" charset="-127"/>
-                <a:ea typeface="맑은 고딕" panose="020B0503020000020004" pitchFamily="50" charset="-127"/>
-                <a:cs typeface="Segoe UI" panose="020B0502040204020203" pitchFamily="34" charset="0"/>
-              </a:rPr>
-              <a:t> 차단정책 </a:t>
-            </a:r>
-            <a:r>
-              <a:rPr lang="en-US" altLang="ko-KR" sz="1600" dirty="0">
-                <a:solidFill>
-                  <a:schemeClr val="tx1"/>
-                </a:solidFill>
-                <a:latin typeface="맑은 고딕" panose="020B0503020000020004" pitchFamily="50" charset="-127"/>
-                <a:ea typeface="맑은 고딕" panose="020B0503020000020004" pitchFamily="50" charset="-127"/>
-                <a:cs typeface="Segoe UI" panose="020B0502040204020203" pitchFamily="34" charset="0"/>
-              </a:rPr>
-              <a:t>– </a:t>
-            </a:r>
-            <a:r>
-              <a:rPr lang="ko-KR" altLang="en-US" sz="1600" dirty="0">
-                <a:solidFill>
-                  <a:schemeClr val="tx1"/>
-                </a:solidFill>
-                <a:latin typeface="맑은 고딕" panose="020B0503020000020004" pitchFamily="50" charset="-127"/>
-                <a:ea typeface="맑은 고딕" panose="020B0503020000020004" pitchFamily="50" charset="-127"/>
-                <a:cs typeface="Segoe UI" panose="020B0502040204020203" pitchFamily="34" charset="0"/>
-              </a:rPr>
-              <a:t>기능 활성화시 화면 캡처를 할 경우 전체 화면이 가려지도록 만들어 차단하는 기능</a:t>
-            </a:r>
-            <a:endParaRPr lang="en-US" altLang="ko-KR" sz="1600" dirty="0">
-              <a:solidFill>
-                <a:schemeClr val="tx1"/>
-              </a:solidFill>
-              <a:latin typeface="맑은 고딕" panose="020B0503020000020004" pitchFamily="50" charset="-127"/>
-              <a:ea typeface="맑은 고딕" panose="020B0503020000020004" pitchFamily="50" charset="-127"/>
-              <a:cs typeface="Segoe UI" panose="020B0502040204020203" pitchFamily="34" charset="0"/>
-            </a:endParaRPr>
-          </a:p>
-          <a:p>
-            <a:pPr marL="0" lvl="0" indent="0" rtl="0">
-              <a:spcAft>
-                <a:spcPts val="600"/>
-              </a:spcAft>
-              <a:buNone/>
-              <a:defRPr/>
-            </a:pPr>
-            <a:r>
-              <a:rPr lang="en-US" altLang="ko-KR" sz="1600" dirty="0">
-                <a:solidFill>
-                  <a:schemeClr val="tx1"/>
-                </a:solidFill>
-                <a:latin typeface="맑은 고딕" panose="020B0503020000020004" pitchFamily="50" charset="-127"/>
-                <a:ea typeface="맑은 고딕" panose="020B0503020000020004" pitchFamily="50" charset="-127"/>
-                <a:cs typeface="Segoe UI" panose="020B0502040204020203" pitchFamily="34" charset="0"/>
-              </a:rPr>
-              <a:t>* </a:t>
-            </a:r>
-            <a:r>
-              <a:rPr lang="ko-KR" altLang="en-US" sz="1600" dirty="0" err="1">
-                <a:solidFill>
-                  <a:schemeClr val="tx1"/>
-                </a:solidFill>
-                <a:latin typeface="맑은 고딕" panose="020B0503020000020004" pitchFamily="50" charset="-127"/>
-                <a:ea typeface="맑은 고딕" panose="020B0503020000020004" pitchFamily="50" charset="-127"/>
-                <a:cs typeface="Segoe UI" panose="020B0502040204020203" pitchFamily="34" charset="0"/>
-              </a:rPr>
-              <a:t>화면캡처</a:t>
-            </a:r>
-            <a:r>
-              <a:rPr lang="ko-KR" altLang="en-US" sz="1600" dirty="0">
-                <a:solidFill>
-                  <a:schemeClr val="tx1"/>
-                </a:solidFill>
-                <a:latin typeface="맑은 고딕" panose="020B0503020000020004" pitchFamily="50" charset="-127"/>
-                <a:ea typeface="맑은 고딕" panose="020B0503020000020004" pitchFamily="50" charset="-127"/>
-                <a:cs typeface="Segoe UI" panose="020B0502040204020203" pitchFamily="34" charset="0"/>
-              </a:rPr>
-              <a:t> 프로그램이 실행될 때 윈도우에 모자이크 필터를 넣는다 </a:t>
-            </a:r>
-            <a:endParaRPr lang="en-US" altLang="ko-KR" sz="1600" dirty="0">
-              <a:solidFill>
-                <a:schemeClr val="tx1"/>
-              </a:solidFill>
-              <a:latin typeface="맑은 고딕" panose="020B0503020000020004" pitchFamily="50" charset="-127"/>
-              <a:ea typeface="맑은 고딕" panose="020B0503020000020004" pitchFamily="50" charset="-127"/>
-              <a:cs typeface="Segoe UI" panose="020B0502040204020203" pitchFamily="34" charset="0"/>
-            </a:endParaRPr>
-          </a:p>
-          <a:p>
-            <a:pPr marL="0" lvl="0" indent="0" rtl="0">
-              <a:spcAft>
-                <a:spcPts val="600"/>
-              </a:spcAft>
-              <a:buNone/>
-              <a:defRPr/>
-            </a:pPr>
-            <a:r>
-              <a:rPr lang="ko-KR" altLang="en-US" sz="1600" b="1" dirty="0" err="1">
-                <a:solidFill>
-                  <a:schemeClr val="tx1"/>
-                </a:solidFill>
-                <a:latin typeface="맑은 고딕" panose="020B0503020000020004" pitchFamily="50" charset="-127"/>
-                <a:ea typeface="맑은 고딕" panose="020B0503020000020004" pitchFamily="50" charset="-127"/>
-                <a:cs typeface="Segoe UI" panose="020B0502040204020203" pitchFamily="34" charset="0"/>
-              </a:rPr>
-              <a:t>공유폴더</a:t>
-            </a:r>
-            <a:r>
-              <a:rPr lang="ko-KR" altLang="en-US" sz="1600" b="1" dirty="0">
-                <a:solidFill>
-                  <a:schemeClr val="tx1"/>
-                </a:solidFill>
-                <a:latin typeface="맑은 고딕" panose="020B0503020000020004" pitchFamily="50" charset="-127"/>
-                <a:ea typeface="맑은 고딕" panose="020B0503020000020004" pitchFamily="50" charset="-127"/>
-                <a:cs typeface="Segoe UI" panose="020B0502040204020203" pitchFamily="34" charset="0"/>
-              </a:rPr>
-              <a:t> 차단정책 </a:t>
-            </a:r>
-            <a:r>
-              <a:rPr lang="en-US" altLang="ko-KR" sz="1600" dirty="0">
-                <a:solidFill>
-                  <a:schemeClr val="tx1"/>
-                </a:solidFill>
-                <a:latin typeface="맑은 고딕" panose="020B0503020000020004" pitchFamily="50" charset="-127"/>
-                <a:ea typeface="맑은 고딕" panose="020B0503020000020004" pitchFamily="50" charset="-127"/>
-                <a:cs typeface="Segoe UI" panose="020B0502040204020203" pitchFamily="34" charset="0"/>
-              </a:rPr>
-              <a:t>– </a:t>
-            </a:r>
-            <a:r>
-              <a:rPr lang="ko-KR" altLang="en-US" sz="1600" dirty="0">
-                <a:solidFill>
-                  <a:schemeClr val="tx1"/>
-                </a:solidFill>
-                <a:latin typeface="맑은 고딕" panose="020B0503020000020004" pitchFamily="50" charset="-127"/>
-                <a:ea typeface="맑은 고딕" panose="020B0503020000020004" pitchFamily="50" charset="-127"/>
-                <a:cs typeface="Segoe UI" panose="020B0502040204020203" pitchFamily="34" charset="0"/>
-              </a:rPr>
-              <a:t>차단하려는 폴더 경로를 </a:t>
-            </a:r>
-            <a:r>
-              <a:rPr lang="ko-KR" altLang="en-US" sz="1600" dirty="0" err="1">
-                <a:solidFill>
-                  <a:schemeClr val="tx1"/>
-                </a:solidFill>
-                <a:latin typeface="맑은 고딕" panose="020B0503020000020004" pitchFamily="50" charset="-127"/>
-                <a:ea typeface="맑은 고딕" panose="020B0503020000020004" pitchFamily="50" charset="-127"/>
-                <a:cs typeface="Segoe UI" panose="020B0502040204020203" pitchFamily="34" charset="0"/>
-              </a:rPr>
-              <a:t>입력시</a:t>
-            </a:r>
-            <a:r>
-              <a:rPr lang="ko-KR" altLang="en-US" sz="1600" dirty="0">
-                <a:solidFill>
-                  <a:schemeClr val="tx1"/>
-                </a:solidFill>
-                <a:latin typeface="맑은 고딕" panose="020B0503020000020004" pitchFamily="50" charset="-127"/>
-                <a:ea typeface="맑은 고딕" panose="020B0503020000020004" pitchFamily="50" charset="-127"/>
-                <a:cs typeface="Segoe UI" panose="020B0502040204020203" pitchFamily="34" charset="0"/>
-              </a:rPr>
-              <a:t> 해당 폴더 공유를 차단하는 기능</a:t>
-            </a:r>
-            <a:endParaRPr lang="en-US" altLang="ko-KR" sz="1600" dirty="0">
-              <a:solidFill>
-                <a:schemeClr val="tx1"/>
-              </a:solidFill>
-              <a:latin typeface="맑은 고딕" panose="020B0503020000020004" pitchFamily="50" charset="-127"/>
-              <a:ea typeface="맑은 고딕" panose="020B0503020000020004" pitchFamily="50" charset="-127"/>
-              <a:cs typeface="Segoe UI" panose="020B0502040204020203" pitchFamily="34" charset="0"/>
-            </a:endParaRPr>
-          </a:p>
-          <a:p>
-            <a:pPr marL="0" lvl="0" indent="0" rtl="0">
-              <a:spcAft>
-                <a:spcPts val="600"/>
-              </a:spcAft>
-              <a:buNone/>
-              <a:defRPr/>
-            </a:pPr>
-            <a:r>
-              <a:rPr lang="en-US" altLang="ko-KR" sz="1600" dirty="0">
-                <a:solidFill>
-                  <a:schemeClr val="tx1"/>
-                </a:solidFill>
-                <a:latin typeface="맑은 고딕" panose="020B0503020000020004" pitchFamily="50" charset="-127"/>
-                <a:ea typeface="맑은 고딕" panose="020B0503020000020004" pitchFamily="50" charset="-127"/>
-                <a:cs typeface="Segoe UI" panose="020B0502040204020203" pitchFamily="34" charset="0"/>
-              </a:rPr>
-              <a:t>* </a:t>
-            </a:r>
-            <a:r>
-              <a:rPr lang="ko-KR" altLang="en-US" sz="1600" dirty="0">
-                <a:solidFill>
-                  <a:schemeClr val="tx1"/>
-                </a:solidFill>
-                <a:latin typeface="맑은 고딕" panose="020B0503020000020004" pitchFamily="50" charset="-127"/>
-                <a:ea typeface="맑은 고딕" panose="020B0503020000020004" pitchFamily="50" charset="-127"/>
-                <a:cs typeface="Segoe UI" panose="020B0502040204020203" pitchFamily="34" charset="0"/>
-              </a:rPr>
-              <a:t>현재 아이피와 공유 폴더로 지정된 경로를 이용해 접근 권한을 얻은 폴더들의 권한을 해제한다</a:t>
-            </a:r>
-            <a:endParaRPr lang="en-US" altLang="ko-KR" sz="1600" dirty="0">
-              <a:solidFill>
-                <a:schemeClr val="tx1"/>
-              </a:solidFill>
-              <a:latin typeface="맑은 고딕" panose="020B0503020000020004" pitchFamily="50" charset="-127"/>
-              <a:ea typeface="맑은 고딕" panose="020B0503020000020004" pitchFamily="50" charset="-127"/>
-              <a:cs typeface="Segoe UI" panose="020B0502040204020203" pitchFamily="34" charset="0"/>
-            </a:endParaRPr>
-          </a:p>
-          <a:p>
-            <a:pPr marL="0" lvl="0" indent="0" rtl="0">
-              <a:spcAft>
-                <a:spcPts val="600"/>
-              </a:spcAft>
-              <a:buNone/>
-              <a:defRPr/>
-            </a:pPr>
-            <a:r>
-              <a:rPr lang="ko-KR" altLang="en-US" sz="1600" b="1" dirty="0">
-                <a:solidFill>
-                  <a:schemeClr val="tx1"/>
-                </a:solidFill>
-                <a:latin typeface="맑은 고딕" panose="020B0503020000020004" pitchFamily="50" charset="-127"/>
-                <a:ea typeface="맑은 고딕" panose="020B0503020000020004" pitchFamily="50" charset="-127"/>
-                <a:cs typeface="Segoe UI" panose="020B0502040204020203" pitchFamily="34" charset="0"/>
-              </a:rPr>
-              <a:t>클립보드 차단정책 </a:t>
-            </a:r>
-            <a:r>
-              <a:rPr lang="en-US" altLang="ko-KR" sz="1600" dirty="0">
-                <a:solidFill>
-                  <a:schemeClr val="tx1"/>
-                </a:solidFill>
-                <a:latin typeface="맑은 고딕" panose="020B0503020000020004" pitchFamily="50" charset="-127"/>
-                <a:ea typeface="맑은 고딕" panose="020B0503020000020004" pitchFamily="50" charset="-127"/>
-                <a:cs typeface="Segoe UI" panose="020B0502040204020203" pitchFamily="34" charset="0"/>
-              </a:rPr>
-              <a:t>– </a:t>
-            </a:r>
-            <a:r>
-              <a:rPr lang="ko-KR" altLang="en-US" sz="1600" dirty="0">
-                <a:solidFill>
-                  <a:schemeClr val="tx1"/>
-                </a:solidFill>
-                <a:latin typeface="맑은 고딕" panose="020B0503020000020004" pitchFamily="50" charset="-127"/>
-                <a:ea typeface="맑은 고딕" panose="020B0503020000020004" pitchFamily="50" charset="-127"/>
-                <a:cs typeface="Segoe UI" panose="020B0502040204020203" pitchFamily="34" charset="0"/>
-              </a:rPr>
-              <a:t>제어 소프트웨어 목록에 있는 소프트웨어의 복사 붙여넣기 접근을 차단하는 기능</a:t>
-            </a:r>
-            <a:endParaRPr lang="en-US" altLang="ko-KR" sz="1600" dirty="0">
-              <a:solidFill>
-                <a:schemeClr val="tx1"/>
-              </a:solidFill>
-              <a:latin typeface="맑은 고딕" panose="020B0503020000020004" pitchFamily="50" charset="-127"/>
-              <a:ea typeface="맑은 고딕" panose="020B0503020000020004" pitchFamily="50" charset="-127"/>
-              <a:cs typeface="Segoe UI" panose="020B0502040204020203" pitchFamily="34" charset="0"/>
-            </a:endParaRPr>
-          </a:p>
-          <a:p>
-            <a:pPr marL="0" lvl="0" indent="0" rtl="0">
-              <a:spcAft>
-                <a:spcPts val="600"/>
-              </a:spcAft>
-              <a:buNone/>
-              <a:defRPr/>
-            </a:pPr>
-            <a:r>
-              <a:rPr lang="en-US" altLang="ko-KR" sz="1600" dirty="0">
-                <a:solidFill>
-                  <a:schemeClr val="tx1"/>
-                </a:solidFill>
-                <a:latin typeface="맑은 고딕" panose="020B0503020000020004" pitchFamily="50" charset="-127"/>
-                <a:ea typeface="맑은 고딕" panose="020B0503020000020004" pitchFamily="50" charset="-127"/>
-                <a:cs typeface="Segoe UI" panose="020B0502040204020203" pitchFamily="34" charset="0"/>
-              </a:rPr>
-              <a:t>* Alt + c or v </a:t>
-            </a:r>
-            <a:r>
-              <a:rPr lang="ko-KR" altLang="en-US" sz="1600" dirty="0">
-                <a:solidFill>
-                  <a:schemeClr val="tx1"/>
-                </a:solidFill>
-                <a:latin typeface="맑은 고딕" panose="020B0503020000020004" pitchFamily="50" charset="-127"/>
-                <a:ea typeface="맑은 고딕" panose="020B0503020000020004" pitchFamily="50" charset="-127"/>
-                <a:cs typeface="Segoe UI" panose="020B0502040204020203" pitchFamily="34" charset="0"/>
-              </a:rPr>
-              <a:t>에 대한 키보드 동시입력을 차단하거나 프로세스 </a:t>
-            </a:r>
-            <a:r>
-              <a:rPr lang="en-US" altLang="ko-KR" sz="1600" dirty="0" err="1">
-                <a:solidFill>
-                  <a:schemeClr val="tx1"/>
-                </a:solidFill>
-                <a:latin typeface="맑은 고딕" panose="020B0503020000020004" pitchFamily="50" charset="-127"/>
-                <a:ea typeface="맑은 고딕" panose="020B0503020000020004" pitchFamily="50" charset="-127"/>
-                <a:cs typeface="Segoe UI" panose="020B0502040204020203" pitchFamily="34" charset="0"/>
-              </a:rPr>
-              <a:t>dll</a:t>
-            </a:r>
-            <a:r>
-              <a:rPr lang="ko-KR" altLang="en-US" sz="1600" dirty="0">
-                <a:solidFill>
-                  <a:schemeClr val="tx1"/>
-                </a:solidFill>
-                <a:latin typeface="맑은 고딕" panose="020B0503020000020004" pitchFamily="50" charset="-127"/>
-                <a:ea typeface="맑은 고딕" panose="020B0503020000020004" pitchFamily="50" charset="-127"/>
-                <a:cs typeface="Segoe UI" panose="020B0502040204020203" pitchFamily="34" charset="0"/>
-              </a:rPr>
-              <a:t>에서 복사</a:t>
-            </a:r>
-            <a:r>
-              <a:rPr lang="en-US" altLang="ko-KR" sz="1600" dirty="0">
-                <a:solidFill>
-                  <a:schemeClr val="tx1"/>
-                </a:solidFill>
-                <a:latin typeface="맑은 고딕" panose="020B0503020000020004" pitchFamily="50" charset="-127"/>
-                <a:ea typeface="맑은 고딕" panose="020B0503020000020004" pitchFamily="50" charset="-127"/>
-                <a:cs typeface="Segoe UI" panose="020B0502040204020203" pitchFamily="34" charset="0"/>
-              </a:rPr>
-              <a:t>, </a:t>
-            </a:r>
-            <a:r>
-              <a:rPr lang="ko-KR" altLang="en-US" sz="1600" dirty="0">
-                <a:solidFill>
-                  <a:schemeClr val="tx1"/>
-                </a:solidFill>
-                <a:latin typeface="맑은 고딕" panose="020B0503020000020004" pitchFamily="50" charset="-127"/>
-                <a:ea typeface="맑은 고딕" panose="020B0503020000020004" pitchFamily="50" charset="-127"/>
-                <a:cs typeface="Segoe UI" panose="020B0502040204020203" pitchFamily="34" charset="0"/>
-              </a:rPr>
-              <a:t>붙여넣기 함수 호출에 대한 </a:t>
-            </a:r>
-            <a:r>
-              <a:rPr lang="ko-KR" altLang="en-US" sz="1600" dirty="0" err="1">
-                <a:solidFill>
-                  <a:schemeClr val="tx1"/>
-                </a:solidFill>
-                <a:latin typeface="맑은 고딕" panose="020B0503020000020004" pitchFamily="50" charset="-127"/>
-                <a:ea typeface="맑은 고딕" panose="020B0503020000020004" pitchFamily="50" charset="-127"/>
-                <a:cs typeface="Segoe UI" panose="020B0502040204020203" pitchFamily="34" charset="0"/>
-              </a:rPr>
-              <a:t>후킹으로</a:t>
-            </a:r>
-            <a:r>
-              <a:rPr lang="ko-KR" altLang="en-US" sz="1600" dirty="0">
-                <a:solidFill>
-                  <a:schemeClr val="tx1"/>
-                </a:solidFill>
-                <a:latin typeface="맑은 고딕" panose="020B0503020000020004" pitchFamily="50" charset="-127"/>
-                <a:ea typeface="맑은 고딕" panose="020B0503020000020004" pitchFamily="50" charset="-127"/>
-                <a:cs typeface="Segoe UI" panose="020B0502040204020203" pitchFamily="34" charset="0"/>
-              </a:rPr>
-              <a:t> 차단</a:t>
-            </a:r>
-            <a:r>
-              <a:rPr lang="en-US" altLang="ko-KR" sz="1600" dirty="0">
-                <a:solidFill>
-                  <a:schemeClr val="tx1"/>
-                </a:solidFill>
-                <a:latin typeface="맑은 고딕" panose="020B0503020000020004" pitchFamily="50" charset="-127"/>
-                <a:ea typeface="맑은 고딕" panose="020B0503020000020004" pitchFamily="50" charset="-127"/>
-                <a:cs typeface="Segoe UI" panose="020B0502040204020203" pitchFamily="34" charset="0"/>
-              </a:rPr>
-              <a:t>?</a:t>
-            </a:r>
-            <a:r>
-              <a:rPr lang="ko-KR" altLang="en-US" sz="1600" dirty="0">
-                <a:solidFill>
-                  <a:schemeClr val="tx1"/>
-                </a:solidFill>
-                <a:latin typeface="맑은 고딕" panose="020B0503020000020004" pitchFamily="50" charset="-127"/>
-                <a:ea typeface="맑은 고딕" panose="020B0503020000020004" pitchFamily="50" charset="-127"/>
-                <a:cs typeface="Segoe UI" panose="020B0502040204020203" pitchFamily="34" charset="0"/>
-              </a:rPr>
-              <a:t> </a:t>
-            </a:r>
-          </a:p>
-        </p:txBody>
-      </p:sp>
-    </p:spTree>
-    <p:extLst>
-      <p:ext uri="{BB962C8B-B14F-4D97-AF65-F5344CB8AC3E}">
-        <p14:creationId xmlns:p14="http://schemas.microsoft.com/office/powerpoint/2010/main" val="2941628261"/>
-      </p:ext>
-    </p:extLst>
-  </p:cSld>
-  <p:clrMapOvr>
-    <a:masterClrMapping/>
-  </p:clrMapOvr>
-  <mc:AlternateContent xmlns:mc="http://schemas.openxmlformats.org/markup-compatibility/2006" xmlns:p14="http://schemas.microsoft.com/office/powerpoint/2010/main">
-    <mc:Choice Requires="p14">
-      <p:transition p14:dur="10"/>
-    </mc:Choice>
-    <mc:Fallback xmlns="">
-      <p:transition/>
-    </mc:Fallback>
-  </mc:AlternateContent>
-</p:sld>
-</file>
-
 <file path=ppt/slides/slide4.xml><?xml version="1.0" encoding="utf-8"?>
 <p:sld xmlns:a="http://schemas.openxmlformats.org/drawingml/2006/main" xmlns:r="http://schemas.openxmlformats.org/officeDocument/2006/relationships" xmlns:p="http://schemas.openxmlformats.org/presentationml/2006/main">
   <p:cSld>
@@ -7318,802 +7949,86 @@
               <a:rPr lang="ko-KR" altLang="en-US" dirty="0">
                 <a:cs typeface="Segoe UI Light" panose="020B0502040204020203" pitchFamily="34" charset="0"/>
               </a:rPr>
-              <a:t>민감 정보 관리</a:t>
+              <a:t>웹사이트 차단 로직</a:t>
             </a:r>
           </a:p>
         </p:txBody>
       </p:sp>
-      <p:sp>
-        <p:nvSpPr>
-          <p:cNvPr id="38" name="내용 개체 틀 17"/>
-          <p:cNvSpPr txBox="1">
-            <a:spLocks/>
-          </p:cNvSpPr>
+      <p:pic>
+        <p:nvPicPr>
+          <p:cNvPr id="3" name="그림 2" descr="텍스트이(가) 표시된 사진&#10;&#10;자동 생성된 설명">
+            <a:extLst>
+              <a:ext uri="{FF2B5EF4-FFF2-40B4-BE49-F238E27FC236}">
+                <a16:creationId xmlns:a16="http://schemas.microsoft.com/office/drawing/2014/main" id="{938D1196-DED7-4CAD-95FD-9C6F92B41608}"/>
+              </a:ext>
+            </a:extLst>
+          </p:cNvPr>
+          <p:cNvPicPr>
+            <a:picLocks noChangeAspect="1"/>
+          </p:cNvPicPr>
           <p:nvPr/>
-        </p:nvSpPr>
+        </p:nvPicPr>
+        <p:blipFill>
+          <a:blip r:embed="rId3"/>
+          <a:stretch>
+            <a:fillRect/>
+          </a:stretch>
+        </p:blipFill>
         <p:spPr>
           <a:xfrm>
-            <a:off x="541610" y="1524708"/>
-            <a:ext cx="11142390" cy="4990392"/>
+            <a:off x="5609999" y="1295914"/>
+            <a:ext cx="5984238" cy="5114030"/>
           </a:xfrm>
           <a:prstGeom prst="rect">
             <a:avLst/>
           </a:prstGeom>
         </p:spPr>
-        <p:txBody>
-          <a:bodyPr vert="horz" lIns="91440" tIns="45720" rIns="91440" bIns="45720" rtlCol="0">
-            <a:normAutofit/>
-          </a:bodyPr>
-          <a:lstStyle>
-            <a:lvl1pPr marL="228600" indent="-228600" algn="l" defTabSz="914400" rtl="0" eaLnBrk="1" latinLnBrk="0" hangingPunct="1">
-              <a:lnSpc>
-                <a:spcPts val="1800"/>
-              </a:lnSpc>
-              <a:spcBef>
-                <a:spcPts val="1000"/>
-              </a:spcBef>
-              <a:spcAft>
-                <a:spcPts val="1000"/>
-              </a:spcAft>
-              <a:buFont typeface="Arial" panose="020B0604020202020204" pitchFamily="34" charset="0"/>
-              <a:buChar char="•"/>
-              <a:defRPr lang="en-US" sz="1200" kern="1200" smtClean="0">
-                <a:solidFill>
-                  <a:schemeClr val="tx1">
-                    <a:lumMod val="75000"/>
-                    <a:lumOff val="25000"/>
-                  </a:schemeClr>
-                </a:solidFill>
-                <a:latin typeface="+mn-lt"/>
-                <a:ea typeface="+mn-ea"/>
-                <a:cs typeface="+mn-cs"/>
-              </a:defRPr>
-            </a:lvl1pPr>
-            <a:lvl2pPr marL="685800" indent="-228600" algn="l" defTabSz="914400" rtl="0" eaLnBrk="1" latinLnBrk="0" hangingPunct="1">
-              <a:lnSpc>
-                <a:spcPts val="1800"/>
-              </a:lnSpc>
-              <a:spcBef>
-                <a:spcPts val="1000"/>
-              </a:spcBef>
-              <a:spcAft>
-                <a:spcPts val="1000"/>
-              </a:spcAft>
-              <a:buFont typeface="Arial" panose="020B0604020202020204" pitchFamily="34" charset="0"/>
-              <a:buChar char="•"/>
-              <a:defRPr lang="en-US" sz="1200" kern="1200" smtClean="0">
-                <a:solidFill>
-                  <a:schemeClr val="tx1">
-                    <a:lumMod val="75000"/>
-                    <a:lumOff val="25000"/>
-                  </a:schemeClr>
-                </a:solidFill>
-                <a:latin typeface="+mn-lt"/>
-                <a:ea typeface="+mn-ea"/>
-                <a:cs typeface="+mn-cs"/>
-              </a:defRPr>
-            </a:lvl2pPr>
-            <a:lvl3pPr marL="1143000" indent="-228600" algn="l" defTabSz="914400" rtl="0" eaLnBrk="1" latinLnBrk="0" hangingPunct="1">
-              <a:lnSpc>
-                <a:spcPts val="1800"/>
-              </a:lnSpc>
-              <a:spcBef>
-                <a:spcPts val="1000"/>
-              </a:spcBef>
-              <a:spcAft>
-                <a:spcPts val="1000"/>
-              </a:spcAft>
-              <a:buFont typeface="Arial" panose="020B0604020202020204" pitchFamily="34" charset="0"/>
-              <a:buChar char="•"/>
-              <a:defRPr lang="en-US" sz="1200" kern="1200" smtClean="0">
-                <a:solidFill>
-                  <a:schemeClr val="tx1">
-                    <a:lumMod val="75000"/>
-                    <a:lumOff val="25000"/>
-                  </a:schemeClr>
-                </a:solidFill>
-                <a:latin typeface="+mn-lt"/>
-                <a:ea typeface="+mn-ea"/>
-                <a:cs typeface="+mn-cs"/>
-              </a:defRPr>
-            </a:lvl3pPr>
-            <a:lvl4pPr marL="1600200" indent="-228600" algn="l" defTabSz="914400" rtl="0" eaLnBrk="1" latinLnBrk="0" hangingPunct="1">
-              <a:lnSpc>
-                <a:spcPts val="1800"/>
-              </a:lnSpc>
-              <a:spcBef>
-                <a:spcPts val="1000"/>
-              </a:spcBef>
-              <a:spcAft>
-                <a:spcPts val="1000"/>
-              </a:spcAft>
-              <a:buFont typeface="Arial" panose="020B0604020202020204" pitchFamily="34" charset="0"/>
-              <a:buChar char="•"/>
-              <a:defRPr lang="en-US" sz="1200" kern="1200" smtClean="0">
-                <a:solidFill>
-                  <a:schemeClr val="tx1">
-                    <a:lumMod val="75000"/>
-                    <a:lumOff val="25000"/>
-                  </a:schemeClr>
-                </a:solidFill>
-                <a:latin typeface="+mn-lt"/>
-                <a:ea typeface="+mn-ea"/>
-                <a:cs typeface="+mn-cs"/>
-              </a:defRPr>
-            </a:lvl4pPr>
-            <a:lvl5pPr marL="2057400" indent="-228600" algn="l" defTabSz="914400" rtl="0" eaLnBrk="1" latinLnBrk="0" hangingPunct="1">
-              <a:lnSpc>
-                <a:spcPts val="1800"/>
-              </a:lnSpc>
-              <a:spcBef>
-                <a:spcPts val="1000"/>
-              </a:spcBef>
-              <a:spcAft>
-                <a:spcPts val="1000"/>
-              </a:spcAft>
-              <a:buFont typeface="Arial" panose="020B0604020202020204" pitchFamily="34" charset="0"/>
-              <a:buChar char="•"/>
-              <a:defRPr lang="en-US" sz="1200" kern="1200">
-                <a:solidFill>
-                  <a:schemeClr val="tx1">
-                    <a:lumMod val="75000"/>
-                    <a:lumOff val="25000"/>
-                  </a:schemeClr>
-                </a:solidFill>
-                <a:latin typeface="+mn-lt"/>
-                <a:ea typeface="+mn-ea"/>
-                <a:cs typeface="+mn-cs"/>
-              </a:defRPr>
-            </a:lvl5pPr>
-            <a:lvl6pPr marL="2514600" indent="-228600" algn="l" defTabSz="914400" rtl="0" eaLnBrk="1" latinLnBrk="0" hangingPunct="1">
-              <a:lnSpc>
-                <a:spcPct val="90000"/>
-              </a:lnSpc>
-              <a:spcBef>
-                <a:spcPct val="30000"/>
-              </a:spcBef>
-              <a:buFont typeface="Arial" panose="020B0604020202020204" pitchFamily="34" charset="0"/>
-              <a:buChar char="•"/>
-              <a:defRPr sz="1800" kern="1200">
-                <a:solidFill>
-                  <a:schemeClr val="tx1"/>
-                </a:solidFill>
-                <a:latin typeface="+mn-lt"/>
-                <a:ea typeface="+mn-ea"/>
-                <a:cs typeface="+mn-cs"/>
-              </a:defRPr>
-            </a:lvl6pPr>
-            <a:lvl7pPr marL="2971800" indent="-228600" algn="l" defTabSz="914400" rtl="0" eaLnBrk="1" latinLnBrk="0" hangingPunct="1">
-              <a:lnSpc>
-                <a:spcPct val="90000"/>
-              </a:lnSpc>
-              <a:spcBef>
-                <a:spcPct val="30000"/>
-              </a:spcBef>
-              <a:buFont typeface="Arial" panose="020B0604020202020204" pitchFamily="34" charset="0"/>
-              <a:buChar char="•"/>
-              <a:defRPr sz="1800" kern="1200">
-                <a:solidFill>
-                  <a:schemeClr val="tx1"/>
-                </a:solidFill>
-                <a:latin typeface="+mn-lt"/>
-                <a:ea typeface="+mn-ea"/>
-                <a:cs typeface="+mn-cs"/>
-              </a:defRPr>
-            </a:lvl7pPr>
-            <a:lvl8pPr marL="3429000" indent="-228600" algn="l" defTabSz="914400" rtl="0" eaLnBrk="1" latinLnBrk="0" hangingPunct="1">
-              <a:lnSpc>
-                <a:spcPct val="90000"/>
-              </a:lnSpc>
-              <a:spcBef>
-                <a:spcPct val="30000"/>
-              </a:spcBef>
-              <a:buFont typeface="Arial" panose="020B0604020202020204" pitchFamily="34" charset="0"/>
-              <a:buChar char="•"/>
-              <a:defRPr sz="1800" kern="1200">
-                <a:solidFill>
-                  <a:schemeClr val="tx1"/>
-                </a:solidFill>
-                <a:latin typeface="+mn-lt"/>
-                <a:ea typeface="+mn-ea"/>
-                <a:cs typeface="+mn-cs"/>
-              </a:defRPr>
-            </a:lvl8pPr>
-            <a:lvl9pPr marL="3886200" indent="-228600" algn="l" defTabSz="914400" rtl="0" eaLnBrk="1" latinLnBrk="0" hangingPunct="1">
-              <a:lnSpc>
-                <a:spcPct val="90000"/>
-              </a:lnSpc>
-              <a:spcBef>
-                <a:spcPct val="30000"/>
-              </a:spcBef>
-              <a:buFont typeface="Arial" panose="020B0604020202020204" pitchFamily="34" charset="0"/>
-              <a:buChar char="•"/>
-              <a:defRPr sz="1800" kern="1200">
-                <a:solidFill>
-                  <a:schemeClr val="tx1"/>
-                </a:solidFill>
-                <a:latin typeface="+mn-lt"/>
-                <a:ea typeface="+mn-ea"/>
-                <a:cs typeface="+mn-cs"/>
-              </a:defRPr>
-            </a:lvl9pPr>
-          </a:lstStyle>
-          <a:p>
-            <a:pPr marL="0" lvl="0" indent="0" rtl="0">
-              <a:spcAft>
-                <a:spcPts val="600"/>
-              </a:spcAft>
-              <a:buNone/>
-              <a:defRPr/>
-            </a:pPr>
-            <a:r>
-              <a:rPr lang="ko-KR" altLang="en-US" sz="1600" b="1" dirty="0">
-                <a:solidFill>
-                  <a:schemeClr val="tx1"/>
-                </a:solidFill>
-                <a:latin typeface="맑은 고딕" panose="020B0503020000020004" pitchFamily="50" charset="-127"/>
-                <a:ea typeface="맑은 고딕" panose="020B0503020000020004" pitchFamily="50" charset="-127"/>
-                <a:cs typeface="Segoe UI" panose="020B0502040204020203" pitchFamily="34" charset="0"/>
-              </a:rPr>
-              <a:t>민감 정보 검사</a:t>
-            </a:r>
-            <a:endParaRPr lang="en-US" altLang="ko-KR" sz="1600" b="1" dirty="0">
-              <a:solidFill>
-                <a:schemeClr val="tx1"/>
-              </a:solidFill>
-              <a:latin typeface="맑은 고딕" panose="020B0503020000020004" pitchFamily="50" charset="-127"/>
-              <a:ea typeface="맑은 고딕" panose="020B0503020000020004" pitchFamily="50" charset="-127"/>
-              <a:cs typeface="Segoe UI" panose="020B0502040204020203" pitchFamily="34" charset="0"/>
-            </a:endParaRPr>
-          </a:p>
-          <a:p>
-            <a:pPr marL="0" lvl="0" indent="0" rtl="0">
-              <a:spcAft>
-                <a:spcPts val="600"/>
-              </a:spcAft>
-              <a:buNone/>
-              <a:defRPr/>
-            </a:pPr>
-            <a:r>
-              <a:rPr lang="ko-KR" altLang="en-US" sz="1600" dirty="0">
-                <a:solidFill>
-                  <a:schemeClr val="tx1"/>
-                </a:solidFill>
-                <a:latin typeface="맑은 고딕" panose="020B0503020000020004" pitchFamily="50" charset="-127"/>
-                <a:ea typeface="맑은 고딕" panose="020B0503020000020004" pitchFamily="50" charset="-127"/>
-                <a:cs typeface="Segoe UI" panose="020B0502040204020203" pitchFamily="34" charset="0"/>
-              </a:rPr>
-              <a:t>이메일 </a:t>
-            </a:r>
-            <a:r>
-              <a:rPr lang="en-US" altLang="ko-KR" sz="1600" dirty="0">
-                <a:solidFill>
-                  <a:schemeClr val="tx1"/>
-                </a:solidFill>
-                <a:latin typeface="맑은 고딕" panose="020B0503020000020004" pitchFamily="50" charset="-127"/>
-                <a:ea typeface="맑은 고딕" panose="020B0503020000020004" pitchFamily="50" charset="-127"/>
-                <a:cs typeface="Segoe UI" panose="020B0502040204020203" pitchFamily="34" charset="0"/>
-              </a:rPr>
-              <a:t>, </a:t>
-            </a:r>
-            <a:r>
-              <a:rPr lang="ko-KR" altLang="en-US" sz="1600" dirty="0">
-                <a:solidFill>
-                  <a:schemeClr val="tx1"/>
-                </a:solidFill>
-                <a:latin typeface="맑은 고딕" panose="020B0503020000020004" pitchFamily="50" charset="-127"/>
-                <a:ea typeface="맑은 고딕" panose="020B0503020000020004" pitchFamily="50" charset="-127"/>
-                <a:cs typeface="Segoe UI" panose="020B0502040204020203" pitchFamily="34" charset="0"/>
-              </a:rPr>
-              <a:t>주민번호 등 민감정보를 검사 하는 기능이 있다</a:t>
-            </a:r>
-            <a:r>
-              <a:rPr lang="en-US" altLang="ko-KR" sz="1600" dirty="0">
-                <a:solidFill>
-                  <a:schemeClr val="tx1"/>
-                </a:solidFill>
-                <a:latin typeface="맑은 고딕" panose="020B0503020000020004" pitchFamily="50" charset="-127"/>
-                <a:ea typeface="맑은 고딕" panose="020B0503020000020004" pitchFamily="50" charset="-127"/>
-                <a:cs typeface="Segoe UI" panose="020B0502040204020203" pitchFamily="34" charset="0"/>
-              </a:rPr>
-              <a:t>. (</a:t>
-            </a:r>
-            <a:r>
-              <a:rPr lang="ko-KR" altLang="en-US" sz="1600" b="1" dirty="0">
-                <a:solidFill>
-                  <a:schemeClr val="tx1"/>
-                </a:solidFill>
-                <a:latin typeface="맑은 고딕" panose="020B0503020000020004" pitchFamily="50" charset="-127"/>
-                <a:ea typeface="맑은 고딕" panose="020B0503020000020004" pitchFamily="50" charset="-127"/>
-                <a:cs typeface="Segoe UI" panose="020B0502040204020203" pitchFamily="34" charset="0"/>
-              </a:rPr>
-              <a:t>실시간 검사 </a:t>
-            </a:r>
-            <a:r>
-              <a:rPr lang="en-US" altLang="ko-KR" sz="1600" b="1" dirty="0">
-                <a:solidFill>
-                  <a:schemeClr val="tx1"/>
-                </a:solidFill>
-                <a:latin typeface="맑은 고딕" panose="020B0503020000020004" pitchFamily="50" charset="-127"/>
-                <a:ea typeface="맑은 고딕" panose="020B0503020000020004" pitchFamily="50" charset="-127"/>
-                <a:cs typeface="Segoe UI" panose="020B0502040204020203" pitchFamily="34" charset="0"/>
-              </a:rPr>
-              <a:t>, </a:t>
-            </a:r>
-            <a:r>
-              <a:rPr lang="ko-KR" altLang="en-US" sz="1600" b="1" dirty="0">
-                <a:solidFill>
-                  <a:schemeClr val="tx1"/>
-                </a:solidFill>
-                <a:latin typeface="맑은 고딕" panose="020B0503020000020004" pitchFamily="50" charset="-127"/>
-                <a:ea typeface="맑은 고딕" panose="020B0503020000020004" pitchFamily="50" charset="-127"/>
-                <a:cs typeface="Segoe UI" panose="020B0502040204020203" pitchFamily="34" charset="0"/>
-              </a:rPr>
-              <a:t>예약 검사</a:t>
-            </a:r>
-            <a:r>
-              <a:rPr lang="en-US" altLang="ko-KR" sz="1600" dirty="0">
-                <a:solidFill>
-                  <a:schemeClr val="tx1"/>
-                </a:solidFill>
-                <a:latin typeface="맑은 고딕" panose="020B0503020000020004" pitchFamily="50" charset="-127"/>
-                <a:ea typeface="맑은 고딕" panose="020B0503020000020004" pitchFamily="50" charset="-127"/>
-                <a:cs typeface="Segoe UI" panose="020B0502040204020203" pitchFamily="34" charset="0"/>
-              </a:rPr>
-              <a:t>)</a:t>
-            </a:r>
-          </a:p>
-          <a:p>
-            <a:pPr marL="0" lvl="0" indent="0" rtl="0">
-              <a:spcAft>
-                <a:spcPts val="600"/>
-              </a:spcAft>
-              <a:buNone/>
-              <a:defRPr/>
-            </a:pPr>
-            <a:r>
-              <a:rPr lang="ko-KR" altLang="en-US" sz="1600" dirty="0">
-                <a:solidFill>
-                  <a:schemeClr val="tx1"/>
-                </a:solidFill>
-                <a:latin typeface="맑은 고딕" panose="020B0503020000020004" pitchFamily="50" charset="-127"/>
-                <a:ea typeface="맑은 고딕" panose="020B0503020000020004" pitchFamily="50" charset="-127"/>
-                <a:cs typeface="Segoe UI" panose="020B0502040204020203" pitchFamily="34" charset="0"/>
-              </a:rPr>
-              <a:t>전체검사와 선택검사가 있고 검사를 통해 민감정보가 검출된 파일을 암호화하거나 삭제할 수 있다</a:t>
-            </a:r>
-            <a:r>
-              <a:rPr lang="en-US" altLang="ko-KR" sz="1600" dirty="0">
-                <a:solidFill>
-                  <a:schemeClr val="tx1"/>
-                </a:solidFill>
-                <a:latin typeface="맑은 고딕" panose="020B0503020000020004" pitchFamily="50" charset="-127"/>
-                <a:ea typeface="맑은 고딕" panose="020B0503020000020004" pitchFamily="50" charset="-127"/>
-                <a:cs typeface="Segoe UI" panose="020B0502040204020203" pitchFamily="34" charset="0"/>
-              </a:rPr>
-              <a:t>.</a:t>
-            </a:r>
-          </a:p>
-          <a:p>
-            <a:pPr marL="0" lvl="0" indent="0" rtl="0">
-              <a:spcAft>
-                <a:spcPts val="600"/>
-              </a:spcAft>
-              <a:buNone/>
-              <a:defRPr/>
-            </a:pPr>
-            <a:r>
-              <a:rPr lang="en-US" altLang="ko-KR" sz="1600" b="1" dirty="0">
-                <a:solidFill>
-                  <a:schemeClr val="tx1"/>
-                </a:solidFill>
-                <a:latin typeface="맑은 고딕" panose="020B0503020000020004" pitchFamily="50" charset="-127"/>
-                <a:ea typeface="맑은 고딕" panose="020B0503020000020004" pitchFamily="50" charset="-127"/>
-                <a:cs typeface="Segoe UI" panose="020B0502040204020203" pitchFamily="34" charset="0"/>
-              </a:rPr>
-              <a:t>*</a:t>
-            </a:r>
-            <a:r>
-              <a:rPr lang="en-US" altLang="ko-KR" sz="1600" dirty="0">
-                <a:solidFill>
-                  <a:schemeClr val="tx1"/>
-                </a:solidFill>
-                <a:latin typeface="맑은 고딕" panose="020B0503020000020004" pitchFamily="50" charset="-127"/>
-                <a:ea typeface="맑은 고딕" panose="020B0503020000020004" pitchFamily="50" charset="-127"/>
-                <a:cs typeface="Segoe UI" panose="020B0502040204020203" pitchFamily="34" charset="0"/>
-              </a:rPr>
-              <a:t> </a:t>
-            </a:r>
-            <a:r>
-              <a:rPr lang="ko-KR" altLang="en-US" sz="1600" dirty="0">
-                <a:solidFill>
-                  <a:schemeClr val="tx1"/>
-                </a:solidFill>
-                <a:latin typeface="맑은 고딕" panose="020B0503020000020004" pitchFamily="50" charset="-127"/>
-                <a:ea typeface="맑은 고딕" panose="020B0503020000020004" pitchFamily="50" charset="-127"/>
-                <a:cs typeface="Segoe UI" panose="020B0502040204020203" pitchFamily="34" charset="0"/>
-              </a:rPr>
-              <a:t>예외 경로를 제외한 모든 경로의 디렉토리를 파고들어가 읽기 가능한 파일의 핸들을 가져와 안의 내용에서 지정된 민감정보 키워드를 검사해 발견된 프로세스를 검출한다</a:t>
-            </a:r>
-            <a:r>
-              <a:rPr lang="en-US" altLang="ko-KR" sz="1600" dirty="0">
-                <a:solidFill>
-                  <a:schemeClr val="tx1"/>
-                </a:solidFill>
-                <a:latin typeface="맑은 고딕" panose="020B0503020000020004" pitchFamily="50" charset="-127"/>
-                <a:ea typeface="맑은 고딕" panose="020B0503020000020004" pitchFamily="50" charset="-127"/>
-                <a:cs typeface="Segoe UI" panose="020B0502040204020203" pitchFamily="34" charset="0"/>
-              </a:rPr>
-              <a:t>.</a:t>
-            </a:r>
-          </a:p>
-          <a:p>
-            <a:pPr marL="0" lvl="0" indent="0" rtl="0">
-              <a:spcAft>
-                <a:spcPts val="600"/>
-              </a:spcAft>
-              <a:buNone/>
-              <a:defRPr/>
-            </a:pPr>
-            <a:r>
-              <a:rPr lang="en-US" altLang="ko-KR" sz="1600" dirty="0">
-                <a:solidFill>
-                  <a:schemeClr val="tx1"/>
-                </a:solidFill>
-                <a:latin typeface="맑은 고딕" panose="020B0503020000020004" pitchFamily="50" charset="-127"/>
-                <a:ea typeface="맑은 고딕" panose="020B0503020000020004" pitchFamily="50" charset="-127"/>
-                <a:cs typeface="Segoe UI" panose="020B0502040204020203" pitchFamily="34" charset="0"/>
-              </a:rPr>
-              <a:t>Filesystem</a:t>
-            </a:r>
-            <a:r>
-              <a:rPr lang="ko-KR" altLang="en-US" sz="1600" dirty="0">
-                <a:solidFill>
-                  <a:schemeClr val="tx1"/>
-                </a:solidFill>
-                <a:latin typeface="맑은 고딕" panose="020B0503020000020004" pitchFamily="50" charset="-127"/>
-                <a:ea typeface="맑은 고딕" panose="020B0503020000020004" pitchFamily="50" charset="-127"/>
-                <a:cs typeface="Segoe UI" panose="020B0502040204020203" pitchFamily="34" charset="0"/>
-              </a:rPr>
-              <a:t>의 </a:t>
-            </a:r>
-            <a:r>
-              <a:rPr lang="en-US" altLang="ko-KR" sz="1600" dirty="0" err="1">
-                <a:solidFill>
-                  <a:schemeClr val="tx1"/>
-                </a:solidFill>
-                <a:latin typeface="맑은 고딕" panose="020B0503020000020004" pitchFamily="50" charset="-127"/>
-                <a:ea typeface="맑은 고딕" panose="020B0503020000020004" pitchFamily="50" charset="-127"/>
-                <a:cs typeface="Segoe UI" panose="020B0502040204020203" pitchFamily="34" charset="0"/>
-              </a:rPr>
-              <a:t>directory_iterator</a:t>
-            </a:r>
-            <a:r>
-              <a:rPr lang="ko-KR" altLang="en-US" sz="1600" dirty="0">
-                <a:solidFill>
-                  <a:schemeClr val="tx1"/>
-                </a:solidFill>
-                <a:latin typeface="맑은 고딕" panose="020B0503020000020004" pitchFamily="50" charset="-127"/>
-                <a:ea typeface="맑은 고딕" panose="020B0503020000020004" pitchFamily="50" charset="-127"/>
-                <a:cs typeface="Segoe UI" panose="020B0502040204020203" pitchFamily="34" charset="0"/>
-              </a:rPr>
-              <a:t>를 이용해 원하는 경로의 디렉토리 순회 후 파일마다 접근</a:t>
-            </a:r>
-            <a:endParaRPr lang="en-US" altLang="ko-KR" sz="1600" dirty="0">
-              <a:solidFill>
-                <a:schemeClr val="tx1"/>
-              </a:solidFill>
-              <a:latin typeface="맑은 고딕" panose="020B0503020000020004" pitchFamily="50" charset="-127"/>
-              <a:ea typeface="맑은 고딕" panose="020B0503020000020004" pitchFamily="50" charset="-127"/>
-              <a:cs typeface="Segoe UI" panose="020B0502040204020203" pitchFamily="34" charset="0"/>
-            </a:endParaRPr>
-          </a:p>
-          <a:p>
-            <a:pPr marL="0" lvl="0" indent="0" rtl="0">
-              <a:spcAft>
-                <a:spcPts val="600"/>
-              </a:spcAft>
-              <a:buNone/>
-              <a:defRPr/>
-            </a:pPr>
-            <a:r>
-              <a:rPr lang="ko-KR" altLang="en-US" sz="1600" b="1" dirty="0">
-                <a:solidFill>
-                  <a:schemeClr val="tx1"/>
-                </a:solidFill>
-                <a:latin typeface="맑은 고딕" panose="020B0503020000020004" pitchFamily="50" charset="-127"/>
-                <a:ea typeface="맑은 고딕" panose="020B0503020000020004" pitchFamily="50" charset="-127"/>
-                <a:cs typeface="Segoe UI" panose="020B0502040204020203" pitchFamily="34" charset="0"/>
-              </a:rPr>
-              <a:t>파일 암호화</a:t>
-            </a:r>
-            <a:endParaRPr lang="en-US" altLang="ko-KR" sz="1600" b="1" dirty="0">
-              <a:solidFill>
-                <a:schemeClr val="tx1"/>
-              </a:solidFill>
-              <a:latin typeface="맑은 고딕" panose="020B0503020000020004" pitchFamily="50" charset="-127"/>
-              <a:ea typeface="맑은 고딕" panose="020B0503020000020004" pitchFamily="50" charset="-127"/>
-              <a:cs typeface="Segoe UI" panose="020B0502040204020203" pitchFamily="34" charset="0"/>
-            </a:endParaRPr>
-          </a:p>
-          <a:p>
-            <a:pPr marL="0" lvl="0" indent="0" rtl="0">
-              <a:spcAft>
-                <a:spcPts val="600"/>
-              </a:spcAft>
-              <a:buNone/>
-              <a:defRPr/>
-            </a:pPr>
-            <a:r>
-              <a:rPr lang="ko-KR" altLang="en-US" sz="1600" dirty="0">
-                <a:solidFill>
-                  <a:schemeClr val="tx1"/>
-                </a:solidFill>
-                <a:latin typeface="맑은 고딕" panose="020B0503020000020004" pitchFamily="50" charset="-127"/>
-                <a:ea typeface="맑은 고딕" panose="020B0503020000020004" pitchFamily="50" charset="-127"/>
-                <a:cs typeface="Segoe UI" panose="020B0502040204020203" pitchFamily="34" charset="0"/>
-              </a:rPr>
-              <a:t>파일 자동</a:t>
-            </a:r>
-            <a:r>
-              <a:rPr lang="en-US" altLang="ko-KR" sz="1600" dirty="0">
-                <a:solidFill>
-                  <a:schemeClr val="tx1"/>
-                </a:solidFill>
-                <a:latin typeface="맑은 고딕" panose="020B0503020000020004" pitchFamily="50" charset="-127"/>
-                <a:ea typeface="맑은 고딕" panose="020B0503020000020004" pitchFamily="50" charset="-127"/>
-                <a:cs typeface="Segoe UI" panose="020B0502040204020203" pitchFamily="34" charset="0"/>
-              </a:rPr>
-              <a:t>,</a:t>
-            </a:r>
-            <a:r>
-              <a:rPr lang="ko-KR" altLang="en-US" sz="1600" dirty="0">
-                <a:solidFill>
-                  <a:schemeClr val="tx1"/>
-                </a:solidFill>
-                <a:latin typeface="맑은 고딕" panose="020B0503020000020004" pitchFamily="50" charset="-127"/>
-                <a:ea typeface="맑은 고딕" panose="020B0503020000020004" pitchFamily="50" charset="-127"/>
-                <a:cs typeface="Segoe UI" panose="020B0502040204020203" pitchFamily="34" charset="0"/>
-              </a:rPr>
-              <a:t>수동 암호화를 통해 비밀번호 잠금 기능이 있다</a:t>
-            </a:r>
-            <a:r>
-              <a:rPr lang="en-US" altLang="ko-KR" sz="1600" dirty="0">
-                <a:solidFill>
-                  <a:schemeClr val="tx1"/>
-                </a:solidFill>
-                <a:latin typeface="맑은 고딕" panose="020B0503020000020004" pitchFamily="50" charset="-127"/>
-                <a:ea typeface="맑은 고딕" panose="020B0503020000020004" pitchFamily="50" charset="-127"/>
-                <a:cs typeface="Segoe UI" panose="020B0502040204020203" pitchFamily="34" charset="0"/>
-              </a:rPr>
-              <a:t>. </a:t>
-            </a:r>
-          </a:p>
-          <a:p>
-            <a:pPr marL="0" lvl="0" indent="0" rtl="0">
-              <a:spcAft>
-                <a:spcPts val="600"/>
-              </a:spcAft>
-              <a:buNone/>
-              <a:defRPr/>
-            </a:pPr>
-            <a:r>
-              <a:rPr lang="ko-KR" altLang="en-US" sz="1600" dirty="0" err="1">
-                <a:solidFill>
-                  <a:schemeClr val="tx1"/>
-                </a:solidFill>
-                <a:latin typeface="맑은 고딕" panose="020B0503020000020004" pitchFamily="50" charset="-127"/>
-                <a:ea typeface="맑은 고딕" panose="020B0503020000020004" pitchFamily="50" charset="-127"/>
-                <a:cs typeface="Segoe UI" panose="020B0502040204020203" pitchFamily="34" charset="0"/>
-              </a:rPr>
-              <a:t>잠금된</a:t>
-            </a:r>
-            <a:r>
-              <a:rPr lang="ko-KR" altLang="en-US" sz="1600" dirty="0">
-                <a:solidFill>
-                  <a:schemeClr val="tx1"/>
-                </a:solidFill>
-                <a:latin typeface="맑은 고딕" panose="020B0503020000020004" pitchFamily="50" charset="-127"/>
-                <a:ea typeface="맑은 고딕" panose="020B0503020000020004" pitchFamily="50" charset="-127"/>
-                <a:cs typeface="Segoe UI" panose="020B0502040204020203" pitchFamily="34" charset="0"/>
-              </a:rPr>
-              <a:t> 파일은 비밀번호 입력 전까지 실행불가 상태가 되며 </a:t>
-            </a:r>
-            <a:r>
-              <a:rPr lang="en-US" altLang="ko-KR" sz="1600" dirty="0" err="1">
-                <a:solidFill>
-                  <a:schemeClr val="tx1"/>
-                </a:solidFill>
-                <a:latin typeface="맑은 고딕" panose="020B0503020000020004" pitchFamily="50" charset="-127"/>
-                <a:ea typeface="맑은 고딕" panose="020B0503020000020004" pitchFamily="50" charset="-127"/>
-                <a:cs typeface="Segoe UI" panose="020B0502040204020203" pitchFamily="34" charset="0"/>
-              </a:rPr>
-              <a:t>mLHD</a:t>
-            </a:r>
-            <a:r>
-              <a:rPr lang="ko-KR" altLang="en-US" sz="1600" dirty="0">
-                <a:solidFill>
-                  <a:schemeClr val="tx1"/>
-                </a:solidFill>
-                <a:latin typeface="맑은 고딕" panose="020B0503020000020004" pitchFamily="50" charset="-127"/>
-                <a:ea typeface="맑은 고딕" panose="020B0503020000020004" pitchFamily="50" charset="-127"/>
-                <a:cs typeface="Segoe UI" panose="020B0502040204020203" pitchFamily="34" charset="0"/>
-              </a:rPr>
-              <a:t>라는 확장자가 생긴다</a:t>
-            </a:r>
-            <a:r>
-              <a:rPr lang="en-US" altLang="ko-KR" sz="1600" dirty="0">
-                <a:solidFill>
-                  <a:schemeClr val="tx1"/>
-                </a:solidFill>
-                <a:latin typeface="맑은 고딕" panose="020B0503020000020004" pitchFamily="50" charset="-127"/>
-                <a:ea typeface="맑은 고딕" panose="020B0503020000020004" pitchFamily="50" charset="-127"/>
-                <a:cs typeface="Segoe UI" panose="020B0502040204020203" pitchFamily="34" charset="0"/>
-              </a:rPr>
-              <a:t>.</a:t>
-            </a:r>
-          </a:p>
-          <a:p>
-            <a:pPr marL="0" lvl="0" indent="0" rtl="0">
-              <a:spcAft>
-                <a:spcPts val="600"/>
-              </a:spcAft>
-              <a:buNone/>
-              <a:defRPr/>
-            </a:pPr>
-            <a:r>
-              <a:rPr lang="en-US" altLang="ko-KR" sz="1600" b="1" dirty="0">
-                <a:solidFill>
-                  <a:schemeClr val="tx1"/>
-                </a:solidFill>
-                <a:latin typeface="맑은 고딕" panose="020B0503020000020004" pitchFamily="50" charset="-127"/>
-                <a:ea typeface="맑은 고딕" panose="020B0503020000020004" pitchFamily="50" charset="-127"/>
-                <a:cs typeface="Segoe UI" panose="020B0502040204020203" pitchFamily="34" charset="0"/>
-              </a:rPr>
-              <a:t>*</a:t>
-            </a:r>
-            <a:r>
-              <a:rPr lang="en-US" altLang="ko-KR" sz="1600" dirty="0">
-                <a:solidFill>
-                  <a:schemeClr val="tx1"/>
-                </a:solidFill>
-                <a:latin typeface="맑은 고딕" panose="020B0503020000020004" pitchFamily="50" charset="-127"/>
-                <a:ea typeface="맑은 고딕" panose="020B0503020000020004" pitchFamily="50" charset="-127"/>
-                <a:cs typeface="Segoe UI" panose="020B0502040204020203" pitchFamily="34" charset="0"/>
-              </a:rPr>
-              <a:t> </a:t>
-            </a:r>
-            <a:r>
-              <a:rPr lang="ko-KR" altLang="en-US" sz="1600" dirty="0">
-                <a:solidFill>
-                  <a:schemeClr val="tx1"/>
-                </a:solidFill>
-                <a:latin typeface="맑은 고딕" panose="020B0503020000020004" pitchFamily="50" charset="-127"/>
-                <a:ea typeface="맑은 고딕" panose="020B0503020000020004" pitchFamily="50" charset="-127"/>
-                <a:cs typeface="Segoe UI" panose="020B0502040204020203" pitchFamily="34" charset="0"/>
-              </a:rPr>
-              <a:t>파일 시스템을 이용하여 해당 파일을 쓰기 형태로 열고 안의 내용을 알고리즘을 통해 암호화 및 복호화 한다</a:t>
-            </a:r>
-            <a:r>
-              <a:rPr lang="en-US" altLang="ko-KR" sz="1600" dirty="0">
-                <a:solidFill>
-                  <a:schemeClr val="tx1"/>
-                </a:solidFill>
-                <a:latin typeface="맑은 고딕" panose="020B0503020000020004" pitchFamily="50" charset="-127"/>
-                <a:ea typeface="맑은 고딕" panose="020B0503020000020004" pitchFamily="50" charset="-127"/>
-                <a:cs typeface="Segoe UI" panose="020B0502040204020203" pitchFamily="34" charset="0"/>
-              </a:rPr>
-              <a:t>.</a:t>
-            </a:r>
-            <a:r>
-              <a:rPr lang="ko-KR" altLang="en-US" sz="1600" dirty="0">
-                <a:solidFill>
-                  <a:schemeClr val="tx1"/>
-                </a:solidFill>
-                <a:latin typeface="맑은 고딕" panose="020B0503020000020004" pitchFamily="50" charset="-127"/>
-                <a:ea typeface="맑은 고딕" panose="020B0503020000020004" pitchFamily="50" charset="-127"/>
-                <a:cs typeface="Segoe UI" panose="020B0502040204020203" pitchFamily="34" charset="0"/>
-              </a:rPr>
-              <a:t> </a:t>
-            </a:r>
-            <a:endParaRPr lang="en-US" altLang="ko-KR" sz="1600" dirty="0">
-              <a:solidFill>
-                <a:schemeClr val="tx1"/>
-              </a:solidFill>
-              <a:latin typeface="맑은 고딕" panose="020B0503020000020004" pitchFamily="50" charset="-127"/>
-              <a:ea typeface="맑은 고딕" panose="020B0503020000020004" pitchFamily="50" charset="-127"/>
-              <a:cs typeface="Segoe UI" panose="020B0502040204020203" pitchFamily="34" charset="0"/>
-            </a:endParaRPr>
-          </a:p>
-          <a:p>
-            <a:pPr marL="0" lvl="0" indent="0" rtl="0">
-              <a:spcAft>
-                <a:spcPts val="600"/>
-              </a:spcAft>
-              <a:buNone/>
-              <a:defRPr/>
-            </a:pPr>
-            <a:r>
-              <a:rPr lang="en-US" altLang="ko-KR" sz="1600" dirty="0" err="1">
-                <a:solidFill>
-                  <a:schemeClr val="tx1"/>
-                </a:solidFill>
-                <a:latin typeface="맑은 고딕" panose="020B0503020000020004" pitchFamily="50" charset="-127"/>
-                <a:ea typeface="맑은 고딕" panose="020B0503020000020004" pitchFamily="50" charset="-127"/>
-                <a:cs typeface="Segoe UI" panose="020B0502040204020203" pitchFamily="34" charset="0"/>
-              </a:rPr>
-              <a:t>Wincrypt</a:t>
-            </a:r>
-            <a:r>
-              <a:rPr lang="en-US" altLang="ko-KR" sz="1600" dirty="0">
-                <a:solidFill>
-                  <a:schemeClr val="tx1"/>
-                </a:solidFill>
-                <a:latin typeface="맑은 고딕" panose="020B0503020000020004" pitchFamily="50" charset="-127"/>
-                <a:ea typeface="맑은 고딕" panose="020B0503020000020004" pitchFamily="50" charset="-127"/>
-                <a:cs typeface="Segoe UI" panose="020B0502040204020203" pitchFamily="34" charset="0"/>
-              </a:rPr>
-              <a:t> or crypt++ or </a:t>
-            </a:r>
-            <a:r>
-              <a:rPr lang="en-US" altLang="ko-KR" sz="1600" dirty="0" err="1">
-                <a:solidFill>
-                  <a:schemeClr val="tx1"/>
-                </a:solidFill>
-                <a:latin typeface="맑은 고딕" panose="020B0503020000020004" pitchFamily="50" charset="-127"/>
-                <a:ea typeface="맑은 고딕" panose="020B0503020000020004" pitchFamily="50" charset="-127"/>
-                <a:cs typeface="Segoe UI" panose="020B0502040204020203" pitchFamily="34" charset="0"/>
-              </a:rPr>
-              <a:t>openssl</a:t>
-            </a:r>
-            <a:r>
-              <a:rPr lang="en-US" altLang="ko-KR" sz="1600" dirty="0">
-                <a:solidFill>
-                  <a:schemeClr val="tx1"/>
-                </a:solidFill>
-                <a:latin typeface="맑은 고딕" panose="020B0503020000020004" pitchFamily="50" charset="-127"/>
-                <a:ea typeface="맑은 고딕" panose="020B0503020000020004" pitchFamily="50" charset="-127"/>
-                <a:cs typeface="Segoe UI" panose="020B0502040204020203" pitchFamily="34" charset="0"/>
-              </a:rPr>
-              <a:t> </a:t>
-            </a:r>
-            <a:r>
-              <a:rPr lang="ko-KR" altLang="en-US" sz="1600" dirty="0">
-                <a:solidFill>
-                  <a:schemeClr val="tx1"/>
-                </a:solidFill>
-                <a:latin typeface="맑은 고딕" panose="020B0503020000020004" pitchFamily="50" charset="-127"/>
-                <a:ea typeface="맑은 고딕" panose="020B0503020000020004" pitchFamily="50" charset="-127"/>
-                <a:cs typeface="Segoe UI" panose="020B0502040204020203" pitchFamily="34" charset="0"/>
-              </a:rPr>
-              <a:t>등의 암호화 라이브러리도 존재</a:t>
-            </a:r>
-            <a:endParaRPr lang="en-US" altLang="ko-KR" sz="1600" dirty="0">
-              <a:solidFill>
-                <a:schemeClr val="tx1"/>
-              </a:solidFill>
-              <a:latin typeface="맑은 고딕" panose="020B0503020000020004" pitchFamily="50" charset="-127"/>
-              <a:ea typeface="맑은 고딕" panose="020B0503020000020004" pitchFamily="50" charset="-127"/>
-              <a:cs typeface="Segoe UI" panose="020B0502040204020203" pitchFamily="34" charset="0"/>
-            </a:endParaRPr>
-          </a:p>
-        </p:txBody>
-      </p:sp>
+      </p:pic>
+      <p:pic>
+        <p:nvPicPr>
+          <p:cNvPr id="6" name="그림 5">
+            <a:extLst>
+              <a:ext uri="{FF2B5EF4-FFF2-40B4-BE49-F238E27FC236}">
+                <a16:creationId xmlns:a16="http://schemas.microsoft.com/office/drawing/2014/main" id="{C204E18E-D5D7-4F85-B0A9-A8872A7403A0}"/>
+              </a:ext>
+            </a:extLst>
+          </p:cNvPr>
+          <p:cNvPicPr>
+            <a:picLocks noChangeAspect="1"/>
+          </p:cNvPicPr>
+          <p:nvPr/>
+        </p:nvPicPr>
+        <p:blipFill>
+          <a:blip r:embed="rId4"/>
+          <a:stretch>
+            <a:fillRect/>
+          </a:stretch>
+        </p:blipFill>
+        <p:spPr>
+          <a:xfrm>
+            <a:off x="694094" y="1295915"/>
+            <a:ext cx="4826596" cy="5114030"/>
+          </a:xfrm>
+          <a:prstGeom prst="rect">
+            <a:avLst/>
+          </a:prstGeom>
+        </p:spPr>
+      </p:pic>
     </p:spTree>
     <p:extLst>
       <p:ext uri="{BB962C8B-B14F-4D97-AF65-F5344CB8AC3E}">
-        <p14:creationId xmlns:p14="http://schemas.microsoft.com/office/powerpoint/2010/main" val="500757338"/>
+        <p14:creationId xmlns:p14="http://schemas.microsoft.com/office/powerpoint/2010/main" val="3784376531"/>
       </p:ext>
     </p:extLst>
   </p:cSld>
   <p:clrMapOvr>
     <a:masterClrMapping/>
   </p:clrMapOvr>
-  <mc:AlternateContent xmlns:mc="http://schemas.openxmlformats.org/markup-compatibility/2006" xmlns:p14="http://schemas.microsoft.com/office/powerpoint/2010/main">
-    <mc:Choice Requires="p14">
+  <mc:AlternateContent xmlns:mc="http://schemas.openxmlformats.org/markup-compatibility/2006">
+    <mc:Choice xmlns:p14="http://schemas.microsoft.com/office/powerpoint/2010/main" Requires="p14">
       <p:transition p14:dur="10"/>
     </mc:Choice>
-    <mc:Fallback xmlns="">
+    <mc:Fallback>
       <p:transition/>
     </mc:Fallback>
   </mc:AlternateContent>
@@ -8164,7 +8079,7 @@
               <a:rPr lang="ko-KR" altLang="en-US" dirty="0">
                 <a:cs typeface="Segoe UI Light" panose="020B0502040204020203" pitchFamily="34" charset="0"/>
               </a:rPr>
-              <a:t>출력물 보안</a:t>
+              <a:t>정보 유출 방지</a:t>
             </a:r>
           </a:p>
         </p:txBody>
@@ -8180,7 +8095,7 @@
         <p:spPr>
           <a:xfrm>
             <a:off x="541610" y="1524708"/>
-            <a:ext cx="11142390" cy="4990392"/>
+            <a:ext cx="11142390" cy="4885236"/>
           </a:xfrm>
           <a:prstGeom prst="rect">
             <a:avLst/>
@@ -8393,15 +8308,26 @@
               <a:defRPr/>
             </a:pPr>
             <a:r>
-              <a:rPr lang="ko-KR" altLang="en-US" sz="1600" dirty="0">
-                <a:solidFill>
-                  <a:schemeClr val="tx1"/>
-                </a:solidFill>
-                <a:latin typeface="맑은 고딕" panose="020B0503020000020004" pitchFamily="50" charset="-127"/>
-                <a:ea typeface="맑은 고딕" panose="020B0503020000020004" pitchFamily="50" charset="-127"/>
-                <a:cs typeface="Segoe UI" panose="020B0502040204020203" pitchFamily="34" charset="0"/>
-              </a:rPr>
-              <a:t>프린트</a:t>
+              <a:rPr lang="ko-KR" altLang="en-US" sz="1600" b="1" dirty="0" err="1">
+                <a:solidFill>
+                  <a:schemeClr val="tx1"/>
+                </a:solidFill>
+                <a:latin typeface="맑은 고딕" panose="020B0503020000020004" pitchFamily="50" charset="-127"/>
+                <a:ea typeface="맑은 고딕" panose="020B0503020000020004" pitchFamily="50" charset="-127"/>
+                <a:cs typeface="Segoe UI" panose="020B0502040204020203" pitchFamily="34" charset="0"/>
+              </a:rPr>
+              <a:t>매체별</a:t>
+            </a:r>
+            <a:r>
+              <a:rPr lang="ko-KR" altLang="en-US" sz="1600" b="1" dirty="0">
+                <a:solidFill>
+                  <a:schemeClr val="tx1"/>
+                </a:solidFill>
+                <a:latin typeface="맑은 고딕" panose="020B0503020000020004" pitchFamily="50" charset="-127"/>
+                <a:ea typeface="맑은 고딕" panose="020B0503020000020004" pitchFamily="50" charset="-127"/>
+                <a:cs typeface="Segoe UI" panose="020B0502040204020203" pitchFamily="34" charset="0"/>
+              </a:rPr>
+              <a:t> 차단정책 </a:t>
             </a:r>
             <a:r>
               <a:rPr lang="en-US" altLang="ko-KR" sz="1600" dirty="0">
@@ -8412,6 +8338,28 @@
                 <a:ea typeface="맑은 고딕" panose="020B0503020000020004" pitchFamily="50" charset="-127"/>
                 <a:cs typeface="Segoe UI" panose="020B0502040204020203" pitchFamily="34" charset="0"/>
               </a:rPr>
+              <a:t>- </a:t>
+            </a:r>
+            <a:r>
+              <a:rPr lang="ko-KR" altLang="en-US" sz="1600" dirty="0">
+                <a:solidFill>
+                  <a:schemeClr val="tx1"/>
+                </a:solidFill>
+                <a:latin typeface="맑은 고딕" panose="020B0503020000020004" pitchFamily="50" charset="-127"/>
+                <a:ea typeface="맑은 고딕" panose="020B0503020000020004" pitchFamily="50" charset="-127"/>
+                <a:cs typeface="Segoe UI" panose="020B0502040204020203" pitchFamily="34" charset="0"/>
+              </a:rPr>
+              <a:t>저장매체 </a:t>
+            </a:r>
+            <a:r>
+              <a:rPr lang="en-US" altLang="ko-KR" sz="1600" dirty="0">
+                <a:solidFill>
+                  <a:schemeClr val="tx1"/>
+                </a:solidFill>
+                <a:latin typeface="맑은 고딕" panose="020B0503020000020004" pitchFamily="50" charset="-127"/>
+                <a:ea typeface="맑은 고딕" panose="020B0503020000020004" pitchFamily="50" charset="-127"/>
+                <a:cs typeface="Segoe UI" panose="020B0502040204020203" pitchFamily="34" charset="0"/>
+              </a:rPr>
               <a:t>(</a:t>
             </a:r>
             <a:r>
@@ -8423,7 +8371,7 @@
                 <a:ea typeface="맑은 고딕" panose="020B0503020000020004" pitchFamily="50" charset="-127"/>
                 <a:cs typeface="Segoe UI" panose="020B0502040204020203" pitchFamily="34" charset="0"/>
               </a:rPr>
-              <a:t>출력</a:t>
+              <a:t>이동식 디스크</a:t>
             </a:r>
             <a:r>
               <a:rPr lang="en-US" altLang="ko-KR" sz="1600" dirty="0">
@@ -8434,6 +8382,72 @@
                 <a:ea typeface="맑은 고딕" panose="020B0503020000020004" pitchFamily="50" charset="-127"/>
                 <a:cs typeface="Segoe UI" panose="020B0502040204020203" pitchFamily="34" charset="0"/>
               </a:rPr>
+              <a:t> </a:t>
+            </a:r>
+            <a:r>
+              <a:rPr lang="ko-KR" altLang="en-US" sz="1600" dirty="0">
+                <a:solidFill>
+                  <a:schemeClr val="tx1"/>
+                </a:solidFill>
+                <a:latin typeface="맑은 고딕" panose="020B0503020000020004" pitchFamily="50" charset="-127"/>
+                <a:ea typeface="맑은 고딕" panose="020B0503020000020004" pitchFamily="50" charset="-127"/>
+                <a:cs typeface="Segoe UI" panose="020B0502040204020203" pitchFamily="34" charset="0"/>
+              </a:rPr>
+              <a:t>등</a:t>
+            </a:r>
+            <a:r>
+              <a:rPr lang="en-US" altLang="ko-KR" sz="1600" dirty="0">
+                <a:solidFill>
+                  <a:schemeClr val="tx1"/>
+                </a:solidFill>
+                <a:latin typeface="맑은 고딕" panose="020B0503020000020004" pitchFamily="50" charset="-127"/>
+                <a:ea typeface="맑은 고딕" panose="020B0503020000020004" pitchFamily="50" charset="-127"/>
+                <a:cs typeface="Segoe UI" panose="020B0502040204020203" pitchFamily="34" charset="0"/>
+              </a:rPr>
+              <a:t>) </a:t>
+            </a:r>
+            <a:r>
+              <a:rPr lang="ko-KR" altLang="en-US" sz="1600" dirty="0">
+                <a:solidFill>
+                  <a:schemeClr val="tx1"/>
+                </a:solidFill>
+                <a:latin typeface="맑은 고딕" panose="020B0503020000020004" pitchFamily="50" charset="-127"/>
+                <a:ea typeface="맑은 고딕" panose="020B0503020000020004" pitchFamily="50" charset="-127"/>
+                <a:cs typeface="Segoe UI" panose="020B0502040204020203" pitchFamily="34" charset="0"/>
+              </a:rPr>
+              <a:t>과 기타매체 </a:t>
+            </a:r>
+            <a:r>
+              <a:rPr lang="en-US" altLang="ko-KR" sz="1600" dirty="0">
+                <a:solidFill>
+                  <a:schemeClr val="tx1"/>
+                </a:solidFill>
+                <a:latin typeface="맑은 고딕" panose="020B0503020000020004" pitchFamily="50" charset="-127"/>
+                <a:ea typeface="맑은 고딕" panose="020B0503020000020004" pitchFamily="50" charset="-127"/>
+                <a:cs typeface="Segoe UI" panose="020B0502040204020203" pitchFamily="34" charset="0"/>
+              </a:rPr>
+              <a:t>(</a:t>
+            </a:r>
+            <a:r>
+              <a:rPr lang="ko-KR" altLang="en-US" sz="1600" dirty="0">
+                <a:solidFill>
+                  <a:schemeClr val="tx1"/>
+                </a:solidFill>
+                <a:latin typeface="맑은 고딕" panose="020B0503020000020004" pitchFamily="50" charset="-127"/>
+                <a:ea typeface="맑은 고딕" panose="020B0503020000020004" pitchFamily="50" charset="-127"/>
+                <a:cs typeface="Segoe UI" panose="020B0502040204020203" pitchFamily="34" charset="0"/>
+              </a:rPr>
+              <a:t>블루투스 등</a:t>
+            </a:r>
+            <a:r>
+              <a:rPr lang="en-US" altLang="ko-KR" sz="1600" dirty="0">
+                <a:solidFill>
+                  <a:schemeClr val="tx1"/>
+                </a:solidFill>
+                <a:latin typeface="맑은 고딕" panose="020B0503020000020004" pitchFamily="50" charset="-127"/>
+                <a:ea typeface="맑은 고딕" panose="020B0503020000020004" pitchFamily="50" charset="-127"/>
+                <a:cs typeface="Segoe UI" panose="020B0502040204020203" pitchFamily="34" charset="0"/>
+              </a:rPr>
               <a:t>)</a:t>
             </a:r>
             <a:r>
@@ -8445,51 +8459,7 @@
                 <a:ea typeface="맑은 고딕" panose="020B0503020000020004" pitchFamily="50" charset="-127"/>
                 <a:cs typeface="Segoe UI" panose="020B0502040204020203" pitchFamily="34" charset="0"/>
               </a:rPr>
-              <a:t>에 대해 차단 </a:t>
-            </a:r>
-            <a:r>
-              <a:rPr lang="en-US" altLang="ko-KR" sz="1600" dirty="0">
-                <a:solidFill>
-                  <a:schemeClr val="tx1"/>
-                </a:solidFill>
-                <a:latin typeface="맑은 고딕" panose="020B0503020000020004" pitchFamily="50" charset="-127"/>
-                <a:ea typeface="맑은 고딕" panose="020B0503020000020004" pitchFamily="50" charset="-127"/>
-                <a:cs typeface="Segoe UI" panose="020B0502040204020203" pitchFamily="34" charset="0"/>
-              </a:rPr>
-              <a:t>, </a:t>
-            </a:r>
-            <a:r>
-              <a:rPr lang="ko-KR" altLang="en-US" sz="1600" dirty="0">
-                <a:solidFill>
-                  <a:schemeClr val="tx1"/>
-                </a:solidFill>
-                <a:latin typeface="맑은 고딕" panose="020B0503020000020004" pitchFamily="50" charset="-127"/>
-                <a:ea typeface="맑은 고딕" panose="020B0503020000020004" pitchFamily="50" charset="-127"/>
-                <a:cs typeface="Segoe UI" panose="020B0502040204020203" pitchFamily="34" charset="0"/>
-              </a:rPr>
-              <a:t>승인 </a:t>
-            </a:r>
-            <a:r>
-              <a:rPr lang="en-US" altLang="ko-KR" sz="1600" dirty="0">
-                <a:solidFill>
-                  <a:schemeClr val="tx1"/>
-                </a:solidFill>
-                <a:latin typeface="맑은 고딕" panose="020B0503020000020004" pitchFamily="50" charset="-127"/>
-                <a:ea typeface="맑은 고딕" panose="020B0503020000020004" pitchFamily="50" charset="-127"/>
-                <a:cs typeface="Segoe UI" panose="020B0502040204020203" pitchFamily="34" charset="0"/>
-              </a:rPr>
-              <a:t>, </a:t>
-            </a:r>
-            <a:r>
-              <a:rPr lang="ko-KR" altLang="en-US" sz="1600" dirty="0">
-                <a:solidFill>
-                  <a:schemeClr val="tx1"/>
-                </a:solidFill>
-                <a:latin typeface="맑은 고딕" panose="020B0503020000020004" pitchFamily="50" charset="-127"/>
-                <a:ea typeface="맑은 고딕" panose="020B0503020000020004" pitchFamily="50" charset="-127"/>
-                <a:cs typeface="Segoe UI" panose="020B0502040204020203" pitchFamily="34" charset="0"/>
-              </a:rPr>
-              <a:t>저장 정책을 가지고 있는 기능</a:t>
+              <a:t>을 카테고리 차단 설정을 통해 접속을 차단할 수 있는 기능</a:t>
             </a:r>
             <a:endParaRPr lang="en-US" altLang="ko-KR" sz="1600" dirty="0">
               <a:solidFill>
@@ -8509,17 +8479,6 @@
               <a:defRPr/>
             </a:pPr>
             <a:r>
-              <a:rPr lang="ko-KR" altLang="en-US" sz="1600" b="1" dirty="0">
-                <a:solidFill>
-                  <a:schemeClr val="tx1"/>
-                </a:solidFill>
-                <a:latin typeface="맑은 고딕" panose="020B0503020000020004" pitchFamily="50" charset="-127"/>
-                <a:ea typeface="맑은 고딕" panose="020B0503020000020004" pitchFamily="50" charset="-127"/>
-                <a:cs typeface="Segoe UI" panose="020B0502040204020203" pitchFamily="34" charset="0"/>
-              </a:rPr>
-              <a:t>출력 정책 </a:t>
-            </a:r>
-            <a:r>
               <a:rPr lang="en-US" altLang="ko-KR" sz="1600" dirty="0">
                 <a:solidFill>
                   <a:schemeClr val="tx1"/>
@@ -8528,18 +8487,18 @@
                 <a:ea typeface="맑은 고딕" panose="020B0503020000020004" pitchFamily="50" charset="-127"/>
                 <a:cs typeface="Segoe UI" panose="020B0502040204020203" pitchFamily="34" charset="0"/>
               </a:rPr>
-              <a:t>: </a:t>
-            </a:r>
-            <a:r>
-              <a:rPr lang="ko-KR" altLang="en-US" sz="1600" dirty="0">
-                <a:solidFill>
-                  <a:schemeClr val="tx1"/>
-                </a:solidFill>
-                <a:latin typeface="맑은 고딕" panose="020B0503020000020004" pitchFamily="50" charset="-127"/>
-                <a:ea typeface="맑은 고딕" panose="020B0503020000020004" pitchFamily="50" charset="-127"/>
-                <a:cs typeface="Segoe UI" panose="020B0502040204020203" pitchFamily="34" charset="0"/>
-              </a:rPr>
-              <a:t>기본적인 출력 차단 기능과 카테고리별 설정을 통해 차단 </a:t>
+              <a:t>* </a:t>
+            </a:r>
+            <a:r>
+              <a:rPr lang="ko-KR" altLang="en-US" sz="1600" dirty="0">
+                <a:solidFill>
+                  <a:schemeClr val="tx1"/>
+                </a:solidFill>
+                <a:latin typeface="맑은 고딕" panose="020B0503020000020004" pitchFamily="50" charset="-127"/>
+                <a:ea typeface="맑은 고딕" panose="020B0503020000020004" pitchFamily="50" charset="-127"/>
+                <a:cs typeface="Segoe UI" panose="020B0502040204020203" pitchFamily="34" charset="0"/>
+              </a:rPr>
+              <a:t>시리얼 통신을 이용해 포트에 입력된 매체 </a:t>
             </a:r>
             <a:r>
               <a:rPr lang="en-US" altLang="ko-KR" sz="1600" dirty="0">
@@ -8550,18 +8509,18 @@
                 <a:ea typeface="맑은 고딕" panose="020B0503020000020004" pitchFamily="50" charset="-127"/>
                 <a:cs typeface="Segoe UI" panose="020B0502040204020203" pitchFamily="34" charset="0"/>
               </a:rPr>
-              <a:t>, </a:t>
-            </a:r>
-            <a:r>
-              <a:rPr lang="ko-KR" altLang="en-US" sz="1600" dirty="0">
-                <a:solidFill>
-                  <a:schemeClr val="tx1"/>
-                </a:solidFill>
-                <a:latin typeface="맑은 고딕" panose="020B0503020000020004" pitchFamily="50" charset="-127"/>
-                <a:ea typeface="맑은 고딕" panose="020B0503020000020004" pitchFamily="50" charset="-127"/>
-                <a:cs typeface="Segoe UI" panose="020B0502040204020203" pitchFamily="34" charset="0"/>
-              </a:rPr>
-              <a:t>워터마크 등의 기능을 가지고 있다</a:t>
+              <a:t>(</a:t>
+            </a:r>
+            <a:r>
+              <a:rPr lang="en-US" altLang="ko-KR" sz="1600" dirty="0" err="1">
+                <a:solidFill>
+                  <a:schemeClr val="tx1"/>
+                </a:solidFill>
+                <a:latin typeface="맑은 고딕" panose="020B0503020000020004" pitchFamily="50" charset="-127"/>
+                <a:ea typeface="맑은 고딕" panose="020B0503020000020004" pitchFamily="50" charset="-127"/>
+                <a:cs typeface="Segoe UI" panose="020B0502040204020203" pitchFamily="34" charset="0"/>
+              </a:rPr>
+              <a:t>usb</a:t>
             </a:r>
             <a:r>
               <a:rPr lang="en-US" altLang="ko-KR" sz="1600" dirty="0">
@@ -8572,27 +8531,18 @@
                 <a:ea typeface="맑은 고딕" panose="020B0503020000020004" pitchFamily="50" charset="-127"/>
                 <a:cs typeface="Segoe UI" panose="020B0502040204020203" pitchFamily="34" charset="0"/>
               </a:rPr>
-              <a:t>.</a:t>
-            </a:r>
-          </a:p>
-          <a:p>
-            <a:pPr marL="0" lvl="0" indent="0" rtl="0">
-              <a:spcAft>
-                <a:spcPts val="600"/>
-              </a:spcAft>
-              <a:buNone/>
-              <a:defRPr/>
-            </a:pPr>
-            <a:r>
-              <a:rPr lang="ko-KR" altLang="en-US" sz="1600" b="1" dirty="0">
-                <a:solidFill>
-                  <a:schemeClr val="tx1"/>
-                </a:solidFill>
-                <a:latin typeface="맑은 고딕" panose="020B0503020000020004" pitchFamily="50" charset="-127"/>
-                <a:ea typeface="맑은 고딕" panose="020B0503020000020004" pitchFamily="50" charset="-127"/>
-                <a:cs typeface="Segoe UI" panose="020B0502040204020203" pitchFamily="34" charset="0"/>
-              </a:rPr>
-              <a:t>승인 정책 </a:t>
+              <a:t> </a:t>
+            </a:r>
+            <a:r>
+              <a:rPr lang="ko-KR" altLang="en-US" sz="1600" dirty="0">
+                <a:solidFill>
+                  <a:schemeClr val="tx1"/>
+                </a:solidFill>
+                <a:latin typeface="맑은 고딕" panose="020B0503020000020004" pitchFamily="50" charset="-127"/>
+                <a:ea typeface="맑은 고딕" panose="020B0503020000020004" pitchFamily="50" charset="-127"/>
+                <a:cs typeface="Segoe UI" panose="020B0502040204020203" pitchFamily="34" charset="0"/>
+              </a:rPr>
+              <a:t>등</a:t>
             </a:r>
             <a:r>
               <a:rPr lang="en-US" altLang="ko-KR" sz="1600" dirty="0">
@@ -8603,18 +8553,18 @@
                 <a:ea typeface="맑은 고딕" panose="020B0503020000020004" pitchFamily="50" charset="-127"/>
                 <a:cs typeface="Segoe UI" panose="020B0502040204020203" pitchFamily="34" charset="0"/>
               </a:rPr>
-              <a:t>: </a:t>
-            </a:r>
-            <a:r>
-              <a:rPr lang="ko-KR" altLang="en-US" sz="1600" dirty="0">
-                <a:solidFill>
-                  <a:schemeClr val="tx1"/>
-                </a:solidFill>
-                <a:latin typeface="맑은 고딕" panose="020B0503020000020004" pitchFamily="50" charset="-127"/>
-                <a:ea typeface="맑은 고딕" panose="020B0503020000020004" pitchFamily="50" charset="-127"/>
-                <a:cs typeface="Segoe UI" panose="020B0502040204020203" pitchFamily="34" charset="0"/>
-              </a:rPr>
-              <a:t>출력물에 대한 승인기능과 알림을 메일로 수신하거나 완료 메시지의 대상자를 정할 수 있는 기능이 있다</a:t>
+              <a:t>)</a:t>
+            </a:r>
+            <a:r>
+              <a:rPr lang="ko-KR" altLang="en-US" sz="1600" dirty="0">
+                <a:solidFill>
+                  <a:schemeClr val="tx1"/>
+                </a:solidFill>
+                <a:latin typeface="맑은 고딕" panose="020B0503020000020004" pitchFamily="50" charset="-127"/>
+                <a:ea typeface="맑은 고딕" panose="020B0503020000020004" pitchFamily="50" charset="-127"/>
+                <a:cs typeface="Segoe UI" panose="020B0502040204020203" pitchFamily="34" charset="0"/>
+              </a:rPr>
+              <a:t>의 입력 신호 통해 미니 필터 드라이버를 만들어 차단</a:t>
             </a:r>
             <a:r>
               <a:rPr lang="en-US" altLang="ko-KR" sz="1600" dirty="0">
@@ -8625,70 +8575,19 @@
                 <a:ea typeface="맑은 고딕" panose="020B0503020000020004" pitchFamily="50" charset="-127"/>
                 <a:cs typeface="Segoe UI" panose="020B0502040204020203" pitchFamily="34" charset="0"/>
               </a:rPr>
-              <a:t>.</a:t>
-            </a:r>
-          </a:p>
-          <a:p>
-            <a:pPr marL="0" lvl="0" indent="0" rtl="0">
-              <a:spcAft>
-                <a:spcPts val="600"/>
-              </a:spcAft>
-              <a:buNone/>
-              <a:defRPr/>
-            </a:pPr>
-            <a:r>
-              <a:rPr lang="ko-KR" altLang="en-US" sz="1600" b="1" dirty="0">
-                <a:solidFill>
-                  <a:schemeClr val="tx1"/>
-                </a:solidFill>
-                <a:latin typeface="맑은 고딕" panose="020B0503020000020004" pitchFamily="50" charset="-127"/>
-                <a:ea typeface="맑은 고딕" panose="020B0503020000020004" pitchFamily="50" charset="-127"/>
-                <a:cs typeface="Segoe UI" panose="020B0502040204020203" pitchFamily="34" charset="0"/>
-              </a:rPr>
-              <a:t>저장 정책 </a:t>
-            </a:r>
-            <a:r>
-              <a:rPr lang="en-US" altLang="ko-KR" sz="1600" dirty="0">
-                <a:solidFill>
-                  <a:schemeClr val="tx1"/>
-                </a:solidFill>
-                <a:latin typeface="맑은 고딕" panose="020B0503020000020004" pitchFamily="50" charset="-127"/>
-                <a:ea typeface="맑은 고딕" panose="020B0503020000020004" pitchFamily="50" charset="-127"/>
-                <a:cs typeface="Segoe UI" panose="020B0502040204020203" pitchFamily="34" charset="0"/>
-              </a:rPr>
-              <a:t>: </a:t>
-            </a:r>
-            <a:r>
-              <a:rPr lang="ko-KR" altLang="en-US" sz="1600" dirty="0">
-                <a:solidFill>
-                  <a:schemeClr val="tx1"/>
-                </a:solidFill>
-                <a:latin typeface="맑은 고딕" panose="020B0503020000020004" pitchFamily="50" charset="-127"/>
-                <a:ea typeface="맑은 고딕" panose="020B0503020000020004" pitchFamily="50" charset="-127"/>
-                <a:cs typeface="Segoe UI" panose="020B0502040204020203" pitchFamily="34" charset="0"/>
-              </a:rPr>
-              <a:t>출력물의 이미지나 페이지를 백업하는 기능이 있다</a:t>
-            </a:r>
-            <a:r>
-              <a:rPr lang="en-US" altLang="ko-KR" sz="1600" dirty="0">
-                <a:solidFill>
-                  <a:schemeClr val="tx1"/>
-                </a:solidFill>
-                <a:latin typeface="맑은 고딕" panose="020B0503020000020004" pitchFamily="50" charset="-127"/>
-                <a:ea typeface="맑은 고딕" panose="020B0503020000020004" pitchFamily="50" charset="-127"/>
-                <a:cs typeface="Segoe UI" panose="020B0502040204020203" pitchFamily="34" charset="0"/>
-              </a:rPr>
-              <a:t>.</a:t>
-            </a:r>
-          </a:p>
-          <a:p>
-            <a:pPr marL="0" lvl="0" indent="0" rtl="0">
-              <a:spcAft>
-                <a:spcPts val="600"/>
-              </a:spcAft>
-              <a:buNone/>
-              <a:defRPr/>
-            </a:pPr>
+              <a:t>?</a:t>
+            </a:r>
+            <a:r>
+              <a:rPr lang="ko-KR" altLang="en-US" sz="1600" dirty="0">
+                <a:solidFill>
+                  <a:schemeClr val="tx1"/>
+                </a:solidFill>
+                <a:latin typeface="맑은 고딕" panose="020B0503020000020004" pitchFamily="50" charset="-127"/>
+                <a:ea typeface="맑은 고딕" panose="020B0503020000020004" pitchFamily="50" charset="-127"/>
+                <a:cs typeface="Segoe UI" panose="020B0502040204020203" pitchFamily="34" charset="0"/>
+              </a:rPr>
+              <a:t> </a:t>
+            </a:r>
             <a:endParaRPr lang="en-US" altLang="ko-KR" sz="1600" dirty="0">
               <a:solidFill>
                 <a:schemeClr val="tx1"/>
@@ -8706,6 +8605,39 @@
               <a:buNone/>
               <a:defRPr/>
             </a:pPr>
+            <a:r>
+              <a:rPr lang="ko-KR" altLang="en-US" sz="1600" b="1" dirty="0">
+                <a:solidFill>
+                  <a:schemeClr val="tx1"/>
+                </a:solidFill>
+                <a:latin typeface="맑은 고딕" panose="020B0503020000020004" pitchFamily="50" charset="-127"/>
+                <a:ea typeface="맑은 고딕" panose="020B0503020000020004" pitchFamily="50" charset="-127"/>
+                <a:cs typeface="Segoe UI" panose="020B0502040204020203" pitchFamily="34" charset="0"/>
+              </a:rPr>
+              <a:t>파일첨부 차단정책 </a:t>
+            </a:r>
+            <a:r>
+              <a:rPr lang="en-US" altLang="ko-KR" sz="1600" dirty="0">
+                <a:solidFill>
+                  <a:schemeClr val="tx1"/>
+                </a:solidFill>
+                <a:latin typeface="맑은 고딕" panose="020B0503020000020004" pitchFamily="50" charset="-127"/>
+                <a:ea typeface="맑은 고딕" panose="020B0503020000020004" pitchFamily="50" charset="-127"/>
+                <a:cs typeface="Segoe UI" panose="020B0502040204020203" pitchFamily="34" charset="0"/>
+              </a:rPr>
+              <a:t>– </a:t>
+            </a:r>
+            <a:r>
+              <a:rPr lang="ko-KR" altLang="en-US" sz="1600" dirty="0">
+                <a:solidFill>
+                  <a:schemeClr val="tx1"/>
+                </a:solidFill>
+                <a:latin typeface="맑은 고딕" panose="020B0503020000020004" pitchFamily="50" charset="-127"/>
+                <a:ea typeface="맑은 고딕" panose="020B0503020000020004" pitchFamily="50" charset="-127"/>
+                <a:cs typeface="Segoe UI" panose="020B0502040204020203" pitchFamily="34" charset="0"/>
+              </a:rPr>
+              <a:t>카테고리별 설정을 통해 파일 첨부 차단시에 첨부된 파일의 내용을 없애는 기능</a:t>
+            </a:r>
             <a:endParaRPr lang="en-US" altLang="ko-KR" sz="1600" dirty="0">
               <a:solidFill>
                 <a:schemeClr val="tx1"/>
@@ -8723,6 +8655,50 @@
               <a:buNone/>
               <a:defRPr/>
             </a:pPr>
+            <a:r>
+              <a:rPr lang="en-US" altLang="ko-KR" sz="1600" dirty="0">
+                <a:solidFill>
+                  <a:schemeClr val="tx1"/>
+                </a:solidFill>
+                <a:latin typeface="맑은 고딕" panose="020B0503020000020004" pitchFamily="50" charset="-127"/>
+                <a:ea typeface="맑은 고딕" panose="020B0503020000020004" pitchFamily="50" charset="-127"/>
+                <a:cs typeface="Segoe UI" panose="020B0502040204020203" pitchFamily="34" charset="0"/>
+              </a:rPr>
+              <a:t>* </a:t>
+            </a:r>
+            <a:r>
+              <a:rPr lang="ko-KR" altLang="en-US" sz="1600" dirty="0">
+                <a:solidFill>
+                  <a:schemeClr val="tx1"/>
+                </a:solidFill>
+                <a:latin typeface="맑은 고딕" panose="020B0503020000020004" pitchFamily="50" charset="-127"/>
+                <a:ea typeface="맑은 고딕" panose="020B0503020000020004" pitchFamily="50" charset="-127"/>
+                <a:cs typeface="Segoe UI" panose="020B0502040204020203" pitchFamily="34" charset="0"/>
+              </a:rPr>
+              <a:t>첨부된 파일의 경로를 통해 해당 파일과 똑같은 복사본 파일로 만들어 쓰기 형태로 열고 안의 내용을 지운다음 업로드 시킨다</a:t>
+            </a:r>
+            <a:r>
+              <a:rPr lang="en-US" altLang="ko-KR" sz="1600" dirty="0">
+                <a:solidFill>
+                  <a:schemeClr val="tx1"/>
+                </a:solidFill>
+                <a:latin typeface="맑은 고딕" panose="020B0503020000020004" pitchFamily="50" charset="-127"/>
+                <a:ea typeface="맑은 고딕" panose="020B0503020000020004" pitchFamily="50" charset="-127"/>
+                <a:cs typeface="Segoe UI" panose="020B0502040204020203" pitchFamily="34" charset="0"/>
+              </a:rPr>
+              <a:t>.</a:t>
+            </a:r>
+            <a:r>
+              <a:rPr lang="ko-KR" altLang="en-US" sz="1600" dirty="0">
+                <a:solidFill>
+                  <a:schemeClr val="tx1"/>
+                </a:solidFill>
+                <a:latin typeface="맑은 고딕" panose="020B0503020000020004" pitchFamily="50" charset="-127"/>
+                <a:ea typeface="맑은 고딕" panose="020B0503020000020004" pitchFamily="50" charset="-127"/>
+                <a:cs typeface="Segoe UI" panose="020B0502040204020203" pitchFamily="34" charset="0"/>
+              </a:rPr>
+              <a:t>  </a:t>
+            </a:r>
             <a:endParaRPr lang="en-US" altLang="ko-KR" sz="1600" dirty="0">
               <a:solidFill>
                 <a:schemeClr val="tx1"/>
@@ -8740,6 +8716,50 @@
               <a:buNone/>
               <a:defRPr/>
             </a:pPr>
+            <a:r>
+              <a:rPr lang="ko-KR" altLang="en-US" sz="1600" b="1" dirty="0" err="1">
+                <a:solidFill>
+                  <a:schemeClr val="tx1"/>
+                </a:solidFill>
+                <a:latin typeface="맑은 고딕" panose="020B0503020000020004" pitchFamily="50" charset="-127"/>
+                <a:ea typeface="맑은 고딕" panose="020B0503020000020004" pitchFamily="50" charset="-127"/>
+                <a:cs typeface="Segoe UI" panose="020B0502040204020203" pitchFamily="34" charset="0"/>
+              </a:rPr>
+              <a:t>화면캡처</a:t>
+            </a:r>
+            <a:r>
+              <a:rPr lang="ko-KR" altLang="en-US" sz="1600" b="1" dirty="0">
+                <a:solidFill>
+                  <a:schemeClr val="tx1"/>
+                </a:solidFill>
+                <a:latin typeface="맑은 고딕" panose="020B0503020000020004" pitchFamily="50" charset="-127"/>
+                <a:ea typeface="맑은 고딕" panose="020B0503020000020004" pitchFamily="50" charset="-127"/>
+                <a:cs typeface="Segoe UI" panose="020B0502040204020203" pitchFamily="34" charset="0"/>
+              </a:rPr>
+              <a:t> 차단정책 </a:t>
+            </a:r>
+            <a:r>
+              <a:rPr lang="en-US" altLang="ko-KR" sz="1600" dirty="0">
+                <a:solidFill>
+                  <a:schemeClr val="tx1"/>
+                </a:solidFill>
+                <a:latin typeface="맑은 고딕" panose="020B0503020000020004" pitchFamily="50" charset="-127"/>
+                <a:ea typeface="맑은 고딕" panose="020B0503020000020004" pitchFamily="50" charset="-127"/>
+                <a:cs typeface="Segoe UI" panose="020B0502040204020203" pitchFamily="34" charset="0"/>
+              </a:rPr>
+              <a:t>– </a:t>
+            </a:r>
+            <a:r>
+              <a:rPr lang="ko-KR" altLang="en-US" sz="1600" dirty="0">
+                <a:solidFill>
+                  <a:schemeClr val="tx1"/>
+                </a:solidFill>
+                <a:latin typeface="맑은 고딕" panose="020B0503020000020004" pitchFamily="50" charset="-127"/>
+                <a:ea typeface="맑은 고딕" panose="020B0503020000020004" pitchFamily="50" charset="-127"/>
+                <a:cs typeface="Segoe UI" panose="020B0502040204020203" pitchFamily="34" charset="0"/>
+              </a:rPr>
+              <a:t>기능 활성화시 화면 캡처를 할 경우 전체 화면이 가려지도록 만들어 차단하는 기능</a:t>
+            </a:r>
             <a:endParaRPr lang="en-US" altLang="ko-KR" sz="1600" dirty="0">
               <a:solidFill>
                 <a:schemeClr val="tx1"/>
@@ -8757,6 +8777,39 @@
               <a:buNone/>
               <a:defRPr/>
             </a:pPr>
+            <a:r>
+              <a:rPr lang="en-US" altLang="ko-KR" sz="1600" dirty="0">
+                <a:solidFill>
+                  <a:schemeClr val="tx1"/>
+                </a:solidFill>
+                <a:latin typeface="맑은 고딕" panose="020B0503020000020004" pitchFamily="50" charset="-127"/>
+                <a:ea typeface="맑은 고딕" panose="020B0503020000020004" pitchFamily="50" charset="-127"/>
+                <a:cs typeface="Segoe UI" panose="020B0502040204020203" pitchFamily="34" charset="0"/>
+              </a:rPr>
+              <a:t>* </a:t>
+            </a:r>
+            <a:r>
+              <a:rPr lang="ko-KR" altLang="en-US" sz="1600" dirty="0" err="1">
+                <a:solidFill>
+                  <a:schemeClr val="tx1"/>
+                </a:solidFill>
+                <a:latin typeface="맑은 고딕" panose="020B0503020000020004" pitchFamily="50" charset="-127"/>
+                <a:ea typeface="맑은 고딕" panose="020B0503020000020004" pitchFamily="50" charset="-127"/>
+                <a:cs typeface="Segoe UI" panose="020B0502040204020203" pitchFamily="34" charset="0"/>
+              </a:rPr>
+              <a:t>화면캡처</a:t>
+            </a:r>
+            <a:r>
+              <a:rPr lang="ko-KR" altLang="en-US" sz="1600" dirty="0">
+                <a:solidFill>
+                  <a:schemeClr val="tx1"/>
+                </a:solidFill>
+                <a:latin typeface="맑은 고딕" panose="020B0503020000020004" pitchFamily="50" charset="-127"/>
+                <a:ea typeface="맑은 고딕" panose="020B0503020000020004" pitchFamily="50" charset="-127"/>
+                <a:cs typeface="Segoe UI" panose="020B0502040204020203" pitchFamily="34" charset="0"/>
+              </a:rPr>
+              <a:t> 프로그램이 실행될 때 윈도우에 모자이크 필터를 넣는다 </a:t>
+            </a:r>
             <a:endParaRPr lang="en-US" altLang="ko-KR" sz="1600" dirty="0">
               <a:solidFill>
                 <a:schemeClr val="tx1"/>
@@ -8774,6 +8827,72 @@
               <a:buNone/>
               <a:defRPr/>
             </a:pPr>
+            <a:r>
+              <a:rPr lang="ko-KR" altLang="en-US" sz="1600" b="1" dirty="0" err="1">
+                <a:solidFill>
+                  <a:schemeClr val="tx1"/>
+                </a:solidFill>
+                <a:latin typeface="맑은 고딕" panose="020B0503020000020004" pitchFamily="50" charset="-127"/>
+                <a:ea typeface="맑은 고딕" panose="020B0503020000020004" pitchFamily="50" charset="-127"/>
+                <a:cs typeface="Segoe UI" panose="020B0502040204020203" pitchFamily="34" charset="0"/>
+              </a:rPr>
+              <a:t>공유폴더</a:t>
+            </a:r>
+            <a:r>
+              <a:rPr lang="ko-KR" altLang="en-US" sz="1600" b="1" dirty="0">
+                <a:solidFill>
+                  <a:schemeClr val="tx1"/>
+                </a:solidFill>
+                <a:latin typeface="맑은 고딕" panose="020B0503020000020004" pitchFamily="50" charset="-127"/>
+                <a:ea typeface="맑은 고딕" panose="020B0503020000020004" pitchFamily="50" charset="-127"/>
+                <a:cs typeface="Segoe UI" panose="020B0502040204020203" pitchFamily="34" charset="0"/>
+              </a:rPr>
+              <a:t> 차단정책 </a:t>
+            </a:r>
+            <a:r>
+              <a:rPr lang="en-US" altLang="ko-KR" sz="1600" dirty="0">
+                <a:solidFill>
+                  <a:schemeClr val="tx1"/>
+                </a:solidFill>
+                <a:latin typeface="맑은 고딕" panose="020B0503020000020004" pitchFamily="50" charset="-127"/>
+                <a:ea typeface="맑은 고딕" panose="020B0503020000020004" pitchFamily="50" charset="-127"/>
+                <a:cs typeface="Segoe UI" panose="020B0502040204020203" pitchFamily="34" charset="0"/>
+              </a:rPr>
+              <a:t>– </a:t>
+            </a:r>
+            <a:r>
+              <a:rPr lang="ko-KR" altLang="en-US" sz="1600" dirty="0">
+                <a:solidFill>
+                  <a:schemeClr val="tx1"/>
+                </a:solidFill>
+                <a:latin typeface="맑은 고딕" panose="020B0503020000020004" pitchFamily="50" charset="-127"/>
+                <a:ea typeface="맑은 고딕" panose="020B0503020000020004" pitchFamily="50" charset="-127"/>
+                <a:cs typeface="Segoe UI" panose="020B0502040204020203" pitchFamily="34" charset="0"/>
+              </a:rPr>
+              <a:t>차단하려는 폴더 경로를 </a:t>
+            </a:r>
+            <a:r>
+              <a:rPr lang="ko-KR" altLang="en-US" sz="1600" dirty="0" err="1">
+                <a:solidFill>
+                  <a:schemeClr val="tx1"/>
+                </a:solidFill>
+                <a:latin typeface="맑은 고딕" panose="020B0503020000020004" pitchFamily="50" charset="-127"/>
+                <a:ea typeface="맑은 고딕" panose="020B0503020000020004" pitchFamily="50" charset="-127"/>
+                <a:cs typeface="Segoe UI" panose="020B0502040204020203" pitchFamily="34" charset="0"/>
+              </a:rPr>
+              <a:t>입력시</a:t>
+            </a:r>
+            <a:r>
+              <a:rPr lang="ko-KR" altLang="en-US" sz="1600" dirty="0">
+                <a:solidFill>
+                  <a:schemeClr val="tx1"/>
+                </a:solidFill>
+                <a:latin typeface="맑은 고딕" panose="020B0503020000020004" pitchFamily="50" charset="-127"/>
+                <a:ea typeface="맑은 고딕" panose="020B0503020000020004" pitchFamily="50" charset="-127"/>
+                <a:cs typeface="Segoe UI" panose="020B0502040204020203" pitchFamily="34" charset="0"/>
+              </a:rPr>
+              <a:t> 해당 폴더 공유를 차단하는 기능</a:t>
+            </a:r>
             <a:endParaRPr lang="en-US" altLang="ko-KR" sz="1600" dirty="0">
               <a:solidFill>
                 <a:schemeClr val="tx1"/>
@@ -8792,37 +8911,26 @@
               <a:defRPr/>
             </a:pPr>
             <a:r>
-              <a:rPr lang="ko-KR" altLang="en-US" sz="1600" dirty="0">
-                <a:solidFill>
-                  <a:schemeClr val="tx1"/>
-                </a:solidFill>
-                <a:latin typeface="맑은 고딕" panose="020B0503020000020004" pitchFamily="50" charset="-127"/>
-                <a:ea typeface="맑은 고딕" panose="020B0503020000020004" pitchFamily="50" charset="-127"/>
-                <a:cs typeface="Segoe UI" panose="020B0502040204020203" pitchFamily="34" charset="0"/>
-              </a:rPr>
-              <a:t>연결된 프린터 신호 </a:t>
-            </a:r>
-            <a:r>
-              <a:rPr lang="ko-KR" altLang="en-US" sz="1600" dirty="0" err="1">
-                <a:solidFill>
-                  <a:schemeClr val="tx1"/>
-                </a:solidFill>
-                <a:latin typeface="맑은 고딕" panose="020B0503020000020004" pitchFamily="50" charset="-127"/>
-                <a:ea typeface="맑은 고딕" panose="020B0503020000020004" pitchFamily="50" charset="-127"/>
-                <a:cs typeface="Segoe UI" panose="020B0502040204020203" pitchFamily="34" charset="0"/>
-              </a:rPr>
-              <a:t>후킹을</a:t>
-            </a:r>
-            <a:r>
-              <a:rPr lang="ko-KR" altLang="en-US" sz="1600" dirty="0">
-                <a:solidFill>
-                  <a:schemeClr val="tx1"/>
-                </a:solidFill>
-                <a:latin typeface="맑은 고딕" panose="020B0503020000020004" pitchFamily="50" charset="-127"/>
-                <a:ea typeface="맑은 고딕" panose="020B0503020000020004" pitchFamily="50" charset="-127"/>
-                <a:cs typeface="Segoe UI" panose="020B0502040204020203" pitchFamily="34" charset="0"/>
-              </a:rPr>
-              <a:t> 통해 출력에 대한 부분을 차단하거나 중간에 드로우 함수를 추가해 워터마크를 출력</a:t>
+              <a:rPr lang="en-US" altLang="ko-KR" sz="1600" dirty="0">
+                <a:solidFill>
+                  <a:schemeClr val="tx1"/>
+                </a:solidFill>
+                <a:latin typeface="맑은 고딕" panose="020B0503020000020004" pitchFamily="50" charset="-127"/>
+                <a:ea typeface="맑은 고딕" panose="020B0503020000020004" pitchFamily="50" charset="-127"/>
+                <a:cs typeface="Segoe UI" panose="020B0502040204020203" pitchFamily="34" charset="0"/>
+              </a:rPr>
+              <a:t>* </a:t>
+            </a:r>
+            <a:r>
+              <a:rPr lang="ko-KR" altLang="en-US" sz="1600" dirty="0">
+                <a:solidFill>
+                  <a:schemeClr val="tx1"/>
+                </a:solidFill>
+                <a:latin typeface="맑은 고딕" panose="020B0503020000020004" pitchFamily="50" charset="-127"/>
+                <a:ea typeface="맑은 고딕" panose="020B0503020000020004" pitchFamily="50" charset="-127"/>
+                <a:cs typeface="Segoe UI" panose="020B0502040204020203" pitchFamily="34" charset="0"/>
+              </a:rPr>
+              <a:t>현재 아이피와 공유 폴더로 지정된 경로를 이용해 접근 권한을 얻은 폴더들의 권한을 해제한다</a:t>
             </a:r>
             <a:endParaRPr lang="en-US" altLang="ko-KR" sz="1600" dirty="0">
               <a:solidFill>
@@ -8841,6 +8949,39 @@
               <a:buNone/>
               <a:defRPr/>
             </a:pPr>
+            <a:r>
+              <a:rPr lang="ko-KR" altLang="en-US" sz="1600" b="1" dirty="0">
+                <a:solidFill>
+                  <a:schemeClr val="tx1"/>
+                </a:solidFill>
+                <a:latin typeface="맑은 고딕" panose="020B0503020000020004" pitchFamily="50" charset="-127"/>
+                <a:ea typeface="맑은 고딕" panose="020B0503020000020004" pitchFamily="50" charset="-127"/>
+                <a:cs typeface="Segoe UI" panose="020B0502040204020203" pitchFamily="34" charset="0"/>
+              </a:rPr>
+              <a:t>클립보드 차단정책 </a:t>
+            </a:r>
+            <a:r>
+              <a:rPr lang="en-US" altLang="ko-KR" sz="1600" dirty="0">
+                <a:solidFill>
+                  <a:schemeClr val="tx1"/>
+                </a:solidFill>
+                <a:latin typeface="맑은 고딕" panose="020B0503020000020004" pitchFamily="50" charset="-127"/>
+                <a:ea typeface="맑은 고딕" panose="020B0503020000020004" pitchFamily="50" charset="-127"/>
+                <a:cs typeface="Segoe UI" panose="020B0502040204020203" pitchFamily="34" charset="0"/>
+              </a:rPr>
+              <a:t>– </a:t>
+            </a:r>
+            <a:r>
+              <a:rPr lang="ko-KR" altLang="en-US" sz="1600" dirty="0">
+                <a:solidFill>
+                  <a:schemeClr val="tx1"/>
+                </a:solidFill>
+                <a:latin typeface="맑은 고딕" panose="020B0503020000020004" pitchFamily="50" charset="-127"/>
+                <a:ea typeface="맑은 고딕" panose="020B0503020000020004" pitchFamily="50" charset="-127"/>
+                <a:cs typeface="Segoe UI" panose="020B0502040204020203" pitchFamily="34" charset="0"/>
+              </a:rPr>
+              <a:t>제어 소프트웨어 목록에 있는 소프트웨어의 복사 붙여넣기 접근을 차단하는 기능</a:t>
+            </a:r>
             <a:endParaRPr lang="en-US" altLang="ko-KR" sz="1600" dirty="0">
               <a:solidFill>
                 <a:schemeClr val="tx1"/>
@@ -8858,51 +8999,123 @@
               <a:buNone/>
               <a:defRPr/>
             </a:pPr>
-            <a:endParaRPr lang="en-US" altLang="ko-KR" sz="1600" dirty="0">
-              <a:solidFill>
-                <a:schemeClr val="tx1"/>
-              </a:solidFill>
-              <a:latin typeface="맑은 고딕" panose="020B0503020000020004" pitchFamily="50" charset="-127"/>
-              <a:ea typeface="맑은 고딕" panose="020B0503020000020004" pitchFamily="50" charset="-127"/>
-              <a:cs typeface="Segoe UI" panose="020B0502040204020203" pitchFamily="34" charset="0"/>
-            </a:endParaRPr>
+            <a:r>
+              <a:rPr lang="en-US" altLang="ko-KR" sz="1600" dirty="0">
+                <a:solidFill>
+                  <a:schemeClr val="tx1"/>
+                </a:solidFill>
+                <a:latin typeface="맑은 고딕" panose="020B0503020000020004" pitchFamily="50" charset="-127"/>
+                <a:ea typeface="맑은 고딕" panose="020B0503020000020004" pitchFamily="50" charset="-127"/>
+                <a:cs typeface="Segoe UI" panose="020B0502040204020203" pitchFamily="34" charset="0"/>
+              </a:rPr>
+              <a:t>* Alt + c or v </a:t>
+            </a:r>
+            <a:r>
+              <a:rPr lang="ko-KR" altLang="en-US" sz="1600" dirty="0">
+                <a:solidFill>
+                  <a:schemeClr val="tx1"/>
+                </a:solidFill>
+                <a:latin typeface="맑은 고딕" panose="020B0503020000020004" pitchFamily="50" charset="-127"/>
+                <a:ea typeface="맑은 고딕" panose="020B0503020000020004" pitchFamily="50" charset="-127"/>
+                <a:cs typeface="Segoe UI" panose="020B0502040204020203" pitchFamily="34" charset="0"/>
+              </a:rPr>
+              <a:t>에 대한 키보드 동시입력을 차단하거나 프로세스 </a:t>
+            </a:r>
+            <a:r>
+              <a:rPr lang="en-US" altLang="ko-KR" sz="1600" dirty="0" err="1">
+                <a:solidFill>
+                  <a:schemeClr val="tx1"/>
+                </a:solidFill>
+                <a:latin typeface="맑은 고딕" panose="020B0503020000020004" pitchFamily="50" charset="-127"/>
+                <a:ea typeface="맑은 고딕" panose="020B0503020000020004" pitchFamily="50" charset="-127"/>
+                <a:cs typeface="Segoe UI" panose="020B0502040204020203" pitchFamily="34" charset="0"/>
+              </a:rPr>
+              <a:t>dll</a:t>
+            </a:r>
+            <a:r>
+              <a:rPr lang="ko-KR" altLang="en-US" sz="1600" dirty="0">
+                <a:solidFill>
+                  <a:schemeClr val="tx1"/>
+                </a:solidFill>
+                <a:latin typeface="맑은 고딕" panose="020B0503020000020004" pitchFamily="50" charset="-127"/>
+                <a:ea typeface="맑은 고딕" panose="020B0503020000020004" pitchFamily="50" charset="-127"/>
+                <a:cs typeface="Segoe UI" panose="020B0502040204020203" pitchFamily="34" charset="0"/>
+              </a:rPr>
+              <a:t>에서 복사</a:t>
+            </a:r>
+            <a:r>
+              <a:rPr lang="en-US" altLang="ko-KR" sz="1600" dirty="0">
+                <a:solidFill>
+                  <a:schemeClr val="tx1"/>
+                </a:solidFill>
+                <a:latin typeface="맑은 고딕" panose="020B0503020000020004" pitchFamily="50" charset="-127"/>
+                <a:ea typeface="맑은 고딕" panose="020B0503020000020004" pitchFamily="50" charset="-127"/>
+                <a:cs typeface="Segoe UI" panose="020B0502040204020203" pitchFamily="34" charset="0"/>
+              </a:rPr>
+              <a:t>, </a:t>
+            </a:r>
+            <a:r>
+              <a:rPr lang="ko-KR" altLang="en-US" sz="1600" dirty="0">
+                <a:solidFill>
+                  <a:schemeClr val="tx1"/>
+                </a:solidFill>
+                <a:latin typeface="맑은 고딕" panose="020B0503020000020004" pitchFamily="50" charset="-127"/>
+                <a:ea typeface="맑은 고딕" panose="020B0503020000020004" pitchFamily="50" charset="-127"/>
+                <a:cs typeface="Segoe UI" panose="020B0502040204020203" pitchFamily="34" charset="0"/>
+              </a:rPr>
+              <a:t>붙여넣기 함수 호출에 대한 </a:t>
+            </a:r>
+            <a:r>
+              <a:rPr lang="ko-KR" altLang="en-US" sz="1600" dirty="0" err="1">
+                <a:solidFill>
+                  <a:schemeClr val="tx1"/>
+                </a:solidFill>
+                <a:latin typeface="맑은 고딕" panose="020B0503020000020004" pitchFamily="50" charset="-127"/>
+                <a:ea typeface="맑은 고딕" panose="020B0503020000020004" pitchFamily="50" charset="-127"/>
+                <a:cs typeface="Segoe UI" panose="020B0502040204020203" pitchFamily="34" charset="0"/>
+              </a:rPr>
+              <a:t>후킹으로</a:t>
+            </a:r>
+            <a:r>
+              <a:rPr lang="ko-KR" altLang="en-US" sz="1600" dirty="0">
+                <a:solidFill>
+                  <a:schemeClr val="tx1"/>
+                </a:solidFill>
+                <a:latin typeface="맑은 고딕" panose="020B0503020000020004" pitchFamily="50" charset="-127"/>
+                <a:ea typeface="맑은 고딕" panose="020B0503020000020004" pitchFamily="50" charset="-127"/>
+                <a:cs typeface="Segoe UI" panose="020B0502040204020203" pitchFamily="34" charset="0"/>
+              </a:rPr>
+              <a:t> 차단</a:t>
+            </a:r>
+            <a:r>
+              <a:rPr lang="en-US" altLang="ko-KR" sz="1600" dirty="0">
+                <a:solidFill>
+                  <a:schemeClr val="tx1"/>
+                </a:solidFill>
+                <a:latin typeface="맑은 고딕" panose="020B0503020000020004" pitchFamily="50" charset="-127"/>
+                <a:ea typeface="맑은 고딕" panose="020B0503020000020004" pitchFamily="50" charset="-127"/>
+                <a:cs typeface="Segoe UI" panose="020B0502040204020203" pitchFamily="34" charset="0"/>
+              </a:rPr>
+              <a:t>?</a:t>
+            </a:r>
+            <a:r>
+              <a:rPr lang="ko-KR" altLang="en-US" sz="1600" dirty="0">
+                <a:solidFill>
+                  <a:schemeClr val="tx1"/>
+                </a:solidFill>
+                <a:latin typeface="맑은 고딕" panose="020B0503020000020004" pitchFamily="50" charset="-127"/>
+                <a:ea typeface="맑은 고딕" panose="020B0503020000020004" pitchFamily="50" charset="-127"/>
+                <a:cs typeface="Segoe UI" panose="020B0502040204020203" pitchFamily="34" charset="0"/>
+              </a:rPr>
+              <a:t> </a:t>
+            </a:r>
           </a:p>
         </p:txBody>
       </p:sp>
-      <p:pic>
-        <p:nvPicPr>
-          <p:cNvPr id="3" name="그림 2">
-            <a:extLst>
-              <a:ext uri="{FF2B5EF4-FFF2-40B4-BE49-F238E27FC236}">
-                <a16:creationId xmlns:a16="http://schemas.microsoft.com/office/drawing/2014/main" id="{8C85D775-81B0-444F-873E-F3BBFE8C7FDA}"/>
-              </a:ext>
-            </a:extLst>
-          </p:cNvPr>
-          <p:cNvPicPr>
-            <a:picLocks noChangeAspect="1"/>
-          </p:cNvPicPr>
-          <p:nvPr/>
-        </p:nvPicPr>
-        <p:blipFill>
-          <a:blip r:embed="rId3"/>
-          <a:stretch>
-            <a:fillRect/>
-          </a:stretch>
-        </p:blipFill>
-        <p:spPr>
-          <a:xfrm>
-            <a:off x="1844040" y="3194536"/>
-            <a:ext cx="8503919" cy="2531185"/>
-          </a:xfrm>
-          <a:prstGeom prst="rect">
-            <a:avLst/>
-          </a:prstGeom>
-        </p:spPr>
-      </p:pic>
     </p:spTree>
     <p:extLst>
       <p:ext uri="{BB962C8B-B14F-4D97-AF65-F5344CB8AC3E}">
-        <p14:creationId xmlns:p14="http://schemas.microsoft.com/office/powerpoint/2010/main" val="2944792122"/>
+        <p14:creationId xmlns:p14="http://schemas.microsoft.com/office/powerpoint/2010/main" val="2941628261"/>
       </p:ext>
     </p:extLst>
   </p:cSld>
@@ -8961,16 +9174,10 @@
           <a:p>
             <a:pPr rtl="0"/>
             <a:r>
-              <a:rPr lang="en-US" altLang="ko-KR" dirty="0">
-                <a:cs typeface="Segoe UI Light" panose="020B0502040204020203" pitchFamily="34" charset="0"/>
-              </a:rPr>
-              <a:t>PC </a:t>
-            </a:r>
-            <a:r>
               <a:rPr lang="ko-KR" altLang="en-US" dirty="0">
                 <a:cs typeface="Segoe UI Light" panose="020B0502040204020203" pitchFamily="34" charset="0"/>
               </a:rPr>
-              <a:t>취약점 점검</a:t>
+              <a:t>민감 정보 관리</a:t>
             </a:r>
           </a:p>
         </p:txBody>
@@ -9199,6 +9406,45 @@
               <a:defRPr/>
             </a:pPr>
             <a:r>
+              <a:rPr lang="ko-KR" altLang="en-US" sz="1600" b="1" dirty="0">
+                <a:solidFill>
+                  <a:schemeClr val="tx1"/>
+                </a:solidFill>
+                <a:latin typeface="맑은 고딕" panose="020B0503020000020004" pitchFamily="50" charset="-127"/>
+                <a:ea typeface="맑은 고딕" panose="020B0503020000020004" pitchFamily="50" charset="-127"/>
+                <a:cs typeface="Segoe UI" panose="020B0502040204020203" pitchFamily="34" charset="0"/>
+              </a:rPr>
+              <a:t>민감 정보 검사</a:t>
+            </a:r>
+            <a:endParaRPr lang="en-US" altLang="ko-KR" sz="1600" b="1" dirty="0">
+              <a:solidFill>
+                <a:schemeClr val="tx1"/>
+              </a:solidFill>
+              <a:latin typeface="맑은 고딕" panose="020B0503020000020004" pitchFamily="50" charset="-127"/>
+              <a:ea typeface="맑은 고딕" panose="020B0503020000020004" pitchFamily="50" charset="-127"/>
+              <a:cs typeface="Segoe UI" panose="020B0502040204020203" pitchFamily="34" charset="0"/>
+            </a:endParaRPr>
+          </a:p>
+          <a:p>
+            <a:pPr marL="0" lvl="0" indent="0" rtl="0">
+              <a:spcAft>
+                <a:spcPts val="600"/>
+              </a:spcAft>
+              <a:buNone/>
+              <a:defRPr/>
+            </a:pPr>
+            <a:r>
+              <a:rPr lang="ko-KR" altLang="en-US" sz="1600" dirty="0">
+                <a:solidFill>
+                  <a:schemeClr val="tx1"/>
+                </a:solidFill>
+                <a:latin typeface="맑은 고딕" panose="020B0503020000020004" pitchFamily="50" charset="-127"/>
+                <a:ea typeface="맑은 고딕" panose="020B0503020000020004" pitchFamily="50" charset="-127"/>
+                <a:cs typeface="Segoe UI" panose="020B0502040204020203" pitchFamily="34" charset="0"/>
+              </a:rPr>
+              <a:t>이메일 </a:t>
+            </a:r>
+            <a:r>
               <a:rPr lang="en-US" altLang="ko-KR" sz="1600" dirty="0">
                 <a:solidFill>
                   <a:schemeClr val="tx1"/>
@@ -9207,18 +9453,210 @@
                 <a:ea typeface="맑은 고딕" panose="020B0503020000020004" pitchFamily="50" charset="-127"/>
                 <a:cs typeface="Segoe UI" panose="020B0502040204020203" pitchFamily="34" charset="0"/>
               </a:rPr>
-              <a:t>PC</a:t>
-            </a:r>
-            <a:r>
-              <a:rPr lang="ko-KR" altLang="en-US" sz="1600" dirty="0">
-                <a:solidFill>
-                  <a:schemeClr val="tx1"/>
-                </a:solidFill>
-                <a:latin typeface="맑은 고딕" panose="020B0503020000020004" pitchFamily="50" charset="-127"/>
-                <a:ea typeface="맑은 고딕" panose="020B0503020000020004" pitchFamily="50" charset="-127"/>
-                <a:cs typeface="Segoe UI" panose="020B0502040204020203" pitchFamily="34" charset="0"/>
-              </a:rPr>
-              <a:t>의 보안정책에 대한 부분을 실시간으로 검사하는 기능</a:t>
+              <a:t>, </a:t>
+            </a:r>
+            <a:r>
+              <a:rPr lang="ko-KR" altLang="en-US" sz="1600" dirty="0">
+                <a:solidFill>
+                  <a:schemeClr val="tx1"/>
+                </a:solidFill>
+                <a:latin typeface="맑은 고딕" panose="020B0503020000020004" pitchFamily="50" charset="-127"/>
+                <a:ea typeface="맑은 고딕" panose="020B0503020000020004" pitchFamily="50" charset="-127"/>
+                <a:cs typeface="Segoe UI" panose="020B0502040204020203" pitchFamily="34" charset="0"/>
+              </a:rPr>
+              <a:t>주민번호 등 민감정보를 검사 하는 기능이 있다</a:t>
+            </a:r>
+            <a:r>
+              <a:rPr lang="en-US" altLang="ko-KR" sz="1600" dirty="0">
+                <a:solidFill>
+                  <a:schemeClr val="tx1"/>
+                </a:solidFill>
+                <a:latin typeface="맑은 고딕" panose="020B0503020000020004" pitchFamily="50" charset="-127"/>
+                <a:ea typeface="맑은 고딕" panose="020B0503020000020004" pitchFamily="50" charset="-127"/>
+                <a:cs typeface="Segoe UI" panose="020B0502040204020203" pitchFamily="34" charset="0"/>
+              </a:rPr>
+              <a:t>. (</a:t>
+            </a:r>
+            <a:r>
+              <a:rPr lang="ko-KR" altLang="en-US" sz="1600" b="1" dirty="0">
+                <a:solidFill>
+                  <a:schemeClr val="tx1"/>
+                </a:solidFill>
+                <a:latin typeface="맑은 고딕" panose="020B0503020000020004" pitchFamily="50" charset="-127"/>
+                <a:ea typeface="맑은 고딕" panose="020B0503020000020004" pitchFamily="50" charset="-127"/>
+                <a:cs typeface="Segoe UI" panose="020B0502040204020203" pitchFamily="34" charset="0"/>
+              </a:rPr>
+              <a:t>실시간 검사 </a:t>
+            </a:r>
+            <a:r>
+              <a:rPr lang="en-US" altLang="ko-KR" sz="1600" b="1" dirty="0">
+                <a:solidFill>
+                  <a:schemeClr val="tx1"/>
+                </a:solidFill>
+                <a:latin typeface="맑은 고딕" panose="020B0503020000020004" pitchFamily="50" charset="-127"/>
+                <a:ea typeface="맑은 고딕" panose="020B0503020000020004" pitchFamily="50" charset="-127"/>
+                <a:cs typeface="Segoe UI" panose="020B0502040204020203" pitchFamily="34" charset="0"/>
+              </a:rPr>
+              <a:t>, </a:t>
+            </a:r>
+            <a:r>
+              <a:rPr lang="ko-KR" altLang="en-US" sz="1600" b="1" dirty="0">
+                <a:solidFill>
+                  <a:schemeClr val="tx1"/>
+                </a:solidFill>
+                <a:latin typeface="맑은 고딕" panose="020B0503020000020004" pitchFamily="50" charset="-127"/>
+                <a:ea typeface="맑은 고딕" panose="020B0503020000020004" pitchFamily="50" charset="-127"/>
+                <a:cs typeface="Segoe UI" panose="020B0502040204020203" pitchFamily="34" charset="0"/>
+              </a:rPr>
+              <a:t>예약 검사</a:t>
+            </a:r>
+            <a:r>
+              <a:rPr lang="en-US" altLang="ko-KR" sz="1600" dirty="0">
+                <a:solidFill>
+                  <a:schemeClr val="tx1"/>
+                </a:solidFill>
+                <a:latin typeface="맑은 고딕" panose="020B0503020000020004" pitchFamily="50" charset="-127"/>
+                <a:ea typeface="맑은 고딕" panose="020B0503020000020004" pitchFamily="50" charset="-127"/>
+                <a:cs typeface="Segoe UI" panose="020B0502040204020203" pitchFamily="34" charset="0"/>
+              </a:rPr>
+              <a:t>)</a:t>
+            </a:r>
+          </a:p>
+          <a:p>
+            <a:pPr marL="0" lvl="0" indent="0" rtl="0">
+              <a:spcAft>
+                <a:spcPts val="600"/>
+              </a:spcAft>
+              <a:buNone/>
+              <a:defRPr/>
+            </a:pPr>
+            <a:r>
+              <a:rPr lang="ko-KR" altLang="en-US" sz="1600" dirty="0">
+                <a:solidFill>
+                  <a:schemeClr val="tx1"/>
+                </a:solidFill>
+                <a:latin typeface="맑은 고딕" panose="020B0503020000020004" pitchFamily="50" charset="-127"/>
+                <a:ea typeface="맑은 고딕" panose="020B0503020000020004" pitchFamily="50" charset="-127"/>
+                <a:cs typeface="Segoe UI" panose="020B0502040204020203" pitchFamily="34" charset="0"/>
+              </a:rPr>
+              <a:t>전체검사와 선택검사가 있고 검사를 통해 민감정보가 검출된 파일을 암호화하거나 삭제할 수 있다</a:t>
+            </a:r>
+            <a:r>
+              <a:rPr lang="en-US" altLang="ko-KR" sz="1600" dirty="0">
+                <a:solidFill>
+                  <a:schemeClr val="tx1"/>
+                </a:solidFill>
+                <a:latin typeface="맑은 고딕" panose="020B0503020000020004" pitchFamily="50" charset="-127"/>
+                <a:ea typeface="맑은 고딕" panose="020B0503020000020004" pitchFamily="50" charset="-127"/>
+                <a:cs typeface="Segoe UI" panose="020B0502040204020203" pitchFamily="34" charset="0"/>
+              </a:rPr>
+              <a:t>.</a:t>
+            </a:r>
+          </a:p>
+          <a:p>
+            <a:pPr marL="0" lvl="0" indent="0" rtl="0">
+              <a:spcAft>
+                <a:spcPts val="600"/>
+              </a:spcAft>
+              <a:buNone/>
+              <a:defRPr/>
+            </a:pPr>
+            <a:r>
+              <a:rPr lang="en-US" altLang="ko-KR" sz="1600" b="1" dirty="0">
+                <a:solidFill>
+                  <a:schemeClr val="tx1"/>
+                </a:solidFill>
+                <a:latin typeface="맑은 고딕" panose="020B0503020000020004" pitchFamily="50" charset="-127"/>
+                <a:ea typeface="맑은 고딕" panose="020B0503020000020004" pitchFamily="50" charset="-127"/>
+                <a:cs typeface="Segoe UI" panose="020B0502040204020203" pitchFamily="34" charset="0"/>
+              </a:rPr>
+              <a:t>*</a:t>
+            </a:r>
+            <a:r>
+              <a:rPr lang="en-US" altLang="ko-KR" sz="1600" dirty="0">
+                <a:solidFill>
+                  <a:schemeClr val="tx1"/>
+                </a:solidFill>
+                <a:latin typeface="맑은 고딕" panose="020B0503020000020004" pitchFamily="50" charset="-127"/>
+                <a:ea typeface="맑은 고딕" panose="020B0503020000020004" pitchFamily="50" charset="-127"/>
+                <a:cs typeface="Segoe UI" panose="020B0502040204020203" pitchFamily="34" charset="0"/>
+              </a:rPr>
+              <a:t> </a:t>
+            </a:r>
+            <a:r>
+              <a:rPr lang="ko-KR" altLang="en-US" sz="1600" dirty="0">
+                <a:solidFill>
+                  <a:schemeClr val="tx1"/>
+                </a:solidFill>
+                <a:latin typeface="맑은 고딕" panose="020B0503020000020004" pitchFamily="50" charset="-127"/>
+                <a:ea typeface="맑은 고딕" panose="020B0503020000020004" pitchFamily="50" charset="-127"/>
+                <a:cs typeface="Segoe UI" panose="020B0502040204020203" pitchFamily="34" charset="0"/>
+              </a:rPr>
+              <a:t>예외 경로를 제외한 모든 경로의 디렉토리를 파고들어가 읽기 가능한 파일의 핸들을 가져와 안의 내용에서 지정된 민감정보 키워드를 검사해 발견된 프로세스를 검출한다</a:t>
+            </a:r>
+            <a:r>
+              <a:rPr lang="en-US" altLang="ko-KR" sz="1600" dirty="0">
+                <a:solidFill>
+                  <a:schemeClr val="tx1"/>
+                </a:solidFill>
+                <a:latin typeface="맑은 고딕" panose="020B0503020000020004" pitchFamily="50" charset="-127"/>
+                <a:ea typeface="맑은 고딕" panose="020B0503020000020004" pitchFamily="50" charset="-127"/>
+                <a:cs typeface="Segoe UI" panose="020B0502040204020203" pitchFamily="34" charset="0"/>
+              </a:rPr>
+              <a:t>.</a:t>
+            </a:r>
+          </a:p>
+          <a:p>
+            <a:pPr marL="0" lvl="0" indent="0" rtl="0">
+              <a:spcAft>
+                <a:spcPts val="600"/>
+              </a:spcAft>
+              <a:buNone/>
+              <a:defRPr/>
+            </a:pPr>
+            <a:r>
+              <a:rPr lang="en-US" altLang="ko-KR" sz="1600" dirty="0">
+                <a:solidFill>
+                  <a:schemeClr val="tx1"/>
+                </a:solidFill>
+                <a:latin typeface="맑은 고딕" panose="020B0503020000020004" pitchFamily="50" charset="-127"/>
+                <a:ea typeface="맑은 고딕" panose="020B0503020000020004" pitchFamily="50" charset="-127"/>
+                <a:cs typeface="Segoe UI" panose="020B0502040204020203" pitchFamily="34" charset="0"/>
+              </a:rPr>
+              <a:t>Filesystem</a:t>
+            </a:r>
+            <a:r>
+              <a:rPr lang="ko-KR" altLang="en-US" sz="1600" dirty="0">
+                <a:solidFill>
+                  <a:schemeClr val="tx1"/>
+                </a:solidFill>
+                <a:latin typeface="맑은 고딕" panose="020B0503020000020004" pitchFamily="50" charset="-127"/>
+                <a:ea typeface="맑은 고딕" panose="020B0503020000020004" pitchFamily="50" charset="-127"/>
+                <a:cs typeface="Segoe UI" panose="020B0502040204020203" pitchFamily="34" charset="0"/>
+              </a:rPr>
+              <a:t>의 </a:t>
+            </a:r>
+            <a:r>
+              <a:rPr lang="en-US" altLang="ko-KR" sz="1600" dirty="0" err="1">
+                <a:solidFill>
+                  <a:schemeClr val="tx1"/>
+                </a:solidFill>
+                <a:latin typeface="맑은 고딕" panose="020B0503020000020004" pitchFamily="50" charset="-127"/>
+                <a:ea typeface="맑은 고딕" panose="020B0503020000020004" pitchFamily="50" charset="-127"/>
+                <a:cs typeface="Segoe UI" panose="020B0502040204020203" pitchFamily="34" charset="0"/>
+              </a:rPr>
+              <a:t>directory_iterator</a:t>
+            </a:r>
+            <a:r>
+              <a:rPr lang="ko-KR" altLang="en-US" sz="1600" dirty="0">
+                <a:solidFill>
+                  <a:schemeClr val="tx1"/>
+                </a:solidFill>
+                <a:latin typeface="맑은 고딕" panose="020B0503020000020004" pitchFamily="50" charset="-127"/>
+                <a:ea typeface="맑은 고딕" panose="020B0503020000020004" pitchFamily="50" charset="-127"/>
+                <a:cs typeface="Segoe UI" panose="020B0502040204020203" pitchFamily="34" charset="0"/>
+              </a:rPr>
+              <a:t>를 이용해 원하는 경로의 디렉토리 순회 후 파일마다 접근</a:t>
             </a:r>
             <a:endParaRPr lang="en-US" altLang="ko-KR" sz="1600" dirty="0">
               <a:solidFill>
@@ -9246,7 +9684,7 @@
                 <a:ea typeface="맑은 고딕" panose="020B0503020000020004" pitchFamily="50" charset="-127"/>
                 <a:cs typeface="Segoe UI" panose="020B0502040204020203" pitchFamily="34" charset="0"/>
               </a:rPr>
-              <a:t>실시간 검사 및 제어 설정</a:t>
+              <a:t>파일 암호화</a:t>
             </a:r>
             <a:endParaRPr lang="en-US" altLang="ko-KR" sz="1600" b="1" dirty="0">
               <a:solidFill>
@@ -9274,7 +9712,7 @@
                 <a:ea typeface="맑은 고딕" panose="020B0503020000020004" pitchFamily="50" charset="-127"/>
                 <a:cs typeface="Segoe UI" panose="020B0502040204020203" pitchFamily="34" charset="0"/>
               </a:rPr>
-              <a:t>보안 업데이트 점검 </a:t>
+              <a:t>파일 자동</a:t>
             </a:r>
             <a:r>
               <a:rPr lang="en-US" altLang="ko-KR" sz="1600" dirty="0">
@@ -9285,18 +9723,18 @@
                 <a:ea typeface="맑은 고딕" panose="020B0503020000020004" pitchFamily="50" charset="-127"/>
                 <a:cs typeface="Segoe UI" panose="020B0502040204020203" pitchFamily="34" charset="0"/>
               </a:rPr>
-              <a:t>: </a:t>
-            </a:r>
-            <a:r>
-              <a:rPr lang="ko-KR" altLang="en-US" sz="1600" dirty="0">
-                <a:solidFill>
-                  <a:schemeClr val="tx1"/>
-                </a:solidFill>
-                <a:latin typeface="맑은 고딕" panose="020B0503020000020004" pitchFamily="50" charset="-127"/>
-                <a:ea typeface="맑은 고딕" panose="020B0503020000020004" pitchFamily="50" charset="-127"/>
-                <a:cs typeface="Segoe UI" panose="020B0502040204020203" pitchFamily="34" charset="0"/>
-              </a:rPr>
-              <a:t>운영체제 업데이트 상태나 백신 프로그램</a:t>
+              <a:t>,</a:t>
+            </a:r>
+            <a:r>
+              <a:rPr lang="ko-KR" altLang="en-US" sz="1600" dirty="0">
+                <a:solidFill>
+                  <a:schemeClr val="tx1"/>
+                </a:solidFill>
+                <a:latin typeface="맑은 고딕" panose="020B0503020000020004" pitchFamily="50" charset="-127"/>
+                <a:ea typeface="맑은 고딕" panose="020B0503020000020004" pitchFamily="50" charset="-127"/>
+                <a:cs typeface="Segoe UI" panose="020B0502040204020203" pitchFamily="34" charset="0"/>
+              </a:rPr>
+              <a:t>수동 암호화를 통해 비밀번호 잠금 기능이 있다</a:t>
             </a:r>
             <a:r>
               <a:rPr lang="en-US" altLang="ko-KR" sz="1600" dirty="0">
@@ -9307,29 +9745,7 @@
                 <a:ea typeface="맑은 고딕" panose="020B0503020000020004" pitchFamily="50" charset="-127"/>
                 <a:cs typeface="Segoe UI" panose="020B0502040204020203" pitchFamily="34" charset="0"/>
               </a:rPr>
-              <a:t>, </a:t>
-            </a:r>
-            <a:r>
-              <a:rPr lang="ko-KR" altLang="en-US" sz="1600" dirty="0">
-                <a:solidFill>
-                  <a:schemeClr val="tx1"/>
-                </a:solidFill>
-                <a:latin typeface="맑은 고딕" panose="020B0503020000020004" pitchFamily="50" charset="-127"/>
-                <a:ea typeface="맑은 고딕" panose="020B0503020000020004" pitchFamily="50" charset="-127"/>
-                <a:cs typeface="Segoe UI" panose="020B0502040204020203" pitchFamily="34" charset="0"/>
-              </a:rPr>
-              <a:t>방화벽 등을 점검한다</a:t>
-            </a:r>
-            <a:r>
-              <a:rPr lang="en-US" altLang="ko-KR" sz="1600" dirty="0">
-                <a:solidFill>
-                  <a:schemeClr val="tx1"/>
-                </a:solidFill>
-                <a:latin typeface="맑은 고딕" panose="020B0503020000020004" pitchFamily="50" charset="-127"/>
-                <a:ea typeface="맑은 고딕" panose="020B0503020000020004" pitchFamily="50" charset="-127"/>
-                <a:cs typeface="Segoe UI" panose="020B0502040204020203" pitchFamily="34" charset="0"/>
-              </a:rPr>
-              <a:t>.</a:t>
+              <a:t>. </a:t>
             </a:r>
           </a:p>
           <a:p>
@@ -9341,37 +9757,48 @@
               <a:defRPr/>
             </a:pPr>
             <a:r>
-              <a:rPr lang="ko-KR" altLang="en-US" sz="1600" dirty="0">
-                <a:solidFill>
-                  <a:schemeClr val="tx1"/>
-                </a:solidFill>
-                <a:latin typeface="맑은 고딕" panose="020B0503020000020004" pitchFamily="50" charset="-127"/>
-                <a:ea typeface="맑은 고딕" panose="020B0503020000020004" pitchFamily="50" charset="-127"/>
-                <a:cs typeface="Segoe UI" panose="020B0502040204020203" pitchFamily="34" charset="0"/>
-              </a:rPr>
-              <a:t>윈도우 계정 보안 점검 </a:t>
-            </a:r>
-            <a:r>
-              <a:rPr lang="en-US" altLang="ko-KR" sz="1600" dirty="0">
-                <a:solidFill>
-                  <a:schemeClr val="tx1"/>
-                </a:solidFill>
-                <a:latin typeface="맑은 고딕" panose="020B0503020000020004" pitchFamily="50" charset="-127"/>
-                <a:ea typeface="맑은 고딕" panose="020B0503020000020004" pitchFamily="50" charset="-127"/>
-                <a:cs typeface="Segoe UI" panose="020B0502040204020203" pitchFamily="34" charset="0"/>
-              </a:rPr>
-              <a:t>: </a:t>
-            </a:r>
-            <a:r>
-              <a:rPr lang="ko-KR" altLang="en-US" sz="1600" dirty="0">
-                <a:solidFill>
-                  <a:schemeClr val="tx1"/>
-                </a:solidFill>
-                <a:latin typeface="맑은 고딕" panose="020B0503020000020004" pitchFamily="50" charset="-127"/>
-                <a:ea typeface="맑은 고딕" panose="020B0503020000020004" pitchFamily="50" charset="-127"/>
-                <a:cs typeface="Segoe UI" panose="020B0502040204020203" pitchFamily="34" charset="0"/>
-              </a:rPr>
-              <a:t>계정의 암호 안정성을 점검한다</a:t>
+              <a:rPr lang="ko-KR" altLang="en-US" sz="1600" dirty="0" err="1">
+                <a:solidFill>
+                  <a:schemeClr val="tx1"/>
+                </a:solidFill>
+                <a:latin typeface="맑은 고딕" panose="020B0503020000020004" pitchFamily="50" charset="-127"/>
+                <a:ea typeface="맑은 고딕" panose="020B0503020000020004" pitchFamily="50" charset="-127"/>
+                <a:cs typeface="Segoe UI" panose="020B0502040204020203" pitchFamily="34" charset="0"/>
+              </a:rPr>
+              <a:t>잠금된</a:t>
+            </a:r>
+            <a:r>
+              <a:rPr lang="ko-KR" altLang="en-US" sz="1600" dirty="0">
+                <a:solidFill>
+                  <a:schemeClr val="tx1"/>
+                </a:solidFill>
+                <a:latin typeface="맑은 고딕" panose="020B0503020000020004" pitchFamily="50" charset="-127"/>
+                <a:ea typeface="맑은 고딕" panose="020B0503020000020004" pitchFamily="50" charset="-127"/>
+                <a:cs typeface="Segoe UI" panose="020B0502040204020203" pitchFamily="34" charset="0"/>
+              </a:rPr>
+              <a:t> 파일은 비밀번호 입력 전까지 실행불가 상태가 되며 </a:t>
+            </a:r>
+            <a:r>
+              <a:rPr lang="en-US" altLang="ko-KR" sz="1600" dirty="0" err="1">
+                <a:solidFill>
+                  <a:schemeClr val="tx1"/>
+                </a:solidFill>
+                <a:latin typeface="맑은 고딕" panose="020B0503020000020004" pitchFamily="50" charset="-127"/>
+                <a:ea typeface="맑은 고딕" panose="020B0503020000020004" pitchFamily="50" charset="-127"/>
+                <a:cs typeface="Segoe UI" panose="020B0502040204020203" pitchFamily="34" charset="0"/>
+              </a:rPr>
+              <a:t>mLHD</a:t>
+            </a:r>
+            <a:r>
+              <a:rPr lang="ko-KR" altLang="en-US" sz="1600" dirty="0">
+                <a:solidFill>
+                  <a:schemeClr val="tx1"/>
+                </a:solidFill>
+                <a:latin typeface="맑은 고딕" panose="020B0503020000020004" pitchFamily="50" charset="-127"/>
+                <a:ea typeface="맑은 고딕" panose="020B0503020000020004" pitchFamily="50" charset="-127"/>
+                <a:cs typeface="Segoe UI" panose="020B0502040204020203" pitchFamily="34" charset="0"/>
+              </a:rPr>
+              <a:t>라는 확장자가 생긴다</a:t>
             </a:r>
             <a:r>
               <a:rPr lang="en-US" altLang="ko-KR" sz="1600" dirty="0">
@@ -9394,15 +9821,15 @@
               <a:defRPr/>
             </a:pPr>
             <a:r>
-              <a:rPr lang="ko-KR" altLang="en-US" sz="1600" dirty="0">
-                <a:solidFill>
-                  <a:schemeClr val="tx1"/>
-                </a:solidFill>
-                <a:latin typeface="맑은 고딕" panose="020B0503020000020004" pitchFamily="50" charset="-127"/>
-                <a:ea typeface="맑은 고딕" panose="020B0503020000020004" pitchFamily="50" charset="-127"/>
-                <a:cs typeface="Segoe UI" panose="020B0502040204020203" pitchFamily="34" charset="0"/>
-              </a:rPr>
-              <a:t>화면 보호기 점검 </a:t>
+              <a:rPr lang="en-US" altLang="ko-KR" sz="1600" b="1" dirty="0">
+                <a:solidFill>
+                  <a:schemeClr val="tx1"/>
+                </a:solidFill>
+                <a:latin typeface="맑은 고딕" panose="020B0503020000020004" pitchFamily="50" charset="-127"/>
+                <a:ea typeface="맑은 고딕" panose="020B0503020000020004" pitchFamily="50" charset="-127"/>
+                <a:cs typeface="Segoe UI" panose="020B0502040204020203" pitchFamily="34" charset="0"/>
+              </a:rPr>
+              <a:t>*</a:t>
             </a:r>
             <a:r>
               <a:rPr lang="en-US" altLang="ko-KR" sz="1600" dirty="0">
@@ -9413,18 +9840,18 @@
                 <a:ea typeface="맑은 고딕" panose="020B0503020000020004" pitchFamily="50" charset="-127"/>
                 <a:cs typeface="Segoe UI" panose="020B0502040204020203" pitchFamily="34" charset="0"/>
               </a:rPr>
-              <a:t>: </a:t>
-            </a:r>
-            <a:r>
-              <a:rPr lang="ko-KR" altLang="en-US" sz="1600" dirty="0">
-                <a:solidFill>
-                  <a:schemeClr val="tx1"/>
-                </a:solidFill>
-                <a:latin typeface="맑은 고딕" panose="020B0503020000020004" pitchFamily="50" charset="-127"/>
-                <a:ea typeface="맑은 고딕" panose="020B0503020000020004" pitchFamily="50" charset="-127"/>
-                <a:cs typeface="Segoe UI" panose="020B0502040204020203" pitchFamily="34" charset="0"/>
-              </a:rPr>
-              <a:t>화면 보호기 설정 여부를 점검한다</a:t>
+              <a:t> </a:t>
+            </a:r>
+            <a:r>
+              <a:rPr lang="ko-KR" altLang="en-US" sz="1600" dirty="0">
+                <a:solidFill>
+                  <a:schemeClr val="tx1"/>
+                </a:solidFill>
+                <a:latin typeface="맑은 고딕" panose="020B0503020000020004" pitchFamily="50" charset="-127"/>
+                <a:ea typeface="맑은 고딕" panose="020B0503020000020004" pitchFamily="50" charset="-127"/>
+                <a:cs typeface="Segoe UI" panose="020B0502040204020203" pitchFamily="34" charset="0"/>
+              </a:rPr>
+              <a:t>파일 시스템을 이용하여 해당 파일을 쓰기 형태로 열고 안의 내용을 알고리즘을 통해 암호화 및 복호화 한다</a:t>
             </a:r>
             <a:r>
               <a:rPr lang="en-US" altLang="ko-KR" sz="1600" dirty="0">
@@ -9437,187 +9864,6 @@
               </a:rPr>
               <a:t>.</a:t>
             </a:r>
-          </a:p>
-          <a:p>
-            <a:pPr marL="0" lvl="0" indent="0" rtl="0">
-              <a:spcAft>
-                <a:spcPts val="600"/>
-              </a:spcAft>
-              <a:buNone/>
-              <a:defRPr/>
-            </a:pPr>
-            <a:r>
-              <a:rPr lang="ko-KR" altLang="en-US" sz="1600" dirty="0">
-                <a:solidFill>
-                  <a:schemeClr val="tx1"/>
-                </a:solidFill>
-                <a:latin typeface="맑은 고딕" panose="020B0503020000020004" pitchFamily="50" charset="-127"/>
-                <a:ea typeface="맑은 고딕" panose="020B0503020000020004" pitchFamily="50" charset="-127"/>
-                <a:cs typeface="Segoe UI" panose="020B0502040204020203" pitchFamily="34" charset="0"/>
-              </a:rPr>
-              <a:t>공유 폴더 점검 </a:t>
-            </a:r>
-            <a:r>
-              <a:rPr lang="en-US" altLang="ko-KR" sz="1600" dirty="0">
-                <a:solidFill>
-                  <a:schemeClr val="tx1"/>
-                </a:solidFill>
-                <a:latin typeface="맑은 고딕" panose="020B0503020000020004" pitchFamily="50" charset="-127"/>
-                <a:ea typeface="맑은 고딕" panose="020B0503020000020004" pitchFamily="50" charset="-127"/>
-                <a:cs typeface="Segoe UI" panose="020B0502040204020203" pitchFamily="34" charset="0"/>
-              </a:rPr>
-              <a:t>: </a:t>
-            </a:r>
-            <a:r>
-              <a:rPr lang="ko-KR" altLang="en-US" sz="1600" dirty="0">
-                <a:solidFill>
-                  <a:schemeClr val="tx1"/>
-                </a:solidFill>
-                <a:latin typeface="맑은 고딕" panose="020B0503020000020004" pitchFamily="50" charset="-127"/>
-                <a:ea typeface="맑은 고딕" panose="020B0503020000020004" pitchFamily="50" charset="-127"/>
-                <a:cs typeface="Segoe UI" panose="020B0502040204020203" pitchFamily="34" charset="0"/>
-              </a:rPr>
-              <a:t>사용자 공유 폴더의 설정 여부를 점검한다</a:t>
-            </a:r>
-            <a:r>
-              <a:rPr lang="en-US" altLang="ko-KR" sz="1600" dirty="0">
-                <a:solidFill>
-                  <a:schemeClr val="tx1"/>
-                </a:solidFill>
-                <a:latin typeface="맑은 고딕" panose="020B0503020000020004" pitchFamily="50" charset="-127"/>
-                <a:ea typeface="맑은 고딕" panose="020B0503020000020004" pitchFamily="50" charset="-127"/>
-                <a:cs typeface="Segoe UI" panose="020B0502040204020203" pitchFamily="34" charset="0"/>
-              </a:rPr>
-              <a:t>.</a:t>
-            </a:r>
-          </a:p>
-          <a:p>
-            <a:pPr marL="0" lvl="0" indent="0" rtl="0">
-              <a:spcAft>
-                <a:spcPts val="600"/>
-              </a:spcAft>
-              <a:buNone/>
-              <a:defRPr/>
-            </a:pPr>
-            <a:r>
-              <a:rPr lang="en-US" altLang="ko-KR" sz="1600" dirty="0">
-                <a:solidFill>
-                  <a:schemeClr val="tx1"/>
-                </a:solidFill>
-                <a:latin typeface="맑은 고딕" panose="020B0503020000020004" pitchFamily="50" charset="-127"/>
-                <a:ea typeface="맑은 고딕" panose="020B0503020000020004" pitchFamily="50" charset="-127"/>
-                <a:cs typeface="Segoe UI" panose="020B0502040204020203" pitchFamily="34" charset="0"/>
-              </a:rPr>
-              <a:t>USB </a:t>
-            </a:r>
-            <a:r>
-              <a:rPr lang="ko-KR" altLang="en-US" sz="1600" dirty="0">
-                <a:solidFill>
-                  <a:schemeClr val="tx1"/>
-                </a:solidFill>
-                <a:latin typeface="맑은 고딕" panose="020B0503020000020004" pitchFamily="50" charset="-127"/>
-                <a:ea typeface="맑은 고딕" panose="020B0503020000020004" pitchFamily="50" charset="-127"/>
-                <a:cs typeface="Segoe UI" panose="020B0502040204020203" pitchFamily="34" charset="0"/>
-              </a:rPr>
-              <a:t>보안 점검 </a:t>
-            </a:r>
-            <a:r>
-              <a:rPr lang="en-US" altLang="ko-KR" sz="1600" dirty="0">
-                <a:solidFill>
-                  <a:schemeClr val="tx1"/>
-                </a:solidFill>
-                <a:latin typeface="맑은 고딕" panose="020B0503020000020004" pitchFamily="50" charset="-127"/>
-                <a:ea typeface="맑은 고딕" panose="020B0503020000020004" pitchFamily="50" charset="-127"/>
-                <a:cs typeface="Segoe UI" panose="020B0502040204020203" pitchFamily="34" charset="0"/>
-              </a:rPr>
-              <a:t>: </a:t>
-            </a:r>
-            <a:r>
-              <a:rPr lang="ko-KR" altLang="en-US" sz="1600" dirty="0">
-                <a:solidFill>
-                  <a:schemeClr val="tx1"/>
-                </a:solidFill>
-                <a:latin typeface="맑은 고딕" panose="020B0503020000020004" pitchFamily="50" charset="-127"/>
-                <a:ea typeface="맑은 고딕" panose="020B0503020000020004" pitchFamily="50" charset="-127"/>
-                <a:cs typeface="Segoe UI" panose="020B0502040204020203" pitchFamily="34" charset="0"/>
-              </a:rPr>
-              <a:t>관리자가 지정한 </a:t>
-            </a:r>
-            <a:r>
-              <a:rPr lang="en-US" altLang="ko-KR" sz="1600" dirty="0">
-                <a:solidFill>
-                  <a:schemeClr val="tx1"/>
-                </a:solidFill>
-                <a:latin typeface="맑은 고딕" panose="020B0503020000020004" pitchFamily="50" charset="-127"/>
-                <a:ea typeface="맑은 고딕" panose="020B0503020000020004" pitchFamily="50" charset="-127"/>
-                <a:cs typeface="Segoe UI" panose="020B0502040204020203" pitchFamily="34" charset="0"/>
-              </a:rPr>
-              <a:t>USB </a:t>
-            </a:r>
-            <a:r>
-              <a:rPr lang="ko-KR" altLang="en-US" sz="1600" dirty="0">
-                <a:solidFill>
-                  <a:schemeClr val="tx1"/>
-                </a:solidFill>
-                <a:latin typeface="맑은 고딕" panose="020B0503020000020004" pitchFamily="50" charset="-127"/>
-                <a:ea typeface="맑은 고딕" panose="020B0503020000020004" pitchFamily="50" charset="-127"/>
-                <a:cs typeface="Segoe UI" panose="020B0502040204020203" pitchFamily="34" charset="0"/>
-              </a:rPr>
-              <a:t>보안 프로그램 설치 및 실행 여부를 점검한다</a:t>
-            </a:r>
-            <a:r>
-              <a:rPr lang="en-US" altLang="ko-KR" sz="1600" dirty="0">
-                <a:solidFill>
-                  <a:schemeClr val="tx1"/>
-                </a:solidFill>
-                <a:latin typeface="맑은 고딕" panose="020B0503020000020004" pitchFamily="50" charset="-127"/>
-                <a:ea typeface="맑은 고딕" panose="020B0503020000020004" pitchFamily="50" charset="-127"/>
-                <a:cs typeface="Segoe UI" panose="020B0502040204020203" pitchFamily="34" charset="0"/>
-              </a:rPr>
-              <a:t>.</a:t>
-            </a:r>
-          </a:p>
-          <a:p>
-            <a:pPr marL="0" lvl="0" indent="0" rtl="0">
-              <a:spcAft>
-                <a:spcPts val="600"/>
-              </a:spcAft>
-              <a:buNone/>
-              <a:defRPr/>
-            </a:pPr>
-            <a:r>
-              <a:rPr lang="ko-KR" altLang="en-US" sz="1600" dirty="0">
-                <a:solidFill>
-                  <a:schemeClr val="tx1"/>
-                </a:solidFill>
-                <a:latin typeface="맑은 고딕" panose="020B0503020000020004" pitchFamily="50" charset="-127"/>
-                <a:ea typeface="맑은 고딕" panose="020B0503020000020004" pitchFamily="50" charset="-127"/>
-                <a:cs typeface="Segoe UI" panose="020B0502040204020203" pitchFamily="34" charset="0"/>
-              </a:rPr>
-              <a:t>기타 점검 </a:t>
-            </a:r>
-            <a:r>
-              <a:rPr lang="en-US" altLang="ko-KR" sz="1600" dirty="0">
-                <a:solidFill>
-                  <a:schemeClr val="tx1"/>
-                </a:solidFill>
-                <a:latin typeface="맑은 고딕" panose="020B0503020000020004" pitchFamily="50" charset="-127"/>
-                <a:ea typeface="맑은 고딕" panose="020B0503020000020004" pitchFamily="50" charset="-127"/>
-                <a:cs typeface="Segoe UI" panose="020B0502040204020203" pitchFamily="34" charset="0"/>
-              </a:rPr>
-              <a:t>: pc</a:t>
-            </a:r>
-            <a:r>
-              <a:rPr lang="ko-KR" altLang="en-US" sz="1600" dirty="0" err="1">
-                <a:solidFill>
-                  <a:schemeClr val="tx1"/>
-                </a:solidFill>
-                <a:latin typeface="맑은 고딕" panose="020B0503020000020004" pitchFamily="50" charset="-127"/>
-                <a:ea typeface="맑은 고딕" panose="020B0503020000020004" pitchFamily="50" charset="-127"/>
-                <a:cs typeface="Segoe UI" panose="020B0502040204020203" pitchFamily="34" charset="0"/>
-              </a:rPr>
-              <a:t>부팅시</a:t>
-            </a:r>
             <a:r>
               <a:rPr lang="ko-KR" altLang="en-US" sz="1600" dirty="0">
                 <a:solidFill>
@@ -9628,103 +9874,6 @@
                 <a:cs typeface="Segoe UI" panose="020B0502040204020203" pitchFamily="34" charset="0"/>
               </a:rPr>
               <a:t> </a:t>
-            </a:r>
-            <a:r>
-              <a:rPr lang="ko-KR" altLang="en-US" sz="1600" dirty="0" err="1">
-                <a:solidFill>
-                  <a:schemeClr val="tx1"/>
-                </a:solidFill>
-                <a:latin typeface="맑은 고딕" panose="020B0503020000020004" pitchFamily="50" charset="-127"/>
-                <a:ea typeface="맑은 고딕" panose="020B0503020000020004" pitchFamily="50" charset="-127"/>
-                <a:cs typeface="Segoe UI" panose="020B0502040204020203" pitchFamily="34" charset="0"/>
-              </a:rPr>
-              <a:t>자동실행되는</a:t>
-            </a:r>
-            <a:r>
-              <a:rPr lang="ko-KR" altLang="en-US" sz="1600" dirty="0">
-                <a:solidFill>
-                  <a:schemeClr val="tx1"/>
-                </a:solidFill>
-                <a:latin typeface="맑은 고딕" panose="020B0503020000020004" pitchFamily="50" charset="-127"/>
-                <a:ea typeface="맑은 고딕" panose="020B0503020000020004" pitchFamily="50" charset="-127"/>
-                <a:cs typeface="Segoe UI" panose="020B0502040204020203" pitchFamily="34" charset="0"/>
-              </a:rPr>
-              <a:t> 프로그램 정보 </a:t>
-            </a:r>
-            <a:r>
-              <a:rPr lang="en-US" altLang="ko-KR" sz="1600" dirty="0">
-                <a:solidFill>
-                  <a:schemeClr val="tx1"/>
-                </a:solidFill>
-                <a:latin typeface="맑은 고딕" panose="020B0503020000020004" pitchFamily="50" charset="-127"/>
-                <a:ea typeface="맑은 고딕" panose="020B0503020000020004" pitchFamily="50" charset="-127"/>
-                <a:cs typeface="Segoe UI" panose="020B0502040204020203" pitchFamily="34" charset="0"/>
-              </a:rPr>
-              <a:t>, </a:t>
-            </a:r>
-            <a:r>
-              <a:rPr lang="ko-KR" altLang="en-US" sz="1600" dirty="0">
-                <a:solidFill>
-                  <a:schemeClr val="tx1"/>
-                </a:solidFill>
-                <a:latin typeface="맑은 고딕" panose="020B0503020000020004" pitchFamily="50" charset="-127"/>
-                <a:ea typeface="맑은 고딕" panose="020B0503020000020004" pitchFamily="50" charset="-127"/>
-                <a:cs typeface="Segoe UI" panose="020B0502040204020203" pitchFamily="34" charset="0"/>
-              </a:rPr>
-              <a:t>허가되지 않는 프로그램 정보 </a:t>
-            </a:r>
-            <a:r>
-              <a:rPr lang="en-US" altLang="ko-KR" sz="1600" dirty="0">
-                <a:solidFill>
-                  <a:schemeClr val="tx1"/>
-                </a:solidFill>
-                <a:latin typeface="맑은 고딕" panose="020B0503020000020004" pitchFamily="50" charset="-127"/>
-                <a:ea typeface="맑은 고딕" panose="020B0503020000020004" pitchFamily="50" charset="-127"/>
-                <a:cs typeface="Segoe UI" panose="020B0502040204020203" pitchFamily="34" charset="0"/>
-              </a:rPr>
-              <a:t>, Wireless LAN </a:t>
-            </a:r>
-            <a:r>
-              <a:rPr lang="ko-KR" altLang="en-US" sz="1600" dirty="0">
-                <a:solidFill>
-                  <a:schemeClr val="tx1"/>
-                </a:solidFill>
-                <a:latin typeface="맑은 고딕" panose="020B0503020000020004" pitchFamily="50" charset="-127"/>
-                <a:ea typeface="맑은 고딕" panose="020B0503020000020004" pitchFamily="50" charset="-127"/>
-                <a:cs typeface="Segoe UI" panose="020B0502040204020203" pitchFamily="34" charset="0"/>
-              </a:rPr>
-              <a:t>사용 정보 등 기타 부분을 점검한다</a:t>
-            </a:r>
-            <a:r>
-              <a:rPr lang="en-US" altLang="ko-KR" sz="1600" dirty="0">
-                <a:solidFill>
-                  <a:schemeClr val="tx1"/>
-                </a:solidFill>
-                <a:latin typeface="맑은 고딕" panose="020B0503020000020004" pitchFamily="50" charset="-127"/>
-                <a:ea typeface="맑은 고딕" panose="020B0503020000020004" pitchFamily="50" charset="-127"/>
-                <a:cs typeface="Segoe UI" panose="020B0502040204020203" pitchFamily="34" charset="0"/>
-              </a:rPr>
-              <a:t>.</a:t>
-            </a:r>
-          </a:p>
-          <a:p>
-            <a:pPr marL="0" lvl="0" indent="0" rtl="0">
-              <a:spcAft>
-                <a:spcPts val="600"/>
-              </a:spcAft>
-              <a:buNone/>
-              <a:defRPr/>
-            </a:pPr>
-            <a:r>
-              <a:rPr lang="ko-KR" altLang="en-US" sz="1600" dirty="0">
-                <a:solidFill>
-                  <a:schemeClr val="tx1"/>
-                </a:solidFill>
-                <a:latin typeface="맑은 고딕" panose="020B0503020000020004" pitchFamily="50" charset="-127"/>
-                <a:ea typeface="맑은 고딕" panose="020B0503020000020004" pitchFamily="50" charset="-127"/>
-                <a:cs typeface="Segoe UI" panose="020B0502040204020203" pitchFamily="34" charset="0"/>
-              </a:rPr>
-              <a:t>그 외에 실시간 제어 옵션을 통해 기본 설정에 대한 옵션으로 제어 가능</a:t>
             </a:r>
             <a:endParaRPr lang="en-US" altLang="ko-KR" sz="1600" dirty="0">
               <a:solidFill>
@@ -9735,12 +9884,84 @@
               <a:cs typeface="Segoe UI" panose="020B0502040204020203" pitchFamily="34" charset="0"/>
             </a:endParaRPr>
           </a:p>
+          <a:p>
+            <a:pPr marL="0" lvl="0" indent="0" rtl="0">
+              <a:spcAft>
+                <a:spcPts val="600"/>
+              </a:spcAft>
+              <a:buNone/>
+              <a:defRPr/>
+            </a:pPr>
+            <a:r>
+              <a:rPr lang="en-US" altLang="ko-KR" sz="1600" dirty="0" err="1">
+                <a:solidFill>
+                  <a:schemeClr val="tx1"/>
+                </a:solidFill>
+                <a:latin typeface="맑은 고딕" panose="020B0503020000020004" pitchFamily="50" charset="-127"/>
+                <a:ea typeface="맑은 고딕" panose="020B0503020000020004" pitchFamily="50" charset="-127"/>
+                <a:cs typeface="Segoe UI" panose="020B0502040204020203" pitchFamily="34" charset="0"/>
+              </a:rPr>
+              <a:t>Wincrypt</a:t>
+            </a:r>
+            <a:r>
+              <a:rPr lang="en-US" altLang="ko-KR" sz="1600" dirty="0">
+                <a:solidFill>
+                  <a:schemeClr val="tx1"/>
+                </a:solidFill>
+                <a:latin typeface="맑은 고딕" panose="020B0503020000020004" pitchFamily="50" charset="-127"/>
+                <a:ea typeface="맑은 고딕" panose="020B0503020000020004" pitchFamily="50" charset="-127"/>
+                <a:cs typeface="Segoe UI" panose="020B0502040204020203" pitchFamily="34" charset="0"/>
+              </a:rPr>
+              <a:t> or crypt++ or </a:t>
+            </a:r>
+            <a:r>
+              <a:rPr lang="en-US" altLang="ko-KR" sz="1600" dirty="0" err="1">
+                <a:solidFill>
+                  <a:schemeClr val="tx1"/>
+                </a:solidFill>
+                <a:latin typeface="맑은 고딕" panose="020B0503020000020004" pitchFamily="50" charset="-127"/>
+                <a:ea typeface="맑은 고딕" panose="020B0503020000020004" pitchFamily="50" charset="-127"/>
+                <a:cs typeface="Segoe UI" panose="020B0502040204020203" pitchFamily="34" charset="0"/>
+              </a:rPr>
+              <a:t>openssl</a:t>
+            </a:r>
+            <a:r>
+              <a:rPr lang="en-US" altLang="ko-KR" sz="1600" dirty="0">
+                <a:solidFill>
+                  <a:schemeClr val="tx1"/>
+                </a:solidFill>
+                <a:latin typeface="맑은 고딕" panose="020B0503020000020004" pitchFamily="50" charset="-127"/>
+                <a:ea typeface="맑은 고딕" panose="020B0503020000020004" pitchFamily="50" charset="-127"/>
+                <a:cs typeface="Segoe UI" panose="020B0502040204020203" pitchFamily="34" charset="0"/>
+              </a:rPr>
+              <a:t> </a:t>
+            </a:r>
+            <a:r>
+              <a:rPr lang="ko-KR" altLang="en-US" sz="1600" dirty="0">
+                <a:solidFill>
+                  <a:schemeClr val="tx1"/>
+                </a:solidFill>
+                <a:latin typeface="맑은 고딕" panose="020B0503020000020004" pitchFamily="50" charset="-127"/>
+                <a:ea typeface="맑은 고딕" panose="020B0503020000020004" pitchFamily="50" charset="-127"/>
+                <a:cs typeface="Segoe UI" panose="020B0502040204020203" pitchFamily="34" charset="0"/>
+              </a:rPr>
+              <a:t>등의 암호화 라이브러리도 존재</a:t>
+            </a:r>
+            <a:endParaRPr lang="en-US" altLang="ko-KR" sz="1600" dirty="0">
+              <a:solidFill>
+                <a:schemeClr val="tx1"/>
+              </a:solidFill>
+              <a:latin typeface="맑은 고딕" panose="020B0503020000020004" pitchFamily="50" charset="-127"/>
+              <a:ea typeface="맑은 고딕" panose="020B0503020000020004" pitchFamily="50" charset="-127"/>
+              <a:cs typeface="Segoe UI" panose="020B0502040204020203" pitchFamily="34" charset="0"/>
+            </a:endParaRPr>
+          </a:p>
         </p:txBody>
       </p:sp>
     </p:spTree>
     <p:extLst>
       <p:ext uri="{BB962C8B-B14F-4D97-AF65-F5344CB8AC3E}">
-        <p14:creationId xmlns:p14="http://schemas.microsoft.com/office/powerpoint/2010/main" val="420732909"/>
+        <p14:creationId xmlns:p14="http://schemas.microsoft.com/office/powerpoint/2010/main" val="500757338"/>
       </p:ext>
     </p:extLst>
   </p:cSld>
@@ -9802,7 +10023,7 @@
               <a:rPr lang="ko-KR" altLang="en-US" dirty="0">
                 <a:cs typeface="Segoe UI Light" panose="020B0502040204020203" pitchFamily="34" charset="0"/>
               </a:rPr>
-              <a:t>기타관리</a:t>
+              <a:t>출력물 보안</a:t>
             </a:r>
           </a:p>
         </p:txBody>
@@ -9818,7 +10039,7 @@
         <p:spPr>
           <a:xfrm>
             <a:off x="541610" y="1524708"/>
-            <a:ext cx="11142390" cy="5881932"/>
+            <a:ext cx="11142390" cy="4990392"/>
           </a:xfrm>
           <a:prstGeom prst="rect">
             <a:avLst/>
@@ -10031,6 +10252,17 @@
               <a:defRPr/>
             </a:pPr>
             <a:r>
+              <a:rPr lang="ko-KR" altLang="en-US" sz="1600" dirty="0">
+                <a:solidFill>
+                  <a:schemeClr val="tx1"/>
+                </a:solidFill>
+                <a:latin typeface="맑은 고딕" panose="020B0503020000020004" pitchFamily="50" charset="-127"/>
+                <a:ea typeface="맑은 고딕" panose="020B0503020000020004" pitchFamily="50" charset="-127"/>
+                <a:cs typeface="Segoe UI" panose="020B0502040204020203" pitchFamily="34" charset="0"/>
+              </a:rPr>
+              <a:t>프린트</a:t>
+            </a:r>
+            <a:r>
               <a:rPr lang="en-US" altLang="ko-KR" sz="1600" dirty="0">
                 <a:solidFill>
                   <a:schemeClr val="tx1"/>
@@ -10039,18 +10271,18 @@
                 <a:ea typeface="맑은 고딕" panose="020B0503020000020004" pitchFamily="50" charset="-127"/>
                 <a:cs typeface="Segoe UI" panose="020B0502040204020203" pitchFamily="34" charset="0"/>
               </a:rPr>
-              <a:t>IT</a:t>
-            </a:r>
-            <a:r>
-              <a:rPr lang="ko-KR" altLang="en-US" sz="1600" dirty="0">
-                <a:solidFill>
-                  <a:schemeClr val="tx1"/>
-                </a:solidFill>
-                <a:latin typeface="맑은 고딕" panose="020B0503020000020004" pitchFamily="50" charset="-127"/>
-                <a:ea typeface="맑은 고딕" panose="020B0503020000020004" pitchFamily="50" charset="-127"/>
-                <a:cs typeface="Segoe UI" panose="020B0502040204020203" pitchFamily="34" charset="0"/>
-              </a:rPr>
-              <a:t>자산</a:t>
+              <a:t>(</a:t>
+            </a:r>
+            <a:r>
+              <a:rPr lang="ko-KR" altLang="en-US" sz="1600" dirty="0">
+                <a:solidFill>
+                  <a:schemeClr val="tx1"/>
+                </a:solidFill>
+                <a:latin typeface="맑은 고딕" panose="020B0503020000020004" pitchFamily="50" charset="-127"/>
+                <a:ea typeface="맑은 고딕" panose="020B0503020000020004" pitchFamily="50" charset="-127"/>
+                <a:cs typeface="Segoe UI" panose="020B0502040204020203" pitchFamily="34" charset="0"/>
+              </a:rPr>
+              <a:t>출력</a:t>
             </a:r>
             <a:r>
               <a:rPr lang="en-US" altLang="ko-KR" sz="1600" dirty="0">
@@ -10061,18 +10293,18 @@
                 <a:ea typeface="맑은 고딕" panose="020B0503020000020004" pitchFamily="50" charset="-127"/>
                 <a:cs typeface="Segoe UI" panose="020B0502040204020203" pitchFamily="34" charset="0"/>
               </a:rPr>
-              <a:t>(PC) , PC</a:t>
-            </a:r>
-            <a:r>
-              <a:rPr lang="ko-KR" altLang="en-US" sz="1600" dirty="0">
-                <a:solidFill>
-                  <a:schemeClr val="tx1"/>
-                </a:solidFill>
-                <a:latin typeface="맑은 고딕" panose="020B0503020000020004" pitchFamily="50" charset="-127"/>
-                <a:ea typeface="맑은 고딕" panose="020B0503020000020004" pitchFamily="50" charset="-127"/>
-                <a:cs typeface="Segoe UI" panose="020B0502040204020203" pitchFamily="34" charset="0"/>
-              </a:rPr>
-              <a:t> 사용통계 </a:t>
+              <a:t>)</a:t>
+            </a:r>
+            <a:r>
+              <a:rPr lang="ko-KR" altLang="en-US" sz="1600" dirty="0">
+                <a:solidFill>
+                  <a:schemeClr val="tx1"/>
+                </a:solidFill>
+                <a:latin typeface="맑은 고딕" panose="020B0503020000020004" pitchFamily="50" charset="-127"/>
+                <a:ea typeface="맑은 고딕" panose="020B0503020000020004" pitchFamily="50" charset="-127"/>
+                <a:cs typeface="Segoe UI" panose="020B0502040204020203" pitchFamily="34" charset="0"/>
+              </a:rPr>
+              <a:t>에 대해 차단 </a:t>
             </a:r>
             <a:r>
               <a:rPr lang="en-US" altLang="ko-KR" sz="1600" dirty="0">
@@ -10094,7 +10326,29 @@
                 <a:ea typeface="맑은 고딕" panose="020B0503020000020004" pitchFamily="50" charset="-127"/>
                 <a:cs typeface="Segoe UI" panose="020B0502040204020203" pitchFamily="34" charset="0"/>
               </a:rPr>
-              <a:t>인재 등의 로그를 조회하거나 정책을 설정할 수 있는 페이지</a:t>
+              <a:t>승인 </a:t>
+            </a:r>
+            <a:r>
+              <a:rPr lang="en-US" altLang="ko-KR" sz="1600" dirty="0">
+                <a:solidFill>
+                  <a:schemeClr val="tx1"/>
+                </a:solidFill>
+                <a:latin typeface="맑은 고딕" panose="020B0503020000020004" pitchFamily="50" charset="-127"/>
+                <a:ea typeface="맑은 고딕" panose="020B0503020000020004" pitchFamily="50" charset="-127"/>
+                <a:cs typeface="Segoe UI" panose="020B0502040204020203" pitchFamily="34" charset="0"/>
+              </a:rPr>
+              <a:t>, </a:t>
+            </a:r>
+            <a:r>
+              <a:rPr lang="ko-KR" altLang="en-US" sz="1600" dirty="0">
+                <a:solidFill>
+                  <a:schemeClr val="tx1"/>
+                </a:solidFill>
+                <a:latin typeface="맑은 고딕" panose="020B0503020000020004" pitchFamily="50" charset="-127"/>
+                <a:ea typeface="맑은 고딕" panose="020B0503020000020004" pitchFamily="50" charset="-127"/>
+                <a:cs typeface="Segoe UI" panose="020B0502040204020203" pitchFamily="34" charset="0"/>
+              </a:rPr>
+              <a:t>저장 정책을 가지고 있는 기능</a:t>
             </a:r>
             <a:endParaRPr lang="en-US" altLang="ko-KR" sz="1600" dirty="0">
               <a:solidFill>
@@ -10114,17 +10368,6 @@
               <a:defRPr/>
             </a:pPr>
             <a:r>
-              <a:rPr lang="en-US" altLang="ko-KR" sz="1600" b="1" dirty="0">
-                <a:solidFill>
-                  <a:schemeClr val="tx1"/>
-                </a:solidFill>
-                <a:latin typeface="맑은 고딕" panose="020B0503020000020004" pitchFamily="50" charset="-127"/>
-                <a:ea typeface="맑은 고딕" panose="020B0503020000020004" pitchFamily="50" charset="-127"/>
-                <a:cs typeface="Segoe UI" panose="020B0502040204020203" pitchFamily="34" charset="0"/>
-              </a:rPr>
-              <a:t>IT </a:t>
-            </a:r>
-            <a:r>
               <a:rPr lang="ko-KR" altLang="en-US" sz="1600" b="1" dirty="0">
                 <a:solidFill>
                   <a:schemeClr val="tx1"/>
@@ -10133,16 +10376,63 @@
                 <a:ea typeface="맑은 고딕" panose="020B0503020000020004" pitchFamily="50" charset="-127"/>
                 <a:cs typeface="Segoe UI" panose="020B0502040204020203" pitchFamily="34" charset="0"/>
               </a:rPr>
-              <a:t>자산관리 정책</a:t>
-            </a:r>
-            <a:endParaRPr lang="en-US" altLang="ko-KR" sz="1600" b="1" dirty="0">
-              <a:solidFill>
-                <a:schemeClr val="tx1"/>
-              </a:solidFill>
-              <a:latin typeface="맑은 고딕" panose="020B0503020000020004" pitchFamily="50" charset="-127"/>
-              <a:ea typeface="맑은 고딕" panose="020B0503020000020004" pitchFamily="50" charset="-127"/>
-              <a:cs typeface="Segoe UI" panose="020B0502040204020203" pitchFamily="34" charset="0"/>
-            </a:endParaRPr>
+              <a:t>출력 정책 </a:t>
+            </a:r>
+            <a:r>
+              <a:rPr lang="en-US" altLang="ko-KR" sz="1600" dirty="0">
+                <a:solidFill>
+                  <a:schemeClr val="tx1"/>
+                </a:solidFill>
+                <a:latin typeface="맑은 고딕" panose="020B0503020000020004" pitchFamily="50" charset="-127"/>
+                <a:ea typeface="맑은 고딕" panose="020B0503020000020004" pitchFamily="50" charset="-127"/>
+                <a:cs typeface="Segoe UI" panose="020B0502040204020203" pitchFamily="34" charset="0"/>
+              </a:rPr>
+              <a:t>: </a:t>
+            </a:r>
+            <a:r>
+              <a:rPr lang="ko-KR" altLang="en-US" sz="1600" dirty="0">
+                <a:solidFill>
+                  <a:schemeClr val="tx1"/>
+                </a:solidFill>
+                <a:latin typeface="맑은 고딕" panose="020B0503020000020004" pitchFamily="50" charset="-127"/>
+                <a:ea typeface="맑은 고딕" panose="020B0503020000020004" pitchFamily="50" charset="-127"/>
+                <a:cs typeface="Segoe UI" panose="020B0502040204020203" pitchFamily="34" charset="0"/>
+              </a:rPr>
+              <a:t>기본적인 출력 차단 기능과 카테고리별 설정을 통해 차단 </a:t>
+            </a:r>
+            <a:r>
+              <a:rPr lang="en-US" altLang="ko-KR" sz="1600" dirty="0">
+                <a:solidFill>
+                  <a:schemeClr val="tx1"/>
+                </a:solidFill>
+                <a:latin typeface="맑은 고딕" panose="020B0503020000020004" pitchFamily="50" charset="-127"/>
+                <a:ea typeface="맑은 고딕" panose="020B0503020000020004" pitchFamily="50" charset="-127"/>
+                <a:cs typeface="Segoe UI" panose="020B0502040204020203" pitchFamily="34" charset="0"/>
+              </a:rPr>
+              <a:t>, </a:t>
+            </a:r>
+            <a:r>
+              <a:rPr lang="ko-KR" altLang="en-US" sz="1600" dirty="0">
+                <a:solidFill>
+                  <a:schemeClr val="tx1"/>
+                </a:solidFill>
+                <a:latin typeface="맑은 고딕" panose="020B0503020000020004" pitchFamily="50" charset="-127"/>
+                <a:ea typeface="맑은 고딕" panose="020B0503020000020004" pitchFamily="50" charset="-127"/>
+                <a:cs typeface="Segoe UI" panose="020B0502040204020203" pitchFamily="34" charset="0"/>
+              </a:rPr>
+              <a:t>워터마크 등의 기능을 가지고 있다</a:t>
+            </a:r>
+            <a:r>
+              <a:rPr lang="en-US" altLang="ko-KR" sz="1600" dirty="0">
+                <a:solidFill>
+                  <a:schemeClr val="tx1"/>
+                </a:solidFill>
+                <a:latin typeface="맑은 고딕" panose="020B0503020000020004" pitchFamily="50" charset="-127"/>
+                <a:ea typeface="맑은 고딕" panose="020B0503020000020004" pitchFamily="50" charset="-127"/>
+                <a:cs typeface="Segoe UI" panose="020B0502040204020203" pitchFamily="34" charset="0"/>
+              </a:rPr>
+              <a:t>.</a:t>
+            </a:r>
           </a:p>
           <a:p>
             <a:pPr marL="0" lvl="0" indent="0" rtl="0">
@@ -10153,15 +10443,15 @@
               <a:defRPr/>
             </a:pPr>
             <a:r>
-              <a:rPr lang="ko-KR" altLang="en-US" sz="1600" dirty="0">
-                <a:solidFill>
-                  <a:schemeClr val="tx1"/>
-                </a:solidFill>
-                <a:latin typeface="맑은 고딕" panose="020B0503020000020004" pitchFamily="50" charset="-127"/>
-                <a:ea typeface="맑은 고딕" panose="020B0503020000020004" pitchFamily="50" charset="-127"/>
-                <a:cs typeface="Segoe UI" panose="020B0502040204020203" pitchFamily="34" charset="0"/>
-              </a:rPr>
-              <a:t>소프트웨어 라이선스 관리 </a:t>
+              <a:rPr lang="ko-KR" altLang="en-US" sz="1600" b="1" dirty="0">
+                <a:solidFill>
+                  <a:schemeClr val="tx1"/>
+                </a:solidFill>
+                <a:latin typeface="맑은 고딕" panose="020B0503020000020004" pitchFamily="50" charset="-127"/>
+                <a:ea typeface="맑은 고딕" panose="020B0503020000020004" pitchFamily="50" charset="-127"/>
+                <a:cs typeface="Segoe UI" panose="020B0502040204020203" pitchFamily="34" charset="0"/>
+              </a:rPr>
+              <a:t>승인 정책 </a:t>
             </a:r>
             <a:r>
               <a:rPr lang="en-US" altLang="ko-KR" sz="1600" dirty="0">
@@ -10172,19 +10462,92 @@
                 <a:ea typeface="맑은 고딕" panose="020B0503020000020004" pitchFamily="50" charset="-127"/>
                 <a:cs typeface="Segoe UI" panose="020B0502040204020203" pitchFamily="34" charset="0"/>
               </a:rPr>
-              <a:t>– </a:t>
-            </a:r>
-            <a:r>
-              <a:rPr lang="ko-KR" altLang="en-US" sz="1600" dirty="0">
-                <a:solidFill>
-                  <a:schemeClr val="tx1"/>
-                </a:solidFill>
-                <a:latin typeface="맑은 고딕" panose="020B0503020000020004" pitchFamily="50" charset="-127"/>
-                <a:ea typeface="맑은 고딕" panose="020B0503020000020004" pitchFamily="50" charset="-127"/>
-                <a:cs typeface="Segoe UI" panose="020B0502040204020203" pitchFamily="34" charset="0"/>
-              </a:rPr>
-              <a:t>사내에서 사용중인 소프트웨어의 설치 수량 확인 및 라이선스 관리 설정 기능</a:t>
-            </a:r>
+              <a:t>: </a:t>
+            </a:r>
+            <a:r>
+              <a:rPr lang="ko-KR" altLang="en-US" sz="1600" dirty="0">
+                <a:solidFill>
+                  <a:schemeClr val="tx1"/>
+                </a:solidFill>
+                <a:latin typeface="맑은 고딕" panose="020B0503020000020004" pitchFamily="50" charset="-127"/>
+                <a:ea typeface="맑은 고딕" panose="020B0503020000020004" pitchFamily="50" charset="-127"/>
+                <a:cs typeface="Segoe UI" panose="020B0502040204020203" pitchFamily="34" charset="0"/>
+              </a:rPr>
+              <a:t>출력물에 대한 승인기능과 알림을 메일로 수신하거나 완료 메시지의 대상자를 정할 수 있는 기능이 있다</a:t>
+            </a:r>
+            <a:r>
+              <a:rPr lang="en-US" altLang="ko-KR" sz="1600" dirty="0">
+                <a:solidFill>
+                  <a:schemeClr val="tx1"/>
+                </a:solidFill>
+                <a:latin typeface="맑은 고딕" panose="020B0503020000020004" pitchFamily="50" charset="-127"/>
+                <a:ea typeface="맑은 고딕" panose="020B0503020000020004" pitchFamily="50" charset="-127"/>
+                <a:cs typeface="Segoe UI" panose="020B0502040204020203" pitchFamily="34" charset="0"/>
+              </a:rPr>
+              <a:t>.</a:t>
+            </a:r>
+          </a:p>
+          <a:p>
+            <a:pPr marL="0" lvl="0" indent="0" rtl="0">
+              <a:spcAft>
+                <a:spcPts val="600"/>
+              </a:spcAft>
+              <a:buNone/>
+              <a:defRPr/>
+            </a:pPr>
+            <a:r>
+              <a:rPr lang="ko-KR" altLang="en-US" sz="1600" b="1" dirty="0">
+                <a:solidFill>
+                  <a:schemeClr val="tx1"/>
+                </a:solidFill>
+                <a:latin typeface="맑은 고딕" panose="020B0503020000020004" pitchFamily="50" charset="-127"/>
+                <a:ea typeface="맑은 고딕" panose="020B0503020000020004" pitchFamily="50" charset="-127"/>
+                <a:cs typeface="Segoe UI" panose="020B0502040204020203" pitchFamily="34" charset="0"/>
+              </a:rPr>
+              <a:t>저장 정책 </a:t>
+            </a:r>
+            <a:r>
+              <a:rPr lang="en-US" altLang="ko-KR" sz="1600" dirty="0">
+                <a:solidFill>
+                  <a:schemeClr val="tx1"/>
+                </a:solidFill>
+                <a:latin typeface="맑은 고딕" panose="020B0503020000020004" pitchFamily="50" charset="-127"/>
+                <a:ea typeface="맑은 고딕" panose="020B0503020000020004" pitchFamily="50" charset="-127"/>
+                <a:cs typeface="Segoe UI" panose="020B0502040204020203" pitchFamily="34" charset="0"/>
+              </a:rPr>
+              <a:t>: </a:t>
+            </a:r>
+            <a:r>
+              <a:rPr lang="ko-KR" altLang="en-US" sz="1600" dirty="0">
+                <a:solidFill>
+                  <a:schemeClr val="tx1"/>
+                </a:solidFill>
+                <a:latin typeface="맑은 고딕" panose="020B0503020000020004" pitchFamily="50" charset="-127"/>
+                <a:ea typeface="맑은 고딕" panose="020B0503020000020004" pitchFamily="50" charset="-127"/>
+                <a:cs typeface="Segoe UI" panose="020B0502040204020203" pitchFamily="34" charset="0"/>
+              </a:rPr>
+              <a:t>출력물의 이미지나 페이지를 백업하는 기능이 있다</a:t>
+            </a:r>
+            <a:r>
+              <a:rPr lang="en-US" altLang="ko-KR" sz="1600" dirty="0">
+                <a:solidFill>
+                  <a:schemeClr val="tx1"/>
+                </a:solidFill>
+                <a:latin typeface="맑은 고딕" panose="020B0503020000020004" pitchFamily="50" charset="-127"/>
+                <a:ea typeface="맑은 고딕" panose="020B0503020000020004" pitchFamily="50" charset="-127"/>
+                <a:cs typeface="Segoe UI" panose="020B0502040204020203" pitchFamily="34" charset="0"/>
+              </a:rPr>
+              <a:t>.</a:t>
+            </a:r>
+          </a:p>
+          <a:p>
+            <a:pPr marL="0" lvl="0" indent="0" rtl="0">
+              <a:spcAft>
+                <a:spcPts val="600"/>
+              </a:spcAft>
+              <a:buNone/>
+              <a:defRPr/>
+            </a:pPr>
             <a:endParaRPr lang="en-US" altLang="ko-KR" sz="1600" dirty="0">
               <a:solidFill>
                 <a:schemeClr val="tx1"/>
@@ -10202,94 +10565,6 @@
               <a:buNone/>
               <a:defRPr/>
             </a:pPr>
-            <a:r>
-              <a:rPr lang="en-US" altLang="ko-KR" sz="1600" dirty="0">
-                <a:solidFill>
-                  <a:schemeClr val="tx1"/>
-                </a:solidFill>
-                <a:latin typeface="맑은 고딕" panose="020B0503020000020004" pitchFamily="50" charset="-127"/>
-                <a:ea typeface="맑은 고딕" panose="020B0503020000020004" pitchFamily="50" charset="-127"/>
-                <a:cs typeface="Segoe UI" panose="020B0502040204020203" pitchFamily="34" charset="0"/>
-              </a:rPr>
-              <a:t>PC </a:t>
-            </a:r>
-            <a:r>
-              <a:rPr lang="ko-KR" altLang="en-US" sz="1600" dirty="0">
-                <a:solidFill>
-                  <a:schemeClr val="tx1"/>
-                </a:solidFill>
-                <a:latin typeface="맑은 고딕" panose="020B0503020000020004" pitchFamily="50" charset="-127"/>
-                <a:ea typeface="맑은 고딕" panose="020B0503020000020004" pitchFamily="50" charset="-127"/>
-                <a:cs typeface="Segoe UI" panose="020B0502040204020203" pitchFamily="34" charset="0"/>
-              </a:rPr>
-              <a:t>반출정책 </a:t>
-            </a:r>
-            <a:r>
-              <a:rPr lang="en-US" altLang="ko-KR" sz="1600" dirty="0">
-                <a:solidFill>
-                  <a:schemeClr val="tx1"/>
-                </a:solidFill>
-                <a:latin typeface="맑은 고딕" panose="020B0503020000020004" pitchFamily="50" charset="-127"/>
-                <a:ea typeface="맑은 고딕" panose="020B0503020000020004" pitchFamily="50" charset="-127"/>
-                <a:cs typeface="Segoe UI" panose="020B0502040204020203" pitchFamily="34" charset="0"/>
-              </a:rPr>
-              <a:t>– </a:t>
-            </a:r>
-            <a:r>
-              <a:rPr lang="ko-KR" altLang="en-US" sz="1600" dirty="0">
-                <a:solidFill>
-                  <a:schemeClr val="tx1"/>
-                </a:solidFill>
-                <a:latin typeface="맑은 고딕" panose="020B0503020000020004" pitchFamily="50" charset="-127"/>
-                <a:ea typeface="맑은 고딕" panose="020B0503020000020004" pitchFamily="50" charset="-127"/>
-                <a:cs typeface="Segoe UI" panose="020B0502040204020203" pitchFamily="34" charset="0"/>
-              </a:rPr>
-              <a:t>반출하는 </a:t>
-            </a:r>
-            <a:r>
-              <a:rPr lang="en-US" altLang="ko-KR" sz="1600" dirty="0">
-                <a:solidFill>
-                  <a:schemeClr val="tx1"/>
-                </a:solidFill>
-                <a:latin typeface="맑은 고딕" panose="020B0503020000020004" pitchFamily="50" charset="-127"/>
-                <a:ea typeface="맑은 고딕" panose="020B0503020000020004" pitchFamily="50" charset="-127"/>
-                <a:cs typeface="Segoe UI" panose="020B0502040204020203" pitchFamily="34" charset="0"/>
-              </a:rPr>
-              <a:t>PC</a:t>
-            </a:r>
-            <a:r>
-              <a:rPr lang="ko-KR" altLang="en-US" sz="1600" dirty="0">
-                <a:solidFill>
-                  <a:schemeClr val="tx1"/>
-                </a:solidFill>
-                <a:latin typeface="맑은 고딕" panose="020B0503020000020004" pitchFamily="50" charset="-127"/>
-                <a:ea typeface="맑은 고딕" panose="020B0503020000020004" pitchFamily="50" charset="-127"/>
-                <a:cs typeface="Segoe UI" panose="020B0502040204020203" pitchFamily="34" charset="0"/>
-              </a:rPr>
-              <a:t>의 위치와 </a:t>
-            </a:r>
-            <a:r>
-              <a:rPr lang="en-US" altLang="ko-KR" sz="1600" dirty="0">
-                <a:solidFill>
-                  <a:schemeClr val="tx1"/>
-                </a:solidFill>
-                <a:latin typeface="맑은 고딕" panose="020B0503020000020004" pitchFamily="50" charset="-127"/>
-                <a:ea typeface="맑은 고딕" panose="020B0503020000020004" pitchFamily="50" charset="-127"/>
-                <a:cs typeface="Segoe UI" panose="020B0502040204020203" pitchFamily="34" charset="0"/>
-              </a:rPr>
-              <a:t>IP</a:t>
-            </a:r>
-            <a:r>
-              <a:rPr lang="ko-KR" altLang="en-US" sz="1600" dirty="0">
-                <a:solidFill>
-                  <a:schemeClr val="tx1"/>
-                </a:solidFill>
-                <a:latin typeface="맑은 고딕" panose="020B0503020000020004" pitchFamily="50" charset="-127"/>
-                <a:ea typeface="맑은 고딕" panose="020B0503020000020004" pitchFamily="50" charset="-127"/>
-                <a:cs typeface="Segoe UI" panose="020B0502040204020203" pitchFamily="34" charset="0"/>
-              </a:rPr>
-              <a:t>기록</a:t>
-            </a:r>
             <a:endParaRPr lang="en-US" altLang="ko-KR" sz="1600" dirty="0">
               <a:solidFill>
                 <a:schemeClr val="tx1"/>
@@ -10307,72 +10582,6 @@
               <a:buNone/>
               <a:defRPr/>
             </a:pPr>
-            <a:r>
-              <a:rPr lang="en-US" altLang="ko-KR" sz="1600" dirty="0">
-                <a:solidFill>
-                  <a:schemeClr val="tx1"/>
-                </a:solidFill>
-                <a:latin typeface="맑은 고딕" panose="020B0503020000020004" pitchFamily="50" charset="-127"/>
-                <a:ea typeface="맑은 고딕" panose="020B0503020000020004" pitchFamily="50" charset="-127"/>
-                <a:cs typeface="Segoe UI" panose="020B0502040204020203" pitchFamily="34" charset="0"/>
-              </a:rPr>
-              <a:t>PC </a:t>
-            </a:r>
-            <a:r>
-              <a:rPr lang="ko-KR" altLang="en-US" sz="1600" dirty="0">
-                <a:solidFill>
-                  <a:schemeClr val="tx1"/>
-                </a:solidFill>
-                <a:latin typeface="맑은 고딕" panose="020B0503020000020004" pitchFamily="50" charset="-127"/>
-                <a:ea typeface="맑은 고딕" panose="020B0503020000020004" pitchFamily="50" charset="-127"/>
-                <a:cs typeface="Segoe UI" panose="020B0502040204020203" pitchFamily="34" charset="0"/>
-              </a:rPr>
-              <a:t>절전정책 </a:t>
-            </a:r>
-            <a:r>
-              <a:rPr lang="en-US" altLang="ko-KR" sz="1600" dirty="0">
-                <a:solidFill>
-                  <a:schemeClr val="tx1"/>
-                </a:solidFill>
-                <a:latin typeface="맑은 고딕" panose="020B0503020000020004" pitchFamily="50" charset="-127"/>
-                <a:ea typeface="맑은 고딕" panose="020B0503020000020004" pitchFamily="50" charset="-127"/>
-                <a:cs typeface="Segoe UI" panose="020B0502040204020203" pitchFamily="34" charset="0"/>
-              </a:rPr>
-              <a:t>– </a:t>
-            </a:r>
-            <a:r>
-              <a:rPr lang="ko-KR" altLang="en-US" sz="1600" dirty="0">
-                <a:solidFill>
-                  <a:schemeClr val="tx1"/>
-                </a:solidFill>
-                <a:latin typeface="맑은 고딕" panose="020B0503020000020004" pitchFamily="50" charset="-127"/>
-                <a:ea typeface="맑은 고딕" panose="020B0503020000020004" pitchFamily="50" charset="-127"/>
-                <a:cs typeface="Segoe UI" panose="020B0502040204020203" pitchFamily="34" charset="0"/>
-              </a:rPr>
-              <a:t>기준시간동안 입력이 없으면 자동으로 </a:t>
-            </a:r>
-            <a:r>
-              <a:rPr lang="en-US" altLang="ko-KR" sz="1600" dirty="0">
-                <a:solidFill>
-                  <a:schemeClr val="tx1"/>
-                </a:solidFill>
-                <a:latin typeface="맑은 고딕" panose="020B0503020000020004" pitchFamily="50" charset="-127"/>
-                <a:ea typeface="맑은 고딕" panose="020B0503020000020004" pitchFamily="50" charset="-127"/>
-                <a:cs typeface="Segoe UI" panose="020B0502040204020203" pitchFamily="34" charset="0"/>
-              </a:rPr>
-              <a:t>pc , </a:t>
-            </a:r>
-            <a:r>
-              <a:rPr lang="ko-KR" altLang="en-US" sz="1600" dirty="0">
-                <a:solidFill>
-                  <a:schemeClr val="tx1"/>
-                </a:solidFill>
-                <a:latin typeface="맑은 고딕" panose="020B0503020000020004" pitchFamily="50" charset="-127"/>
-                <a:ea typeface="맑은 고딕" panose="020B0503020000020004" pitchFamily="50" charset="-127"/>
-                <a:cs typeface="Segoe UI" panose="020B0502040204020203" pitchFamily="34" charset="0"/>
-              </a:rPr>
-              <a:t>모니터를 절전모드로 들어가게 하는 기능</a:t>
-            </a:r>
             <a:endParaRPr lang="en-US" altLang="ko-KR" sz="1600" dirty="0">
               <a:solidFill>
                 <a:schemeClr val="tx1"/>
@@ -10390,78 +10599,6 @@
               <a:buNone/>
               <a:defRPr/>
             </a:pPr>
-            <a:r>
-              <a:rPr lang="en-US" altLang="ko-KR" sz="1600" b="1" dirty="0">
-                <a:solidFill>
-                  <a:schemeClr val="tx1"/>
-                </a:solidFill>
-                <a:latin typeface="맑은 고딕" panose="020B0503020000020004" pitchFamily="50" charset="-127"/>
-                <a:ea typeface="맑은 고딕" panose="020B0503020000020004" pitchFamily="50" charset="-127"/>
-                <a:cs typeface="Segoe UI" panose="020B0502040204020203" pitchFamily="34" charset="0"/>
-              </a:rPr>
-              <a:t>PC </a:t>
-            </a:r>
-            <a:r>
-              <a:rPr lang="ko-KR" altLang="en-US" sz="1600" b="1" dirty="0">
-                <a:solidFill>
-                  <a:schemeClr val="tx1"/>
-                </a:solidFill>
-                <a:latin typeface="맑은 고딕" panose="020B0503020000020004" pitchFamily="50" charset="-127"/>
-                <a:ea typeface="맑은 고딕" panose="020B0503020000020004" pitchFamily="50" charset="-127"/>
-                <a:cs typeface="Segoe UI" panose="020B0502040204020203" pitchFamily="34" charset="0"/>
-              </a:rPr>
-              <a:t>사용통계 관리</a:t>
-            </a:r>
-            <a:endParaRPr lang="en-US" altLang="ko-KR" sz="1600" b="1" dirty="0">
-              <a:solidFill>
-                <a:schemeClr val="tx1"/>
-              </a:solidFill>
-              <a:latin typeface="맑은 고딕" panose="020B0503020000020004" pitchFamily="50" charset="-127"/>
-              <a:ea typeface="맑은 고딕" panose="020B0503020000020004" pitchFamily="50" charset="-127"/>
-              <a:cs typeface="Segoe UI" panose="020B0502040204020203" pitchFamily="34" charset="0"/>
-            </a:endParaRPr>
-          </a:p>
-          <a:p>
-            <a:pPr marL="0" lvl="0" indent="0" rtl="0">
-              <a:spcAft>
-                <a:spcPts val="600"/>
-              </a:spcAft>
-              <a:buNone/>
-              <a:defRPr/>
-            </a:pPr>
-            <a:r>
-              <a:rPr lang="ko-KR" altLang="en-US" sz="1600" dirty="0">
-                <a:solidFill>
-                  <a:schemeClr val="tx1"/>
-                </a:solidFill>
-                <a:latin typeface="맑은 고딕" panose="020B0503020000020004" pitchFamily="50" charset="-127"/>
-                <a:ea typeface="맑은 고딕" panose="020B0503020000020004" pitchFamily="50" charset="-127"/>
-                <a:cs typeface="Segoe UI" panose="020B0502040204020203" pitchFamily="34" charset="0"/>
-              </a:rPr>
-              <a:t>웹사이트 접속내역 수집정책 </a:t>
-            </a:r>
-            <a:r>
-              <a:rPr lang="en-US" altLang="ko-KR" sz="1600" dirty="0">
-                <a:solidFill>
-                  <a:schemeClr val="tx1"/>
-                </a:solidFill>
-                <a:latin typeface="맑은 고딕" panose="020B0503020000020004" pitchFamily="50" charset="-127"/>
-                <a:ea typeface="맑은 고딕" panose="020B0503020000020004" pitchFamily="50" charset="-127"/>
-                <a:cs typeface="Segoe UI" panose="020B0502040204020203" pitchFamily="34" charset="0"/>
-              </a:rPr>
-              <a:t>– </a:t>
-            </a:r>
-            <a:r>
-              <a:rPr lang="ko-KR" altLang="en-US" sz="1600" dirty="0">
-                <a:solidFill>
-                  <a:schemeClr val="tx1"/>
-                </a:solidFill>
-                <a:latin typeface="맑은 고딕" panose="020B0503020000020004" pitchFamily="50" charset="-127"/>
-                <a:ea typeface="맑은 고딕" panose="020B0503020000020004" pitchFamily="50" charset="-127"/>
-                <a:cs typeface="Segoe UI" panose="020B0502040204020203" pitchFamily="34" charset="0"/>
-              </a:rPr>
-              <a:t>웹사이트 접속내역을 수집하는 기능</a:t>
-            </a:r>
             <a:endParaRPr lang="en-US" altLang="ko-KR" sz="1600" dirty="0">
               <a:solidFill>
                 <a:schemeClr val="tx1"/>
@@ -10479,39 +10616,6 @@
               <a:buNone/>
               <a:defRPr/>
             </a:pPr>
-            <a:r>
-              <a:rPr lang="ko-KR" altLang="en-US" sz="1600" dirty="0">
-                <a:solidFill>
-                  <a:schemeClr val="tx1"/>
-                </a:solidFill>
-                <a:latin typeface="맑은 고딕" panose="020B0503020000020004" pitchFamily="50" charset="-127"/>
-                <a:ea typeface="맑은 고딕" panose="020B0503020000020004" pitchFamily="50" charset="-127"/>
-                <a:cs typeface="Segoe UI" panose="020B0502040204020203" pitchFamily="34" charset="0"/>
-              </a:rPr>
-              <a:t>소프트웨어 실행내역 수집정책 </a:t>
-            </a:r>
-            <a:r>
-              <a:rPr lang="en-US" altLang="ko-KR" sz="1600" dirty="0">
-                <a:solidFill>
-                  <a:schemeClr val="tx1"/>
-                </a:solidFill>
-                <a:latin typeface="맑은 고딕" panose="020B0503020000020004" pitchFamily="50" charset="-127"/>
-                <a:ea typeface="맑은 고딕" panose="020B0503020000020004" pitchFamily="50" charset="-127"/>
-                <a:cs typeface="Segoe UI" panose="020B0502040204020203" pitchFamily="34" charset="0"/>
-              </a:rPr>
-              <a:t>– </a:t>
-            </a:r>
-            <a:r>
-              <a:rPr lang="ko-KR" altLang="en-US" sz="1600" dirty="0">
-                <a:solidFill>
-                  <a:schemeClr val="tx1"/>
-                </a:solidFill>
-                <a:latin typeface="맑은 고딕" panose="020B0503020000020004" pitchFamily="50" charset="-127"/>
-                <a:ea typeface="맑은 고딕" panose="020B0503020000020004" pitchFamily="50" charset="-127"/>
-                <a:cs typeface="Segoe UI" panose="020B0502040204020203" pitchFamily="34" charset="0"/>
-              </a:rPr>
-              <a:t>소프트웨어 실행내역을 수집하는 기능</a:t>
-            </a:r>
             <a:endParaRPr lang="en-US" altLang="ko-KR" sz="1600" dirty="0">
               <a:solidFill>
                 <a:schemeClr val="tx1"/>
@@ -10529,72 +10633,6 @@
               <a:buNone/>
               <a:defRPr/>
             </a:pPr>
-            <a:r>
-              <a:rPr lang="en-US" altLang="ko-KR" sz="1600" dirty="0">
-                <a:solidFill>
-                  <a:schemeClr val="tx1"/>
-                </a:solidFill>
-                <a:latin typeface="맑은 고딕" panose="020B0503020000020004" pitchFamily="50" charset="-127"/>
-                <a:ea typeface="맑은 고딕" panose="020B0503020000020004" pitchFamily="50" charset="-127"/>
-                <a:cs typeface="Segoe UI" panose="020B0502040204020203" pitchFamily="34" charset="0"/>
-              </a:rPr>
-              <a:t>PC </a:t>
-            </a:r>
-            <a:r>
-              <a:rPr lang="ko-KR" altLang="en-US" sz="1600" dirty="0">
-                <a:solidFill>
-                  <a:schemeClr val="tx1"/>
-                </a:solidFill>
-                <a:latin typeface="맑은 고딕" panose="020B0503020000020004" pitchFamily="50" charset="-127"/>
-                <a:ea typeface="맑은 고딕" panose="020B0503020000020004" pitchFamily="50" charset="-127"/>
-                <a:cs typeface="Segoe UI" panose="020B0502040204020203" pitchFamily="34" charset="0"/>
-              </a:rPr>
-              <a:t>활용내역 수집정책 </a:t>
-            </a:r>
-            <a:r>
-              <a:rPr lang="en-US" altLang="ko-KR" sz="1600" dirty="0">
-                <a:solidFill>
-                  <a:schemeClr val="tx1"/>
-                </a:solidFill>
-                <a:latin typeface="맑은 고딕" panose="020B0503020000020004" pitchFamily="50" charset="-127"/>
-                <a:ea typeface="맑은 고딕" panose="020B0503020000020004" pitchFamily="50" charset="-127"/>
-                <a:cs typeface="Segoe UI" panose="020B0502040204020203" pitchFamily="34" charset="0"/>
-              </a:rPr>
-              <a:t>– PC</a:t>
-            </a:r>
-            <a:r>
-              <a:rPr lang="ko-KR" altLang="en-US" sz="1600" dirty="0">
-                <a:solidFill>
-                  <a:schemeClr val="tx1"/>
-                </a:solidFill>
-                <a:latin typeface="맑은 고딕" panose="020B0503020000020004" pitchFamily="50" charset="-127"/>
-                <a:ea typeface="맑은 고딕" panose="020B0503020000020004" pitchFamily="50" charset="-127"/>
-                <a:cs typeface="Segoe UI" panose="020B0502040204020203" pitchFamily="34" charset="0"/>
-              </a:rPr>
-              <a:t>의 활용 시간과 </a:t>
-            </a:r>
-            <a:r>
-              <a:rPr lang="ko-KR" altLang="en-US" sz="1600" dirty="0" err="1">
-                <a:solidFill>
-                  <a:schemeClr val="tx1"/>
-                </a:solidFill>
-                <a:latin typeface="맑은 고딕" panose="020B0503020000020004" pitchFamily="50" charset="-127"/>
-                <a:ea typeface="맑은 고딕" panose="020B0503020000020004" pitchFamily="50" charset="-127"/>
-                <a:cs typeface="Segoe UI" panose="020B0502040204020203" pitchFamily="34" charset="0"/>
-              </a:rPr>
-              <a:t>비활용</a:t>
-            </a:r>
-            <a:r>
-              <a:rPr lang="ko-KR" altLang="en-US" sz="1600" dirty="0">
-                <a:solidFill>
-                  <a:schemeClr val="tx1"/>
-                </a:solidFill>
-                <a:latin typeface="맑은 고딕" panose="020B0503020000020004" pitchFamily="50" charset="-127"/>
-                <a:ea typeface="맑은 고딕" panose="020B0503020000020004" pitchFamily="50" charset="-127"/>
-                <a:cs typeface="Segoe UI" panose="020B0502040204020203" pitchFamily="34" charset="0"/>
-              </a:rPr>
-              <a:t> 시간을 기록하는 기능</a:t>
-            </a:r>
             <a:endParaRPr lang="en-US" altLang="ko-KR" sz="1600" dirty="0">
               <a:solidFill>
                 <a:schemeClr val="tx1"/>
@@ -10613,65 +10651,37 @@
               <a:defRPr/>
             </a:pPr>
             <a:r>
-              <a:rPr lang="ko-KR" altLang="en-US" sz="1600" b="1" dirty="0">
-                <a:solidFill>
-                  <a:schemeClr val="tx1"/>
-                </a:solidFill>
-                <a:latin typeface="맑은 고딕" panose="020B0503020000020004" pitchFamily="50" charset="-127"/>
-                <a:ea typeface="맑은 고딕" panose="020B0503020000020004" pitchFamily="50" charset="-127"/>
-                <a:cs typeface="Segoe UI" panose="020B0502040204020203" pitchFamily="34" charset="0"/>
-              </a:rPr>
-              <a:t>인재관리</a:t>
-            </a:r>
-            <a:endParaRPr lang="en-US" altLang="ko-KR" sz="1600" b="1" dirty="0">
-              <a:solidFill>
-                <a:schemeClr val="tx1"/>
-              </a:solidFill>
-              <a:latin typeface="맑은 고딕" panose="020B0503020000020004" pitchFamily="50" charset="-127"/>
-              <a:ea typeface="맑은 고딕" panose="020B0503020000020004" pitchFamily="50" charset="-127"/>
-              <a:cs typeface="Segoe UI" panose="020B0502040204020203" pitchFamily="34" charset="0"/>
-            </a:endParaRPr>
-          </a:p>
-          <a:p>
-            <a:pPr marL="0" lvl="0" indent="0" rtl="0">
-              <a:spcAft>
-                <a:spcPts val="600"/>
-              </a:spcAft>
-              <a:buNone/>
-              <a:defRPr/>
-            </a:pPr>
-            <a:r>
-              <a:rPr lang="ko-KR" altLang="en-US" sz="1600" dirty="0">
-                <a:solidFill>
-                  <a:schemeClr val="tx1"/>
-                </a:solidFill>
-                <a:latin typeface="맑은 고딕" panose="020B0503020000020004" pitchFamily="50" charset="-127"/>
-                <a:ea typeface="맑은 고딕" panose="020B0503020000020004" pitchFamily="50" charset="-127"/>
-                <a:cs typeface="Segoe UI" panose="020B0502040204020203" pitchFamily="34" charset="0"/>
-              </a:rPr>
-              <a:t>취업사이트 접속내역 수집정책 </a:t>
-            </a:r>
-            <a:r>
-              <a:rPr lang="en-US" altLang="ko-KR" sz="1600" dirty="0">
-                <a:solidFill>
-                  <a:schemeClr val="tx1"/>
-                </a:solidFill>
-                <a:latin typeface="맑은 고딕" panose="020B0503020000020004" pitchFamily="50" charset="-127"/>
-                <a:ea typeface="맑은 고딕" panose="020B0503020000020004" pitchFamily="50" charset="-127"/>
-                <a:cs typeface="Segoe UI" panose="020B0502040204020203" pitchFamily="34" charset="0"/>
-              </a:rPr>
-              <a:t>– </a:t>
-            </a:r>
-            <a:r>
-              <a:rPr lang="ko-KR" altLang="en-US" sz="1600" dirty="0">
-                <a:solidFill>
-                  <a:schemeClr val="tx1"/>
-                </a:solidFill>
-                <a:latin typeface="맑은 고딕" panose="020B0503020000020004" pitchFamily="50" charset="-127"/>
-                <a:ea typeface="맑은 고딕" panose="020B0503020000020004" pitchFamily="50" charset="-127"/>
-                <a:cs typeface="Segoe UI" panose="020B0502040204020203" pitchFamily="34" charset="0"/>
-              </a:rPr>
-              <a:t>취업사이트 내역을 수집하는 기능</a:t>
+              <a:rPr lang="ko-KR" altLang="en-US" sz="1600" dirty="0">
+                <a:solidFill>
+                  <a:schemeClr val="tx1"/>
+                </a:solidFill>
+                <a:latin typeface="맑은 고딕" panose="020B0503020000020004" pitchFamily="50" charset="-127"/>
+                <a:ea typeface="맑은 고딕" panose="020B0503020000020004" pitchFamily="50" charset="-127"/>
+                <a:cs typeface="Segoe UI" panose="020B0502040204020203" pitchFamily="34" charset="0"/>
+              </a:rPr>
+              <a:t>연결된 프린터 신호 </a:t>
+            </a:r>
+            <a:r>
+              <a:rPr lang="ko-KR" altLang="en-US" sz="1600" dirty="0" err="1">
+                <a:solidFill>
+                  <a:schemeClr val="tx1"/>
+                </a:solidFill>
+                <a:latin typeface="맑은 고딕" panose="020B0503020000020004" pitchFamily="50" charset="-127"/>
+                <a:ea typeface="맑은 고딕" panose="020B0503020000020004" pitchFamily="50" charset="-127"/>
+                <a:cs typeface="Segoe UI" panose="020B0502040204020203" pitchFamily="34" charset="0"/>
+              </a:rPr>
+              <a:t>후킹을</a:t>
+            </a:r>
+            <a:r>
+              <a:rPr lang="ko-KR" altLang="en-US" sz="1600" dirty="0">
+                <a:solidFill>
+                  <a:schemeClr val="tx1"/>
+                </a:solidFill>
+                <a:latin typeface="맑은 고딕" panose="020B0503020000020004" pitchFamily="50" charset="-127"/>
+                <a:ea typeface="맑은 고딕" panose="020B0503020000020004" pitchFamily="50" charset="-127"/>
+                <a:cs typeface="Segoe UI" panose="020B0502040204020203" pitchFamily="34" charset="0"/>
+              </a:rPr>
+              <a:t> 통해 출력에 대한 부분을 차단하거나 중간에 드로우 함수를 추가해 워터마크를 출력</a:t>
             </a:r>
             <a:endParaRPr lang="en-US" altLang="ko-KR" sz="1600" dirty="0">
               <a:solidFill>
@@ -10690,61 +10700,6 @@
               <a:buNone/>
               <a:defRPr/>
             </a:pPr>
-            <a:r>
-              <a:rPr lang="ko-KR" altLang="en-US" sz="1600" dirty="0">
-                <a:solidFill>
-                  <a:schemeClr val="tx1"/>
-                </a:solidFill>
-                <a:latin typeface="맑은 고딕" panose="020B0503020000020004" pitchFamily="50" charset="-127"/>
-                <a:ea typeface="맑은 고딕" panose="020B0503020000020004" pitchFamily="50" charset="-127"/>
-                <a:cs typeface="Segoe UI" panose="020B0502040204020203" pitchFamily="34" charset="0"/>
-              </a:rPr>
-              <a:t>웹 검색 </a:t>
-            </a:r>
-            <a:r>
-              <a:rPr lang="en-US" altLang="ko-KR" sz="1600" dirty="0">
-                <a:solidFill>
-                  <a:schemeClr val="tx1"/>
-                </a:solidFill>
-                <a:latin typeface="맑은 고딕" panose="020B0503020000020004" pitchFamily="50" charset="-127"/>
-                <a:ea typeface="맑은 고딕" panose="020B0503020000020004" pitchFamily="50" charset="-127"/>
-                <a:cs typeface="Segoe UI" panose="020B0502040204020203" pitchFamily="34" charset="0"/>
-              </a:rPr>
-              <a:t>, </a:t>
-            </a:r>
-            <a:r>
-              <a:rPr lang="ko-KR" altLang="en-US" sz="1600" dirty="0">
-                <a:solidFill>
-                  <a:schemeClr val="tx1"/>
-                </a:solidFill>
-                <a:latin typeface="맑은 고딕" panose="020B0503020000020004" pitchFamily="50" charset="-127"/>
-                <a:ea typeface="맑은 고딕" panose="020B0503020000020004" pitchFamily="50" charset="-127"/>
-                <a:cs typeface="Segoe UI" panose="020B0502040204020203" pitchFamily="34" charset="0"/>
-              </a:rPr>
-              <a:t>문서 활용 내역 수집정책 </a:t>
-            </a:r>
-            <a:r>
-              <a:rPr lang="en-US" altLang="ko-KR" sz="1600" dirty="0">
-                <a:solidFill>
-                  <a:schemeClr val="tx1"/>
-                </a:solidFill>
-                <a:latin typeface="맑은 고딕" panose="020B0503020000020004" pitchFamily="50" charset="-127"/>
-                <a:ea typeface="맑은 고딕" panose="020B0503020000020004" pitchFamily="50" charset="-127"/>
-                <a:cs typeface="Segoe UI" panose="020B0502040204020203" pitchFamily="34" charset="0"/>
-              </a:rPr>
-              <a:t>– </a:t>
-            </a:r>
-            <a:r>
-              <a:rPr lang="ko-KR" altLang="en-US" sz="1600" dirty="0">
-                <a:solidFill>
-                  <a:schemeClr val="tx1"/>
-                </a:solidFill>
-                <a:latin typeface="맑은 고딕" panose="020B0503020000020004" pitchFamily="50" charset="-127"/>
-                <a:ea typeface="맑은 고딕" panose="020B0503020000020004" pitchFamily="50" charset="-127"/>
-                <a:cs typeface="Segoe UI" panose="020B0502040204020203" pitchFamily="34" charset="0"/>
-              </a:rPr>
-              <a:t>웹이나 문서에서 취업에 대한 내용들을 금칙어로 설정하는 기능</a:t>
-            </a:r>
             <a:endParaRPr lang="en-US" altLang="ko-KR" sz="1600" dirty="0">
               <a:solidFill>
                 <a:schemeClr val="tx1"/>
@@ -10754,12 +10709,59 @@
               <a:cs typeface="Segoe UI" panose="020B0502040204020203" pitchFamily="34" charset="0"/>
             </a:endParaRPr>
           </a:p>
+          <a:p>
+            <a:pPr marL="0" lvl="0" indent="0" rtl="0">
+              <a:spcAft>
+                <a:spcPts val="600"/>
+              </a:spcAft>
+              <a:buNone/>
+              <a:defRPr/>
+            </a:pPr>
+            <a:endParaRPr lang="en-US" altLang="ko-KR" sz="1600" dirty="0">
+              <a:solidFill>
+                <a:schemeClr val="tx1"/>
+              </a:solidFill>
+              <a:latin typeface="맑은 고딕" panose="020B0503020000020004" pitchFamily="50" charset="-127"/>
+              <a:ea typeface="맑은 고딕" panose="020B0503020000020004" pitchFamily="50" charset="-127"/>
+              <a:cs typeface="Segoe UI" panose="020B0502040204020203" pitchFamily="34" charset="0"/>
+            </a:endParaRPr>
+          </a:p>
         </p:txBody>
       </p:sp>
+      <p:pic>
+        <p:nvPicPr>
+          <p:cNvPr id="3" name="그림 2">
+            <a:extLst>
+              <a:ext uri="{FF2B5EF4-FFF2-40B4-BE49-F238E27FC236}">
+                <a16:creationId xmlns:a16="http://schemas.microsoft.com/office/drawing/2014/main" id="{8C85D775-81B0-444F-873E-F3BBFE8C7FDA}"/>
+              </a:ext>
+            </a:extLst>
+          </p:cNvPr>
+          <p:cNvPicPr>
+            <a:picLocks noChangeAspect="1"/>
+          </p:cNvPicPr>
+          <p:nvPr/>
+        </p:nvPicPr>
+        <p:blipFill>
+          <a:blip r:embed="rId3"/>
+          <a:stretch>
+            <a:fillRect/>
+          </a:stretch>
+        </p:blipFill>
+        <p:spPr>
+          <a:xfrm>
+            <a:off x="1844040" y="3194536"/>
+            <a:ext cx="8503919" cy="2531185"/>
+          </a:xfrm>
+          <a:prstGeom prst="rect">
+            <a:avLst/>
+          </a:prstGeom>
+        </p:spPr>
+      </p:pic>
     </p:spTree>
     <p:extLst>
       <p:ext uri="{BB962C8B-B14F-4D97-AF65-F5344CB8AC3E}">
-        <p14:creationId xmlns:p14="http://schemas.microsoft.com/office/powerpoint/2010/main" val="905989944"/>
+        <p14:creationId xmlns:p14="http://schemas.microsoft.com/office/powerpoint/2010/main" val="2944792122"/>
       </p:ext>
     </p:extLst>
   </p:cSld>
@@ -10821,23 +10823,14 @@
               <a:rPr lang="en-US" altLang="ko-KR" dirty="0">
                 <a:cs typeface="Segoe UI Light" panose="020B0502040204020203" pitchFamily="34" charset="0"/>
               </a:rPr>
-              <a:t>DLL</a:t>
+              <a:t>PC </a:t>
             </a:r>
             <a:r>
               <a:rPr lang="ko-KR" altLang="en-US" dirty="0">
                 <a:cs typeface="Segoe UI Light" panose="020B0502040204020203" pitchFamily="34" charset="0"/>
               </a:rPr>
-              <a:t> </a:t>
-            </a:r>
-            <a:r>
-              <a:rPr lang="en-US" altLang="ko-KR" dirty="0">
-                <a:cs typeface="Segoe UI Light" panose="020B0502040204020203" pitchFamily="34" charset="0"/>
-              </a:rPr>
-              <a:t>Injection</a:t>
-            </a:r>
-            <a:endParaRPr lang="ko-KR" altLang="en-US" dirty="0">
-              <a:cs typeface="Segoe UI Light" panose="020B0502040204020203" pitchFamily="34" charset="0"/>
-            </a:endParaRPr>
+              <a:t>취약점 점검</a:t>
+            </a:r>
           </a:p>
         </p:txBody>
       </p:sp>
@@ -11073,30 +11066,27 @@
                 <a:ea typeface="맑은 고딕" panose="020B0503020000020004" pitchFamily="50" charset="-127"/>
                 <a:cs typeface="Segoe UI" panose="020B0502040204020203" pitchFamily="34" charset="0"/>
               </a:rPr>
-              <a:t>DLL – </a:t>
-            </a:r>
-            <a:r>
-              <a:rPr lang="ko-KR" altLang="en-US" sz="1600" dirty="0">
-                <a:solidFill>
-                  <a:schemeClr val="tx1"/>
-                </a:solidFill>
-                <a:latin typeface="맑은 고딕" panose="020B0503020000020004" pitchFamily="50" charset="-127"/>
-                <a:ea typeface="맑은 고딕" panose="020B0503020000020004" pitchFamily="50" charset="-127"/>
-                <a:cs typeface="Segoe UI" panose="020B0502040204020203" pitchFamily="34" charset="0"/>
-              </a:rPr>
-              <a:t>실행 파일에서 해당 라이브러리의 기능을 사용 시에만 라이브러리 파일을 참조하여 기능을 호출한다</a:t>
-            </a:r>
-            <a:r>
-              <a:rPr lang="en-US" altLang="ko-KR" sz="1600" dirty="0">
-                <a:solidFill>
-                  <a:schemeClr val="tx1"/>
-                </a:solidFill>
-                <a:latin typeface="맑은 고딕" panose="020B0503020000020004" pitchFamily="50" charset="-127"/>
-                <a:ea typeface="맑은 고딕" panose="020B0503020000020004" pitchFamily="50" charset="-127"/>
-                <a:cs typeface="Segoe UI" panose="020B0502040204020203" pitchFamily="34" charset="0"/>
-              </a:rPr>
-              <a:t>.</a:t>
-            </a:r>
+              <a:t>PC</a:t>
+            </a:r>
+            <a:r>
+              <a:rPr lang="ko-KR" altLang="en-US" sz="1600" dirty="0">
+                <a:solidFill>
+                  <a:schemeClr val="tx1"/>
+                </a:solidFill>
+                <a:latin typeface="맑은 고딕" panose="020B0503020000020004" pitchFamily="50" charset="-127"/>
+                <a:ea typeface="맑은 고딕" panose="020B0503020000020004" pitchFamily="50" charset="-127"/>
+                <a:cs typeface="Segoe UI" panose="020B0502040204020203" pitchFamily="34" charset="0"/>
+              </a:rPr>
+              <a:t>의 보안정책에 대한 부분을 실시간으로 검사하는 기능</a:t>
+            </a:r>
+            <a:endParaRPr lang="en-US" altLang="ko-KR" sz="1600" dirty="0">
+              <a:solidFill>
+                <a:schemeClr val="tx1"/>
+              </a:solidFill>
+              <a:latin typeface="맑은 고딕" panose="020B0503020000020004" pitchFamily="50" charset="-127"/>
+              <a:ea typeface="맑은 고딕" panose="020B0503020000020004" pitchFamily="50" charset="-127"/>
+              <a:cs typeface="Segoe UI" panose="020B0502040204020203" pitchFamily="34" charset="0"/>
+            </a:endParaRPr>
           </a:p>
           <a:p>
             <a:pPr marL="0" lvl="0" indent="0" rtl="0">
@@ -11107,6 +11097,45 @@
               <a:defRPr/>
             </a:pPr>
             <a:r>
+              <a:rPr lang="ko-KR" altLang="en-US" sz="1600" b="1" dirty="0">
+                <a:solidFill>
+                  <a:schemeClr val="tx1"/>
+                </a:solidFill>
+                <a:latin typeface="맑은 고딕" panose="020B0503020000020004" pitchFamily="50" charset="-127"/>
+                <a:ea typeface="맑은 고딕" panose="020B0503020000020004" pitchFamily="50" charset="-127"/>
+                <a:cs typeface="Segoe UI" panose="020B0502040204020203" pitchFamily="34" charset="0"/>
+              </a:rPr>
+              <a:t>실시간 검사 및 제어 설정</a:t>
+            </a:r>
+            <a:endParaRPr lang="en-US" altLang="ko-KR" sz="1600" b="1" dirty="0">
+              <a:solidFill>
+                <a:schemeClr val="tx1"/>
+              </a:solidFill>
+              <a:latin typeface="맑은 고딕" panose="020B0503020000020004" pitchFamily="50" charset="-127"/>
+              <a:ea typeface="맑은 고딕" panose="020B0503020000020004" pitchFamily="50" charset="-127"/>
+              <a:cs typeface="Segoe UI" panose="020B0502040204020203" pitchFamily="34" charset="0"/>
+            </a:endParaRPr>
+          </a:p>
+          <a:p>
+            <a:pPr marL="0" lvl="0" indent="0" rtl="0">
+              <a:spcAft>
+                <a:spcPts val="600"/>
+              </a:spcAft>
+              <a:buNone/>
+              <a:defRPr/>
+            </a:pPr>
+            <a:r>
+              <a:rPr lang="ko-KR" altLang="en-US" sz="1600" dirty="0">
+                <a:solidFill>
+                  <a:schemeClr val="tx1"/>
+                </a:solidFill>
+                <a:latin typeface="맑은 고딕" panose="020B0503020000020004" pitchFamily="50" charset="-127"/>
+                <a:ea typeface="맑은 고딕" panose="020B0503020000020004" pitchFamily="50" charset="-127"/>
+                <a:cs typeface="Segoe UI" panose="020B0502040204020203" pitchFamily="34" charset="0"/>
+              </a:rPr>
+              <a:t>보안 업데이트 점검 </a:t>
+            </a:r>
+            <a:r>
               <a:rPr lang="en-US" altLang="ko-KR" sz="1600" dirty="0">
                 <a:solidFill>
                   <a:schemeClr val="tx1"/>
@@ -11115,18 +11144,18 @@
                 <a:ea typeface="맑은 고딕" panose="020B0503020000020004" pitchFamily="50" charset="-127"/>
                 <a:cs typeface="Segoe UI" panose="020B0502040204020203" pitchFamily="34" charset="0"/>
               </a:rPr>
-              <a:t>DLL Injection</a:t>
-            </a:r>
-            <a:r>
-              <a:rPr lang="ko-KR" altLang="en-US" sz="1600" dirty="0">
-                <a:solidFill>
-                  <a:schemeClr val="tx1"/>
-                </a:solidFill>
-                <a:latin typeface="맑은 고딕" panose="020B0503020000020004" pitchFamily="50" charset="-127"/>
-                <a:ea typeface="맑은 고딕" panose="020B0503020000020004" pitchFamily="50" charset="-127"/>
-                <a:cs typeface="Segoe UI" panose="020B0502040204020203" pitchFamily="34" charset="0"/>
-              </a:rPr>
-              <a:t>을 통해 프로세스에 </a:t>
+              <a:t>: </a:t>
+            </a:r>
+            <a:r>
+              <a:rPr lang="ko-KR" altLang="en-US" sz="1600" dirty="0">
+                <a:solidFill>
+                  <a:schemeClr val="tx1"/>
+                </a:solidFill>
+                <a:latin typeface="맑은 고딕" panose="020B0503020000020004" pitchFamily="50" charset="-127"/>
+                <a:ea typeface="맑은 고딕" panose="020B0503020000020004" pitchFamily="50" charset="-127"/>
+                <a:cs typeface="Segoe UI" panose="020B0502040204020203" pitchFamily="34" charset="0"/>
+              </a:rPr>
+              <a:t>운영체제 업데이트 상태나 백신 프로그램</a:t>
             </a:r>
             <a:r>
               <a:rPr lang="en-US" altLang="ko-KR" sz="1600" dirty="0">
@@ -11137,18 +11166,18 @@
                 <a:ea typeface="맑은 고딕" panose="020B0503020000020004" pitchFamily="50" charset="-127"/>
                 <a:cs typeface="Segoe UI" panose="020B0502040204020203" pitchFamily="34" charset="0"/>
               </a:rPr>
-              <a:t>DLL</a:t>
-            </a:r>
-            <a:r>
-              <a:rPr lang="ko-KR" altLang="en-US" sz="1600" dirty="0">
-                <a:solidFill>
-                  <a:schemeClr val="tx1"/>
-                </a:solidFill>
-                <a:latin typeface="맑은 고딕" panose="020B0503020000020004" pitchFamily="50" charset="-127"/>
-                <a:ea typeface="맑은 고딕" panose="020B0503020000020004" pitchFamily="50" charset="-127"/>
-                <a:cs typeface="Segoe UI" panose="020B0502040204020203" pitchFamily="34" charset="0"/>
-              </a:rPr>
-              <a:t>을 붙여 놓으면 그 해당 프로세스에서만 동작할 수 있게 한다</a:t>
+              <a:t>, </a:t>
+            </a:r>
+            <a:r>
+              <a:rPr lang="ko-KR" altLang="en-US" sz="1600" dirty="0">
+                <a:solidFill>
+                  <a:schemeClr val="tx1"/>
+                </a:solidFill>
+                <a:latin typeface="맑은 고딕" panose="020B0503020000020004" pitchFamily="50" charset="-127"/>
+                <a:ea typeface="맑은 고딕" panose="020B0503020000020004" pitchFamily="50" charset="-127"/>
+                <a:cs typeface="Segoe UI" panose="020B0502040204020203" pitchFamily="34" charset="0"/>
+              </a:rPr>
+              <a:t>방화벽 등을 점검한다</a:t>
             </a:r>
             <a:r>
               <a:rPr lang="en-US" altLang="ko-KR" sz="1600" dirty="0">
@@ -11161,43 +11190,416 @@
               </a:rPr>
               <a:t>.</a:t>
             </a:r>
+          </a:p>
+          <a:p>
+            <a:pPr marL="0" lvl="0" indent="0" rtl="0">
+              <a:spcAft>
+                <a:spcPts val="600"/>
+              </a:spcAft>
+              <a:buNone/>
+              <a:defRPr/>
+            </a:pPr>
+            <a:r>
+              <a:rPr lang="ko-KR" altLang="en-US" sz="1600" dirty="0">
+                <a:solidFill>
+                  <a:schemeClr val="tx1"/>
+                </a:solidFill>
+                <a:latin typeface="맑은 고딕" panose="020B0503020000020004" pitchFamily="50" charset="-127"/>
+                <a:ea typeface="맑은 고딕" panose="020B0503020000020004" pitchFamily="50" charset="-127"/>
+                <a:cs typeface="Segoe UI" panose="020B0502040204020203" pitchFamily="34" charset="0"/>
+              </a:rPr>
+              <a:t>윈도우 계정 보안 점검 </a:t>
+            </a:r>
+            <a:r>
+              <a:rPr lang="en-US" altLang="ko-KR" sz="1600" dirty="0">
+                <a:solidFill>
+                  <a:schemeClr val="tx1"/>
+                </a:solidFill>
+                <a:latin typeface="맑은 고딕" panose="020B0503020000020004" pitchFamily="50" charset="-127"/>
+                <a:ea typeface="맑은 고딕" panose="020B0503020000020004" pitchFamily="50" charset="-127"/>
+                <a:cs typeface="Segoe UI" panose="020B0502040204020203" pitchFamily="34" charset="0"/>
+              </a:rPr>
+              <a:t>: </a:t>
+            </a:r>
+            <a:r>
+              <a:rPr lang="ko-KR" altLang="en-US" sz="1600" dirty="0">
+                <a:solidFill>
+                  <a:schemeClr val="tx1"/>
+                </a:solidFill>
+                <a:latin typeface="맑은 고딕" panose="020B0503020000020004" pitchFamily="50" charset="-127"/>
+                <a:ea typeface="맑은 고딕" panose="020B0503020000020004" pitchFamily="50" charset="-127"/>
+                <a:cs typeface="Segoe UI" panose="020B0502040204020203" pitchFamily="34" charset="0"/>
+              </a:rPr>
+              <a:t>계정의 암호 안정성을 점검한다</a:t>
+            </a:r>
+            <a:r>
+              <a:rPr lang="en-US" altLang="ko-KR" sz="1600" dirty="0">
+                <a:solidFill>
+                  <a:schemeClr val="tx1"/>
+                </a:solidFill>
+                <a:latin typeface="맑은 고딕" panose="020B0503020000020004" pitchFamily="50" charset="-127"/>
+                <a:ea typeface="맑은 고딕" panose="020B0503020000020004" pitchFamily="50" charset="-127"/>
+                <a:cs typeface="Segoe UI" panose="020B0502040204020203" pitchFamily="34" charset="0"/>
+              </a:rPr>
+              <a:t>.</a:t>
+            </a:r>
+          </a:p>
+          <a:p>
+            <a:pPr marL="0" lvl="0" indent="0" rtl="0">
+              <a:spcAft>
+                <a:spcPts val="600"/>
+              </a:spcAft>
+              <a:buNone/>
+              <a:defRPr/>
+            </a:pPr>
+            <a:r>
+              <a:rPr lang="ko-KR" altLang="en-US" sz="1600" dirty="0">
+                <a:solidFill>
+                  <a:schemeClr val="tx1"/>
+                </a:solidFill>
+                <a:latin typeface="맑은 고딕" panose="020B0503020000020004" pitchFamily="50" charset="-127"/>
+                <a:ea typeface="맑은 고딕" panose="020B0503020000020004" pitchFamily="50" charset="-127"/>
+                <a:cs typeface="Segoe UI" panose="020B0502040204020203" pitchFamily="34" charset="0"/>
+              </a:rPr>
+              <a:t>화면 보호기 점검 </a:t>
+            </a:r>
+            <a:r>
+              <a:rPr lang="en-US" altLang="ko-KR" sz="1600" dirty="0">
+                <a:solidFill>
+                  <a:schemeClr val="tx1"/>
+                </a:solidFill>
+                <a:latin typeface="맑은 고딕" panose="020B0503020000020004" pitchFamily="50" charset="-127"/>
+                <a:ea typeface="맑은 고딕" panose="020B0503020000020004" pitchFamily="50" charset="-127"/>
+                <a:cs typeface="Segoe UI" panose="020B0502040204020203" pitchFamily="34" charset="0"/>
+              </a:rPr>
+              <a:t>: </a:t>
+            </a:r>
+            <a:r>
+              <a:rPr lang="ko-KR" altLang="en-US" sz="1600" dirty="0">
+                <a:solidFill>
+                  <a:schemeClr val="tx1"/>
+                </a:solidFill>
+                <a:latin typeface="맑은 고딕" panose="020B0503020000020004" pitchFamily="50" charset="-127"/>
+                <a:ea typeface="맑은 고딕" panose="020B0503020000020004" pitchFamily="50" charset="-127"/>
+                <a:cs typeface="Segoe UI" panose="020B0502040204020203" pitchFamily="34" charset="0"/>
+              </a:rPr>
+              <a:t>화면 보호기 설정 여부를 점검한다</a:t>
+            </a:r>
+            <a:r>
+              <a:rPr lang="en-US" altLang="ko-KR" sz="1600" dirty="0">
+                <a:solidFill>
+                  <a:schemeClr val="tx1"/>
+                </a:solidFill>
+                <a:latin typeface="맑은 고딕" panose="020B0503020000020004" pitchFamily="50" charset="-127"/>
+                <a:ea typeface="맑은 고딕" panose="020B0503020000020004" pitchFamily="50" charset="-127"/>
+                <a:cs typeface="Segoe UI" panose="020B0502040204020203" pitchFamily="34" charset="0"/>
+              </a:rPr>
+              <a:t>.</a:t>
+            </a:r>
+          </a:p>
+          <a:p>
+            <a:pPr marL="0" lvl="0" indent="0" rtl="0">
+              <a:spcAft>
+                <a:spcPts val="600"/>
+              </a:spcAft>
+              <a:buNone/>
+              <a:defRPr/>
+            </a:pPr>
+            <a:r>
+              <a:rPr lang="ko-KR" altLang="en-US" sz="1600" dirty="0">
+                <a:solidFill>
+                  <a:schemeClr val="tx1"/>
+                </a:solidFill>
+                <a:latin typeface="맑은 고딕" panose="020B0503020000020004" pitchFamily="50" charset="-127"/>
+                <a:ea typeface="맑은 고딕" panose="020B0503020000020004" pitchFamily="50" charset="-127"/>
+                <a:cs typeface="Segoe UI" panose="020B0502040204020203" pitchFamily="34" charset="0"/>
+              </a:rPr>
+              <a:t>공유 폴더 점검 </a:t>
+            </a:r>
+            <a:r>
+              <a:rPr lang="en-US" altLang="ko-KR" sz="1600" dirty="0">
+                <a:solidFill>
+                  <a:schemeClr val="tx1"/>
+                </a:solidFill>
+                <a:latin typeface="맑은 고딕" panose="020B0503020000020004" pitchFamily="50" charset="-127"/>
+                <a:ea typeface="맑은 고딕" panose="020B0503020000020004" pitchFamily="50" charset="-127"/>
+                <a:cs typeface="Segoe UI" panose="020B0502040204020203" pitchFamily="34" charset="0"/>
+              </a:rPr>
+              <a:t>: </a:t>
+            </a:r>
+            <a:r>
+              <a:rPr lang="ko-KR" altLang="en-US" sz="1600" dirty="0">
+                <a:solidFill>
+                  <a:schemeClr val="tx1"/>
+                </a:solidFill>
+                <a:latin typeface="맑은 고딕" panose="020B0503020000020004" pitchFamily="50" charset="-127"/>
+                <a:ea typeface="맑은 고딕" panose="020B0503020000020004" pitchFamily="50" charset="-127"/>
+                <a:cs typeface="Segoe UI" panose="020B0502040204020203" pitchFamily="34" charset="0"/>
+              </a:rPr>
+              <a:t>사용자 공유 폴더의 설정 여부를 점검한다</a:t>
+            </a:r>
+            <a:r>
+              <a:rPr lang="en-US" altLang="ko-KR" sz="1600" dirty="0">
+                <a:solidFill>
+                  <a:schemeClr val="tx1"/>
+                </a:solidFill>
+                <a:latin typeface="맑은 고딕" panose="020B0503020000020004" pitchFamily="50" charset="-127"/>
+                <a:ea typeface="맑은 고딕" panose="020B0503020000020004" pitchFamily="50" charset="-127"/>
+                <a:cs typeface="Segoe UI" panose="020B0502040204020203" pitchFamily="34" charset="0"/>
+              </a:rPr>
+              <a:t>.</a:t>
+            </a:r>
+          </a:p>
+          <a:p>
+            <a:pPr marL="0" lvl="0" indent="0" rtl="0">
+              <a:spcAft>
+                <a:spcPts val="600"/>
+              </a:spcAft>
+              <a:buNone/>
+              <a:defRPr/>
+            </a:pPr>
+            <a:r>
+              <a:rPr lang="en-US" altLang="ko-KR" sz="1600" dirty="0">
+                <a:solidFill>
+                  <a:schemeClr val="tx1"/>
+                </a:solidFill>
+                <a:latin typeface="맑은 고딕" panose="020B0503020000020004" pitchFamily="50" charset="-127"/>
+                <a:ea typeface="맑은 고딕" panose="020B0503020000020004" pitchFamily="50" charset="-127"/>
+                <a:cs typeface="Segoe UI" panose="020B0502040204020203" pitchFamily="34" charset="0"/>
+              </a:rPr>
+              <a:t>USB </a:t>
+            </a:r>
+            <a:r>
+              <a:rPr lang="ko-KR" altLang="en-US" sz="1600" dirty="0">
+                <a:solidFill>
+                  <a:schemeClr val="tx1"/>
+                </a:solidFill>
+                <a:latin typeface="맑은 고딕" panose="020B0503020000020004" pitchFamily="50" charset="-127"/>
+                <a:ea typeface="맑은 고딕" panose="020B0503020000020004" pitchFamily="50" charset="-127"/>
+                <a:cs typeface="Segoe UI" panose="020B0502040204020203" pitchFamily="34" charset="0"/>
+              </a:rPr>
+              <a:t>보안 점검 </a:t>
+            </a:r>
+            <a:r>
+              <a:rPr lang="en-US" altLang="ko-KR" sz="1600" dirty="0">
+                <a:solidFill>
+                  <a:schemeClr val="tx1"/>
+                </a:solidFill>
+                <a:latin typeface="맑은 고딕" panose="020B0503020000020004" pitchFamily="50" charset="-127"/>
+                <a:ea typeface="맑은 고딕" panose="020B0503020000020004" pitchFamily="50" charset="-127"/>
+                <a:cs typeface="Segoe UI" panose="020B0502040204020203" pitchFamily="34" charset="0"/>
+              </a:rPr>
+              <a:t>: </a:t>
+            </a:r>
+            <a:r>
+              <a:rPr lang="ko-KR" altLang="en-US" sz="1600" dirty="0">
+                <a:solidFill>
+                  <a:schemeClr val="tx1"/>
+                </a:solidFill>
+                <a:latin typeface="맑은 고딕" panose="020B0503020000020004" pitchFamily="50" charset="-127"/>
+                <a:ea typeface="맑은 고딕" panose="020B0503020000020004" pitchFamily="50" charset="-127"/>
+                <a:cs typeface="Segoe UI" panose="020B0502040204020203" pitchFamily="34" charset="0"/>
+              </a:rPr>
+              <a:t>관리자가 지정한 </a:t>
+            </a:r>
+            <a:r>
+              <a:rPr lang="en-US" altLang="ko-KR" sz="1600" dirty="0">
+                <a:solidFill>
+                  <a:schemeClr val="tx1"/>
+                </a:solidFill>
+                <a:latin typeface="맑은 고딕" panose="020B0503020000020004" pitchFamily="50" charset="-127"/>
+                <a:ea typeface="맑은 고딕" panose="020B0503020000020004" pitchFamily="50" charset="-127"/>
+                <a:cs typeface="Segoe UI" panose="020B0502040204020203" pitchFamily="34" charset="0"/>
+              </a:rPr>
+              <a:t>USB </a:t>
+            </a:r>
+            <a:r>
+              <a:rPr lang="ko-KR" altLang="en-US" sz="1600" dirty="0">
+                <a:solidFill>
+                  <a:schemeClr val="tx1"/>
+                </a:solidFill>
+                <a:latin typeface="맑은 고딕" panose="020B0503020000020004" pitchFamily="50" charset="-127"/>
+                <a:ea typeface="맑은 고딕" panose="020B0503020000020004" pitchFamily="50" charset="-127"/>
+                <a:cs typeface="Segoe UI" panose="020B0502040204020203" pitchFamily="34" charset="0"/>
+              </a:rPr>
+              <a:t>보안 프로그램 설치 및 실행 여부를 점검한다</a:t>
+            </a:r>
+            <a:r>
+              <a:rPr lang="en-US" altLang="ko-KR" sz="1600" dirty="0">
+                <a:solidFill>
+                  <a:schemeClr val="tx1"/>
+                </a:solidFill>
+                <a:latin typeface="맑은 고딕" panose="020B0503020000020004" pitchFamily="50" charset="-127"/>
+                <a:ea typeface="맑은 고딕" panose="020B0503020000020004" pitchFamily="50" charset="-127"/>
+                <a:cs typeface="Segoe UI" panose="020B0502040204020203" pitchFamily="34" charset="0"/>
+              </a:rPr>
+              <a:t>.</a:t>
+            </a:r>
+          </a:p>
+          <a:p>
+            <a:pPr marL="0" lvl="0" indent="0" rtl="0">
+              <a:spcAft>
+                <a:spcPts val="600"/>
+              </a:spcAft>
+              <a:buNone/>
+              <a:defRPr/>
+            </a:pPr>
+            <a:r>
+              <a:rPr lang="ko-KR" altLang="en-US" sz="1600" dirty="0">
+                <a:solidFill>
+                  <a:schemeClr val="tx1"/>
+                </a:solidFill>
+                <a:latin typeface="맑은 고딕" panose="020B0503020000020004" pitchFamily="50" charset="-127"/>
+                <a:ea typeface="맑은 고딕" panose="020B0503020000020004" pitchFamily="50" charset="-127"/>
+                <a:cs typeface="Segoe UI" panose="020B0502040204020203" pitchFamily="34" charset="0"/>
+              </a:rPr>
+              <a:t>기타 점검 </a:t>
+            </a:r>
+            <a:r>
+              <a:rPr lang="en-US" altLang="ko-KR" sz="1600" dirty="0">
+                <a:solidFill>
+                  <a:schemeClr val="tx1"/>
+                </a:solidFill>
+                <a:latin typeface="맑은 고딕" panose="020B0503020000020004" pitchFamily="50" charset="-127"/>
+                <a:ea typeface="맑은 고딕" panose="020B0503020000020004" pitchFamily="50" charset="-127"/>
+                <a:cs typeface="Segoe UI" panose="020B0502040204020203" pitchFamily="34" charset="0"/>
+              </a:rPr>
+              <a:t>: pc</a:t>
+            </a:r>
+            <a:r>
+              <a:rPr lang="ko-KR" altLang="en-US" sz="1600" dirty="0" err="1">
+                <a:solidFill>
+                  <a:schemeClr val="tx1"/>
+                </a:solidFill>
+                <a:latin typeface="맑은 고딕" panose="020B0503020000020004" pitchFamily="50" charset="-127"/>
+                <a:ea typeface="맑은 고딕" panose="020B0503020000020004" pitchFamily="50" charset="-127"/>
+                <a:cs typeface="Segoe UI" panose="020B0502040204020203" pitchFamily="34" charset="0"/>
+              </a:rPr>
+              <a:t>부팅시</a:t>
+            </a:r>
+            <a:r>
+              <a:rPr lang="ko-KR" altLang="en-US" sz="1600" dirty="0">
+                <a:solidFill>
+                  <a:schemeClr val="tx1"/>
+                </a:solidFill>
+                <a:latin typeface="맑은 고딕" panose="020B0503020000020004" pitchFamily="50" charset="-127"/>
+                <a:ea typeface="맑은 고딕" panose="020B0503020000020004" pitchFamily="50" charset="-127"/>
+                <a:cs typeface="Segoe UI" panose="020B0502040204020203" pitchFamily="34" charset="0"/>
+              </a:rPr>
+              <a:t> </a:t>
+            </a:r>
+            <a:r>
+              <a:rPr lang="ko-KR" altLang="en-US" sz="1600" dirty="0" err="1">
+                <a:solidFill>
+                  <a:schemeClr val="tx1"/>
+                </a:solidFill>
+                <a:latin typeface="맑은 고딕" panose="020B0503020000020004" pitchFamily="50" charset="-127"/>
+                <a:ea typeface="맑은 고딕" panose="020B0503020000020004" pitchFamily="50" charset="-127"/>
+                <a:cs typeface="Segoe UI" panose="020B0502040204020203" pitchFamily="34" charset="0"/>
+              </a:rPr>
+              <a:t>자동실행되는</a:t>
+            </a:r>
+            <a:r>
+              <a:rPr lang="ko-KR" altLang="en-US" sz="1600" dirty="0">
+                <a:solidFill>
+                  <a:schemeClr val="tx1"/>
+                </a:solidFill>
+                <a:latin typeface="맑은 고딕" panose="020B0503020000020004" pitchFamily="50" charset="-127"/>
+                <a:ea typeface="맑은 고딕" panose="020B0503020000020004" pitchFamily="50" charset="-127"/>
+                <a:cs typeface="Segoe UI" panose="020B0502040204020203" pitchFamily="34" charset="0"/>
+              </a:rPr>
+              <a:t> 프로그램 정보 </a:t>
+            </a:r>
+            <a:r>
+              <a:rPr lang="en-US" altLang="ko-KR" sz="1600" dirty="0">
+                <a:solidFill>
+                  <a:schemeClr val="tx1"/>
+                </a:solidFill>
+                <a:latin typeface="맑은 고딕" panose="020B0503020000020004" pitchFamily="50" charset="-127"/>
+                <a:ea typeface="맑은 고딕" panose="020B0503020000020004" pitchFamily="50" charset="-127"/>
+                <a:cs typeface="Segoe UI" panose="020B0502040204020203" pitchFamily="34" charset="0"/>
+              </a:rPr>
+              <a:t>, </a:t>
+            </a:r>
+            <a:r>
+              <a:rPr lang="ko-KR" altLang="en-US" sz="1600" dirty="0">
+                <a:solidFill>
+                  <a:schemeClr val="tx1"/>
+                </a:solidFill>
+                <a:latin typeface="맑은 고딕" panose="020B0503020000020004" pitchFamily="50" charset="-127"/>
+                <a:ea typeface="맑은 고딕" panose="020B0503020000020004" pitchFamily="50" charset="-127"/>
+                <a:cs typeface="Segoe UI" panose="020B0502040204020203" pitchFamily="34" charset="0"/>
+              </a:rPr>
+              <a:t>허가되지 않는 프로그램 정보 </a:t>
+            </a:r>
+            <a:r>
+              <a:rPr lang="en-US" altLang="ko-KR" sz="1600" dirty="0">
+                <a:solidFill>
+                  <a:schemeClr val="tx1"/>
+                </a:solidFill>
+                <a:latin typeface="맑은 고딕" panose="020B0503020000020004" pitchFamily="50" charset="-127"/>
+                <a:ea typeface="맑은 고딕" panose="020B0503020000020004" pitchFamily="50" charset="-127"/>
+                <a:cs typeface="Segoe UI" panose="020B0502040204020203" pitchFamily="34" charset="0"/>
+              </a:rPr>
+              <a:t>, Wireless LAN </a:t>
+            </a:r>
+            <a:r>
+              <a:rPr lang="ko-KR" altLang="en-US" sz="1600" dirty="0">
+                <a:solidFill>
+                  <a:schemeClr val="tx1"/>
+                </a:solidFill>
+                <a:latin typeface="맑은 고딕" panose="020B0503020000020004" pitchFamily="50" charset="-127"/>
+                <a:ea typeface="맑은 고딕" panose="020B0503020000020004" pitchFamily="50" charset="-127"/>
+                <a:cs typeface="Segoe UI" panose="020B0502040204020203" pitchFamily="34" charset="0"/>
+              </a:rPr>
+              <a:t>사용 정보 등 기타 부분을 점검한다</a:t>
+            </a:r>
+            <a:r>
+              <a:rPr lang="en-US" altLang="ko-KR" sz="1600" dirty="0">
+                <a:solidFill>
+                  <a:schemeClr val="tx1"/>
+                </a:solidFill>
+                <a:latin typeface="맑은 고딕" panose="020B0503020000020004" pitchFamily="50" charset="-127"/>
+                <a:ea typeface="맑은 고딕" panose="020B0503020000020004" pitchFamily="50" charset="-127"/>
+                <a:cs typeface="Segoe UI" panose="020B0502040204020203" pitchFamily="34" charset="0"/>
+              </a:rPr>
+              <a:t>.</a:t>
+            </a:r>
+          </a:p>
+          <a:p>
+            <a:pPr marL="0" lvl="0" indent="0" rtl="0">
+              <a:spcAft>
+                <a:spcPts val="600"/>
+              </a:spcAft>
+              <a:buNone/>
+              <a:defRPr/>
+            </a:pPr>
+            <a:r>
+              <a:rPr lang="ko-KR" altLang="en-US" sz="1600" dirty="0">
+                <a:solidFill>
+                  <a:schemeClr val="tx1"/>
+                </a:solidFill>
+                <a:latin typeface="맑은 고딕" panose="020B0503020000020004" pitchFamily="50" charset="-127"/>
+                <a:ea typeface="맑은 고딕" panose="020B0503020000020004" pitchFamily="50" charset="-127"/>
+                <a:cs typeface="Segoe UI" panose="020B0502040204020203" pitchFamily="34" charset="0"/>
+              </a:rPr>
+              <a:t>그 외에 실시간 제어 옵션을 통해 기본 설정에 대한 옵션으로 제어 가능</a:t>
+            </a:r>
+            <a:endParaRPr lang="en-US" altLang="ko-KR" sz="1600" dirty="0">
+              <a:solidFill>
+                <a:schemeClr val="tx1"/>
+              </a:solidFill>
+              <a:latin typeface="맑은 고딕" panose="020B0503020000020004" pitchFamily="50" charset="-127"/>
+              <a:ea typeface="맑은 고딕" panose="020B0503020000020004" pitchFamily="50" charset="-127"/>
+              <a:cs typeface="Segoe UI" panose="020B0502040204020203" pitchFamily="34" charset="0"/>
+            </a:endParaRPr>
           </a:p>
         </p:txBody>
       </p:sp>
-      <p:pic>
-        <p:nvPicPr>
-          <p:cNvPr id="3" name="그림 2" descr="테이블이(가) 표시된 사진&#10;&#10;자동 생성된 설명">
-            <a:extLst>
-              <a:ext uri="{FF2B5EF4-FFF2-40B4-BE49-F238E27FC236}">
-                <a16:creationId xmlns:a16="http://schemas.microsoft.com/office/drawing/2014/main" id="{0B9FEC8F-AF0F-4920-B96E-FCD34A33CC5B}"/>
-              </a:ext>
-            </a:extLst>
-          </p:cNvPr>
-          <p:cNvPicPr>
-            <a:picLocks noChangeAspect="1"/>
-          </p:cNvPicPr>
-          <p:nvPr/>
-        </p:nvPicPr>
-        <p:blipFill>
-          <a:blip r:embed="rId3"/>
-          <a:stretch>
-            <a:fillRect/>
-          </a:stretch>
-        </p:blipFill>
-        <p:spPr>
-          <a:xfrm>
-            <a:off x="2190067" y="2431959"/>
-            <a:ext cx="7811866" cy="3977985"/>
-          </a:xfrm>
-          <a:prstGeom prst="rect">
-            <a:avLst/>
-          </a:prstGeom>
-        </p:spPr>
-      </p:pic>
     </p:spTree>
     <p:extLst>
       <p:ext uri="{BB962C8B-B14F-4D97-AF65-F5344CB8AC3E}">
-        <p14:creationId xmlns:p14="http://schemas.microsoft.com/office/powerpoint/2010/main" val="3480091555"/>
+        <p14:creationId xmlns:p14="http://schemas.microsoft.com/office/powerpoint/2010/main" val="420732909"/>
       </p:ext>
     </p:extLst>
   </p:cSld>
@@ -11256,14 +11658,11 @@
           <a:p>
             <a:pPr rtl="0"/>
             <a:r>
-              <a:rPr lang="en-US" altLang="ko-KR" dirty="0">
+              <a:rPr lang="ko-KR" altLang="en-US" dirty="0">
                 <a:cs typeface="Segoe UI Light" panose="020B0502040204020203" pitchFamily="34" charset="0"/>
               </a:rPr>
-              <a:t>EDR (Endpoint Detection and Response)</a:t>
-            </a:r>
-            <a:endParaRPr lang="ko-KR" altLang="en-US" dirty="0">
-              <a:cs typeface="Segoe UI Light" panose="020B0502040204020203" pitchFamily="34" charset="0"/>
-            </a:endParaRPr>
+              <a:t>기타관리</a:t>
+            </a:r>
           </a:p>
         </p:txBody>
       </p:sp>
@@ -11277,8 +11676,8 @@
         </p:nvSpPr>
         <p:spPr>
           <a:xfrm>
-            <a:off x="524805" y="1334208"/>
-            <a:ext cx="11142390" cy="5333292"/>
+            <a:off x="541610" y="1524708"/>
+            <a:ext cx="11142390" cy="5881932"/>
           </a:xfrm>
           <a:prstGeom prst="rect">
             <a:avLst/>
@@ -11491,28 +11890,6 @@
               <a:defRPr/>
             </a:pPr>
             <a:r>
-              <a:rPr lang="ko-KR" altLang="en-US" sz="1600" dirty="0" err="1">
-                <a:solidFill>
-                  <a:schemeClr val="tx1"/>
-                </a:solidFill>
-                <a:latin typeface="맑은 고딕" panose="020B0503020000020004" pitchFamily="50" charset="-127"/>
-                <a:ea typeface="맑은 고딕" panose="020B0503020000020004" pitchFamily="50" charset="-127"/>
-                <a:cs typeface="Segoe UI" panose="020B0502040204020203" pitchFamily="34" charset="0"/>
-              </a:rPr>
-              <a:t>엔드포인트는</a:t>
-            </a:r>
-            <a:r>
-              <a:rPr lang="ko-KR" altLang="en-US" sz="1600" dirty="0">
-                <a:solidFill>
-                  <a:schemeClr val="tx1"/>
-                </a:solidFill>
-                <a:latin typeface="맑은 고딕" panose="020B0503020000020004" pitchFamily="50" charset="-127"/>
-                <a:ea typeface="맑은 고딕" panose="020B0503020000020004" pitchFamily="50" charset="-127"/>
-                <a:cs typeface="Segoe UI" panose="020B0502040204020203" pitchFamily="34" charset="0"/>
-              </a:rPr>
-              <a:t> 네트워크에 연결되어 있는 끝점</a:t>
-            </a:r>
-            <a:r>
               <a:rPr lang="en-US" altLang="ko-KR" sz="1600" dirty="0">
                 <a:solidFill>
                   <a:schemeClr val="tx1"/>
@@ -11521,18 +11898,18 @@
                 <a:ea typeface="맑은 고딕" panose="020B0503020000020004" pitchFamily="50" charset="-127"/>
                 <a:cs typeface="Segoe UI" panose="020B0502040204020203" pitchFamily="34" charset="0"/>
               </a:rPr>
-              <a:t>(</a:t>
-            </a:r>
-            <a:r>
-              <a:rPr lang="ko-KR" altLang="en-US" sz="1600" dirty="0">
-                <a:solidFill>
-                  <a:schemeClr val="tx1"/>
-                </a:solidFill>
-                <a:latin typeface="맑은 고딕" panose="020B0503020000020004" pitchFamily="50" charset="-127"/>
-                <a:ea typeface="맑은 고딕" panose="020B0503020000020004" pitchFamily="50" charset="-127"/>
-                <a:cs typeface="Segoe UI" panose="020B0502040204020203" pitchFamily="34" charset="0"/>
-              </a:rPr>
-              <a:t>최종장치</a:t>
+              <a:t>IT</a:t>
+            </a:r>
+            <a:r>
+              <a:rPr lang="ko-KR" altLang="en-US" sz="1600" dirty="0">
+                <a:solidFill>
+                  <a:schemeClr val="tx1"/>
+                </a:solidFill>
+                <a:latin typeface="맑은 고딕" panose="020B0503020000020004" pitchFamily="50" charset="-127"/>
+                <a:ea typeface="맑은 고딕" panose="020B0503020000020004" pitchFamily="50" charset="-127"/>
+                <a:cs typeface="Segoe UI" panose="020B0502040204020203" pitchFamily="34" charset="0"/>
+              </a:rPr>
+              <a:t>자산</a:t>
             </a:r>
             <a:r>
               <a:rPr lang="en-US" altLang="ko-KR" sz="1600" dirty="0">
@@ -11543,18 +11920,18 @@
                 <a:ea typeface="맑은 고딕" panose="020B0503020000020004" pitchFamily="50" charset="-127"/>
                 <a:cs typeface="Segoe UI" panose="020B0502040204020203" pitchFamily="34" charset="0"/>
               </a:rPr>
-              <a:t>)</a:t>
-            </a:r>
-            <a:r>
-              <a:rPr lang="ko-KR" altLang="en-US" sz="1600" dirty="0">
-                <a:solidFill>
-                  <a:schemeClr val="tx1"/>
-                </a:solidFill>
-                <a:latin typeface="맑은 고딕" panose="020B0503020000020004" pitchFamily="50" charset="-127"/>
-                <a:ea typeface="맑은 고딕" panose="020B0503020000020004" pitchFamily="50" charset="-127"/>
-                <a:cs typeface="Segoe UI" panose="020B0502040204020203" pitchFamily="34" charset="0"/>
-              </a:rPr>
-              <a:t>인 전자기기</a:t>
+              <a:t>(PC) , PC</a:t>
+            </a:r>
+            <a:r>
+              <a:rPr lang="ko-KR" altLang="en-US" sz="1600" dirty="0">
+                <a:solidFill>
+                  <a:schemeClr val="tx1"/>
+                </a:solidFill>
+                <a:latin typeface="맑은 고딕" panose="020B0503020000020004" pitchFamily="50" charset="-127"/>
+                <a:ea typeface="맑은 고딕" panose="020B0503020000020004" pitchFamily="50" charset="-127"/>
+                <a:cs typeface="Segoe UI" panose="020B0502040204020203" pitchFamily="34" charset="0"/>
+              </a:rPr>
+              <a:t> 사용통계 </a:t>
             </a:r>
             <a:r>
               <a:rPr lang="en-US" altLang="ko-KR" sz="1600" dirty="0">
@@ -11565,28 +11942,6 @@
                 <a:ea typeface="맑은 고딕" panose="020B0503020000020004" pitchFamily="50" charset="-127"/>
                 <a:cs typeface="Segoe UI" panose="020B0502040204020203" pitchFamily="34" charset="0"/>
               </a:rPr>
-              <a:t>(</a:t>
-            </a:r>
-            <a:r>
-              <a:rPr lang="ko-KR" altLang="en-US" sz="1600" dirty="0">
-                <a:solidFill>
-                  <a:schemeClr val="tx1"/>
-                </a:solidFill>
-                <a:latin typeface="맑은 고딕" panose="020B0503020000020004" pitchFamily="50" charset="-127"/>
-                <a:ea typeface="맑은 고딕" panose="020B0503020000020004" pitchFamily="50" charset="-127"/>
-                <a:cs typeface="Segoe UI" panose="020B0502040204020203" pitchFamily="34" charset="0"/>
-              </a:rPr>
-              <a:t>스마트폰 </a:t>
-            </a:r>
-            <a:r>
-              <a:rPr lang="en-US" altLang="ko-KR" sz="1600" dirty="0">
-                <a:solidFill>
-                  <a:schemeClr val="tx1"/>
-                </a:solidFill>
-                <a:latin typeface="맑은 고딕" panose="020B0503020000020004" pitchFamily="50" charset="-127"/>
-                <a:ea typeface="맑은 고딕" panose="020B0503020000020004" pitchFamily="50" charset="-127"/>
-                <a:cs typeface="Segoe UI" panose="020B0502040204020203" pitchFamily="34" charset="0"/>
-              </a:rPr>
               <a:t>, </a:t>
             </a:r>
             <a:r>
@@ -11598,50 +11953,8 @@
                 <a:ea typeface="맑은 고딕" panose="020B0503020000020004" pitchFamily="50" charset="-127"/>
                 <a:cs typeface="Segoe UI" panose="020B0502040204020203" pitchFamily="34" charset="0"/>
               </a:rPr>
-              <a:t>데스크탑</a:t>
-            </a:r>
-            <a:r>
-              <a:rPr lang="en-US" altLang="ko-KR" sz="1600" dirty="0">
-                <a:solidFill>
-                  <a:schemeClr val="tx1"/>
-                </a:solidFill>
-                <a:latin typeface="맑은 고딕" panose="020B0503020000020004" pitchFamily="50" charset="-127"/>
-                <a:ea typeface="맑은 고딕" panose="020B0503020000020004" pitchFamily="50" charset="-127"/>
-                <a:cs typeface="Segoe UI" panose="020B0502040204020203" pitchFamily="34" charset="0"/>
-              </a:rPr>
-              <a:t>)</a:t>
-            </a:r>
-            <a:r>
-              <a:rPr lang="ko-KR" altLang="en-US" sz="1600" dirty="0">
-                <a:solidFill>
-                  <a:schemeClr val="tx1"/>
-                </a:solidFill>
-                <a:latin typeface="맑은 고딕" panose="020B0503020000020004" pitchFamily="50" charset="-127"/>
-                <a:ea typeface="맑은 고딕" panose="020B0503020000020004" pitchFamily="50" charset="-127"/>
-                <a:cs typeface="Segoe UI" panose="020B0502040204020203" pitchFamily="34" charset="0"/>
-              </a:rPr>
-              <a:t>을 말한다</a:t>
-            </a:r>
-            <a:r>
-              <a:rPr lang="en-US" altLang="ko-KR" sz="1600" dirty="0">
-                <a:solidFill>
-                  <a:schemeClr val="tx1"/>
-                </a:solidFill>
-                <a:latin typeface="맑은 고딕" panose="020B0503020000020004" pitchFamily="50" charset="-127"/>
-                <a:ea typeface="맑은 고딕" panose="020B0503020000020004" pitchFamily="50" charset="-127"/>
-                <a:cs typeface="Segoe UI" panose="020B0502040204020203" pitchFamily="34" charset="0"/>
-              </a:rPr>
-              <a:t>. </a:t>
-            </a:r>
-          </a:p>
-          <a:p>
-            <a:pPr marL="0" lvl="0" indent="0" rtl="0">
-              <a:spcAft>
-                <a:spcPts val="600"/>
-              </a:spcAft>
-              <a:buNone/>
-              <a:defRPr/>
-            </a:pPr>
+              <a:t>인재 등의 로그를 조회하거나 정책을 설정할 수 있는 페이지</a:t>
+            </a:r>
             <a:endParaRPr lang="en-US" altLang="ko-KR" sz="1600" dirty="0">
               <a:solidFill>
                 <a:schemeClr val="tx1"/>
@@ -11659,6 +11972,78 @@
               <a:buNone/>
               <a:defRPr/>
             </a:pPr>
+            <a:r>
+              <a:rPr lang="en-US" altLang="ko-KR" sz="1600" b="1" dirty="0">
+                <a:solidFill>
+                  <a:schemeClr val="tx1"/>
+                </a:solidFill>
+                <a:latin typeface="맑은 고딕" panose="020B0503020000020004" pitchFamily="50" charset="-127"/>
+                <a:ea typeface="맑은 고딕" panose="020B0503020000020004" pitchFamily="50" charset="-127"/>
+                <a:cs typeface="Segoe UI" panose="020B0502040204020203" pitchFamily="34" charset="0"/>
+              </a:rPr>
+              <a:t>IT </a:t>
+            </a:r>
+            <a:r>
+              <a:rPr lang="ko-KR" altLang="en-US" sz="1600" b="1" dirty="0">
+                <a:solidFill>
+                  <a:schemeClr val="tx1"/>
+                </a:solidFill>
+                <a:latin typeface="맑은 고딕" panose="020B0503020000020004" pitchFamily="50" charset="-127"/>
+                <a:ea typeface="맑은 고딕" panose="020B0503020000020004" pitchFamily="50" charset="-127"/>
+                <a:cs typeface="Segoe UI" panose="020B0502040204020203" pitchFamily="34" charset="0"/>
+              </a:rPr>
+              <a:t>자산관리 정책</a:t>
+            </a:r>
+            <a:endParaRPr lang="en-US" altLang="ko-KR" sz="1600" b="1" dirty="0">
+              <a:solidFill>
+                <a:schemeClr val="tx1"/>
+              </a:solidFill>
+              <a:latin typeface="맑은 고딕" panose="020B0503020000020004" pitchFamily="50" charset="-127"/>
+              <a:ea typeface="맑은 고딕" panose="020B0503020000020004" pitchFamily="50" charset="-127"/>
+              <a:cs typeface="Segoe UI" panose="020B0502040204020203" pitchFamily="34" charset="0"/>
+            </a:endParaRPr>
+          </a:p>
+          <a:p>
+            <a:pPr marL="0" lvl="0" indent="0" rtl="0">
+              <a:spcAft>
+                <a:spcPts val="600"/>
+              </a:spcAft>
+              <a:buNone/>
+              <a:defRPr/>
+            </a:pPr>
+            <a:r>
+              <a:rPr lang="ko-KR" altLang="en-US" sz="1600" dirty="0">
+                <a:solidFill>
+                  <a:schemeClr val="tx1"/>
+                </a:solidFill>
+                <a:latin typeface="맑은 고딕" panose="020B0503020000020004" pitchFamily="50" charset="-127"/>
+                <a:ea typeface="맑은 고딕" panose="020B0503020000020004" pitchFamily="50" charset="-127"/>
+                <a:cs typeface="Segoe UI" panose="020B0502040204020203" pitchFamily="34" charset="0"/>
+              </a:rPr>
+              <a:t>소프트웨어 라이선스 관리 </a:t>
+            </a:r>
+            <a:r>
+              <a:rPr lang="en-US" altLang="ko-KR" sz="1600" dirty="0">
+                <a:solidFill>
+                  <a:schemeClr val="tx1"/>
+                </a:solidFill>
+                <a:latin typeface="맑은 고딕" panose="020B0503020000020004" pitchFamily="50" charset="-127"/>
+                <a:ea typeface="맑은 고딕" panose="020B0503020000020004" pitchFamily="50" charset="-127"/>
+                <a:cs typeface="Segoe UI" panose="020B0502040204020203" pitchFamily="34" charset="0"/>
+              </a:rPr>
+              <a:t>– </a:t>
+            </a:r>
+            <a:r>
+              <a:rPr lang="ko-KR" altLang="en-US" sz="1600" dirty="0">
+                <a:solidFill>
+                  <a:schemeClr val="tx1"/>
+                </a:solidFill>
+                <a:latin typeface="맑은 고딕" panose="020B0503020000020004" pitchFamily="50" charset="-127"/>
+                <a:ea typeface="맑은 고딕" panose="020B0503020000020004" pitchFamily="50" charset="-127"/>
+                <a:cs typeface="Segoe UI" panose="020B0502040204020203" pitchFamily="34" charset="0"/>
+              </a:rPr>
+              <a:t>사내에서 사용중인 소프트웨어의 설치 수량 확인 및 라이선스 관리 설정 기능</a:t>
+            </a:r>
             <a:endParaRPr lang="en-US" altLang="ko-KR" sz="1600" dirty="0">
               <a:solidFill>
                 <a:schemeClr val="tx1"/>
@@ -11676,6 +12061,94 @@
               <a:buNone/>
               <a:defRPr/>
             </a:pPr>
+            <a:r>
+              <a:rPr lang="en-US" altLang="ko-KR" sz="1600" dirty="0">
+                <a:solidFill>
+                  <a:schemeClr val="tx1"/>
+                </a:solidFill>
+                <a:latin typeface="맑은 고딕" panose="020B0503020000020004" pitchFamily="50" charset="-127"/>
+                <a:ea typeface="맑은 고딕" panose="020B0503020000020004" pitchFamily="50" charset="-127"/>
+                <a:cs typeface="Segoe UI" panose="020B0502040204020203" pitchFamily="34" charset="0"/>
+              </a:rPr>
+              <a:t>PC </a:t>
+            </a:r>
+            <a:r>
+              <a:rPr lang="ko-KR" altLang="en-US" sz="1600" dirty="0">
+                <a:solidFill>
+                  <a:schemeClr val="tx1"/>
+                </a:solidFill>
+                <a:latin typeface="맑은 고딕" panose="020B0503020000020004" pitchFamily="50" charset="-127"/>
+                <a:ea typeface="맑은 고딕" panose="020B0503020000020004" pitchFamily="50" charset="-127"/>
+                <a:cs typeface="Segoe UI" panose="020B0502040204020203" pitchFamily="34" charset="0"/>
+              </a:rPr>
+              <a:t>반출정책 </a:t>
+            </a:r>
+            <a:r>
+              <a:rPr lang="en-US" altLang="ko-KR" sz="1600" dirty="0">
+                <a:solidFill>
+                  <a:schemeClr val="tx1"/>
+                </a:solidFill>
+                <a:latin typeface="맑은 고딕" panose="020B0503020000020004" pitchFamily="50" charset="-127"/>
+                <a:ea typeface="맑은 고딕" panose="020B0503020000020004" pitchFamily="50" charset="-127"/>
+                <a:cs typeface="Segoe UI" panose="020B0502040204020203" pitchFamily="34" charset="0"/>
+              </a:rPr>
+              <a:t>– </a:t>
+            </a:r>
+            <a:r>
+              <a:rPr lang="ko-KR" altLang="en-US" sz="1600" dirty="0">
+                <a:solidFill>
+                  <a:schemeClr val="tx1"/>
+                </a:solidFill>
+                <a:latin typeface="맑은 고딕" panose="020B0503020000020004" pitchFamily="50" charset="-127"/>
+                <a:ea typeface="맑은 고딕" panose="020B0503020000020004" pitchFamily="50" charset="-127"/>
+                <a:cs typeface="Segoe UI" panose="020B0502040204020203" pitchFamily="34" charset="0"/>
+              </a:rPr>
+              <a:t>반출하는 </a:t>
+            </a:r>
+            <a:r>
+              <a:rPr lang="en-US" altLang="ko-KR" sz="1600" dirty="0">
+                <a:solidFill>
+                  <a:schemeClr val="tx1"/>
+                </a:solidFill>
+                <a:latin typeface="맑은 고딕" panose="020B0503020000020004" pitchFamily="50" charset="-127"/>
+                <a:ea typeface="맑은 고딕" panose="020B0503020000020004" pitchFamily="50" charset="-127"/>
+                <a:cs typeface="Segoe UI" panose="020B0502040204020203" pitchFamily="34" charset="0"/>
+              </a:rPr>
+              <a:t>PC</a:t>
+            </a:r>
+            <a:r>
+              <a:rPr lang="ko-KR" altLang="en-US" sz="1600" dirty="0">
+                <a:solidFill>
+                  <a:schemeClr val="tx1"/>
+                </a:solidFill>
+                <a:latin typeface="맑은 고딕" panose="020B0503020000020004" pitchFamily="50" charset="-127"/>
+                <a:ea typeface="맑은 고딕" panose="020B0503020000020004" pitchFamily="50" charset="-127"/>
+                <a:cs typeface="Segoe UI" panose="020B0502040204020203" pitchFamily="34" charset="0"/>
+              </a:rPr>
+              <a:t>의 위치와 </a:t>
+            </a:r>
+            <a:r>
+              <a:rPr lang="en-US" altLang="ko-KR" sz="1600" dirty="0">
+                <a:solidFill>
+                  <a:schemeClr val="tx1"/>
+                </a:solidFill>
+                <a:latin typeface="맑은 고딕" panose="020B0503020000020004" pitchFamily="50" charset="-127"/>
+                <a:ea typeface="맑은 고딕" panose="020B0503020000020004" pitchFamily="50" charset="-127"/>
+                <a:cs typeface="Segoe UI" panose="020B0502040204020203" pitchFamily="34" charset="0"/>
+              </a:rPr>
+              <a:t>IP</a:t>
+            </a:r>
+            <a:r>
+              <a:rPr lang="ko-KR" altLang="en-US" sz="1600" dirty="0">
+                <a:solidFill>
+                  <a:schemeClr val="tx1"/>
+                </a:solidFill>
+                <a:latin typeface="맑은 고딕" panose="020B0503020000020004" pitchFamily="50" charset="-127"/>
+                <a:ea typeface="맑은 고딕" panose="020B0503020000020004" pitchFamily="50" charset="-127"/>
+                <a:cs typeface="Segoe UI" panose="020B0502040204020203" pitchFamily="34" charset="0"/>
+              </a:rPr>
+              <a:t>기록</a:t>
+            </a:r>
             <a:endParaRPr lang="en-US" altLang="ko-KR" sz="1600" dirty="0">
               <a:solidFill>
                 <a:schemeClr val="tx1"/>
@@ -11693,6 +12166,72 @@
               <a:buNone/>
               <a:defRPr/>
             </a:pPr>
+            <a:r>
+              <a:rPr lang="en-US" altLang="ko-KR" sz="1600" dirty="0">
+                <a:solidFill>
+                  <a:schemeClr val="tx1"/>
+                </a:solidFill>
+                <a:latin typeface="맑은 고딕" panose="020B0503020000020004" pitchFamily="50" charset="-127"/>
+                <a:ea typeface="맑은 고딕" panose="020B0503020000020004" pitchFamily="50" charset="-127"/>
+                <a:cs typeface="Segoe UI" panose="020B0502040204020203" pitchFamily="34" charset="0"/>
+              </a:rPr>
+              <a:t>PC </a:t>
+            </a:r>
+            <a:r>
+              <a:rPr lang="ko-KR" altLang="en-US" sz="1600" dirty="0">
+                <a:solidFill>
+                  <a:schemeClr val="tx1"/>
+                </a:solidFill>
+                <a:latin typeface="맑은 고딕" panose="020B0503020000020004" pitchFamily="50" charset="-127"/>
+                <a:ea typeface="맑은 고딕" panose="020B0503020000020004" pitchFamily="50" charset="-127"/>
+                <a:cs typeface="Segoe UI" panose="020B0502040204020203" pitchFamily="34" charset="0"/>
+              </a:rPr>
+              <a:t>절전정책 </a:t>
+            </a:r>
+            <a:r>
+              <a:rPr lang="en-US" altLang="ko-KR" sz="1600" dirty="0">
+                <a:solidFill>
+                  <a:schemeClr val="tx1"/>
+                </a:solidFill>
+                <a:latin typeface="맑은 고딕" panose="020B0503020000020004" pitchFamily="50" charset="-127"/>
+                <a:ea typeface="맑은 고딕" panose="020B0503020000020004" pitchFamily="50" charset="-127"/>
+                <a:cs typeface="Segoe UI" panose="020B0502040204020203" pitchFamily="34" charset="0"/>
+              </a:rPr>
+              <a:t>– </a:t>
+            </a:r>
+            <a:r>
+              <a:rPr lang="ko-KR" altLang="en-US" sz="1600" dirty="0">
+                <a:solidFill>
+                  <a:schemeClr val="tx1"/>
+                </a:solidFill>
+                <a:latin typeface="맑은 고딕" panose="020B0503020000020004" pitchFamily="50" charset="-127"/>
+                <a:ea typeface="맑은 고딕" panose="020B0503020000020004" pitchFamily="50" charset="-127"/>
+                <a:cs typeface="Segoe UI" panose="020B0502040204020203" pitchFamily="34" charset="0"/>
+              </a:rPr>
+              <a:t>기준시간동안 입력이 없으면 자동으로 </a:t>
+            </a:r>
+            <a:r>
+              <a:rPr lang="en-US" altLang="ko-KR" sz="1600" dirty="0">
+                <a:solidFill>
+                  <a:schemeClr val="tx1"/>
+                </a:solidFill>
+                <a:latin typeface="맑은 고딕" panose="020B0503020000020004" pitchFamily="50" charset="-127"/>
+                <a:ea typeface="맑은 고딕" panose="020B0503020000020004" pitchFamily="50" charset="-127"/>
+                <a:cs typeface="Segoe UI" panose="020B0502040204020203" pitchFamily="34" charset="0"/>
+              </a:rPr>
+              <a:t>pc , </a:t>
+            </a:r>
+            <a:r>
+              <a:rPr lang="ko-KR" altLang="en-US" sz="1600" dirty="0">
+                <a:solidFill>
+                  <a:schemeClr val="tx1"/>
+                </a:solidFill>
+                <a:latin typeface="맑은 고딕" panose="020B0503020000020004" pitchFamily="50" charset="-127"/>
+                <a:ea typeface="맑은 고딕" panose="020B0503020000020004" pitchFamily="50" charset="-127"/>
+                <a:cs typeface="Segoe UI" panose="020B0502040204020203" pitchFamily="34" charset="0"/>
+              </a:rPr>
+              <a:t>모니터를 절전모드로 들어가게 하는 기능</a:t>
+            </a:r>
             <a:endParaRPr lang="en-US" altLang="ko-KR" sz="1600" dirty="0">
               <a:solidFill>
                 <a:schemeClr val="tx1"/>
@@ -11710,6 +12249,78 @@
               <a:buNone/>
               <a:defRPr/>
             </a:pPr>
+            <a:r>
+              <a:rPr lang="en-US" altLang="ko-KR" sz="1600" b="1" dirty="0">
+                <a:solidFill>
+                  <a:schemeClr val="tx1"/>
+                </a:solidFill>
+                <a:latin typeface="맑은 고딕" panose="020B0503020000020004" pitchFamily="50" charset="-127"/>
+                <a:ea typeface="맑은 고딕" panose="020B0503020000020004" pitchFamily="50" charset="-127"/>
+                <a:cs typeface="Segoe UI" panose="020B0502040204020203" pitchFamily="34" charset="0"/>
+              </a:rPr>
+              <a:t>PC </a:t>
+            </a:r>
+            <a:r>
+              <a:rPr lang="ko-KR" altLang="en-US" sz="1600" b="1" dirty="0">
+                <a:solidFill>
+                  <a:schemeClr val="tx1"/>
+                </a:solidFill>
+                <a:latin typeface="맑은 고딕" panose="020B0503020000020004" pitchFamily="50" charset="-127"/>
+                <a:ea typeface="맑은 고딕" panose="020B0503020000020004" pitchFamily="50" charset="-127"/>
+                <a:cs typeface="Segoe UI" panose="020B0502040204020203" pitchFamily="34" charset="0"/>
+              </a:rPr>
+              <a:t>사용통계 관리</a:t>
+            </a:r>
+            <a:endParaRPr lang="en-US" altLang="ko-KR" sz="1600" b="1" dirty="0">
+              <a:solidFill>
+                <a:schemeClr val="tx1"/>
+              </a:solidFill>
+              <a:latin typeface="맑은 고딕" panose="020B0503020000020004" pitchFamily="50" charset="-127"/>
+              <a:ea typeface="맑은 고딕" panose="020B0503020000020004" pitchFamily="50" charset="-127"/>
+              <a:cs typeface="Segoe UI" panose="020B0502040204020203" pitchFamily="34" charset="0"/>
+            </a:endParaRPr>
+          </a:p>
+          <a:p>
+            <a:pPr marL="0" lvl="0" indent="0" rtl="0">
+              <a:spcAft>
+                <a:spcPts val="600"/>
+              </a:spcAft>
+              <a:buNone/>
+              <a:defRPr/>
+            </a:pPr>
+            <a:r>
+              <a:rPr lang="ko-KR" altLang="en-US" sz="1600" dirty="0">
+                <a:solidFill>
+                  <a:schemeClr val="tx1"/>
+                </a:solidFill>
+                <a:latin typeface="맑은 고딕" panose="020B0503020000020004" pitchFamily="50" charset="-127"/>
+                <a:ea typeface="맑은 고딕" panose="020B0503020000020004" pitchFamily="50" charset="-127"/>
+                <a:cs typeface="Segoe UI" panose="020B0502040204020203" pitchFamily="34" charset="0"/>
+              </a:rPr>
+              <a:t>웹사이트 접속내역 수집정책 </a:t>
+            </a:r>
+            <a:r>
+              <a:rPr lang="en-US" altLang="ko-KR" sz="1600" dirty="0">
+                <a:solidFill>
+                  <a:schemeClr val="tx1"/>
+                </a:solidFill>
+                <a:latin typeface="맑은 고딕" panose="020B0503020000020004" pitchFamily="50" charset="-127"/>
+                <a:ea typeface="맑은 고딕" panose="020B0503020000020004" pitchFamily="50" charset="-127"/>
+                <a:cs typeface="Segoe UI" panose="020B0502040204020203" pitchFamily="34" charset="0"/>
+              </a:rPr>
+              <a:t>– </a:t>
+            </a:r>
+            <a:r>
+              <a:rPr lang="ko-KR" altLang="en-US" sz="1600" dirty="0">
+                <a:solidFill>
+                  <a:schemeClr val="tx1"/>
+                </a:solidFill>
+                <a:latin typeface="맑은 고딕" panose="020B0503020000020004" pitchFamily="50" charset="-127"/>
+                <a:ea typeface="맑은 고딕" panose="020B0503020000020004" pitchFamily="50" charset="-127"/>
+                <a:cs typeface="Segoe UI" panose="020B0502040204020203" pitchFamily="34" charset="0"/>
+              </a:rPr>
+              <a:t>웹사이트 접속내역을 수집하는 기능</a:t>
+            </a:r>
             <a:endParaRPr lang="en-US" altLang="ko-KR" sz="1600" dirty="0">
               <a:solidFill>
                 <a:schemeClr val="tx1"/>
@@ -11736,7 +12347,29 @@
                 <a:ea typeface="맑은 고딕" panose="020B0503020000020004" pitchFamily="50" charset="-127"/>
                 <a:cs typeface="Segoe UI" panose="020B0502040204020203" pitchFamily="34" charset="0"/>
               </a:rPr>
-              <a:t>작동원리</a:t>
+              <a:t>소프트웨어 실행내역 수집정책 </a:t>
+            </a:r>
+            <a:r>
+              <a:rPr lang="en-US" altLang="ko-KR" sz="1600" dirty="0">
+                <a:solidFill>
+                  <a:schemeClr val="tx1"/>
+                </a:solidFill>
+                <a:latin typeface="맑은 고딕" panose="020B0503020000020004" pitchFamily="50" charset="-127"/>
+                <a:ea typeface="맑은 고딕" panose="020B0503020000020004" pitchFamily="50" charset="-127"/>
+                <a:cs typeface="Segoe UI" panose="020B0502040204020203" pitchFamily="34" charset="0"/>
+              </a:rPr>
+              <a:t>– </a:t>
+            </a:r>
+            <a:r>
+              <a:rPr lang="ko-KR" altLang="en-US" sz="1600" dirty="0">
+                <a:solidFill>
+                  <a:schemeClr val="tx1"/>
+                </a:solidFill>
+                <a:latin typeface="맑은 고딕" panose="020B0503020000020004" pitchFamily="50" charset="-127"/>
+                <a:ea typeface="맑은 고딕" panose="020B0503020000020004" pitchFamily="50" charset="-127"/>
+                <a:cs typeface="Segoe UI" panose="020B0502040204020203" pitchFamily="34" charset="0"/>
+              </a:rPr>
+              <a:t>소프트웨어 실행내역을 수집하는 기능</a:t>
             </a:r>
             <a:endParaRPr lang="en-US" altLang="ko-KR" sz="1600" dirty="0">
               <a:solidFill>
@@ -11764,18 +12397,18 @@
                 <a:ea typeface="맑은 고딕" panose="020B0503020000020004" pitchFamily="50" charset="-127"/>
                 <a:cs typeface="Segoe UI" panose="020B0502040204020203" pitchFamily="34" charset="0"/>
               </a:rPr>
-              <a:t>1. </a:t>
-            </a:r>
-            <a:r>
-              <a:rPr lang="ko-KR" altLang="en-US" sz="1600" dirty="0">
-                <a:solidFill>
-                  <a:schemeClr val="tx1"/>
-                </a:solidFill>
-                <a:latin typeface="맑은 고딕" panose="020B0503020000020004" pitchFamily="50" charset="-127"/>
-                <a:ea typeface="맑은 고딕" panose="020B0503020000020004" pitchFamily="50" charset="-127"/>
-                <a:cs typeface="Segoe UI" panose="020B0502040204020203" pitchFamily="34" charset="0"/>
-              </a:rPr>
-              <a:t>엔드 포인트에서 프로세스 생성</a:t>
+              <a:t>PC </a:t>
+            </a:r>
+            <a:r>
+              <a:rPr lang="ko-KR" altLang="en-US" sz="1600" dirty="0">
+                <a:solidFill>
+                  <a:schemeClr val="tx1"/>
+                </a:solidFill>
+                <a:latin typeface="맑은 고딕" panose="020B0503020000020004" pitchFamily="50" charset="-127"/>
+                <a:ea typeface="맑은 고딕" panose="020B0503020000020004" pitchFamily="50" charset="-127"/>
+                <a:cs typeface="Segoe UI" panose="020B0502040204020203" pitchFamily="34" charset="0"/>
+              </a:rPr>
+              <a:t>활용내역 수집정책 </a:t>
             </a:r>
             <a:r>
               <a:rPr lang="en-US" altLang="ko-KR" sz="1600" dirty="0">
@@ -11786,115 +12419,40 @@
                 <a:ea typeface="맑은 고딕" panose="020B0503020000020004" pitchFamily="50" charset="-127"/>
                 <a:cs typeface="Segoe UI" panose="020B0502040204020203" pitchFamily="34" charset="0"/>
               </a:rPr>
-              <a:t>, </a:t>
-            </a:r>
-            <a:r>
-              <a:rPr lang="ko-KR" altLang="en-US" sz="1600" dirty="0">
-                <a:solidFill>
-                  <a:schemeClr val="tx1"/>
-                </a:solidFill>
-                <a:latin typeface="맑은 고딕" panose="020B0503020000020004" pitchFamily="50" charset="-127"/>
-                <a:ea typeface="맑은 고딕" panose="020B0503020000020004" pitchFamily="50" charset="-127"/>
-                <a:cs typeface="Segoe UI" panose="020B0502040204020203" pitchFamily="34" charset="0"/>
-              </a:rPr>
-              <a:t>레지스트리 변경</a:t>
-            </a:r>
-            <a:r>
-              <a:rPr lang="en-US" altLang="ko-KR" sz="1600" dirty="0">
-                <a:solidFill>
-                  <a:schemeClr val="tx1"/>
-                </a:solidFill>
-                <a:latin typeface="맑은 고딕" panose="020B0503020000020004" pitchFamily="50" charset="-127"/>
-                <a:ea typeface="맑은 고딕" panose="020B0503020000020004" pitchFamily="50" charset="-127"/>
-                <a:cs typeface="Segoe UI" panose="020B0502040204020203" pitchFamily="34" charset="0"/>
-              </a:rPr>
-              <a:t>, </a:t>
-            </a:r>
-            <a:r>
-              <a:rPr lang="ko-KR" altLang="en-US" sz="1600" dirty="0">
-                <a:solidFill>
-                  <a:schemeClr val="tx1"/>
-                </a:solidFill>
-                <a:latin typeface="맑은 고딕" panose="020B0503020000020004" pitchFamily="50" charset="-127"/>
-                <a:ea typeface="맑은 고딕" panose="020B0503020000020004" pitchFamily="50" charset="-127"/>
-                <a:cs typeface="Segoe UI" panose="020B0502040204020203" pitchFamily="34" charset="0"/>
-              </a:rPr>
-              <a:t>인터넷 접속기록</a:t>
-            </a:r>
-            <a:r>
-              <a:rPr lang="en-US" altLang="ko-KR" sz="1600" dirty="0">
-                <a:solidFill>
-                  <a:schemeClr val="tx1"/>
-                </a:solidFill>
-                <a:latin typeface="맑은 고딕" panose="020B0503020000020004" pitchFamily="50" charset="-127"/>
-                <a:ea typeface="맑은 고딕" panose="020B0503020000020004" pitchFamily="50" charset="-127"/>
-                <a:cs typeface="Segoe UI" panose="020B0502040204020203" pitchFamily="34" charset="0"/>
-              </a:rPr>
-              <a:t>, </a:t>
-            </a:r>
-            <a:r>
-              <a:rPr lang="ko-KR" altLang="en-US" sz="1600" dirty="0">
-                <a:solidFill>
-                  <a:schemeClr val="tx1"/>
-                </a:solidFill>
-                <a:latin typeface="맑은 고딕" panose="020B0503020000020004" pitchFamily="50" charset="-127"/>
-                <a:ea typeface="맑은 고딕" panose="020B0503020000020004" pitchFamily="50" charset="-127"/>
-                <a:cs typeface="Segoe UI" panose="020B0502040204020203" pitchFamily="34" charset="0"/>
-              </a:rPr>
-              <a:t>파일 다운로드 등 다양한 정보를 수집한다</a:t>
-            </a:r>
-            <a:r>
-              <a:rPr lang="en-US" altLang="ko-KR" sz="1600" dirty="0">
-                <a:solidFill>
-                  <a:schemeClr val="tx1"/>
-                </a:solidFill>
-                <a:latin typeface="맑은 고딕" panose="020B0503020000020004" pitchFamily="50" charset="-127"/>
-                <a:ea typeface="맑은 고딕" panose="020B0503020000020004" pitchFamily="50" charset="-127"/>
-                <a:cs typeface="Segoe UI" panose="020B0502040204020203" pitchFamily="34" charset="0"/>
-              </a:rPr>
-              <a:t>.</a:t>
-            </a:r>
-          </a:p>
-          <a:p>
-            <a:pPr marL="0" lvl="0" indent="0" rtl="0">
-              <a:spcAft>
-                <a:spcPts val="600"/>
-              </a:spcAft>
-              <a:buNone/>
-              <a:defRPr/>
-            </a:pPr>
-            <a:r>
-              <a:rPr lang="ko-KR" altLang="en-US" sz="1600" dirty="0">
-                <a:solidFill>
-                  <a:schemeClr val="tx1"/>
-                </a:solidFill>
-                <a:latin typeface="맑은 고딕" panose="020B0503020000020004" pitchFamily="50" charset="-127"/>
-                <a:ea typeface="맑은 고딕" panose="020B0503020000020004" pitchFamily="50" charset="-127"/>
-                <a:cs typeface="Segoe UI" panose="020B0502040204020203" pitchFamily="34" charset="0"/>
-              </a:rPr>
-              <a:t>수집 정보는 </a:t>
-            </a:r>
-            <a:r>
-              <a:rPr lang="en-US" altLang="ko-KR" sz="1600" dirty="0">
-                <a:solidFill>
-                  <a:schemeClr val="tx1"/>
-                </a:solidFill>
-                <a:latin typeface="맑은 고딕" panose="020B0503020000020004" pitchFamily="50" charset="-127"/>
-                <a:ea typeface="맑은 고딕" panose="020B0503020000020004" pitchFamily="50" charset="-127"/>
-                <a:cs typeface="Segoe UI" panose="020B0502040204020203" pitchFamily="34" charset="0"/>
-              </a:rPr>
-              <a:t>EDR </a:t>
-            </a:r>
-            <a:r>
-              <a:rPr lang="ko-KR" altLang="en-US" sz="1600" dirty="0">
-                <a:solidFill>
-                  <a:schemeClr val="tx1"/>
-                </a:solidFill>
-                <a:latin typeface="맑은 고딕" panose="020B0503020000020004" pitchFamily="50" charset="-127"/>
-                <a:ea typeface="맑은 고딕" panose="020B0503020000020004" pitchFamily="50" charset="-127"/>
-                <a:cs typeface="Segoe UI" panose="020B0502040204020203" pitchFamily="34" charset="0"/>
-              </a:rPr>
-              <a:t>서버로 전송 및 분석</a:t>
+              <a:t>– PC</a:t>
+            </a:r>
+            <a:r>
+              <a:rPr lang="ko-KR" altLang="en-US" sz="1600" dirty="0">
+                <a:solidFill>
+                  <a:schemeClr val="tx1"/>
+                </a:solidFill>
+                <a:latin typeface="맑은 고딕" panose="020B0503020000020004" pitchFamily="50" charset="-127"/>
+                <a:ea typeface="맑은 고딕" panose="020B0503020000020004" pitchFamily="50" charset="-127"/>
+                <a:cs typeface="Segoe UI" panose="020B0502040204020203" pitchFamily="34" charset="0"/>
+              </a:rPr>
+              <a:t>의 활용 시간과 </a:t>
+            </a:r>
+            <a:r>
+              <a:rPr lang="ko-KR" altLang="en-US" sz="1600" dirty="0" err="1">
+                <a:solidFill>
+                  <a:schemeClr val="tx1"/>
+                </a:solidFill>
+                <a:latin typeface="맑은 고딕" panose="020B0503020000020004" pitchFamily="50" charset="-127"/>
+                <a:ea typeface="맑은 고딕" panose="020B0503020000020004" pitchFamily="50" charset="-127"/>
+                <a:cs typeface="Segoe UI" panose="020B0502040204020203" pitchFamily="34" charset="0"/>
+              </a:rPr>
+              <a:t>비활용</a:t>
+            </a:r>
+            <a:r>
+              <a:rPr lang="ko-KR" altLang="en-US" sz="1600" dirty="0">
+                <a:solidFill>
+                  <a:schemeClr val="tx1"/>
+                </a:solidFill>
+                <a:latin typeface="맑은 고딕" panose="020B0503020000020004" pitchFamily="50" charset="-127"/>
+                <a:ea typeface="맑은 고딕" panose="020B0503020000020004" pitchFamily="50" charset="-127"/>
+                <a:cs typeface="Segoe UI" panose="020B0502040204020203" pitchFamily="34" charset="0"/>
+              </a:rPr>
+              <a:t> 시간을 기록하는 기능</a:t>
             </a:r>
             <a:endParaRPr lang="en-US" altLang="ko-KR" sz="1600" dirty="0">
               <a:solidFill>
@@ -11914,6 +12472,45 @@
               <a:defRPr/>
             </a:pPr>
             <a:r>
+              <a:rPr lang="ko-KR" altLang="en-US" sz="1600" b="1" dirty="0">
+                <a:solidFill>
+                  <a:schemeClr val="tx1"/>
+                </a:solidFill>
+                <a:latin typeface="맑은 고딕" panose="020B0503020000020004" pitchFamily="50" charset="-127"/>
+                <a:ea typeface="맑은 고딕" panose="020B0503020000020004" pitchFamily="50" charset="-127"/>
+                <a:cs typeface="Segoe UI" panose="020B0502040204020203" pitchFamily="34" charset="0"/>
+              </a:rPr>
+              <a:t>인재관리</a:t>
+            </a:r>
+            <a:endParaRPr lang="en-US" altLang="ko-KR" sz="1600" b="1" dirty="0">
+              <a:solidFill>
+                <a:schemeClr val="tx1"/>
+              </a:solidFill>
+              <a:latin typeface="맑은 고딕" panose="020B0503020000020004" pitchFamily="50" charset="-127"/>
+              <a:ea typeface="맑은 고딕" panose="020B0503020000020004" pitchFamily="50" charset="-127"/>
+              <a:cs typeface="Segoe UI" panose="020B0502040204020203" pitchFamily="34" charset="0"/>
+            </a:endParaRPr>
+          </a:p>
+          <a:p>
+            <a:pPr marL="0" lvl="0" indent="0" rtl="0">
+              <a:spcAft>
+                <a:spcPts val="600"/>
+              </a:spcAft>
+              <a:buNone/>
+              <a:defRPr/>
+            </a:pPr>
+            <a:r>
+              <a:rPr lang="ko-KR" altLang="en-US" sz="1600" dirty="0">
+                <a:solidFill>
+                  <a:schemeClr val="tx1"/>
+                </a:solidFill>
+                <a:latin typeface="맑은 고딕" panose="020B0503020000020004" pitchFamily="50" charset="-127"/>
+                <a:ea typeface="맑은 고딕" panose="020B0503020000020004" pitchFamily="50" charset="-127"/>
+                <a:cs typeface="Segoe UI" panose="020B0502040204020203" pitchFamily="34" charset="0"/>
+              </a:rPr>
+              <a:t>취업사이트 접속내역 수집정책 </a:t>
+            </a:r>
+            <a:r>
               <a:rPr lang="en-US" altLang="ko-KR" sz="1600" dirty="0">
                 <a:solidFill>
                   <a:schemeClr val="tx1"/>
@@ -11922,84 +12519,18 @@
                 <a:ea typeface="맑은 고딕" panose="020B0503020000020004" pitchFamily="50" charset="-127"/>
                 <a:cs typeface="Segoe UI" panose="020B0502040204020203" pitchFamily="34" charset="0"/>
               </a:rPr>
-              <a:t>2. </a:t>
-            </a:r>
-            <a:r>
-              <a:rPr lang="ko-KR" altLang="en-US" sz="1600" dirty="0">
-                <a:solidFill>
-                  <a:schemeClr val="tx1"/>
-                </a:solidFill>
-                <a:latin typeface="맑은 고딕" panose="020B0503020000020004" pitchFamily="50" charset="-127"/>
-                <a:ea typeface="맑은 고딕" panose="020B0503020000020004" pitchFamily="50" charset="-127"/>
-                <a:cs typeface="Segoe UI" panose="020B0502040204020203" pitchFamily="34" charset="0"/>
-              </a:rPr>
-              <a:t>악성코드로 판명된 정보가 있을 경우 해당 패턴을 </a:t>
-            </a:r>
-            <a:r>
-              <a:rPr lang="en-US" altLang="ko-KR" sz="1600" dirty="0">
-                <a:solidFill>
-                  <a:schemeClr val="tx1"/>
-                </a:solidFill>
-                <a:latin typeface="맑은 고딕" panose="020B0503020000020004" pitchFamily="50" charset="-127"/>
-                <a:ea typeface="맑은 고딕" panose="020B0503020000020004" pitchFamily="50" charset="-127"/>
-                <a:cs typeface="Segoe UI" panose="020B0502040204020203" pitchFamily="34" charset="0"/>
-              </a:rPr>
-              <a:t>EDR</a:t>
-            </a:r>
-            <a:r>
-              <a:rPr lang="ko-KR" altLang="en-US" sz="1600" dirty="0">
-                <a:solidFill>
-                  <a:schemeClr val="tx1"/>
-                </a:solidFill>
-                <a:latin typeface="맑은 고딕" panose="020B0503020000020004" pitchFamily="50" charset="-127"/>
-                <a:ea typeface="맑은 고딕" panose="020B0503020000020004" pitchFamily="50" charset="-127"/>
-                <a:cs typeface="Segoe UI" panose="020B0502040204020203" pitchFamily="34" charset="0"/>
-              </a:rPr>
-              <a:t>엔진에 업데이트 한다</a:t>
-            </a:r>
-            <a:r>
-              <a:rPr lang="en-US" altLang="ko-KR" sz="1600" dirty="0">
-                <a:solidFill>
-                  <a:schemeClr val="tx1"/>
-                </a:solidFill>
-                <a:latin typeface="맑은 고딕" panose="020B0503020000020004" pitchFamily="50" charset="-127"/>
-                <a:ea typeface="맑은 고딕" panose="020B0503020000020004" pitchFamily="50" charset="-127"/>
-                <a:cs typeface="Segoe UI" panose="020B0502040204020203" pitchFamily="34" charset="0"/>
-              </a:rPr>
-              <a:t>. </a:t>
-            </a:r>
-            <a:r>
-              <a:rPr lang="ko-KR" altLang="en-US" sz="1600" dirty="0">
-                <a:solidFill>
-                  <a:schemeClr val="tx1"/>
-                </a:solidFill>
-                <a:latin typeface="맑은 고딕" panose="020B0503020000020004" pitchFamily="50" charset="-127"/>
-                <a:ea typeface="맑은 고딕" panose="020B0503020000020004" pitchFamily="50" charset="-127"/>
-                <a:cs typeface="Segoe UI" panose="020B0502040204020203" pitchFamily="34" charset="0"/>
-              </a:rPr>
-              <a:t>사내와 외부 클라우드 </a:t>
-            </a:r>
-            <a:r>
-              <a:rPr lang="en-US" altLang="ko-KR" sz="1600" dirty="0">
-                <a:solidFill>
-                  <a:schemeClr val="tx1"/>
-                </a:solidFill>
-                <a:latin typeface="맑은 고딕" panose="020B0503020000020004" pitchFamily="50" charset="-127"/>
-                <a:ea typeface="맑은 고딕" panose="020B0503020000020004" pitchFamily="50" charset="-127"/>
-                <a:cs typeface="Segoe UI" panose="020B0502040204020203" pitchFamily="34" charset="0"/>
-              </a:rPr>
-              <a:t>EDR</a:t>
-            </a:r>
-            <a:r>
-              <a:rPr lang="ko-KR" altLang="en-US" sz="1600" dirty="0">
-                <a:solidFill>
-                  <a:schemeClr val="tx1"/>
-                </a:solidFill>
-                <a:latin typeface="맑은 고딕" panose="020B0503020000020004" pitchFamily="50" charset="-127"/>
-                <a:ea typeface="맑은 고딕" panose="020B0503020000020004" pitchFamily="50" charset="-127"/>
-                <a:cs typeface="Segoe UI" panose="020B0502040204020203" pitchFamily="34" charset="0"/>
-              </a:rPr>
-              <a:t> 서버에도 적용되기 때문에 악성행위에 대응 가능</a:t>
+              <a:t>– </a:t>
+            </a:r>
+            <a:r>
+              <a:rPr lang="ko-KR" altLang="en-US" sz="1600" dirty="0">
+                <a:solidFill>
+                  <a:schemeClr val="tx1"/>
+                </a:solidFill>
+                <a:latin typeface="맑은 고딕" panose="020B0503020000020004" pitchFamily="50" charset="-127"/>
+                <a:ea typeface="맑은 고딕" panose="020B0503020000020004" pitchFamily="50" charset="-127"/>
+                <a:cs typeface="Segoe UI" panose="020B0502040204020203" pitchFamily="34" charset="0"/>
+              </a:rPr>
+              <a:t>취업사이트 내역을 수집하는 기능</a:t>
             </a:r>
             <a:endParaRPr lang="en-US" altLang="ko-KR" sz="1600" dirty="0">
               <a:solidFill>
@@ -12019,6 +12550,17 @@
               <a:defRPr/>
             </a:pPr>
             <a:r>
+              <a:rPr lang="ko-KR" altLang="en-US" sz="1600" dirty="0">
+                <a:solidFill>
+                  <a:schemeClr val="tx1"/>
+                </a:solidFill>
+                <a:latin typeface="맑은 고딕" panose="020B0503020000020004" pitchFamily="50" charset="-127"/>
+                <a:ea typeface="맑은 고딕" panose="020B0503020000020004" pitchFamily="50" charset="-127"/>
+                <a:cs typeface="Segoe UI" panose="020B0502040204020203" pitchFamily="34" charset="0"/>
+              </a:rPr>
+              <a:t>웹 검색 </a:t>
+            </a:r>
+            <a:r>
               <a:rPr lang="en-US" altLang="ko-KR" sz="1600" dirty="0">
                 <a:solidFill>
                   <a:schemeClr val="tx1"/>
@@ -12027,40 +12569,18 @@
                 <a:ea typeface="맑은 고딕" panose="020B0503020000020004" pitchFamily="50" charset="-127"/>
                 <a:cs typeface="Segoe UI" panose="020B0502040204020203" pitchFamily="34" charset="0"/>
               </a:rPr>
-              <a:t>3. </a:t>
-            </a:r>
-            <a:r>
-              <a:rPr lang="ko-KR" altLang="en-US" sz="1600" dirty="0">
-                <a:solidFill>
-                  <a:schemeClr val="tx1"/>
-                </a:solidFill>
-                <a:latin typeface="맑은 고딕" panose="020B0503020000020004" pitchFamily="50" charset="-127"/>
-                <a:ea typeface="맑은 고딕" panose="020B0503020000020004" pitchFamily="50" charset="-127"/>
-                <a:cs typeface="Segoe UI" panose="020B0502040204020203" pitchFamily="34" charset="0"/>
-              </a:rPr>
-              <a:t>패턴 업데이트 부분에서 안티바이러스와의 차이점이 있다면 안티바이러스는 </a:t>
-            </a:r>
-            <a:r>
-              <a:rPr lang="ko-KR" altLang="en-US" sz="1600" dirty="0" err="1">
-                <a:solidFill>
-                  <a:schemeClr val="tx1"/>
-                </a:solidFill>
-                <a:latin typeface="맑은 고딕" panose="020B0503020000020004" pitchFamily="50" charset="-127"/>
-                <a:ea typeface="맑은 고딕" panose="020B0503020000020004" pitchFamily="50" charset="-127"/>
-                <a:cs typeface="Segoe UI" panose="020B0502040204020203" pitchFamily="34" charset="0"/>
-              </a:rPr>
-              <a:t>시그니처</a:t>
-            </a:r>
-            <a:r>
-              <a:rPr lang="ko-KR" altLang="en-US" sz="1600" dirty="0">
-                <a:solidFill>
-                  <a:schemeClr val="tx1"/>
-                </a:solidFill>
-                <a:latin typeface="맑은 고딕" panose="020B0503020000020004" pitchFamily="50" charset="-127"/>
-                <a:ea typeface="맑은 고딕" panose="020B0503020000020004" pitchFamily="50" charset="-127"/>
-                <a:cs typeface="Segoe UI" panose="020B0502040204020203" pitchFamily="34" charset="0"/>
-              </a:rPr>
-              <a:t> 기반의 탐지방식을 사용하고 있으며 </a:t>
+              <a:t>, </a:t>
+            </a:r>
+            <a:r>
+              <a:rPr lang="ko-KR" altLang="en-US" sz="1600" dirty="0">
+                <a:solidFill>
+                  <a:schemeClr val="tx1"/>
+                </a:solidFill>
+                <a:latin typeface="맑은 고딕" panose="020B0503020000020004" pitchFamily="50" charset="-127"/>
+                <a:ea typeface="맑은 고딕" panose="020B0503020000020004" pitchFamily="50" charset="-127"/>
+                <a:cs typeface="Segoe UI" panose="020B0502040204020203" pitchFamily="34" charset="0"/>
+              </a:rPr>
+              <a:t>문서 활용 내역 수집정책 </a:t>
             </a:r>
             <a:r>
               <a:rPr lang="en-US" altLang="ko-KR" sz="1600" dirty="0">
@@ -12071,84 +12591,34 @@
                 <a:ea typeface="맑은 고딕" panose="020B0503020000020004" pitchFamily="50" charset="-127"/>
                 <a:cs typeface="Segoe UI" panose="020B0502040204020203" pitchFamily="34" charset="0"/>
               </a:rPr>
-              <a:t>EDR</a:t>
-            </a:r>
-            <a:r>
-              <a:rPr lang="ko-KR" altLang="en-US" sz="1600" dirty="0">
-                <a:solidFill>
-                  <a:schemeClr val="tx1"/>
-                </a:solidFill>
-                <a:latin typeface="맑은 고딕" panose="020B0503020000020004" pitchFamily="50" charset="-127"/>
-                <a:ea typeface="맑은 고딕" panose="020B0503020000020004" pitchFamily="50" charset="-127"/>
-                <a:cs typeface="Segoe UI" panose="020B0502040204020203" pitchFamily="34" charset="0"/>
-              </a:rPr>
-              <a:t>은 행위기반을 통해 탐지한다</a:t>
-            </a:r>
-            <a:r>
-              <a:rPr lang="en-US" altLang="ko-KR" sz="1600" dirty="0">
-                <a:solidFill>
-                  <a:schemeClr val="tx1"/>
-                </a:solidFill>
-                <a:latin typeface="맑은 고딕" panose="020B0503020000020004" pitchFamily="50" charset="-127"/>
-                <a:ea typeface="맑은 고딕" panose="020B0503020000020004" pitchFamily="50" charset="-127"/>
-                <a:cs typeface="Segoe UI" panose="020B0502040204020203" pitchFamily="34" charset="0"/>
-              </a:rPr>
-              <a:t>.</a:t>
-            </a:r>
+              <a:t>– </a:t>
+            </a:r>
+            <a:r>
+              <a:rPr lang="ko-KR" altLang="en-US" sz="1600" dirty="0">
+                <a:solidFill>
+                  <a:schemeClr val="tx1"/>
+                </a:solidFill>
+                <a:latin typeface="맑은 고딕" panose="020B0503020000020004" pitchFamily="50" charset="-127"/>
+                <a:ea typeface="맑은 고딕" panose="020B0503020000020004" pitchFamily="50" charset="-127"/>
+                <a:cs typeface="Segoe UI" panose="020B0502040204020203" pitchFamily="34" charset="0"/>
+              </a:rPr>
+              <a:t>웹이나 문서에서 취업에 대한 내용들을 금칙어로 설정하는 기능</a:t>
+            </a:r>
+            <a:endParaRPr lang="en-US" altLang="ko-KR" sz="1600" dirty="0">
+              <a:solidFill>
+                <a:schemeClr val="tx1"/>
+              </a:solidFill>
+              <a:latin typeface="맑은 고딕" panose="020B0503020000020004" pitchFamily="50" charset="-127"/>
+              <a:ea typeface="맑은 고딕" panose="020B0503020000020004" pitchFamily="50" charset="-127"/>
+              <a:cs typeface="Segoe UI" panose="020B0502040204020203" pitchFamily="34" charset="0"/>
+            </a:endParaRPr>
           </a:p>
         </p:txBody>
       </p:sp>
-      <p:pic>
-        <p:nvPicPr>
-          <p:cNvPr id="1026" name="Picture 2">
-            <a:extLst>
-              <a:ext uri="{FF2B5EF4-FFF2-40B4-BE49-F238E27FC236}">
-                <a16:creationId xmlns:a16="http://schemas.microsoft.com/office/drawing/2014/main" id="{6729E0D5-62F6-4FA0-89C6-649B9362888B}"/>
-              </a:ext>
-            </a:extLst>
-          </p:cNvPr>
-          <p:cNvPicPr>
-            <a:picLocks noChangeAspect="1" noChangeArrowheads="1"/>
-          </p:cNvPicPr>
-          <p:nvPr/>
-        </p:nvPicPr>
-        <p:blipFill>
-          <a:blip r:embed="rId3">
-            <a:extLst>
-              <a:ext uri="{28A0092B-C50C-407E-A947-70E740481C1C}">
-                <a14:useLocalDpi xmlns:a14="http://schemas.microsoft.com/office/drawing/2010/main" val="0"/>
-              </a:ext>
-            </a:extLst>
-          </a:blip>
-          <a:srcRect/>
-          <a:stretch>
-            <a:fillRect/>
-          </a:stretch>
-        </p:blipFill>
-        <p:spPr bwMode="auto">
-          <a:xfrm>
-            <a:off x="4340225" y="1739900"/>
-            <a:ext cx="3511550" cy="2049626"/>
-          </a:xfrm>
-          <a:prstGeom prst="rect">
-            <a:avLst/>
-          </a:prstGeom>
-          <a:noFill/>
-          <a:extLst>
-            <a:ext uri="{909E8E84-426E-40DD-AFC4-6F175D3DCCD1}">
-              <a14:hiddenFill xmlns:a14="http://schemas.microsoft.com/office/drawing/2010/main">
-                <a:solidFill>
-                  <a:srgbClr val="FFFFFF"/>
-                </a:solidFill>
-              </a14:hiddenFill>
-            </a:ext>
-          </a:extLst>
-        </p:spPr>
-      </p:pic>
     </p:spTree>
     <p:extLst>
       <p:ext uri="{BB962C8B-B14F-4D97-AF65-F5344CB8AC3E}">
-        <p14:creationId xmlns:p14="http://schemas.microsoft.com/office/powerpoint/2010/main" val="1711254318"/>
+        <p14:creationId xmlns:p14="http://schemas.microsoft.com/office/powerpoint/2010/main" val="905989944"/>
       </p:ext>
     </p:extLst>
   </p:cSld>
@@ -12933,15 +13403,6 @@
 </file>
 
 <file path=customXml/item2.xml><?xml version="1.0" encoding="utf-8"?>
-<?mso-contentType ?>
-<FormTemplates xmlns="http://schemas.microsoft.com/sharepoint/v3/contenttype/forms">
-  <Display>DocumentLibraryForm</Display>
-  <Edit>DocumentLibraryForm</Edit>
-  <New>DocumentLibraryForm</New>
-</FormTemplates>
-</file>
-
-<file path=customXml/item3.xml><?xml version="1.0" encoding="utf-8"?>
 <ct:contentTypeSchema xmlns:ct="http://schemas.microsoft.com/office/2006/metadata/contentType" xmlns:ma="http://schemas.microsoft.com/office/2006/metadata/properties/metaAttributes" ct:_="" ma:_="" ma:contentTypeName="Document" ma:contentTypeID="0x01010079F111ED35F8CC479449609E8A0923A6" ma:contentTypeVersion="12" ma:contentTypeDescription="Create a new document." ma:contentTypeScope="" ma:versionID="a8a52e8c320b9a064ae3583ae3861c92">
   <xsd:schema xmlns:xsd="http://www.w3.org/2001/XMLSchema" xmlns:xs="http://www.w3.org/2001/XMLSchema" xmlns:p="http://schemas.microsoft.com/office/2006/metadata/properties" xmlns:ns2="71af3243-3dd4-4a8d-8c0d-dd76da1f02a5" xmlns:ns3="16c05727-aa75-4e4a-9b5f-8a80a1165891" targetNamespace="http://schemas.microsoft.com/office/2006/metadata/properties" ma:root="true" ma:fieldsID="88020cb39231a0945110f9cd888b521a" ns2:_="" ns3:_="">
     <xsd:import namespace="71af3243-3dd4-4a8d-8c0d-dd76da1f02a5"/>
@@ -13162,6 +13623,15 @@
 </ct:contentTypeSchema>
 </file>
 
+<file path=customXml/item3.xml><?xml version="1.0" encoding="utf-8"?>
+<?mso-contentType ?>
+<FormTemplates xmlns="http://schemas.microsoft.com/sharepoint/v3/contenttype/forms">
+  <Display>DocumentLibraryForm</Display>
+  <Edit>DocumentLibraryForm</Edit>
+  <New>DocumentLibraryForm</New>
+</FormTemplates>
+</file>
+
 <file path=customXml/itemProps1.xml><?xml version="1.0" encoding="utf-8"?>
 <ds:datastoreItem xmlns:ds="http://schemas.openxmlformats.org/officeDocument/2006/customXml" ds:itemID="{950072C5-DDE0-4258-BA7A-4D4B80DFA632}">
   <ds:schemaRefs>
@@ -13180,14 +13650,6 @@
 </file>
 
 <file path=customXml/itemProps2.xml><?xml version="1.0" encoding="utf-8"?>
-<ds:datastoreItem xmlns:ds="http://schemas.openxmlformats.org/officeDocument/2006/customXml" ds:itemID="{7EE8C63A-4744-4DE4-BB49-0FF0B5375C60}">
-  <ds:schemaRefs>
-    <ds:schemaRef ds:uri="http://schemas.microsoft.com/sharepoint/v3/contenttype/forms"/>
-  </ds:schemaRefs>
-</ds:datastoreItem>
-</file>
-
-<file path=customXml/itemProps3.xml><?xml version="1.0" encoding="utf-8"?>
 <ds:datastoreItem xmlns:ds="http://schemas.openxmlformats.org/officeDocument/2006/customXml" ds:itemID="{FD7FC771-7DFE-49DA-B577-71181BFBCB2E}">
   <ds:schemaRefs>
     <ds:schemaRef ds:uri="http://schemas.microsoft.com/office/2006/metadata/contentType"/>
@@ -13204,4 +13666,12 @@
     <ds:schemaRef ds:uri="http://schemas.microsoft.com/internal/obd"/>
   </ds:schemaRefs>
 </ds:datastoreItem>
+</file>
+
+<file path=customXml/itemProps3.xml><?xml version="1.0" encoding="utf-8"?>
+<ds:datastoreItem xmlns:ds="http://schemas.openxmlformats.org/officeDocument/2006/customXml" ds:itemID="{7EE8C63A-4744-4DE4-BB49-0FF0B5375C60}">
+  <ds:schemaRefs>
+    <ds:schemaRef ds:uri="http://schemas.microsoft.com/sharepoint/v3/contenttype/forms"/>
+  </ds:schemaRefs>
+</ds:datastoreItem>
 </file>
--- a/에이전트발표.pptx
+++ b/에이전트발표.pptx
@@ -6448,11 +6448,11 @@
   <p:clrMapOvr>
     <a:masterClrMapping/>
   </p:clrMapOvr>
-  <mc:AlternateContent xmlns:mc="http://schemas.openxmlformats.org/markup-compatibility/2006">
-    <mc:Choice xmlns:p14="http://schemas.microsoft.com/office/powerpoint/2010/main" Requires="p14">
+  <mc:AlternateContent xmlns:mc="http://schemas.openxmlformats.org/markup-compatibility/2006" xmlns:p14="http://schemas.microsoft.com/office/powerpoint/2010/main">
+    <mc:Choice Requires="p14">
       <p:transition p14:dur="10"/>
     </mc:Choice>
-    <mc:Fallback>
+    <mc:Fallback xmlns="">
       <p:transition/>
     </mc:Fallback>
   </mc:AlternateContent>
@@ -12709,11 +12709,11 @@
   <p:clrMapOvr>
     <a:masterClrMapping/>
   </p:clrMapOvr>
-  <mc:AlternateContent xmlns:mc="http://schemas.openxmlformats.org/markup-compatibility/2006">
-    <mc:Choice xmlns:p14="http://schemas.microsoft.com/office/powerpoint/2010/main" Requires="p14">
+  <mc:AlternateContent xmlns:mc="http://schemas.openxmlformats.org/markup-compatibility/2006" xmlns:p14="http://schemas.microsoft.com/office/powerpoint/2010/main">
+    <mc:Choice Requires="p14">
       <p:transition p14:dur="10"/>
     </mc:Choice>
-    <mc:Fallback>
+    <mc:Fallback xmlns="">
       <p:transition/>
     </mc:Fallback>
   </mc:AlternateContent>
@@ -13222,11 +13222,11 @@
   <p:clrMapOvr>
     <a:masterClrMapping/>
   </p:clrMapOvr>
-  <mc:AlternateContent xmlns:mc="http://schemas.openxmlformats.org/markup-compatibility/2006">
-    <mc:Choice xmlns:p14="http://schemas.microsoft.com/office/powerpoint/2010/main" Requires="p14">
+  <mc:AlternateContent xmlns:mc="http://schemas.openxmlformats.org/markup-compatibility/2006" xmlns:p14="http://schemas.microsoft.com/office/powerpoint/2010/main">
+    <mc:Choice Requires="p14">
       <p:transition p14:dur="10"/>
     </mc:Choice>
-    <mc:Fallback>
+    <mc:Fallback xmlns="">
       <p:transition/>
     </mc:Fallback>
   </mc:AlternateContent>
@@ -13925,11 +13925,11 @@
   <p:clrMapOvr>
     <a:masterClrMapping/>
   </p:clrMapOvr>
-  <mc:AlternateContent xmlns:mc="http://schemas.openxmlformats.org/markup-compatibility/2006">
-    <mc:Choice xmlns:p14="http://schemas.microsoft.com/office/powerpoint/2010/main" Requires="p14">
+  <mc:AlternateContent xmlns:mc="http://schemas.openxmlformats.org/markup-compatibility/2006" xmlns:p14="http://schemas.microsoft.com/office/powerpoint/2010/main">
+    <mc:Choice Requires="p14">
       <p:transition p14:dur="10"/>
     </mc:Choice>
-    <mc:Fallback>
+    <mc:Fallback xmlns="">
       <p:transition/>
     </mc:Fallback>
   </mc:AlternateContent>
@@ -15166,21 +15166,21 @@
 </file>
 
 <file path=customXml/item1.xml><?xml version="1.0" encoding="utf-8"?>
+<?mso-contentType ?>
+<FormTemplates xmlns="http://schemas.microsoft.com/sharepoint/v3/contenttype/forms">
+  <Display>DocumentLibraryForm</Display>
+  <Edit>DocumentLibraryForm</Edit>
+  <New>DocumentLibraryForm</New>
+</FormTemplates>
+</file>
+
+<file path=customXml/item2.xml><?xml version="1.0" encoding="utf-8"?>
 <p:properties xmlns:p="http://schemas.microsoft.com/office/2006/metadata/properties" xmlns:xsi="http://www.w3.org/2001/XMLSchema-instance" xmlns:pc="http://schemas.microsoft.com/office/infopath/2007/PartnerControls">
   <documentManagement>
     <Status xmlns="71af3243-3dd4-4a8d-8c0d-dd76da1f02a5">Not started</Status>
     <MediaServiceKeyPoints xmlns="71af3243-3dd4-4a8d-8c0d-dd76da1f02a5" xsi:nil="true"/>
   </documentManagement>
 </p:properties>
-</file>
-
-<file path=customXml/item2.xml><?xml version="1.0" encoding="utf-8"?>
-<?mso-contentType ?>
-<FormTemplates xmlns="http://schemas.microsoft.com/sharepoint/v3/contenttype/forms">
-  <Display>DocumentLibraryForm</Display>
-  <Edit>DocumentLibraryForm</Edit>
-  <New>DocumentLibraryForm</New>
-</FormTemplates>
 </file>
 
 <file path=customXml/item3.xml><?xml version="1.0" encoding="utf-8"?>
@@ -15405,6 +15405,14 @@
 </file>
 
 <file path=customXml/itemProps1.xml><?xml version="1.0" encoding="utf-8"?>
+<ds:datastoreItem xmlns:ds="http://schemas.openxmlformats.org/officeDocument/2006/customXml" ds:itemID="{7EE8C63A-4744-4DE4-BB49-0FF0B5375C60}">
+  <ds:schemaRefs>
+    <ds:schemaRef ds:uri="http://schemas.microsoft.com/sharepoint/v3/contenttype/forms"/>
+  </ds:schemaRefs>
+</ds:datastoreItem>
+</file>
+
+<file path=customXml/itemProps2.xml><?xml version="1.0" encoding="utf-8"?>
 <ds:datastoreItem xmlns:ds="http://schemas.openxmlformats.org/officeDocument/2006/customXml" ds:itemID="{950072C5-DDE0-4258-BA7A-4D4B80DFA632}">
   <ds:schemaRefs>
     <ds:schemaRef ds:uri="http://purl.org/dc/terms/"/>
@@ -15417,14 +15425,6 @@
     <ds:schemaRef ds:uri="http://schemas.openxmlformats.org/package/2006/metadata/core-properties"/>
     <ds:schemaRef ds:uri="16c05727-aa75-4e4a-9b5f-8a80a1165891"/>
     <ds:schemaRef ds:uri="71af3243-3dd4-4a8d-8c0d-dd76da1f02a5"/>
-  </ds:schemaRefs>
-</ds:datastoreItem>
-</file>
-
-<file path=customXml/itemProps2.xml><?xml version="1.0" encoding="utf-8"?>
-<ds:datastoreItem xmlns:ds="http://schemas.openxmlformats.org/officeDocument/2006/customXml" ds:itemID="{7EE8C63A-4744-4DE4-BB49-0FF0B5375C60}">
-  <ds:schemaRefs>
-    <ds:schemaRef ds:uri="http://schemas.microsoft.com/sharepoint/v3/contenttype/forms"/>
   </ds:schemaRefs>
 </ds:datastoreItem>
 </file>

--- a/에이전트발표.pptx
+++ b/에이전트발표.pptx
@@ -5,30 +5,31 @@
     <p:sldMasterId id="2147483660" r:id="rId4"/>
   </p:sldMasterIdLst>
   <p:notesMasterIdLst>
-    <p:notesMasterId r:id="rId23"/>
+    <p:notesMasterId r:id="rId24"/>
   </p:notesMasterIdLst>
   <p:handoutMasterIdLst>
-    <p:handoutMasterId r:id="rId24"/>
+    <p:handoutMasterId r:id="rId25"/>
   </p:handoutMasterIdLst>
   <p:sldIdLst>
     <p:sldId id="290" r:id="rId5"/>
     <p:sldId id="288" r:id="rId6"/>
     <p:sldId id="283" r:id="rId7"/>
     <p:sldId id="284" r:id="rId8"/>
-    <p:sldId id="298" r:id="rId9"/>
-    <p:sldId id="299" r:id="rId10"/>
-    <p:sldId id="293" r:id="rId11"/>
-    <p:sldId id="300" r:id="rId12"/>
+    <p:sldId id="293" r:id="rId9"/>
+    <p:sldId id="300" r:id="rId10"/>
+    <p:sldId id="298" r:id="rId11"/>
+    <p:sldId id="299" r:id="rId12"/>
     <p:sldId id="271" r:id="rId13"/>
     <p:sldId id="295" r:id="rId14"/>
     <p:sldId id="285" r:id="rId15"/>
     <p:sldId id="296" r:id="rId16"/>
     <p:sldId id="287" r:id="rId17"/>
     <p:sldId id="297" r:id="rId18"/>
-    <p:sldId id="286" r:id="rId19"/>
-    <p:sldId id="291" r:id="rId20"/>
-    <p:sldId id="292" r:id="rId21"/>
-    <p:sldId id="294" r:id="rId22"/>
+    <p:sldId id="301" r:id="rId19"/>
+    <p:sldId id="286" r:id="rId20"/>
+    <p:sldId id="291" r:id="rId21"/>
+    <p:sldId id="292" r:id="rId22"/>
+    <p:sldId id="294" r:id="rId23"/>
   </p:sldIdLst>
   <p:sldSz cx="12192000" cy="6858000"/>
   <p:notesSz cx="6858000" cy="9144000"/>
@@ -136,10 +137,10 @@
             <p14:sldId id="288"/>
             <p14:sldId id="283"/>
             <p14:sldId id="284"/>
+            <p14:sldId id="293"/>
+            <p14:sldId id="300"/>
             <p14:sldId id="298"/>
             <p14:sldId id="299"/>
-            <p14:sldId id="293"/>
-            <p14:sldId id="300"/>
           </p14:sldIdLst>
         </p14:section>
         <p14:section name="디자인, 모핑, 주석 달기, 공동 작업, 입력하세요" id="{B9B51309-D148-4332-87C2-07BE32FBCA3B}">
@@ -150,6 +151,7 @@
             <p14:sldId id="296"/>
             <p14:sldId id="287"/>
             <p14:sldId id="297"/>
+            <p14:sldId id="301"/>
             <p14:sldId id="286"/>
             <p14:sldId id="291"/>
             <p14:sldId id="292"/>
@@ -278,7 +280,7 @@
                 <a:latin typeface="+mj-ea"/>
                 <a:ea typeface="+mj-ea"/>
               </a:rPr>
-              <a:t>2021-12-01</a:t>
+              <a:t>2021-12-02</a:t>
             </a:fld>
             <a:endParaRPr lang="ko-KR" altLang="en-US" dirty="0">
               <a:latin typeface="+mj-ea"/>
@@ -464,7 +466,7 @@
             <a:fld id="{DC06A2C1-A9EB-4898-A387-106DFED4BED0}" type="datetime1">
               <a:rPr lang="ko-KR" altLang="en-US" smtClean="0"/>
               <a:pPr/>
-              <a:t>2021-12-01</a:t>
+              <a:t>2021-12-02</a:t>
             </a:fld>
             <a:endParaRPr lang="ko-KR" altLang="en-US" dirty="0"/>
           </a:p>
@@ -1173,7 +1175,7 @@
     </p:spTree>
     <p:extLst>
       <p:ext uri="{BB962C8B-B14F-4D97-AF65-F5344CB8AC3E}">
-        <p14:creationId xmlns:p14="http://schemas.microsoft.com/office/powerpoint/2010/main" val="726773243"/>
+        <p14:creationId xmlns:p14="http://schemas.microsoft.com/office/powerpoint/2010/main" val="693661152"/>
       </p:ext>
     </p:extLst>
   </p:cSld>
@@ -1261,7 +1263,7 @@
     </p:spTree>
     <p:extLst>
       <p:ext uri="{BB962C8B-B14F-4D97-AF65-F5344CB8AC3E}">
-        <p14:creationId xmlns:p14="http://schemas.microsoft.com/office/powerpoint/2010/main" val="3298557689"/>
+        <p14:creationId xmlns:p14="http://schemas.microsoft.com/office/powerpoint/2010/main" val="726773243"/>
       </p:ext>
     </p:extLst>
   </p:cSld>
@@ -1349,7 +1351,7 @@
     </p:spTree>
     <p:extLst>
       <p:ext uri="{BB962C8B-B14F-4D97-AF65-F5344CB8AC3E}">
-        <p14:creationId xmlns:p14="http://schemas.microsoft.com/office/powerpoint/2010/main" val="3359627088"/>
+        <p14:creationId xmlns:p14="http://schemas.microsoft.com/office/powerpoint/2010/main" val="3298557689"/>
       </p:ext>
     </p:extLst>
   </p:cSld>
@@ -1429,6 +1431,94 @@
               <a:rPr lang="en-US" altLang="ko-KR" smtClean="0"/>
               <a:pPr/>
               <a:t>18</a:t>
+            </a:fld>
+            <a:endParaRPr lang="ko-KR" altLang="en-US" dirty="0"/>
+          </a:p>
+        </p:txBody>
+      </p:sp>
+    </p:spTree>
+    <p:extLst>
+      <p:ext uri="{BB962C8B-B14F-4D97-AF65-F5344CB8AC3E}">
+        <p14:creationId xmlns:p14="http://schemas.microsoft.com/office/powerpoint/2010/main" val="3359627088"/>
+      </p:ext>
+    </p:extLst>
+  </p:cSld>
+  <p:clrMapOvr>
+    <a:masterClrMapping/>
+  </p:clrMapOvr>
+</p:notes>
+</file>
+
+<file path=ppt/notesSlides/notesSlide17.xml><?xml version="1.0" encoding="utf-8"?>
+<p:notes xmlns:a="http://schemas.openxmlformats.org/drawingml/2006/main" xmlns:r="http://schemas.openxmlformats.org/officeDocument/2006/relationships" xmlns:p="http://schemas.openxmlformats.org/presentationml/2006/main">
+  <p:cSld>
+    <p:spTree>
+      <p:nvGrpSpPr>
+        <p:cNvPr id="1" name=""/>
+        <p:cNvGrpSpPr/>
+        <p:nvPr/>
+      </p:nvGrpSpPr>
+      <p:grpSpPr>
+        <a:xfrm>
+          <a:off x="0" y="0"/>
+          <a:ext cx="0" cy="0"/>
+          <a:chOff x="0" y="0"/>
+          <a:chExt cx="0" cy="0"/>
+        </a:xfrm>
+      </p:grpSpPr>
+      <p:sp>
+        <p:nvSpPr>
+          <p:cNvPr id="2" name="슬라이드 이미지 개체 틀 1"/>
+          <p:cNvSpPr>
+            <a:spLocks noGrp="1" noRot="1" noChangeAspect="1"/>
+          </p:cNvSpPr>
+          <p:nvPr>
+            <p:ph type="sldImg"/>
+          </p:nvPr>
+        </p:nvSpPr>
+        <p:spPr/>
+      </p:sp>
+      <p:sp>
+        <p:nvSpPr>
+          <p:cNvPr id="3" name="슬라이드 노트 개체 틀 2"/>
+          <p:cNvSpPr>
+            <a:spLocks noGrp="1"/>
+          </p:cNvSpPr>
+          <p:nvPr>
+            <p:ph type="body" idx="1"/>
+          </p:nvPr>
+        </p:nvSpPr>
+        <p:spPr/>
+        <p:txBody>
+          <a:bodyPr/>
+          <a:lstStyle/>
+          <a:p>
+            <a:endParaRPr lang="ko-KR" altLang="en-US" noProof="0" dirty="0">
+              <a:latin typeface="+mj-ea"/>
+              <a:ea typeface="+mj-ea"/>
+            </a:endParaRPr>
+          </a:p>
+        </p:txBody>
+      </p:sp>
+      <p:sp>
+        <p:nvSpPr>
+          <p:cNvPr id="4" name="슬라이드 번호 개체 틀 3"/>
+          <p:cNvSpPr>
+            <a:spLocks noGrp="1"/>
+          </p:cNvSpPr>
+          <p:nvPr>
+            <p:ph type="sldNum" sz="quarter" idx="10"/>
+          </p:nvPr>
+        </p:nvSpPr>
+        <p:spPr/>
+        <p:txBody>
+          <a:bodyPr/>
+          <a:lstStyle/>
+          <a:p>
+            <a:fld id="{DF61EA0F-A667-4B49-8422-0062BC55E249}" type="slidenum">
+              <a:rPr lang="en-US" altLang="ko-KR" smtClean="0"/>
+              <a:pPr/>
+              <a:t>19</a:t>
             </a:fld>
             <a:endParaRPr lang="ko-KR" altLang="en-US" dirty="0"/>
           </a:p>
@@ -1613,7 +1703,7 @@
     </p:spTree>
     <p:extLst>
       <p:ext uri="{BB962C8B-B14F-4D97-AF65-F5344CB8AC3E}">
-        <p14:creationId xmlns:p14="http://schemas.microsoft.com/office/powerpoint/2010/main" val="3854978403"/>
+        <p14:creationId xmlns:p14="http://schemas.microsoft.com/office/powerpoint/2010/main" val="3782777789"/>
       </p:ext>
     </p:extLst>
   </p:cSld>
@@ -1701,7 +1791,7 @@
     </p:spTree>
     <p:extLst>
       <p:ext uri="{BB962C8B-B14F-4D97-AF65-F5344CB8AC3E}">
-        <p14:creationId xmlns:p14="http://schemas.microsoft.com/office/powerpoint/2010/main" val="4084593532"/>
+        <p14:creationId xmlns:p14="http://schemas.microsoft.com/office/powerpoint/2010/main" val="3233843474"/>
       </p:ext>
     </p:extLst>
   </p:cSld>
@@ -1789,7 +1879,7 @@
     </p:spTree>
     <p:extLst>
       <p:ext uri="{BB962C8B-B14F-4D97-AF65-F5344CB8AC3E}">
-        <p14:creationId xmlns:p14="http://schemas.microsoft.com/office/powerpoint/2010/main" val="3782777789"/>
+        <p14:creationId xmlns:p14="http://schemas.microsoft.com/office/powerpoint/2010/main" val="3854978403"/>
       </p:ext>
     </p:extLst>
   </p:cSld>
@@ -1877,7 +1967,7 @@
     </p:spTree>
     <p:extLst>
       <p:ext uri="{BB962C8B-B14F-4D97-AF65-F5344CB8AC3E}">
-        <p14:creationId xmlns:p14="http://schemas.microsoft.com/office/powerpoint/2010/main" val="3233843474"/>
+        <p14:creationId xmlns:p14="http://schemas.microsoft.com/office/powerpoint/2010/main" val="4084593532"/>
       </p:ext>
     </p:extLst>
   </p:cSld>
@@ -2618,7 +2708,7 @@
           <a:p>
             <a:fld id="{4EBB724D-71E1-4DCA-86A7-3E42B461DE10}" type="datetime1">
               <a:rPr lang="ko-KR" altLang="en-US" smtClean="0"/>
-              <a:t>2021-12-01</a:t>
+              <a:t>2021-12-02</a:t>
             </a:fld>
             <a:endParaRPr lang="ko-KR" altLang="en-US" dirty="0"/>
           </a:p>
@@ -3273,7 +3363,7 @@
           <a:p>
             <a:fld id="{664DCE5A-71AA-4BD9-B96E-5BE2121D3AB0}" type="datetime1">
               <a:rPr lang="ko-KR" altLang="en-US" smtClean="0"/>
-              <a:t>2021-12-01</a:t>
+              <a:t>2021-12-02</a:t>
             </a:fld>
             <a:endParaRPr lang="ko-KR" altLang="en-US" dirty="0"/>
           </a:p>
@@ -6062,7 +6152,7 @@
                 <a:ea typeface="맑은 고딕" panose="020B0503020000020004" pitchFamily="50" charset="-127"/>
                 <a:cs typeface="Segoe UI" panose="020B0502040204020203" pitchFamily="34" charset="0"/>
               </a:rPr>
-              <a:t>파일 자동</a:t>
+              <a:t>자동</a:t>
             </a:r>
             <a:r>
               <a:rPr lang="en-US" altLang="ko-KR" sz="1600" dirty="0">
@@ -6084,19 +6174,16 @@
                 <a:ea typeface="맑은 고딕" panose="020B0503020000020004" pitchFamily="50" charset="-127"/>
                 <a:cs typeface="Segoe UI" panose="020B0502040204020203" pitchFamily="34" charset="0"/>
               </a:rPr>
-              <a:t>수동 암호화를 통해 비밀번호 잠금 기능이 있다</a:t>
-            </a:r>
-            <a:r>
-              <a:rPr lang="en-US" altLang="ko-KR" sz="1600" dirty="0">
-                <a:solidFill>
-                  <a:schemeClr val="tx1"/>
-                </a:solidFill>
-                <a:latin typeface="맑은 고딕" panose="020B0503020000020004" pitchFamily="50" charset="-127"/>
-                <a:ea typeface="맑은 고딕" panose="020B0503020000020004" pitchFamily="50" charset="-127"/>
-                <a:cs typeface="Segoe UI" panose="020B0502040204020203" pitchFamily="34" charset="0"/>
-              </a:rPr>
-              <a:t>. </a:t>
-            </a:r>
+              <a:t>수동 암호화를 통해 비밀번호를 설정하고 파일을 잠금상태로 만든다</a:t>
+            </a:r>
+            <a:endParaRPr lang="en-US" altLang="ko-KR" sz="1600" dirty="0">
+              <a:solidFill>
+                <a:schemeClr val="tx1"/>
+              </a:solidFill>
+              <a:latin typeface="맑은 고딕" panose="020B0503020000020004" pitchFamily="50" charset="-127"/>
+              <a:ea typeface="맑은 고딕" panose="020B0503020000020004" pitchFamily="50" charset="-127"/>
+              <a:cs typeface="Segoe UI" panose="020B0502040204020203" pitchFamily="34" charset="0"/>
+            </a:endParaRPr>
           </a:p>
           <a:p>
             <a:pPr marL="0" lvl="0" indent="0" rtl="0">
@@ -6137,7 +6224,7 @@
                 <a:ea typeface="맑은 고딕" panose="020B0503020000020004" pitchFamily="50" charset="-127"/>
                 <a:cs typeface="Segoe UI" panose="020B0502040204020203" pitchFamily="34" charset="0"/>
               </a:rPr>
-              <a:t>mLHD</a:t>
+              <a:t>mLDH</a:t>
             </a:r>
             <a:r>
               <a:rPr lang="ko-KR" altLang="en-US" sz="1600" dirty="0">
@@ -6503,1054 +6590,116 @@
               <a:rPr lang="ko-KR" altLang="en-US" dirty="0">
                 <a:cs typeface="Segoe UI Light" panose="020B0502040204020203" pitchFamily="34" charset="0"/>
               </a:rPr>
-              <a:t>정보 유출 방지</a:t>
+              <a:t> 민감 정보 검사 로직</a:t>
             </a:r>
           </a:p>
         </p:txBody>
       </p:sp>
-      <p:sp>
-        <p:nvSpPr>
-          <p:cNvPr id="38" name="내용 개체 틀 17"/>
-          <p:cNvSpPr txBox="1">
-            <a:spLocks/>
-          </p:cNvSpPr>
+      <p:pic>
+        <p:nvPicPr>
+          <p:cNvPr id="3" name="그림 2">
+            <a:extLst>
+              <a:ext uri="{FF2B5EF4-FFF2-40B4-BE49-F238E27FC236}">
+                <a16:creationId xmlns:a16="http://schemas.microsoft.com/office/drawing/2014/main" id="{A9186715-519E-4648-8408-35FF4301C8B2}"/>
+              </a:ext>
+            </a:extLst>
+          </p:cNvPr>
+          <p:cNvPicPr>
+            <a:picLocks noChangeAspect="1"/>
+          </p:cNvPicPr>
           <p:nvPr/>
-        </p:nvSpPr>
+        </p:nvPicPr>
+        <p:blipFill>
+          <a:blip r:embed="rId3"/>
+          <a:stretch>
+            <a:fillRect/>
+          </a:stretch>
+        </p:blipFill>
         <p:spPr>
           <a:xfrm>
-            <a:off x="541610" y="1524708"/>
-            <a:ext cx="11142390" cy="4885236"/>
+            <a:off x="340318" y="1884044"/>
+            <a:ext cx="6051856" cy="3907155"/>
           </a:xfrm>
           <a:prstGeom prst="rect">
             <a:avLst/>
           </a:prstGeom>
         </p:spPr>
-        <p:txBody>
-          <a:bodyPr vert="horz" lIns="91440" tIns="45720" rIns="91440" bIns="45720" rtlCol="0">
-            <a:normAutofit/>
-          </a:bodyPr>
-          <a:lstStyle>
-            <a:lvl1pPr marL="228600" indent="-228600" algn="l" defTabSz="914400" rtl="0" eaLnBrk="1" latinLnBrk="0" hangingPunct="1">
-              <a:lnSpc>
-                <a:spcPts val="1800"/>
-              </a:lnSpc>
-              <a:spcBef>
-                <a:spcPts val="1000"/>
-              </a:spcBef>
-              <a:spcAft>
-                <a:spcPts val="1000"/>
-              </a:spcAft>
-              <a:buFont typeface="Arial" panose="020B0604020202020204" pitchFamily="34" charset="0"/>
-              <a:buChar char="•"/>
-              <a:defRPr lang="en-US" sz="1200" kern="1200" smtClean="0">
-                <a:solidFill>
-                  <a:schemeClr val="tx1">
-                    <a:lumMod val="75000"/>
-                    <a:lumOff val="25000"/>
-                  </a:schemeClr>
-                </a:solidFill>
-                <a:latin typeface="+mn-lt"/>
-                <a:ea typeface="+mn-ea"/>
-                <a:cs typeface="+mn-cs"/>
-              </a:defRPr>
-            </a:lvl1pPr>
-            <a:lvl2pPr marL="685800" indent="-228600" algn="l" defTabSz="914400" rtl="0" eaLnBrk="1" latinLnBrk="0" hangingPunct="1">
-              <a:lnSpc>
-                <a:spcPts val="1800"/>
-              </a:lnSpc>
-              <a:spcBef>
-                <a:spcPts val="1000"/>
-              </a:spcBef>
-              <a:spcAft>
-                <a:spcPts val="1000"/>
-              </a:spcAft>
-              <a:buFont typeface="Arial" panose="020B0604020202020204" pitchFamily="34" charset="0"/>
-              <a:buChar char="•"/>
-              <a:defRPr lang="en-US" sz="1200" kern="1200" smtClean="0">
-                <a:solidFill>
-                  <a:schemeClr val="tx1">
-                    <a:lumMod val="75000"/>
-                    <a:lumOff val="25000"/>
-                  </a:schemeClr>
-                </a:solidFill>
-                <a:latin typeface="+mn-lt"/>
-                <a:ea typeface="+mn-ea"/>
-                <a:cs typeface="+mn-cs"/>
-              </a:defRPr>
-            </a:lvl2pPr>
-            <a:lvl3pPr marL="1143000" indent="-228600" algn="l" defTabSz="914400" rtl="0" eaLnBrk="1" latinLnBrk="0" hangingPunct="1">
-              <a:lnSpc>
-                <a:spcPts val="1800"/>
-              </a:lnSpc>
-              <a:spcBef>
-                <a:spcPts val="1000"/>
-              </a:spcBef>
-              <a:spcAft>
-                <a:spcPts val="1000"/>
-              </a:spcAft>
-              <a:buFont typeface="Arial" panose="020B0604020202020204" pitchFamily="34" charset="0"/>
-              <a:buChar char="•"/>
-              <a:defRPr lang="en-US" sz="1200" kern="1200" smtClean="0">
-                <a:solidFill>
-                  <a:schemeClr val="tx1">
-                    <a:lumMod val="75000"/>
-                    <a:lumOff val="25000"/>
-                  </a:schemeClr>
-                </a:solidFill>
-                <a:latin typeface="+mn-lt"/>
-                <a:ea typeface="+mn-ea"/>
-                <a:cs typeface="+mn-cs"/>
-              </a:defRPr>
-            </a:lvl3pPr>
-            <a:lvl4pPr marL="1600200" indent="-228600" algn="l" defTabSz="914400" rtl="0" eaLnBrk="1" latinLnBrk="0" hangingPunct="1">
-              <a:lnSpc>
-                <a:spcPts val="1800"/>
-              </a:lnSpc>
-              <a:spcBef>
-                <a:spcPts val="1000"/>
-              </a:spcBef>
-              <a:spcAft>
-                <a:spcPts val="1000"/>
-              </a:spcAft>
-              <a:buFont typeface="Arial" panose="020B0604020202020204" pitchFamily="34" charset="0"/>
-              <a:buChar char="•"/>
-              <a:defRPr lang="en-US" sz="1200" kern="1200" smtClean="0">
-                <a:solidFill>
-                  <a:schemeClr val="tx1">
-                    <a:lumMod val="75000"/>
-                    <a:lumOff val="25000"/>
-                  </a:schemeClr>
-                </a:solidFill>
-                <a:latin typeface="+mn-lt"/>
-                <a:ea typeface="+mn-ea"/>
-                <a:cs typeface="+mn-cs"/>
-              </a:defRPr>
-            </a:lvl4pPr>
-            <a:lvl5pPr marL="2057400" indent="-228600" algn="l" defTabSz="914400" rtl="0" eaLnBrk="1" latinLnBrk="0" hangingPunct="1">
-              <a:lnSpc>
-                <a:spcPts val="1800"/>
-              </a:lnSpc>
-              <a:spcBef>
-                <a:spcPts val="1000"/>
-              </a:spcBef>
-              <a:spcAft>
-                <a:spcPts val="1000"/>
-              </a:spcAft>
-              <a:buFont typeface="Arial" panose="020B0604020202020204" pitchFamily="34" charset="0"/>
-              <a:buChar char="•"/>
-              <a:defRPr lang="en-US" sz="1200" kern="1200">
-                <a:solidFill>
-                  <a:schemeClr val="tx1">
-                    <a:lumMod val="75000"/>
-                    <a:lumOff val="25000"/>
-                  </a:schemeClr>
-                </a:solidFill>
-                <a:latin typeface="+mn-lt"/>
-                <a:ea typeface="+mn-ea"/>
-                <a:cs typeface="+mn-cs"/>
-              </a:defRPr>
-            </a:lvl5pPr>
-            <a:lvl6pPr marL="2514600" indent="-228600" algn="l" defTabSz="914400" rtl="0" eaLnBrk="1" latinLnBrk="0" hangingPunct="1">
-              <a:lnSpc>
-                <a:spcPct val="90000"/>
-              </a:lnSpc>
-              <a:spcBef>
-                <a:spcPct val="30000"/>
-              </a:spcBef>
-              <a:buFont typeface="Arial" panose="020B0604020202020204" pitchFamily="34" charset="0"/>
-              <a:buChar char="•"/>
-              <a:defRPr sz="1800" kern="1200">
-                <a:solidFill>
-                  <a:schemeClr val="tx1"/>
-                </a:solidFill>
-                <a:latin typeface="+mn-lt"/>
-                <a:ea typeface="+mn-ea"/>
-                <a:cs typeface="+mn-cs"/>
-              </a:defRPr>
-            </a:lvl6pPr>
-            <a:lvl7pPr marL="2971800" indent="-228600" algn="l" defTabSz="914400" rtl="0" eaLnBrk="1" latinLnBrk="0" hangingPunct="1">
-              <a:lnSpc>
-                <a:spcPct val="90000"/>
-              </a:lnSpc>
-              <a:spcBef>
-                <a:spcPct val="30000"/>
-              </a:spcBef>
-              <a:buFont typeface="Arial" panose="020B0604020202020204" pitchFamily="34" charset="0"/>
-              <a:buChar char="•"/>
-              <a:defRPr sz="1800" kern="1200">
-                <a:solidFill>
-                  <a:schemeClr val="tx1"/>
-                </a:solidFill>
-                <a:latin typeface="+mn-lt"/>
-                <a:ea typeface="+mn-ea"/>
-                <a:cs typeface="+mn-cs"/>
-              </a:defRPr>
-            </a:lvl7pPr>
-            <a:lvl8pPr marL="3429000" indent="-228600" algn="l" defTabSz="914400" rtl="0" eaLnBrk="1" latinLnBrk="0" hangingPunct="1">
-              <a:lnSpc>
-                <a:spcPct val="90000"/>
-              </a:lnSpc>
-              <a:spcBef>
-                <a:spcPct val="30000"/>
-              </a:spcBef>
-              <a:buFont typeface="Arial" panose="020B0604020202020204" pitchFamily="34" charset="0"/>
-              <a:buChar char="•"/>
-              <a:defRPr sz="1800" kern="1200">
-                <a:solidFill>
-                  <a:schemeClr val="tx1"/>
-                </a:solidFill>
-                <a:latin typeface="+mn-lt"/>
-                <a:ea typeface="+mn-ea"/>
-                <a:cs typeface="+mn-cs"/>
-              </a:defRPr>
-            </a:lvl8pPr>
-            <a:lvl9pPr marL="3886200" indent="-228600" algn="l" defTabSz="914400" rtl="0" eaLnBrk="1" latinLnBrk="0" hangingPunct="1">
-              <a:lnSpc>
-                <a:spcPct val="90000"/>
-              </a:lnSpc>
-              <a:spcBef>
-                <a:spcPct val="30000"/>
-              </a:spcBef>
-              <a:buFont typeface="Arial" panose="020B0604020202020204" pitchFamily="34" charset="0"/>
-              <a:buChar char="•"/>
-              <a:defRPr sz="1800" kern="1200">
-                <a:solidFill>
-                  <a:schemeClr val="tx1"/>
-                </a:solidFill>
-                <a:latin typeface="+mn-lt"/>
-                <a:ea typeface="+mn-ea"/>
-                <a:cs typeface="+mn-cs"/>
-              </a:defRPr>
-            </a:lvl9pPr>
-          </a:lstStyle>
-          <a:p>
-            <a:pPr marL="0" lvl="0" indent="0" rtl="0">
-              <a:spcAft>
-                <a:spcPts val="600"/>
-              </a:spcAft>
-              <a:buNone/>
-              <a:defRPr/>
-            </a:pPr>
-            <a:r>
-              <a:rPr lang="ko-KR" altLang="en-US" sz="1600" b="1" dirty="0" err="1">
-                <a:solidFill>
-                  <a:schemeClr val="tx1"/>
-                </a:solidFill>
-                <a:latin typeface="맑은 고딕" panose="020B0503020000020004" pitchFamily="50" charset="-127"/>
-                <a:ea typeface="맑은 고딕" panose="020B0503020000020004" pitchFamily="50" charset="-127"/>
-                <a:cs typeface="Segoe UI" panose="020B0502040204020203" pitchFamily="34" charset="0"/>
-              </a:rPr>
-              <a:t>매체별</a:t>
-            </a:r>
-            <a:r>
-              <a:rPr lang="ko-KR" altLang="en-US" sz="1600" b="1" dirty="0">
-                <a:solidFill>
-                  <a:schemeClr val="tx1"/>
-                </a:solidFill>
-                <a:latin typeface="맑은 고딕" panose="020B0503020000020004" pitchFamily="50" charset="-127"/>
-                <a:ea typeface="맑은 고딕" panose="020B0503020000020004" pitchFamily="50" charset="-127"/>
-                <a:cs typeface="Segoe UI" panose="020B0502040204020203" pitchFamily="34" charset="0"/>
-              </a:rPr>
-              <a:t> 차단정책 </a:t>
-            </a:r>
-            <a:r>
-              <a:rPr lang="en-US" altLang="ko-KR" sz="1600" dirty="0">
-                <a:solidFill>
-                  <a:schemeClr val="tx1"/>
-                </a:solidFill>
-                <a:latin typeface="맑은 고딕" panose="020B0503020000020004" pitchFamily="50" charset="-127"/>
-                <a:ea typeface="맑은 고딕" panose="020B0503020000020004" pitchFamily="50" charset="-127"/>
-                <a:cs typeface="Segoe UI" panose="020B0502040204020203" pitchFamily="34" charset="0"/>
-              </a:rPr>
-              <a:t>- </a:t>
-            </a:r>
-            <a:r>
-              <a:rPr lang="ko-KR" altLang="en-US" sz="1600" dirty="0">
-                <a:solidFill>
-                  <a:schemeClr val="tx1"/>
-                </a:solidFill>
-                <a:latin typeface="맑은 고딕" panose="020B0503020000020004" pitchFamily="50" charset="-127"/>
-                <a:ea typeface="맑은 고딕" panose="020B0503020000020004" pitchFamily="50" charset="-127"/>
-                <a:cs typeface="Segoe UI" panose="020B0502040204020203" pitchFamily="34" charset="0"/>
-              </a:rPr>
-              <a:t>저장매체 </a:t>
-            </a:r>
-            <a:r>
-              <a:rPr lang="en-US" altLang="ko-KR" sz="1600" dirty="0">
-                <a:solidFill>
-                  <a:schemeClr val="tx1"/>
-                </a:solidFill>
-                <a:latin typeface="맑은 고딕" panose="020B0503020000020004" pitchFamily="50" charset="-127"/>
-                <a:ea typeface="맑은 고딕" panose="020B0503020000020004" pitchFamily="50" charset="-127"/>
-                <a:cs typeface="Segoe UI" panose="020B0502040204020203" pitchFamily="34" charset="0"/>
-              </a:rPr>
-              <a:t>(</a:t>
-            </a:r>
-            <a:r>
-              <a:rPr lang="ko-KR" altLang="en-US" sz="1600" dirty="0">
-                <a:solidFill>
-                  <a:schemeClr val="tx1"/>
-                </a:solidFill>
-                <a:latin typeface="맑은 고딕" panose="020B0503020000020004" pitchFamily="50" charset="-127"/>
-                <a:ea typeface="맑은 고딕" panose="020B0503020000020004" pitchFamily="50" charset="-127"/>
-                <a:cs typeface="Segoe UI" panose="020B0502040204020203" pitchFamily="34" charset="0"/>
-              </a:rPr>
-              <a:t>이동식 디스크</a:t>
-            </a:r>
-            <a:r>
-              <a:rPr lang="en-US" altLang="ko-KR" sz="1600" dirty="0">
-                <a:solidFill>
-                  <a:schemeClr val="tx1"/>
-                </a:solidFill>
-                <a:latin typeface="맑은 고딕" panose="020B0503020000020004" pitchFamily="50" charset="-127"/>
-                <a:ea typeface="맑은 고딕" panose="020B0503020000020004" pitchFamily="50" charset="-127"/>
-                <a:cs typeface="Segoe UI" panose="020B0502040204020203" pitchFamily="34" charset="0"/>
-              </a:rPr>
-              <a:t> </a:t>
-            </a:r>
-            <a:r>
-              <a:rPr lang="ko-KR" altLang="en-US" sz="1600" dirty="0">
-                <a:solidFill>
-                  <a:schemeClr val="tx1"/>
-                </a:solidFill>
-                <a:latin typeface="맑은 고딕" panose="020B0503020000020004" pitchFamily="50" charset="-127"/>
-                <a:ea typeface="맑은 고딕" panose="020B0503020000020004" pitchFamily="50" charset="-127"/>
-                <a:cs typeface="Segoe UI" panose="020B0502040204020203" pitchFamily="34" charset="0"/>
-              </a:rPr>
-              <a:t>등</a:t>
-            </a:r>
-            <a:r>
-              <a:rPr lang="en-US" altLang="ko-KR" sz="1600" dirty="0">
-                <a:solidFill>
-                  <a:schemeClr val="tx1"/>
-                </a:solidFill>
-                <a:latin typeface="맑은 고딕" panose="020B0503020000020004" pitchFamily="50" charset="-127"/>
-                <a:ea typeface="맑은 고딕" panose="020B0503020000020004" pitchFamily="50" charset="-127"/>
-                <a:cs typeface="Segoe UI" panose="020B0502040204020203" pitchFamily="34" charset="0"/>
-              </a:rPr>
-              <a:t>) </a:t>
-            </a:r>
-            <a:r>
-              <a:rPr lang="ko-KR" altLang="en-US" sz="1600" dirty="0">
-                <a:solidFill>
-                  <a:schemeClr val="tx1"/>
-                </a:solidFill>
-                <a:latin typeface="맑은 고딕" panose="020B0503020000020004" pitchFamily="50" charset="-127"/>
-                <a:ea typeface="맑은 고딕" panose="020B0503020000020004" pitchFamily="50" charset="-127"/>
-                <a:cs typeface="Segoe UI" panose="020B0502040204020203" pitchFamily="34" charset="0"/>
-              </a:rPr>
-              <a:t>과 기타매체 </a:t>
-            </a:r>
-            <a:r>
-              <a:rPr lang="en-US" altLang="ko-KR" sz="1600" dirty="0">
-                <a:solidFill>
-                  <a:schemeClr val="tx1"/>
-                </a:solidFill>
-                <a:latin typeface="맑은 고딕" panose="020B0503020000020004" pitchFamily="50" charset="-127"/>
-                <a:ea typeface="맑은 고딕" panose="020B0503020000020004" pitchFamily="50" charset="-127"/>
-                <a:cs typeface="Segoe UI" panose="020B0502040204020203" pitchFamily="34" charset="0"/>
-              </a:rPr>
-              <a:t>(</a:t>
-            </a:r>
-            <a:r>
-              <a:rPr lang="ko-KR" altLang="en-US" sz="1600" dirty="0">
-                <a:solidFill>
-                  <a:schemeClr val="tx1"/>
-                </a:solidFill>
-                <a:latin typeface="맑은 고딕" panose="020B0503020000020004" pitchFamily="50" charset="-127"/>
-                <a:ea typeface="맑은 고딕" panose="020B0503020000020004" pitchFamily="50" charset="-127"/>
-                <a:cs typeface="Segoe UI" panose="020B0502040204020203" pitchFamily="34" charset="0"/>
-              </a:rPr>
-              <a:t>블루투스 등</a:t>
-            </a:r>
-            <a:r>
-              <a:rPr lang="en-US" altLang="ko-KR" sz="1600" dirty="0">
-                <a:solidFill>
-                  <a:schemeClr val="tx1"/>
-                </a:solidFill>
-                <a:latin typeface="맑은 고딕" panose="020B0503020000020004" pitchFamily="50" charset="-127"/>
-                <a:ea typeface="맑은 고딕" panose="020B0503020000020004" pitchFamily="50" charset="-127"/>
-                <a:cs typeface="Segoe UI" panose="020B0502040204020203" pitchFamily="34" charset="0"/>
-              </a:rPr>
-              <a:t>)</a:t>
-            </a:r>
-            <a:r>
-              <a:rPr lang="ko-KR" altLang="en-US" sz="1600" dirty="0">
-                <a:solidFill>
-                  <a:schemeClr val="tx1"/>
-                </a:solidFill>
-                <a:latin typeface="맑은 고딕" panose="020B0503020000020004" pitchFamily="50" charset="-127"/>
-                <a:ea typeface="맑은 고딕" panose="020B0503020000020004" pitchFamily="50" charset="-127"/>
-                <a:cs typeface="Segoe UI" panose="020B0502040204020203" pitchFamily="34" charset="0"/>
-              </a:rPr>
-              <a:t>을 카테고리 차단 설정을 통해 접속을 차단할 수 있는 기능</a:t>
-            </a:r>
-            <a:endParaRPr lang="en-US" altLang="ko-KR" sz="1600" dirty="0">
-              <a:solidFill>
-                <a:schemeClr val="tx1"/>
-              </a:solidFill>
-              <a:latin typeface="맑은 고딕" panose="020B0503020000020004" pitchFamily="50" charset="-127"/>
-              <a:ea typeface="맑은 고딕" panose="020B0503020000020004" pitchFamily="50" charset="-127"/>
-              <a:cs typeface="Segoe UI" panose="020B0502040204020203" pitchFamily="34" charset="0"/>
-            </a:endParaRPr>
-          </a:p>
-          <a:p>
-            <a:pPr marL="0" lvl="0" indent="0" rtl="0">
-              <a:spcAft>
-                <a:spcPts val="600"/>
-              </a:spcAft>
-              <a:buNone/>
-              <a:defRPr/>
-            </a:pPr>
-            <a:r>
-              <a:rPr lang="en-US" altLang="ko-KR" sz="1600" dirty="0">
-                <a:solidFill>
-                  <a:schemeClr val="tx1"/>
-                </a:solidFill>
-                <a:latin typeface="맑은 고딕" panose="020B0503020000020004" pitchFamily="50" charset="-127"/>
-                <a:ea typeface="맑은 고딕" panose="020B0503020000020004" pitchFamily="50" charset="-127"/>
-                <a:cs typeface="Segoe UI" panose="020B0502040204020203" pitchFamily="34" charset="0"/>
-              </a:rPr>
-              <a:t>* </a:t>
-            </a:r>
-            <a:r>
-              <a:rPr lang="ko-KR" altLang="en-US" sz="1600" dirty="0">
-                <a:solidFill>
-                  <a:schemeClr val="tx1"/>
-                </a:solidFill>
-                <a:latin typeface="맑은 고딕" panose="020B0503020000020004" pitchFamily="50" charset="-127"/>
-                <a:ea typeface="맑은 고딕" panose="020B0503020000020004" pitchFamily="50" charset="-127"/>
-                <a:cs typeface="Segoe UI" panose="020B0502040204020203" pitchFamily="34" charset="0"/>
-              </a:rPr>
-              <a:t>시리얼 통신을 이용해 포트에 입력된 매체 </a:t>
-            </a:r>
-            <a:r>
-              <a:rPr lang="en-US" altLang="ko-KR" sz="1600" dirty="0">
-                <a:solidFill>
-                  <a:schemeClr val="tx1"/>
-                </a:solidFill>
-                <a:latin typeface="맑은 고딕" panose="020B0503020000020004" pitchFamily="50" charset="-127"/>
-                <a:ea typeface="맑은 고딕" panose="020B0503020000020004" pitchFamily="50" charset="-127"/>
-                <a:cs typeface="Segoe UI" panose="020B0502040204020203" pitchFamily="34" charset="0"/>
-              </a:rPr>
-              <a:t>(</a:t>
-            </a:r>
-            <a:r>
-              <a:rPr lang="en-US" altLang="ko-KR" sz="1600" dirty="0" err="1">
-                <a:solidFill>
-                  <a:schemeClr val="tx1"/>
-                </a:solidFill>
-                <a:latin typeface="맑은 고딕" panose="020B0503020000020004" pitchFamily="50" charset="-127"/>
-                <a:ea typeface="맑은 고딕" panose="020B0503020000020004" pitchFamily="50" charset="-127"/>
-                <a:cs typeface="Segoe UI" panose="020B0502040204020203" pitchFamily="34" charset="0"/>
-              </a:rPr>
-              <a:t>usb</a:t>
-            </a:r>
-            <a:r>
-              <a:rPr lang="en-US" altLang="ko-KR" sz="1600" dirty="0">
-                <a:solidFill>
-                  <a:schemeClr val="tx1"/>
-                </a:solidFill>
-                <a:latin typeface="맑은 고딕" panose="020B0503020000020004" pitchFamily="50" charset="-127"/>
-                <a:ea typeface="맑은 고딕" panose="020B0503020000020004" pitchFamily="50" charset="-127"/>
-                <a:cs typeface="Segoe UI" panose="020B0502040204020203" pitchFamily="34" charset="0"/>
-              </a:rPr>
-              <a:t> </a:t>
-            </a:r>
-            <a:r>
-              <a:rPr lang="ko-KR" altLang="en-US" sz="1600" dirty="0">
-                <a:solidFill>
-                  <a:schemeClr val="tx1"/>
-                </a:solidFill>
-                <a:latin typeface="맑은 고딕" panose="020B0503020000020004" pitchFamily="50" charset="-127"/>
-                <a:ea typeface="맑은 고딕" panose="020B0503020000020004" pitchFamily="50" charset="-127"/>
-                <a:cs typeface="Segoe UI" panose="020B0502040204020203" pitchFamily="34" charset="0"/>
-              </a:rPr>
-              <a:t>등</a:t>
-            </a:r>
-            <a:r>
-              <a:rPr lang="en-US" altLang="ko-KR" sz="1600" dirty="0">
-                <a:solidFill>
-                  <a:schemeClr val="tx1"/>
-                </a:solidFill>
-                <a:latin typeface="맑은 고딕" panose="020B0503020000020004" pitchFamily="50" charset="-127"/>
-                <a:ea typeface="맑은 고딕" panose="020B0503020000020004" pitchFamily="50" charset="-127"/>
-                <a:cs typeface="Segoe UI" panose="020B0502040204020203" pitchFamily="34" charset="0"/>
-              </a:rPr>
-              <a:t>)</a:t>
-            </a:r>
-            <a:r>
-              <a:rPr lang="ko-KR" altLang="en-US" sz="1600" dirty="0">
-                <a:solidFill>
-                  <a:schemeClr val="tx1"/>
-                </a:solidFill>
-                <a:latin typeface="맑은 고딕" panose="020B0503020000020004" pitchFamily="50" charset="-127"/>
-                <a:ea typeface="맑은 고딕" panose="020B0503020000020004" pitchFamily="50" charset="-127"/>
-                <a:cs typeface="Segoe UI" panose="020B0502040204020203" pitchFamily="34" charset="0"/>
-              </a:rPr>
-              <a:t>의 입력 신호 통해 미니 필터 드라이버를 만들어 차단</a:t>
-            </a:r>
-            <a:r>
-              <a:rPr lang="en-US" altLang="ko-KR" sz="1600" dirty="0">
-                <a:solidFill>
-                  <a:schemeClr val="tx1"/>
-                </a:solidFill>
-                <a:latin typeface="맑은 고딕" panose="020B0503020000020004" pitchFamily="50" charset="-127"/>
-                <a:ea typeface="맑은 고딕" panose="020B0503020000020004" pitchFamily="50" charset="-127"/>
-                <a:cs typeface="Segoe UI" panose="020B0502040204020203" pitchFamily="34" charset="0"/>
-              </a:rPr>
-              <a:t>?</a:t>
-            </a:r>
-            <a:r>
-              <a:rPr lang="ko-KR" altLang="en-US" sz="1600" dirty="0">
-                <a:solidFill>
-                  <a:schemeClr val="tx1"/>
-                </a:solidFill>
-                <a:latin typeface="맑은 고딕" panose="020B0503020000020004" pitchFamily="50" charset="-127"/>
-                <a:ea typeface="맑은 고딕" panose="020B0503020000020004" pitchFamily="50" charset="-127"/>
-                <a:cs typeface="Segoe UI" panose="020B0502040204020203" pitchFamily="34" charset="0"/>
-              </a:rPr>
-              <a:t> </a:t>
-            </a:r>
-            <a:endParaRPr lang="en-US" altLang="ko-KR" sz="1600" dirty="0">
-              <a:solidFill>
-                <a:schemeClr val="tx1"/>
-              </a:solidFill>
-              <a:latin typeface="맑은 고딕" panose="020B0503020000020004" pitchFamily="50" charset="-127"/>
-              <a:ea typeface="맑은 고딕" panose="020B0503020000020004" pitchFamily="50" charset="-127"/>
-              <a:cs typeface="Segoe UI" panose="020B0502040204020203" pitchFamily="34" charset="0"/>
-            </a:endParaRPr>
-          </a:p>
-          <a:p>
-            <a:pPr marL="0" lvl="0" indent="0" rtl="0">
-              <a:spcAft>
-                <a:spcPts val="600"/>
-              </a:spcAft>
-              <a:buNone/>
-              <a:defRPr/>
-            </a:pPr>
-            <a:r>
-              <a:rPr lang="ko-KR" altLang="en-US" sz="1600" b="1" dirty="0">
-                <a:solidFill>
-                  <a:schemeClr val="tx1"/>
-                </a:solidFill>
-                <a:latin typeface="맑은 고딕" panose="020B0503020000020004" pitchFamily="50" charset="-127"/>
-                <a:ea typeface="맑은 고딕" panose="020B0503020000020004" pitchFamily="50" charset="-127"/>
-                <a:cs typeface="Segoe UI" panose="020B0502040204020203" pitchFamily="34" charset="0"/>
-              </a:rPr>
-              <a:t>파일첨부 차단정책 </a:t>
-            </a:r>
-            <a:r>
-              <a:rPr lang="en-US" altLang="ko-KR" sz="1600" dirty="0">
-                <a:solidFill>
-                  <a:schemeClr val="tx1"/>
-                </a:solidFill>
-                <a:latin typeface="맑은 고딕" panose="020B0503020000020004" pitchFamily="50" charset="-127"/>
-                <a:ea typeface="맑은 고딕" panose="020B0503020000020004" pitchFamily="50" charset="-127"/>
-                <a:cs typeface="Segoe UI" panose="020B0502040204020203" pitchFamily="34" charset="0"/>
-              </a:rPr>
-              <a:t>– </a:t>
-            </a:r>
-            <a:r>
-              <a:rPr lang="ko-KR" altLang="en-US" sz="1600" dirty="0">
-                <a:solidFill>
-                  <a:schemeClr val="tx1"/>
-                </a:solidFill>
-                <a:latin typeface="맑은 고딕" panose="020B0503020000020004" pitchFamily="50" charset="-127"/>
-                <a:ea typeface="맑은 고딕" panose="020B0503020000020004" pitchFamily="50" charset="-127"/>
-                <a:cs typeface="Segoe UI" panose="020B0502040204020203" pitchFamily="34" charset="0"/>
-              </a:rPr>
-              <a:t>카테고리별 설정을 통해 파일 첨부 차단시에 첨부된 파일의 내용을 없애는 기능</a:t>
-            </a:r>
-            <a:endParaRPr lang="en-US" altLang="ko-KR" sz="1600" dirty="0">
-              <a:solidFill>
-                <a:schemeClr val="tx1"/>
-              </a:solidFill>
-              <a:latin typeface="맑은 고딕" panose="020B0503020000020004" pitchFamily="50" charset="-127"/>
-              <a:ea typeface="맑은 고딕" panose="020B0503020000020004" pitchFamily="50" charset="-127"/>
-              <a:cs typeface="Segoe UI" panose="020B0502040204020203" pitchFamily="34" charset="0"/>
-            </a:endParaRPr>
-          </a:p>
-          <a:p>
-            <a:pPr marL="0" lvl="0" indent="0" rtl="0">
-              <a:spcAft>
-                <a:spcPts val="600"/>
-              </a:spcAft>
-              <a:buNone/>
-              <a:defRPr/>
-            </a:pPr>
-            <a:r>
-              <a:rPr lang="en-US" altLang="ko-KR" sz="1600" dirty="0">
-                <a:solidFill>
-                  <a:schemeClr val="tx1"/>
-                </a:solidFill>
-                <a:latin typeface="맑은 고딕" panose="020B0503020000020004" pitchFamily="50" charset="-127"/>
-                <a:ea typeface="맑은 고딕" panose="020B0503020000020004" pitchFamily="50" charset="-127"/>
-                <a:cs typeface="Segoe UI" panose="020B0502040204020203" pitchFamily="34" charset="0"/>
-              </a:rPr>
-              <a:t>* </a:t>
-            </a:r>
-            <a:r>
-              <a:rPr lang="ko-KR" altLang="en-US" sz="1600" dirty="0">
-                <a:solidFill>
-                  <a:schemeClr val="tx1"/>
-                </a:solidFill>
-                <a:latin typeface="맑은 고딕" panose="020B0503020000020004" pitchFamily="50" charset="-127"/>
-                <a:ea typeface="맑은 고딕" panose="020B0503020000020004" pitchFamily="50" charset="-127"/>
-                <a:cs typeface="Segoe UI" panose="020B0502040204020203" pitchFamily="34" charset="0"/>
-              </a:rPr>
-              <a:t>첨부된 파일의 경로를 통해 해당 파일과 똑같은 복사본 파일로 만들어 쓰기 형태로 열고 안의 내용을 지운다음 업로드 시킨다</a:t>
-            </a:r>
-            <a:r>
-              <a:rPr lang="en-US" altLang="ko-KR" sz="1600" dirty="0">
-                <a:solidFill>
-                  <a:schemeClr val="tx1"/>
-                </a:solidFill>
-                <a:latin typeface="맑은 고딕" panose="020B0503020000020004" pitchFamily="50" charset="-127"/>
-                <a:ea typeface="맑은 고딕" panose="020B0503020000020004" pitchFamily="50" charset="-127"/>
-                <a:cs typeface="Segoe UI" panose="020B0502040204020203" pitchFamily="34" charset="0"/>
-              </a:rPr>
-              <a:t>.</a:t>
-            </a:r>
-            <a:r>
-              <a:rPr lang="ko-KR" altLang="en-US" sz="1600" dirty="0">
-                <a:solidFill>
-                  <a:schemeClr val="tx1"/>
-                </a:solidFill>
-                <a:latin typeface="맑은 고딕" panose="020B0503020000020004" pitchFamily="50" charset="-127"/>
-                <a:ea typeface="맑은 고딕" panose="020B0503020000020004" pitchFamily="50" charset="-127"/>
-                <a:cs typeface="Segoe UI" panose="020B0502040204020203" pitchFamily="34" charset="0"/>
-              </a:rPr>
-              <a:t>  </a:t>
-            </a:r>
-            <a:endParaRPr lang="en-US" altLang="ko-KR" sz="1600" dirty="0">
-              <a:solidFill>
-                <a:schemeClr val="tx1"/>
-              </a:solidFill>
-              <a:latin typeface="맑은 고딕" panose="020B0503020000020004" pitchFamily="50" charset="-127"/>
-              <a:ea typeface="맑은 고딕" panose="020B0503020000020004" pitchFamily="50" charset="-127"/>
-              <a:cs typeface="Segoe UI" panose="020B0502040204020203" pitchFamily="34" charset="0"/>
-            </a:endParaRPr>
-          </a:p>
-          <a:p>
-            <a:pPr marL="0" lvl="0" indent="0" rtl="0">
-              <a:spcAft>
-                <a:spcPts val="600"/>
-              </a:spcAft>
-              <a:buNone/>
-              <a:defRPr/>
-            </a:pPr>
-            <a:r>
-              <a:rPr lang="ko-KR" altLang="en-US" sz="1600" b="1" dirty="0" err="1">
-                <a:solidFill>
-                  <a:schemeClr val="tx1"/>
-                </a:solidFill>
-                <a:latin typeface="맑은 고딕" panose="020B0503020000020004" pitchFamily="50" charset="-127"/>
-                <a:ea typeface="맑은 고딕" panose="020B0503020000020004" pitchFamily="50" charset="-127"/>
-                <a:cs typeface="Segoe UI" panose="020B0502040204020203" pitchFamily="34" charset="0"/>
-              </a:rPr>
-              <a:t>화면캡처</a:t>
-            </a:r>
-            <a:r>
-              <a:rPr lang="ko-KR" altLang="en-US" sz="1600" b="1" dirty="0">
-                <a:solidFill>
-                  <a:schemeClr val="tx1"/>
-                </a:solidFill>
-                <a:latin typeface="맑은 고딕" panose="020B0503020000020004" pitchFamily="50" charset="-127"/>
-                <a:ea typeface="맑은 고딕" panose="020B0503020000020004" pitchFamily="50" charset="-127"/>
-                <a:cs typeface="Segoe UI" panose="020B0502040204020203" pitchFamily="34" charset="0"/>
-              </a:rPr>
-              <a:t> 차단정책 </a:t>
-            </a:r>
-            <a:r>
-              <a:rPr lang="en-US" altLang="ko-KR" sz="1600" dirty="0">
-                <a:solidFill>
-                  <a:schemeClr val="tx1"/>
-                </a:solidFill>
-                <a:latin typeface="맑은 고딕" panose="020B0503020000020004" pitchFamily="50" charset="-127"/>
-                <a:ea typeface="맑은 고딕" panose="020B0503020000020004" pitchFamily="50" charset="-127"/>
-                <a:cs typeface="Segoe UI" panose="020B0502040204020203" pitchFamily="34" charset="0"/>
-              </a:rPr>
-              <a:t>– </a:t>
-            </a:r>
-            <a:r>
-              <a:rPr lang="ko-KR" altLang="en-US" sz="1600" dirty="0">
-                <a:solidFill>
-                  <a:schemeClr val="tx1"/>
-                </a:solidFill>
-                <a:latin typeface="맑은 고딕" panose="020B0503020000020004" pitchFamily="50" charset="-127"/>
-                <a:ea typeface="맑은 고딕" panose="020B0503020000020004" pitchFamily="50" charset="-127"/>
-                <a:cs typeface="Segoe UI" panose="020B0502040204020203" pitchFamily="34" charset="0"/>
-              </a:rPr>
-              <a:t>기능 활성화시 화면 캡처를 할 경우 전체 화면이 가려지도록 만들어 차단하는 기능</a:t>
-            </a:r>
-            <a:endParaRPr lang="en-US" altLang="ko-KR" sz="1600" dirty="0">
-              <a:solidFill>
-                <a:schemeClr val="tx1"/>
-              </a:solidFill>
-              <a:latin typeface="맑은 고딕" panose="020B0503020000020004" pitchFamily="50" charset="-127"/>
-              <a:ea typeface="맑은 고딕" panose="020B0503020000020004" pitchFamily="50" charset="-127"/>
-              <a:cs typeface="Segoe UI" panose="020B0502040204020203" pitchFamily="34" charset="0"/>
-            </a:endParaRPr>
-          </a:p>
-          <a:p>
-            <a:pPr marL="0" lvl="0" indent="0" rtl="0">
-              <a:spcAft>
-                <a:spcPts val="600"/>
-              </a:spcAft>
-              <a:buNone/>
-              <a:defRPr/>
-            </a:pPr>
-            <a:r>
-              <a:rPr lang="en-US" altLang="ko-KR" sz="1600" dirty="0">
-                <a:solidFill>
-                  <a:schemeClr val="tx1"/>
-                </a:solidFill>
-                <a:latin typeface="맑은 고딕" panose="020B0503020000020004" pitchFamily="50" charset="-127"/>
-                <a:ea typeface="맑은 고딕" panose="020B0503020000020004" pitchFamily="50" charset="-127"/>
-                <a:cs typeface="Segoe UI" panose="020B0502040204020203" pitchFamily="34" charset="0"/>
-              </a:rPr>
-              <a:t>* </a:t>
-            </a:r>
-            <a:r>
-              <a:rPr lang="ko-KR" altLang="en-US" sz="1600" dirty="0" err="1">
-                <a:solidFill>
-                  <a:schemeClr val="tx1"/>
-                </a:solidFill>
-                <a:latin typeface="맑은 고딕" panose="020B0503020000020004" pitchFamily="50" charset="-127"/>
-                <a:ea typeface="맑은 고딕" panose="020B0503020000020004" pitchFamily="50" charset="-127"/>
-                <a:cs typeface="Segoe UI" panose="020B0502040204020203" pitchFamily="34" charset="0"/>
-              </a:rPr>
-              <a:t>화면캡처</a:t>
-            </a:r>
-            <a:r>
-              <a:rPr lang="ko-KR" altLang="en-US" sz="1600" dirty="0">
-                <a:solidFill>
-                  <a:schemeClr val="tx1"/>
-                </a:solidFill>
-                <a:latin typeface="맑은 고딕" panose="020B0503020000020004" pitchFamily="50" charset="-127"/>
-                <a:ea typeface="맑은 고딕" panose="020B0503020000020004" pitchFamily="50" charset="-127"/>
-                <a:cs typeface="Segoe UI" panose="020B0502040204020203" pitchFamily="34" charset="0"/>
-              </a:rPr>
-              <a:t> 프로그램이 실행될 때 윈도우에 모자이크 필터를 넣는다 </a:t>
-            </a:r>
-            <a:endParaRPr lang="en-US" altLang="ko-KR" sz="1600" dirty="0">
-              <a:solidFill>
-                <a:schemeClr val="tx1"/>
-              </a:solidFill>
-              <a:latin typeface="맑은 고딕" panose="020B0503020000020004" pitchFamily="50" charset="-127"/>
-              <a:ea typeface="맑은 고딕" panose="020B0503020000020004" pitchFamily="50" charset="-127"/>
-              <a:cs typeface="Segoe UI" panose="020B0502040204020203" pitchFamily="34" charset="0"/>
-            </a:endParaRPr>
-          </a:p>
-          <a:p>
-            <a:pPr marL="0" lvl="0" indent="0" rtl="0">
-              <a:spcAft>
-                <a:spcPts val="600"/>
-              </a:spcAft>
-              <a:buNone/>
-              <a:defRPr/>
-            </a:pPr>
-            <a:r>
-              <a:rPr lang="ko-KR" altLang="en-US" sz="1600" b="1" dirty="0" err="1">
-                <a:solidFill>
-                  <a:schemeClr val="tx1"/>
-                </a:solidFill>
-                <a:latin typeface="맑은 고딕" panose="020B0503020000020004" pitchFamily="50" charset="-127"/>
-                <a:ea typeface="맑은 고딕" panose="020B0503020000020004" pitchFamily="50" charset="-127"/>
-                <a:cs typeface="Segoe UI" panose="020B0502040204020203" pitchFamily="34" charset="0"/>
-              </a:rPr>
-              <a:t>공유폴더</a:t>
-            </a:r>
-            <a:r>
-              <a:rPr lang="ko-KR" altLang="en-US" sz="1600" b="1" dirty="0">
-                <a:solidFill>
-                  <a:schemeClr val="tx1"/>
-                </a:solidFill>
-                <a:latin typeface="맑은 고딕" panose="020B0503020000020004" pitchFamily="50" charset="-127"/>
-                <a:ea typeface="맑은 고딕" panose="020B0503020000020004" pitchFamily="50" charset="-127"/>
-                <a:cs typeface="Segoe UI" panose="020B0502040204020203" pitchFamily="34" charset="0"/>
-              </a:rPr>
-              <a:t> 차단정책 </a:t>
-            </a:r>
-            <a:r>
-              <a:rPr lang="en-US" altLang="ko-KR" sz="1600" dirty="0">
-                <a:solidFill>
-                  <a:schemeClr val="tx1"/>
-                </a:solidFill>
-                <a:latin typeface="맑은 고딕" panose="020B0503020000020004" pitchFamily="50" charset="-127"/>
-                <a:ea typeface="맑은 고딕" panose="020B0503020000020004" pitchFamily="50" charset="-127"/>
-                <a:cs typeface="Segoe UI" panose="020B0502040204020203" pitchFamily="34" charset="0"/>
-              </a:rPr>
-              <a:t>– </a:t>
-            </a:r>
-            <a:r>
-              <a:rPr lang="ko-KR" altLang="en-US" sz="1600" dirty="0">
-                <a:solidFill>
-                  <a:schemeClr val="tx1"/>
-                </a:solidFill>
-                <a:latin typeface="맑은 고딕" panose="020B0503020000020004" pitchFamily="50" charset="-127"/>
-                <a:ea typeface="맑은 고딕" panose="020B0503020000020004" pitchFamily="50" charset="-127"/>
-                <a:cs typeface="Segoe UI" panose="020B0502040204020203" pitchFamily="34" charset="0"/>
-              </a:rPr>
-              <a:t>차단하려는 폴더 경로를 </a:t>
-            </a:r>
-            <a:r>
-              <a:rPr lang="ko-KR" altLang="en-US" sz="1600" dirty="0" err="1">
-                <a:solidFill>
-                  <a:schemeClr val="tx1"/>
-                </a:solidFill>
-                <a:latin typeface="맑은 고딕" panose="020B0503020000020004" pitchFamily="50" charset="-127"/>
-                <a:ea typeface="맑은 고딕" panose="020B0503020000020004" pitchFamily="50" charset="-127"/>
-                <a:cs typeface="Segoe UI" panose="020B0502040204020203" pitchFamily="34" charset="0"/>
-              </a:rPr>
-              <a:t>입력시</a:t>
-            </a:r>
-            <a:r>
-              <a:rPr lang="ko-KR" altLang="en-US" sz="1600" dirty="0">
-                <a:solidFill>
-                  <a:schemeClr val="tx1"/>
-                </a:solidFill>
-                <a:latin typeface="맑은 고딕" panose="020B0503020000020004" pitchFamily="50" charset="-127"/>
-                <a:ea typeface="맑은 고딕" panose="020B0503020000020004" pitchFamily="50" charset="-127"/>
-                <a:cs typeface="Segoe UI" panose="020B0502040204020203" pitchFamily="34" charset="0"/>
-              </a:rPr>
-              <a:t> 해당 폴더 공유를 차단하는 기능</a:t>
-            </a:r>
-            <a:endParaRPr lang="en-US" altLang="ko-KR" sz="1600" dirty="0">
-              <a:solidFill>
-                <a:schemeClr val="tx1"/>
-              </a:solidFill>
-              <a:latin typeface="맑은 고딕" panose="020B0503020000020004" pitchFamily="50" charset="-127"/>
-              <a:ea typeface="맑은 고딕" panose="020B0503020000020004" pitchFamily="50" charset="-127"/>
-              <a:cs typeface="Segoe UI" panose="020B0502040204020203" pitchFamily="34" charset="0"/>
-            </a:endParaRPr>
-          </a:p>
-          <a:p>
-            <a:pPr marL="0" lvl="0" indent="0" rtl="0">
-              <a:spcAft>
-                <a:spcPts val="600"/>
-              </a:spcAft>
-              <a:buNone/>
-              <a:defRPr/>
-            </a:pPr>
-            <a:r>
-              <a:rPr lang="en-US" altLang="ko-KR" sz="1600" dirty="0">
-                <a:solidFill>
-                  <a:schemeClr val="tx1"/>
-                </a:solidFill>
-                <a:latin typeface="맑은 고딕" panose="020B0503020000020004" pitchFamily="50" charset="-127"/>
-                <a:ea typeface="맑은 고딕" panose="020B0503020000020004" pitchFamily="50" charset="-127"/>
-                <a:cs typeface="Segoe UI" panose="020B0502040204020203" pitchFamily="34" charset="0"/>
-              </a:rPr>
-              <a:t>* </a:t>
-            </a:r>
-            <a:r>
-              <a:rPr lang="ko-KR" altLang="en-US" sz="1600" dirty="0">
-                <a:solidFill>
-                  <a:schemeClr val="tx1"/>
-                </a:solidFill>
-                <a:latin typeface="맑은 고딕" panose="020B0503020000020004" pitchFamily="50" charset="-127"/>
-                <a:ea typeface="맑은 고딕" panose="020B0503020000020004" pitchFamily="50" charset="-127"/>
-                <a:cs typeface="Segoe UI" panose="020B0502040204020203" pitchFamily="34" charset="0"/>
-              </a:rPr>
-              <a:t>현재 아이피와 공유 폴더로 지정된 경로를 이용해 접근 권한을 얻은 폴더들의 권한을 해제한다</a:t>
-            </a:r>
-            <a:endParaRPr lang="en-US" altLang="ko-KR" sz="1600" dirty="0">
-              <a:solidFill>
-                <a:schemeClr val="tx1"/>
-              </a:solidFill>
-              <a:latin typeface="맑은 고딕" panose="020B0503020000020004" pitchFamily="50" charset="-127"/>
-              <a:ea typeface="맑은 고딕" panose="020B0503020000020004" pitchFamily="50" charset="-127"/>
-              <a:cs typeface="Segoe UI" panose="020B0502040204020203" pitchFamily="34" charset="0"/>
-            </a:endParaRPr>
-          </a:p>
-          <a:p>
-            <a:pPr marL="0" lvl="0" indent="0" rtl="0">
-              <a:spcAft>
-                <a:spcPts val="600"/>
-              </a:spcAft>
-              <a:buNone/>
-              <a:defRPr/>
-            </a:pPr>
-            <a:r>
-              <a:rPr lang="ko-KR" altLang="en-US" sz="1600" b="1" dirty="0">
-                <a:solidFill>
-                  <a:schemeClr val="tx1"/>
-                </a:solidFill>
-                <a:latin typeface="맑은 고딕" panose="020B0503020000020004" pitchFamily="50" charset="-127"/>
-                <a:ea typeface="맑은 고딕" panose="020B0503020000020004" pitchFamily="50" charset="-127"/>
-                <a:cs typeface="Segoe UI" panose="020B0502040204020203" pitchFamily="34" charset="0"/>
-              </a:rPr>
-              <a:t>클립보드 차단정책 </a:t>
-            </a:r>
-            <a:r>
-              <a:rPr lang="en-US" altLang="ko-KR" sz="1600" dirty="0">
-                <a:solidFill>
-                  <a:schemeClr val="tx1"/>
-                </a:solidFill>
-                <a:latin typeface="맑은 고딕" panose="020B0503020000020004" pitchFamily="50" charset="-127"/>
-                <a:ea typeface="맑은 고딕" panose="020B0503020000020004" pitchFamily="50" charset="-127"/>
-                <a:cs typeface="Segoe UI" panose="020B0502040204020203" pitchFamily="34" charset="0"/>
-              </a:rPr>
-              <a:t>– </a:t>
-            </a:r>
-            <a:r>
-              <a:rPr lang="ko-KR" altLang="en-US" sz="1600" dirty="0">
-                <a:solidFill>
-                  <a:schemeClr val="tx1"/>
-                </a:solidFill>
-                <a:latin typeface="맑은 고딕" panose="020B0503020000020004" pitchFamily="50" charset="-127"/>
-                <a:ea typeface="맑은 고딕" panose="020B0503020000020004" pitchFamily="50" charset="-127"/>
-                <a:cs typeface="Segoe UI" panose="020B0502040204020203" pitchFamily="34" charset="0"/>
-              </a:rPr>
-              <a:t>제어 소프트웨어 목록에 있는 소프트웨어의 복사 붙여넣기 접근을 차단하는 기능</a:t>
-            </a:r>
-            <a:endParaRPr lang="en-US" altLang="ko-KR" sz="1600" dirty="0">
-              <a:solidFill>
-                <a:schemeClr val="tx1"/>
-              </a:solidFill>
-              <a:latin typeface="맑은 고딕" panose="020B0503020000020004" pitchFamily="50" charset="-127"/>
-              <a:ea typeface="맑은 고딕" panose="020B0503020000020004" pitchFamily="50" charset="-127"/>
-              <a:cs typeface="Segoe UI" panose="020B0502040204020203" pitchFamily="34" charset="0"/>
-            </a:endParaRPr>
-          </a:p>
-          <a:p>
-            <a:pPr marL="0" lvl="0" indent="0" rtl="0">
-              <a:spcAft>
-                <a:spcPts val="600"/>
-              </a:spcAft>
-              <a:buNone/>
-              <a:defRPr/>
-            </a:pPr>
-            <a:r>
-              <a:rPr lang="en-US" altLang="ko-KR" sz="1600" dirty="0">
-                <a:solidFill>
-                  <a:schemeClr val="tx1"/>
-                </a:solidFill>
-                <a:latin typeface="맑은 고딕" panose="020B0503020000020004" pitchFamily="50" charset="-127"/>
-                <a:ea typeface="맑은 고딕" panose="020B0503020000020004" pitchFamily="50" charset="-127"/>
-                <a:cs typeface="Segoe UI" panose="020B0502040204020203" pitchFamily="34" charset="0"/>
-              </a:rPr>
-              <a:t>* Alt + c or v </a:t>
-            </a:r>
-            <a:r>
-              <a:rPr lang="ko-KR" altLang="en-US" sz="1600" dirty="0">
-                <a:solidFill>
-                  <a:schemeClr val="tx1"/>
-                </a:solidFill>
-                <a:latin typeface="맑은 고딕" panose="020B0503020000020004" pitchFamily="50" charset="-127"/>
-                <a:ea typeface="맑은 고딕" panose="020B0503020000020004" pitchFamily="50" charset="-127"/>
-                <a:cs typeface="Segoe UI" panose="020B0502040204020203" pitchFamily="34" charset="0"/>
-              </a:rPr>
-              <a:t>에 대한 키보드 동시입력을 차단하거나 프로세스 </a:t>
-            </a:r>
-            <a:r>
-              <a:rPr lang="en-US" altLang="ko-KR" sz="1600" dirty="0" err="1">
-                <a:solidFill>
-                  <a:schemeClr val="tx1"/>
-                </a:solidFill>
-                <a:latin typeface="맑은 고딕" panose="020B0503020000020004" pitchFamily="50" charset="-127"/>
-                <a:ea typeface="맑은 고딕" panose="020B0503020000020004" pitchFamily="50" charset="-127"/>
-                <a:cs typeface="Segoe UI" panose="020B0502040204020203" pitchFamily="34" charset="0"/>
-              </a:rPr>
-              <a:t>dll</a:t>
-            </a:r>
-            <a:r>
-              <a:rPr lang="ko-KR" altLang="en-US" sz="1600" dirty="0">
-                <a:solidFill>
-                  <a:schemeClr val="tx1"/>
-                </a:solidFill>
-                <a:latin typeface="맑은 고딕" panose="020B0503020000020004" pitchFamily="50" charset="-127"/>
-                <a:ea typeface="맑은 고딕" panose="020B0503020000020004" pitchFamily="50" charset="-127"/>
-                <a:cs typeface="Segoe UI" panose="020B0502040204020203" pitchFamily="34" charset="0"/>
-              </a:rPr>
-              <a:t>에서 복사</a:t>
-            </a:r>
-            <a:r>
-              <a:rPr lang="en-US" altLang="ko-KR" sz="1600" dirty="0">
-                <a:solidFill>
-                  <a:schemeClr val="tx1"/>
-                </a:solidFill>
-                <a:latin typeface="맑은 고딕" panose="020B0503020000020004" pitchFamily="50" charset="-127"/>
-                <a:ea typeface="맑은 고딕" panose="020B0503020000020004" pitchFamily="50" charset="-127"/>
-                <a:cs typeface="Segoe UI" panose="020B0502040204020203" pitchFamily="34" charset="0"/>
-              </a:rPr>
-              <a:t>, </a:t>
-            </a:r>
-            <a:r>
-              <a:rPr lang="ko-KR" altLang="en-US" sz="1600" dirty="0">
-                <a:solidFill>
-                  <a:schemeClr val="tx1"/>
-                </a:solidFill>
-                <a:latin typeface="맑은 고딕" panose="020B0503020000020004" pitchFamily="50" charset="-127"/>
-                <a:ea typeface="맑은 고딕" panose="020B0503020000020004" pitchFamily="50" charset="-127"/>
-                <a:cs typeface="Segoe UI" panose="020B0502040204020203" pitchFamily="34" charset="0"/>
-              </a:rPr>
-              <a:t>붙여넣기 함수 호출에 대한 </a:t>
-            </a:r>
-            <a:r>
-              <a:rPr lang="ko-KR" altLang="en-US" sz="1600" dirty="0" err="1">
-                <a:solidFill>
-                  <a:schemeClr val="tx1"/>
-                </a:solidFill>
-                <a:latin typeface="맑은 고딕" panose="020B0503020000020004" pitchFamily="50" charset="-127"/>
-                <a:ea typeface="맑은 고딕" panose="020B0503020000020004" pitchFamily="50" charset="-127"/>
-                <a:cs typeface="Segoe UI" panose="020B0502040204020203" pitchFamily="34" charset="0"/>
-              </a:rPr>
-              <a:t>후킹으로</a:t>
-            </a:r>
-            <a:r>
-              <a:rPr lang="ko-KR" altLang="en-US" sz="1600" dirty="0">
-                <a:solidFill>
-                  <a:schemeClr val="tx1"/>
-                </a:solidFill>
-                <a:latin typeface="맑은 고딕" panose="020B0503020000020004" pitchFamily="50" charset="-127"/>
-                <a:ea typeface="맑은 고딕" panose="020B0503020000020004" pitchFamily="50" charset="-127"/>
-                <a:cs typeface="Segoe UI" panose="020B0502040204020203" pitchFamily="34" charset="0"/>
-              </a:rPr>
-              <a:t> 차단</a:t>
-            </a:r>
-            <a:r>
-              <a:rPr lang="en-US" altLang="ko-KR" sz="1600" dirty="0">
-                <a:solidFill>
-                  <a:schemeClr val="tx1"/>
-                </a:solidFill>
-                <a:latin typeface="맑은 고딕" panose="020B0503020000020004" pitchFamily="50" charset="-127"/>
-                <a:ea typeface="맑은 고딕" panose="020B0503020000020004" pitchFamily="50" charset="-127"/>
-                <a:cs typeface="Segoe UI" panose="020B0502040204020203" pitchFamily="34" charset="0"/>
-              </a:rPr>
-              <a:t>?</a:t>
-            </a:r>
-            <a:r>
-              <a:rPr lang="ko-KR" altLang="en-US" sz="1600" dirty="0">
-                <a:solidFill>
-                  <a:schemeClr val="tx1"/>
-                </a:solidFill>
-                <a:latin typeface="맑은 고딕" panose="020B0503020000020004" pitchFamily="50" charset="-127"/>
-                <a:ea typeface="맑은 고딕" panose="020B0503020000020004" pitchFamily="50" charset="-127"/>
-                <a:cs typeface="Segoe UI" panose="020B0502040204020203" pitchFamily="34" charset="0"/>
-              </a:rPr>
-              <a:t> </a:t>
-            </a:r>
-          </a:p>
-        </p:txBody>
-      </p:sp>
+      </p:pic>
+      <p:pic>
+        <p:nvPicPr>
+          <p:cNvPr id="6" name="그림 5" descr="텍스트이(가) 표시된 사진&#10;&#10;자동 생성된 설명">
+            <a:extLst>
+              <a:ext uri="{FF2B5EF4-FFF2-40B4-BE49-F238E27FC236}">
+                <a16:creationId xmlns:a16="http://schemas.microsoft.com/office/drawing/2014/main" id="{896A1E57-0A48-4F34-BDAB-99E76DA0FF5C}"/>
+              </a:ext>
+            </a:extLst>
+          </p:cNvPr>
+          <p:cNvPicPr>
+            <a:picLocks noChangeAspect="1"/>
+          </p:cNvPicPr>
+          <p:nvPr/>
+        </p:nvPicPr>
+        <p:blipFill>
+          <a:blip r:embed="rId4"/>
+          <a:stretch>
+            <a:fillRect/>
+          </a:stretch>
+        </p:blipFill>
+        <p:spPr>
+          <a:xfrm>
+            <a:off x="6418559" y="1312777"/>
+            <a:ext cx="5433123" cy="571268"/>
+          </a:xfrm>
+          <a:prstGeom prst="rect">
+            <a:avLst/>
+          </a:prstGeom>
+        </p:spPr>
+      </p:pic>
+      <p:pic>
+        <p:nvPicPr>
+          <p:cNvPr id="10" name="그림 9" descr="텍스트이(가) 표시된 사진&#10;&#10;자동 생성된 설명">
+            <a:extLst>
+              <a:ext uri="{FF2B5EF4-FFF2-40B4-BE49-F238E27FC236}">
+                <a16:creationId xmlns:a16="http://schemas.microsoft.com/office/drawing/2014/main" id="{952A8D39-DE2A-45B1-ABBA-6F636F94F743}"/>
+              </a:ext>
+            </a:extLst>
+          </p:cNvPr>
+          <p:cNvPicPr>
+            <a:picLocks noChangeAspect="1"/>
+          </p:cNvPicPr>
+          <p:nvPr/>
+        </p:nvPicPr>
+        <p:blipFill>
+          <a:blip r:embed="rId5"/>
+          <a:stretch>
+            <a:fillRect/>
+          </a:stretch>
+        </p:blipFill>
+        <p:spPr>
+          <a:xfrm>
+            <a:off x="6418559" y="1846252"/>
+            <a:ext cx="5433123" cy="4563692"/>
+          </a:xfrm>
+          <a:prstGeom prst="rect">
+            <a:avLst/>
+          </a:prstGeom>
+        </p:spPr>
+      </p:pic>
     </p:spTree>
     <p:extLst>
       <p:ext uri="{BB962C8B-B14F-4D97-AF65-F5344CB8AC3E}">
-        <p14:creationId xmlns:p14="http://schemas.microsoft.com/office/powerpoint/2010/main" val="2941628261"/>
+        <p14:creationId xmlns:p14="http://schemas.microsoft.com/office/powerpoint/2010/main" val="328600023"/>
       </p:ext>
     </p:extLst>
   </p:cSld>
   <p:clrMapOvr>
     <a:masterClrMapping/>
   </p:clrMapOvr>
-  <mc:AlternateContent xmlns:mc="http://schemas.openxmlformats.org/markup-compatibility/2006" xmlns:p14="http://schemas.microsoft.com/office/powerpoint/2010/main">
-    <mc:Choice Requires="p14">
+  <mc:AlternateContent xmlns:mc="http://schemas.openxmlformats.org/markup-compatibility/2006">
+    <mc:Choice xmlns:p14="http://schemas.microsoft.com/office/powerpoint/2010/main" Requires="p14">
       <p:transition p14:dur="10"/>
     </mc:Choice>
-    <mc:Fallback xmlns="">
+    <mc:Fallback>
       <p:transition/>
     </mc:Fallback>
   </mc:AlternateContent>
@@ -7601,7 +6750,7 @@
               <a:rPr lang="ko-KR" altLang="en-US" dirty="0">
                 <a:cs typeface="Segoe UI Light" panose="020B0502040204020203" pitchFamily="34" charset="0"/>
               </a:rPr>
-              <a:t>출력물 보안</a:t>
+              <a:t>정보 유출 방지</a:t>
             </a:r>
           </a:p>
         </p:txBody>
@@ -7616,8 +6765,8 @@
         </p:nvSpPr>
         <p:spPr>
           <a:xfrm>
-            <a:off x="541610" y="1524707"/>
-            <a:ext cx="11142390" cy="5221149"/>
+            <a:off x="541610" y="1524708"/>
+            <a:ext cx="11142390" cy="4885236"/>
           </a:xfrm>
           <a:prstGeom prst="rect">
             <a:avLst/>
@@ -7830,15 +6979,15 @@
               <a:defRPr/>
             </a:pPr>
             <a:r>
-              <a:rPr lang="ko-KR" altLang="en-US" sz="1600" dirty="0">
-                <a:solidFill>
-                  <a:schemeClr val="tx1"/>
-                </a:solidFill>
-                <a:latin typeface="맑은 고딕" panose="020B0503020000020004" pitchFamily="50" charset="-127"/>
-                <a:ea typeface="맑은 고딕" panose="020B0503020000020004" pitchFamily="50" charset="-127"/>
-                <a:cs typeface="Segoe UI" panose="020B0502040204020203" pitchFamily="34" charset="0"/>
-              </a:rPr>
-              <a:t>프린트</a:t>
+              <a:rPr lang="ko-KR" altLang="en-US" sz="1600" b="1" dirty="0">
+                <a:solidFill>
+                  <a:schemeClr val="tx1"/>
+                </a:solidFill>
+                <a:latin typeface="맑은 고딕" panose="020B0503020000020004" pitchFamily="50" charset="-127"/>
+                <a:ea typeface="맑은 고딕" panose="020B0503020000020004" pitchFamily="50" charset="-127"/>
+                <a:cs typeface="Segoe UI" panose="020B0502040204020203" pitchFamily="34" charset="0"/>
+              </a:rPr>
+              <a:t>매체 별 차단정책 </a:t>
             </a:r>
             <a:r>
               <a:rPr lang="en-US" altLang="ko-KR" sz="1600" dirty="0">
@@ -7849,6 +6998,28 @@
                 <a:ea typeface="맑은 고딕" panose="020B0503020000020004" pitchFamily="50" charset="-127"/>
                 <a:cs typeface="Segoe UI" panose="020B0502040204020203" pitchFamily="34" charset="0"/>
               </a:rPr>
+              <a:t>- </a:t>
+            </a:r>
+            <a:r>
+              <a:rPr lang="ko-KR" altLang="en-US" sz="1600" dirty="0">
+                <a:solidFill>
+                  <a:schemeClr val="tx1"/>
+                </a:solidFill>
+                <a:latin typeface="맑은 고딕" panose="020B0503020000020004" pitchFamily="50" charset="-127"/>
+                <a:ea typeface="맑은 고딕" panose="020B0503020000020004" pitchFamily="50" charset="-127"/>
+                <a:cs typeface="Segoe UI" panose="020B0502040204020203" pitchFamily="34" charset="0"/>
+              </a:rPr>
+              <a:t>저장매체 </a:t>
+            </a:r>
+            <a:r>
+              <a:rPr lang="en-US" altLang="ko-KR" sz="1600" dirty="0">
+                <a:solidFill>
+                  <a:schemeClr val="tx1"/>
+                </a:solidFill>
+                <a:latin typeface="맑은 고딕" panose="020B0503020000020004" pitchFamily="50" charset="-127"/>
+                <a:ea typeface="맑은 고딕" panose="020B0503020000020004" pitchFamily="50" charset="-127"/>
+                <a:cs typeface="Segoe UI" panose="020B0502040204020203" pitchFamily="34" charset="0"/>
+              </a:rPr>
               <a:t>(</a:t>
             </a:r>
             <a:r>
@@ -7860,7 +7031,7 @@
                 <a:ea typeface="맑은 고딕" panose="020B0503020000020004" pitchFamily="50" charset="-127"/>
                 <a:cs typeface="Segoe UI" panose="020B0502040204020203" pitchFamily="34" charset="0"/>
               </a:rPr>
-              <a:t>출력</a:t>
+              <a:t>이동식 디스크</a:t>
             </a:r>
             <a:r>
               <a:rPr lang="en-US" altLang="ko-KR" sz="1600" dirty="0">
@@ -7871,6 +7042,72 @@
                 <a:ea typeface="맑은 고딕" panose="020B0503020000020004" pitchFamily="50" charset="-127"/>
                 <a:cs typeface="Segoe UI" panose="020B0502040204020203" pitchFamily="34" charset="0"/>
               </a:rPr>
+              <a:t> </a:t>
+            </a:r>
+            <a:r>
+              <a:rPr lang="ko-KR" altLang="en-US" sz="1600" dirty="0">
+                <a:solidFill>
+                  <a:schemeClr val="tx1"/>
+                </a:solidFill>
+                <a:latin typeface="맑은 고딕" panose="020B0503020000020004" pitchFamily="50" charset="-127"/>
+                <a:ea typeface="맑은 고딕" panose="020B0503020000020004" pitchFamily="50" charset="-127"/>
+                <a:cs typeface="Segoe UI" panose="020B0502040204020203" pitchFamily="34" charset="0"/>
+              </a:rPr>
+              <a:t>등</a:t>
+            </a:r>
+            <a:r>
+              <a:rPr lang="en-US" altLang="ko-KR" sz="1600" dirty="0">
+                <a:solidFill>
+                  <a:schemeClr val="tx1"/>
+                </a:solidFill>
+                <a:latin typeface="맑은 고딕" panose="020B0503020000020004" pitchFamily="50" charset="-127"/>
+                <a:ea typeface="맑은 고딕" panose="020B0503020000020004" pitchFamily="50" charset="-127"/>
+                <a:cs typeface="Segoe UI" panose="020B0502040204020203" pitchFamily="34" charset="0"/>
+              </a:rPr>
+              <a:t>) </a:t>
+            </a:r>
+            <a:r>
+              <a:rPr lang="ko-KR" altLang="en-US" sz="1600" dirty="0">
+                <a:solidFill>
+                  <a:schemeClr val="tx1"/>
+                </a:solidFill>
+                <a:latin typeface="맑은 고딕" panose="020B0503020000020004" pitchFamily="50" charset="-127"/>
+                <a:ea typeface="맑은 고딕" panose="020B0503020000020004" pitchFamily="50" charset="-127"/>
+                <a:cs typeface="Segoe UI" panose="020B0502040204020203" pitchFamily="34" charset="0"/>
+              </a:rPr>
+              <a:t>과 기타매체 </a:t>
+            </a:r>
+            <a:r>
+              <a:rPr lang="en-US" altLang="ko-KR" sz="1600" dirty="0">
+                <a:solidFill>
+                  <a:schemeClr val="tx1"/>
+                </a:solidFill>
+                <a:latin typeface="맑은 고딕" panose="020B0503020000020004" pitchFamily="50" charset="-127"/>
+                <a:ea typeface="맑은 고딕" panose="020B0503020000020004" pitchFamily="50" charset="-127"/>
+                <a:cs typeface="Segoe UI" panose="020B0502040204020203" pitchFamily="34" charset="0"/>
+              </a:rPr>
+              <a:t>(</a:t>
+            </a:r>
+            <a:r>
+              <a:rPr lang="ko-KR" altLang="en-US" sz="1600" dirty="0">
+                <a:solidFill>
+                  <a:schemeClr val="tx1"/>
+                </a:solidFill>
+                <a:latin typeface="맑은 고딕" panose="020B0503020000020004" pitchFamily="50" charset="-127"/>
+                <a:ea typeface="맑은 고딕" panose="020B0503020000020004" pitchFamily="50" charset="-127"/>
+                <a:cs typeface="Segoe UI" panose="020B0502040204020203" pitchFamily="34" charset="0"/>
+              </a:rPr>
+              <a:t>블루투스 등</a:t>
+            </a:r>
+            <a:r>
+              <a:rPr lang="en-US" altLang="ko-KR" sz="1600" dirty="0">
+                <a:solidFill>
+                  <a:schemeClr val="tx1"/>
+                </a:solidFill>
+                <a:latin typeface="맑은 고딕" panose="020B0503020000020004" pitchFamily="50" charset="-127"/>
+                <a:ea typeface="맑은 고딕" panose="020B0503020000020004" pitchFamily="50" charset="-127"/>
+                <a:cs typeface="Segoe UI" panose="020B0502040204020203" pitchFamily="34" charset="0"/>
+              </a:rPr>
               <a:t>)</a:t>
             </a:r>
             <a:r>
@@ -7882,51 +7119,7 @@
                 <a:ea typeface="맑은 고딕" panose="020B0503020000020004" pitchFamily="50" charset="-127"/>
                 <a:cs typeface="Segoe UI" panose="020B0502040204020203" pitchFamily="34" charset="0"/>
               </a:rPr>
-              <a:t>에 대해 차단 </a:t>
-            </a:r>
-            <a:r>
-              <a:rPr lang="en-US" altLang="ko-KR" sz="1600" dirty="0">
-                <a:solidFill>
-                  <a:schemeClr val="tx1"/>
-                </a:solidFill>
-                <a:latin typeface="맑은 고딕" panose="020B0503020000020004" pitchFamily="50" charset="-127"/>
-                <a:ea typeface="맑은 고딕" panose="020B0503020000020004" pitchFamily="50" charset="-127"/>
-                <a:cs typeface="Segoe UI" panose="020B0502040204020203" pitchFamily="34" charset="0"/>
-              </a:rPr>
-              <a:t>, </a:t>
-            </a:r>
-            <a:r>
-              <a:rPr lang="ko-KR" altLang="en-US" sz="1600" dirty="0">
-                <a:solidFill>
-                  <a:schemeClr val="tx1"/>
-                </a:solidFill>
-                <a:latin typeface="맑은 고딕" panose="020B0503020000020004" pitchFamily="50" charset="-127"/>
-                <a:ea typeface="맑은 고딕" panose="020B0503020000020004" pitchFamily="50" charset="-127"/>
-                <a:cs typeface="Segoe UI" panose="020B0502040204020203" pitchFamily="34" charset="0"/>
-              </a:rPr>
-              <a:t>승인 </a:t>
-            </a:r>
-            <a:r>
-              <a:rPr lang="en-US" altLang="ko-KR" sz="1600" dirty="0">
-                <a:solidFill>
-                  <a:schemeClr val="tx1"/>
-                </a:solidFill>
-                <a:latin typeface="맑은 고딕" panose="020B0503020000020004" pitchFamily="50" charset="-127"/>
-                <a:ea typeface="맑은 고딕" panose="020B0503020000020004" pitchFamily="50" charset="-127"/>
-                <a:cs typeface="Segoe UI" panose="020B0502040204020203" pitchFamily="34" charset="0"/>
-              </a:rPr>
-              <a:t>, </a:t>
-            </a:r>
-            <a:r>
-              <a:rPr lang="ko-KR" altLang="en-US" sz="1600" dirty="0">
-                <a:solidFill>
-                  <a:schemeClr val="tx1"/>
-                </a:solidFill>
-                <a:latin typeface="맑은 고딕" panose="020B0503020000020004" pitchFamily="50" charset="-127"/>
-                <a:ea typeface="맑은 고딕" panose="020B0503020000020004" pitchFamily="50" charset="-127"/>
-                <a:cs typeface="Segoe UI" panose="020B0502040204020203" pitchFamily="34" charset="0"/>
-              </a:rPr>
-              <a:t>저장 정책을 가지고 있는 기능</a:t>
+              <a:t>을 카테고리 차단 설정을 통해 접속을 차단할 수 있는 기능</a:t>
             </a:r>
             <a:endParaRPr lang="en-US" altLang="ko-KR" sz="1600" dirty="0">
               <a:solidFill>
@@ -7946,17 +7139,6 @@
               <a:defRPr/>
             </a:pPr>
             <a:r>
-              <a:rPr lang="ko-KR" altLang="en-US" sz="1600" b="1" dirty="0">
-                <a:solidFill>
-                  <a:schemeClr val="tx1"/>
-                </a:solidFill>
-                <a:latin typeface="맑은 고딕" panose="020B0503020000020004" pitchFamily="50" charset="-127"/>
-                <a:ea typeface="맑은 고딕" panose="020B0503020000020004" pitchFamily="50" charset="-127"/>
-                <a:cs typeface="Segoe UI" panose="020B0502040204020203" pitchFamily="34" charset="0"/>
-              </a:rPr>
-              <a:t>출력 정책 </a:t>
-            </a:r>
-            <a:r>
               <a:rPr lang="en-US" altLang="ko-KR" sz="1600" dirty="0">
                 <a:solidFill>
                   <a:schemeClr val="tx1"/>
@@ -7965,18 +7147,18 @@
                 <a:ea typeface="맑은 고딕" panose="020B0503020000020004" pitchFamily="50" charset="-127"/>
                 <a:cs typeface="Segoe UI" panose="020B0502040204020203" pitchFamily="34" charset="0"/>
               </a:rPr>
-              <a:t>: </a:t>
-            </a:r>
-            <a:r>
-              <a:rPr lang="ko-KR" altLang="en-US" sz="1600" dirty="0">
-                <a:solidFill>
-                  <a:schemeClr val="tx1"/>
-                </a:solidFill>
-                <a:latin typeface="맑은 고딕" panose="020B0503020000020004" pitchFamily="50" charset="-127"/>
-                <a:ea typeface="맑은 고딕" panose="020B0503020000020004" pitchFamily="50" charset="-127"/>
-                <a:cs typeface="Segoe UI" panose="020B0502040204020203" pitchFamily="34" charset="0"/>
-              </a:rPr>
-              <a:t>기본적인 출력 차단 기능과 카테고리별 설정을 통해 차단 </a:t>
+              <a:t>* </a:t>
+            </a:r>
+            <a:r>
+              <a:rPr lang="ko-KR" altLang="en-US" sz="1600" dirty="0">
+                <a:solidFill>
+                  <a:schemeClr val="tx1"/>
+                </a:solidFill>
+                <a:latin typeface="맑은 고딕" panose="020B0503020000020004" pitchFamily="50" charset="-127"/>
+                <a:ea typeface="맑은 고딕" panose="020B0503020000020004" pitchFamily="50" charset="-127"/>
+                <a:cs typeface="Segoe UI" panose="020B0502040204020203" pitchFamily="34" charset="0"/>
+              </a:rPr>
+              <a:t>시리얼 통신을 이용해 포트에 입력된 매체 </a:t>
             </a:r>
             <a:r>
               <a:rPr lang="en-US" altLang="ko-KR" sz="1600" dirty="0">
@@ -7987,18 +7169,18 @@
                 <a:ea typeface="맑은 고딕" panose="020B0503020000020004" pitchFamily="50" charset="-127"/>
                 <a:cs typeface="Segoe UI" panose="020B0502040204020203" pitchFamily="34" charset="0"/>
               </a:rPr>
-              <a:t>, </a:t>
-            </a:r>
-            <a:r>
-              <a:rPr lang="ko-KR" altLang="en-US" sz="1600" dirty="0">
-                <a:solidFill>
-                  <a:schemeClr val="tx1"/>
-                </a:solidFill>
-                <a:latin typeface="맑은 고딕" panose="020B0503020000020004" pitchFamily="50" charset="-127"/>
-                <a:ea typeface="맑은 고딕" panose="020B0503020000020004" pitchFamily="50" charset="-127"/>
-                <a:cs typeface="Segoe UI" panose="020B0502040204020203" pitchFamily="34" charset="0"/>
-              </a:rPr>
-              <a:t>워터마크 등의 기능을 가지고 있다</a:t>
+              <a:t>(</a:t>
+            </a:r>
+            <a:r>
+              <a:rPr lang="en-US" altLang="ko-KR" sz="1600" dirty="0" err="1">
+                <a:solidFill>
+                  <a:schemeClr val="tx1"/>
+                </a:solidFill>
+                <a:latin typeface="맑은 고딕" panose="020B0503020000020004" pitchFamily="50" charset="-127"/>
+                <a:ea typeface="맑은 고딕" panose="020B0503020000020004" pitchFamily="50" charset="-127"/>
+                <a:cs typeface="Segoe UI" panose="020B0502040204020203" pitchFamily="34" charset="0"/>
+              </a:rPr>
+              <a:t>usb</a:t>
             </a:r>
             <a:r>
               <a:rPr lang="en-US" altLang="ko-KR" sz="1600" dirty="0">
@@ -8009,27 +7191,18 @@
                 <a:ea typeface="맑은 고딕" panose="020B0503020000020004" pitchFamily="50" charset="-127"/>
                 <a:cs typeface="Segoe UI" panose="020B0502040204020203" pitchFamily="34" charset="0"/>
               </a:rPr>
-              <a:t>.</a:t>
-            </a:r>
-          </a:p>
-          <a:p>
-            <a:pPr marL="0" lvl="0" indent="0" rtl="0">
-              <a:spcAft>
-                <a:spcPts val="600"/>
-              </a:spcAft>
-              <a:buNone/>
-              <a:defRPr/>
-            </a:pPr>
-            <a:r>
-              <a:rPr lang="ko-KR" altLang="en-US" sz="1600" b="1" dirty="0">
-                <a:solidFill>
-                  <a:schemeClr val="tx1"/>
-                </a:solidFill>
-                <a:latin typeface="맑은 고딕" panose="020B0503020000020004" pitchFamily="50" charset="-127"/>
-                <a:ea typeface="맑은 고딕" panose="020B0503020000020004" pitchFamily="50" charset="-127"/>
-                <a:cs typeface="Segoe UI" panose="020B0502040204020203" pitchFamily="34" charset="0"/>
-              </a:rPr>
-              <a:t>승인 정책 </a:t>
+              <a:t> </a:t>
+            </a:r>
+            <a:r>
+              <a:rPr lang="ko-KR" altLang="en-US" sz="1600" dirty="0">
+                <a:solidFill>
+                  <a:schemeClr val="tx1"/>
+                </a:solidFill>
+                <a:latin typeface="맑은 고딕" panose="020B0503020000020004" pitchFamily="50" charset="-127"/>
+                <a:ea typeface="맑은 고딕" panose="020B0503020000020004" pitchFamily="50" charset="-127"/>
+                <a:cs typeface="Segoe UI" panose="020B0502040204020203" pitchFamily="34" charset="0"/>
+              </a:rPr>
+              <a:t>등</a:t>
             </a:r>
             <a:r>
               <a:rPr lang="en-US" altLang="ko-KR" sz="1600" dirty="0">
@@ -8040,18 +7213,18 @@
                 <a:ea typeface="맑은 고딕" panose="020B0503020000020004" pitchFamily="50" charset="-127"/>
                 <a:cs typeface="Segoe UI" panose="020B0502040204020203" pitchFamily="34" charset="0"/>
               </a:rPr>
-              <a:t>: </a:t>
-            </a:r>
-            <a:r>
-              <a:rPr lang="ko-KR" altLang="en-US" sz="1600" dirty="0">
-                <a:solidFill>
-                  <a:schemeClr val="tx1"/>
-                </a:solidFill>
-                <a:latin typeface="맑은 고딕" panose="020B0503020000020004" pitchFamily="50" charset="-127"/>
-                <a:ea typeface="맑은 고딕" panose="020B0503020000020004" pitchFamily="50" charset="-127"/>
-                <a:cs typeface="Segoe UI" panose="020B0502040204020203" pitchFamily="34" charset="0"/>
-              </a:rPr>
-              <a:t>출력물에 대한 승인기능과 알림을 메일로 수신하거나 완료 메시지의 대상자를 정할 수 있는 기능이 있다</a:t>
+              <a:t>)</a:t>
+            </a:r>
+            <a:r>
+              <a:rPr lang="ko-KR" altLang="en-US" sz="1600" dirty="0">
+                <a:solidFill>
+                  <a:schemeClr val="tx1"/>
+                </a:solidFill>
+                <a:latin typeface="맑은 고딕" panose="020B0503020000020004" pitchFamily="50" charset="-127"/>
+                <a:ea typeface="맑은 고딕" panose="020B0503020000020004" pitchFamily="50" charset="-127"/>
+                <a:cs typeface="Segoe UI" panose="020B0502040204020203" pitchFamily="34" charset="0"/>
+              </a:rPr>
+              <a:t>의 입력 신호 통해 미니 필터 드라이버를 만들어 차단</a:t>
             </a:r>
             <a:r>
               <a:rPr lang="en-US" altLang="ko-KR" sz="1600" dirty="0">
@@ -8062,70 +7235,19 @@
                 <a:ea typeface="맑은 고딕" panose="020B0503020000020004" pitchFamily="50" charset="-127"/>
                 <a:cs typeface="Segoe UI" panose="020B0502040204020203" pitchFamily="34" charset="0"/>
               </a:rPr>
-              <a:t>.</a:t>
-            </a:r>
-          </a:p>
-          <a:p>
-            <a:pPr marL="0" lvl="0" indent="0" rtl="0">
-              <a:spcAft>
-                <a:spcPts val="600"/>
-              </a:spcAft>
-              <a:buNone/>
-              <a:defRPr/>
-            </a:pPr>
-            <a:r>
-              <a:rPr lang="ko-KR" altLang="en-US" sz="1600" b="1" dirty="0">
-                <a:solidFill>
-                  <a:schemeClr val="tx1"/>
-                </a:solidFill>
-                <a:latin typeface="맑은 고딕" panose="020B0503020000020004" pitchFamily="50" charset="-127"/>
-                <a:ea typeface="맑은 고딕" panose="020B0503020000020004" pitchFamily="50" charset="-127"/>
-                <a:cs typeface="Segoe UI" panose="020B0502040204020203" pitchFamily="34" charset="0"/>
-              </a:rPr>
-              <a:t>저장 정책 </a:t>
-            </a:r>
-            <a:r>
-              <a:rPr lang="en-US" altLang="ko-KR" sz="1600" dirty="0">
-                <a:solidFill>
-                  <a:schemeClr val="tx1"/>
-                </a:solidFill>
-                <a:latin typeface="맑은 고딕" panose="020B0503020000020004" pitchFamily="50" charset="-127"/>
-                <a:ea typeface="맑은 고딕" panose="020B0503020000020004" pitchFamily="50" charset="-127"/>
-                <a:cs typeface="Segoe UI" panose="020B0502040204020203" pitchFamily="34" charset="0"/>
-              </a:rPr>
-              <a:t>: </a:t>
-            </a:r>
-            <a:r>
-              <a:rPr lang="ko-KR" altLang="en-US" sz="1600" dirty="0">
-                <a:solidFill>
-                  <a:schemeClr val="tx1"/>
-                </a:solidFill>
-                <a:latin typeface="맑은 고딕" panose="020B0503020000020004" pitchFamily="50" charset="-127"/>
-                <a:ea typeface="맑은 고딕" panose="020B0503020000020004" pitchFamily="50" charset="-127"/>
-                <a:cs typeface="Segoe UI" panose="020B0502040204020203" pitchFamily="34" charset="0"/>
-              </a:rPr>
-              <a:t>출력물의 이미지나 페이지를 백업하는 기능이 있다</a:t>
-            </a:r>
-            <a:r>
-              <a:rPr lang="en-US" altLang="ko-KR" sz="1600" dirty="0">
-                <a:solidFill>
-                  <a:schemeClr val="tx1"/>
-                </a:solidFill>
-                <a:latin typeface="맑은 고딕" panose="020B0503020000020004" pitchFamily="50" charset="-127"/>
-                <a:ea typeface="맑은 고딕" panose="020B0503020000020004" pitchFamily="50" charset="-127"/>
-                <a:cs typeface="Segoe UI" panose="020B0502040204020203" pitchFamily="34" charset="0"/>
-              </a:rPr>
-              <a:t>.</a:t>
-            </a:r>
-          </a:p>
-          <a:p>
-            <a:pPr marL="0" lvl="0" indent="0" rtl="0">
-              <a:spcAft>
-                <a:spcPts val="600"/>
-              </a:spcAft>
-              <a:buNone/>
-              <a:defRPr/>
-            </a:pPr>
+              <a:t>?</a:t>
+            </a:r>
+            <a:r>
+              <a:rPr lang="ko-KR" altLang="en-US" sz="1600" dirty="0">
+                <a:solidFill>
+                  <a:schemeClr val="tx1"/>
+                </a:solidFill>
+                <a:latin typeface="맑은 고딕" panose="020B0503020000020004" pitchFamily="50" charset="-127"/>
+                <a:ea typeface="맑은 고딕" panose="020B0503020000020004" pitchFamily="50" charset="-127"/>
+                <a:cs typeface="Segoe UI" panose="020B0502040204020203" pitchFamily="34" charset="0"/>
+              </a:rPr>
+              <a:t> </a:t>
+            </a:r>
             <a:endParaRPr lang="en-US" altLang="ko-KR" sz="1600" dirty="0">
               <a:solidFill>
                 <a:schemeClr val="tx1"/>
@@ -8143,6 +7265,39 @@
               <a:buNone/>
               <a:defRPr/>
             </a:pPr>
+            <a:r>
+              <a:rPr lang="ko-KR" altLang="en-US" sz="1600" b="1" dirty="0">
+                <a:solidFill>
+                  <a:schemeClr val="tx1"/>
+                </a:solidFill>
+                <a:latin typeface="맑은 고딕" panose="020B0503020000020004" pitchFamily="50" charset="-127"/>
+                <a:ea typeface="맑은 고딕" panose="020B0503020000020004" pitchFamily="50" charset="-127"/>
+                <a:cs typeface="Segoe UI" panose="020B0502040204020203" pitchFamily="34" charset="0"/>
+              </a:rPr>
+              <a:t>파일 첨부 차단정책 </a:t>
+            </a:r>
+            <a:r>
+              <a:rPr lang="en-US" altLang="ko-KR" sz="1600" dirty="0">
+                <a:solidFill>
+                  <a:schemeClr val="tx1"/>
+                </a:solidFill>
+                <a:latin typeface="맑은 고딕" panose="020B0503020000020004" pitchFamily="50" charset="-127"/>
+                <a:ea typeface="맑은 고딕" panose="020B0503020000020004" pitchFamily="50" charset="-127"/>
+                <a:cs typeface="Segoe UI" panose="020B0502040204020203" pitchFamily="34" charset="0"/>
+              </a:rPr>
+              <a:t>– </a:t>
+            </a:r>
+            <a:r>
+              <a:rPr lang="ko-KR" altLang="en-US" sz="1600" dirty="0">
+                <a:solidFill>
+                  <a:schemeClr val="tx1"/>
+                </a:solidFill>
+                <a:latin typeface="맑은 고딕" panose="020B0503020000020004" pitchFamily="50" charset="-127"/>
+                <a:ea typeface="맑은 고딕" panose="020B0503020000020004" pitchFamily="50" charset="-127"/>
+                <a:cs typeface="Segoe UI" panose="020B0502040204020203" pitchFamily="34" charset="0"/>
+              </a:rPr>
+              <a:t>카테고리별 설정을 통해 파일 첨부 차단시에 첨부된 파일의 내용을 없애는 기능</a:t>
+            </a:r>
             <a:endParaRPr lang="en-US" altLang="ko-KR" sz="1600" dirty="0">
               <a:solidFill>
                 <a:schemeClr val="tx1"/>
@@ -8160,6 +7315,50 @@
               <a:buNone/>
               <a:defRPr/>
             </a:pPr>
+            <a:r>
+              <a:rPr lang="en-US" altLang="ko-KR" sz="1600" dirty="0">
+                <a:solidFill>
+                  <a:schemeClr val="tx1"/>
+                </a:solidFill>
+                <a:latin typeface="맑은 고딕" panose="020B0503020000020004" pitchFamily="50" charset="-127"/>
+                <a:ea typeface="맑은 고딕" panose="020B0503020000020004" pitchFamily="50" charset="-127"/>
+                <a:cs typeface="Segoe UI" panose="020B0502040204020203" pitchFamily="34" charset="0"/>
+              </a:rPr>
+              <a:t>* </a:t>
+            </a:r>
+            <a:r>
+              <a:rPr lang="ko-KR" altLang="en-US" sz="1600" dirty="0">
+                <a:solidFill>
+                  <a:schemeClr val="tx1"/>
+                </a:solidFill>
+                <a:latin typeface="맑은 고딕" panose="020B0503020000020004" pitchFamily="50" charset="-127"/>
+                <a:ea typeface="맑은 고딕" panose="020B0503020000020004" pitchFamily="50" charset="-127"/>
+                <a:cs typeface="Segoe UI" panose="020B0502040204020203" pitchFamily="34" charset="0"/>
+              </a:rPr>
+              <a:t>첨부된 파일의 경로를 통해 해당 파일과 똑같은 복사본 파일로 만들어 쓰기 형태로 열고 안의 내용을 지운다음 업로드 시킨다</a:t>
+            </a:r>
+            <a:r>
+              <a:rPr lang="en-US" altLang="ko-KR" sz="1600" dirty="0">
+                <a:solidFill>
+                  <a:schemeClr val="tx1"/>
+                </a:solidFill>
+                <a:latin typeface="맑은 고딕" panose="020B0503020000020004" pitchFamily="50" charset="-127"/>
+                <a:ea typeface="맑은 고딕" panose="020B0503020000020004" pitchFamily="50" charset="-127"/>
+                <a:cs typeface="Segoe UI" panose="020B0502040204020203" pitchFamily="34" charset="0"/>
+              </a:rPr>
+              <a:t>.</a:t>
+            </a:r>
+            <a:r>
+              <a:rPr lang="ko-KR" altLang="en-US" sz="1600" dirty="0">
+                <a:solidFill>
+                  <a:schemeClr val="tx1"/>
+                </a:solidFill>
+                <a:latin typeface="맑은 고딕" panose="020B0503020000020004" pitchFamily="50" charset="-127"/>
+                <a:ea typeface="맑은 고딕" panose="020B0503020000020004" pitchFamily="50" charset="-127"/>
+                <a:cs typeface="Segoe UI" panose="020B0502040204020203" pitchFamily="34" charset="0"/>
+              </a:rPr>
+              <a:t>  </a:t>
+            </a:r>
             <a:endParaRPr lang="en-US" altLang="ko-KR" sz="1600" dirty="0">
               <a:solidFill>
                 <a:schemeClr val="tx1"/>
@@ -8177,6 +7376,39 @@
               <a:buNone/>
               <a:defRPr/>
             </a:pPr>
+            <a:r>
+              <a:rPr lang="ko-KR" altLang="en-US" sz="1600" b="1" dirty="0">
+                <a:solidFill>
+                  <a:schemeClr val="tx1"/>
+                </a:solidFill>
+                <a:latin typeface="맑은 고딕" panose="020B0503020000020004" pitchFamily="50" charset="-127"/>
+                <a:ea typeface="맑은 고딕" panose="020B0503020000020004" pitchFamily="50" charset="-127"/>
+                <a:cs typeface="Segoe UI" panose="020B0502040204020203" pitchFamily="34" charset="0"/>
+              </a:rPr>
+              <a:t>화면 캡처 차단정책 </a:t>
+            </a:r>
+            <a:r>
+              <a:rPr lang="en-US" altLang="ko-KR" sz="1600" dirty="0">
+                <a:solidFill>
+                  <a:schemeClr val="tx1"/>
+                </a:solidFill>
+                <a:latin typeface="맑은 고딕" panose="020B0503020000020004" pitchFamily="50" charset="-127"/>
+                <a:ea typeface="맑은 고딕" panose="020B0503020000020004" pitchFamily="50" charset="-127"/>
+                <a:cs typeface="Segoe UI" panose="020B0502040204020203" pitchFamily="34" charset="0"/>
+              </a:rPr>
+              <a:t>– </a:t>
+            </a:r>
+            <a:r>
+              <a:rPr lang="ko-KR" altLang="en-US" sz="1600" dirty="0">
+                <a:solidFill>
+                  <a:schemeClr val="tx1"/>
+                </a:solidFill>
+                <a:latin typeface="맑은 고딕" panose="020B0503020000020004" pitchFamily="50" charset="-127"/>
+                <a:ea typeface="맑은 고딕" panose="020B0503020000020004" pitchFamily="50" charset="-127"/>
+                <a:cs typeface="Segoe UI" panose="020B0502040204020203" pitchFamily="34" charset="0"/>
+              </a:rPr>
+              <a:t>기능 활성화시 화면 캡처를 할 경우 전체 화면이 가려지도록 만들어 차단하는 기능</a:t>
+            </a:r>
             <a:endParaRPr lang="en-US" altLang="ko-KR" sz="1600" dirty="0">
               <a:solidFill>
                 <a:schemeClr val="tx1"/>
@@ -8194,6 +7426,72 @@
               <a:buNone/>
               <a:defRPr/>
             </a:pPr>
+            <a:r>
+              <a:rPr lang="en-US" altLang="ko-KR" sz="1600" dirty="0">
+                <a:solidFill>
+                  <a:schemeClr val="tx1"/>
+                </a:solidFill>
+                <a:latin typeface="맑은 고딕" panose="020B0503020000020004" pitchFamily="50" charset="-127"/>
+                <a:ea typeface="맑은 고딕" panose="020B0503020000020004" pitchFamily="50" charset="-127"/>
+                <a:cs typeface="Segoe UI" panose="020B0502040204020203" pitchFamily="34" charset="0"/>
+              </a:rPr>
+              <a:t>* </a:t>
+            </a:r>
+            <a:r>
+              <a:rPr lang="ko-KR" altLang="en-US" sz="1600" dirty="0">
+                <a:solidFill>
+                  <a:schemeClr val="tx1"/>
+                </a:solidFill>
+                <a:latin typeface="맑은 고딕" panose="020B0503020000020004" pitchFamily="50" charset="-127"/>
+                <a:ea typeface="맑은 고딕" panose="020B0503020000020004" pitchFamily="50" charset="-127"/>
+                <a:cs typeface="Segoe UI" panose="020B0502040204020203" pitchFamily="34" charset="0"/>
+              </a:rPr>
+              <a:t>화면 캡처 프로그램이 실행될 때 디스플레이의 </a:t>
+            </a:r>
+            <a:r>
+              <a:rPr lang="en-US" altLang="ko-KR" sz="1600" dirty="0">
+                <a:solidFill>
+                  <a:schemeClr val="tx1"/>
+                </a:solidFill>
+                <a:latin typeface="맑은 고딕" panose="020B0503020000020004" pitchFamily="50" charset="-127"/>
+                <a:ea typeface="맑은 고딕" panose="020B0503020000020004" pitchFamily="50" charset="-127"/>
+                <a:cs typeface="Segoe UI" panose="020B0502040204020203" pitchFamily="34" charset="0"/>
+              </a:rPr>
+              <a:t>GDI32.dll </a:t>
+            </a:r>
+            <a:r>
+              <a:rPr lang="ko-KR" altLang="en-US" sz="1600" dirty="0">
+                <a:solidFill>
+                  <a:schemeClr val="tx1"/>
+                </a:solidFill>
+                <a:latin typeface="맑은 고딕" panose="020B0503020000020004" pitchFamily="50" charset="-127"/>
+                <a:ea typeface="맑은 고딕" panose="020B0503020000020004" pitchFamily="50" charset="-127"/>
+                <a:cs typeface="Segoe UI" panose="020B0502040204020203" pitchFamily="34" charset="0"/>
+              </a:rPr>
+              <a:t>에서 윈도우에 가림 필터를 드로잉 한다</a:t>
+            </a:r>
+            <a:r>
+              <a:rPr lang="en-US" altLang="ko-KR" sz="1600" dirty="0">
+                <a:solidFill>
+                  <a:schemeClr val="tx1"/>
+                </a:solidFill>
+                <a:latin typeface="맑은 고딕" panose="020B0503020000020004" pitchFamily="50" charset="-127"/>
+                <a:ea typeface="맑은 고딕" panose="020B0503020000020004" pitchFamily="50" charset="-127"/>
+                <a:cs typeface="Segoe UI" panose="020B0502040204020203" pitchFamily="34" charset="0"/>
+              </a:rPr>
+              <a:t>.</a:t>
+            </a:r>
+            <a:r>
+              <a:rPr lang="ko-KR" altLang="en-US" sz="1600" dirty="0">
+                <a:solidFill>
+                  <a:schemeClr val="tx1"/>
+                </a:solidFill>
+                <a:latin typeface="맑은 고딕" panose="020B0503020000020004" pitchFamily="50" charset="-127"/>
+                <a:ea typeface="맑은 고딕" panose="020B0503020000020004" pitchFamily="50" charset="-127"/>
+                <a:cs typeface="Segoe UI" panose="020B0502040204020203" pitchFamily="34" charset="0"/>
+              </a:rPr>
+              <a:t> </a:t>
+            </a:r>
             <a:endParaRPr lang="en-US" altLang="ko-KR" sz="1600" dirty="0">
               <a:solidFill>
                 <a:schemeClr val="tx1"/>
@@ -8211,6 +7509,61 @@
               <a:buNone/>
               <a:defRPr/>
             </a:pPr>
+            <a:r>
+              <a:rPr lang="ko-KR" altLang="en-US" sz="1600" b="1" dirty="0">
+                <a:solidFill>
+                  <a:schemeClr val="tx1"/>
+                </a:solidFill>
+                <a:latin typeface="맑은 고딕" panose="020B0503020000020004" pitchFamily="50" charset="-127"/>
+                <a:ea typeface="맑은 고딕" panose="020B0503020000020004" pitchFamily="50" charset="-127"/>
+                <a:cs typeface="Segoe UI" panose="020B0502040204020203" pitchFamily="34" charset="0"/>
+              </a:rPr>
+              <a:t>공유 폴더 차단정책 </a:t>
+            </a:r>
+            <a:r>
+              <a:rPr lang="en-US" altLang="ko-KR" sz="1600" dirty="0">
+                <a:solidFill>
+                  <a:schemeClr val="tx1"/>
+                </a:solidFill>
+                <a:latin typeface="맑은 고딕" panose="020B0503020000020004" pitchFamily="50" charset="-127"/>
+                <a:ea typeface="맑은 고딕" panose="020B0503020000020004" pitchFamily="50" charset="-127"/>
+                <a:cs typeface="Segoe UI" panose="020B0502040204020203" pitchFamily="34" charset="0"/>
+              </a:rPr>
+              <a:t>– </a:t>
+            </a:r>
+            <a:r>
+              <a:rPr lang="ko-KR" altLang="en-US" sz="1600" dirty="0">
+                <a:solidFill>
+                  <a:schemeClr val="tx1"/>
+                </a:solidFill>
+                <a:latin typeface="맑은 고딕" panose="020B0503020000020004" pitchFamily="50" charset="-127"/>
+                <a:ea typeface="맑은 고딕" panose="020B0503020000020004" pitchFamily="50" charset="-127"/>
+                <a:cs typeface="Segoe UI" panose="020B0502040204020203" pitchFamily="34" charset="0"/>
+              </a:rPr>
+              <a:t>차단하려는 폴더 경로를 </a:t>
+            </a:r>
+            <a:r>
+              <a:rPr lang="ko-KR" altLang="en-US" sz="1600" dirty="0" err="1">
+                <a:solidFill>
+                  <a:schemeClr val="tx1"/>
+                </a:solidFill>
+                <a:latin typeface="맑은 고딕" panose="020B0503020000020004" pitchFamily="50" charset="-127"/>
+                <a:ea typeface="맑은 고딕" panose="020B0503020000020004" pitchFamily="50" charset="-127"/>
+                <a:cs typeface="Segoe UI" panose="020B0502040204020203" pitchFamily="34" charset="0"/>
+              </a:rPr>
+              <a:t>입력시</a:t>
+            </a:r>
+            <a:r>
+              <a:rPr lang="ko-KR" altLang="en-US" sz="1600" dirty="0">
+                <a:solidFill>
+                  <a:schemeClr val="tx1"/>
+                </a:solidFill>
+                <a:latin typeface="맑은 고딕" panose="020B0503020000020004" pitchFamily="50" charset="-127"/>
+                <a:ea typeface="맑은 고딕" panose="020B0503020000020004" pitchFamily="50" charset="-127"/>
+                <a:cs typeface="Segoe UI" panose="020B0502040204020203" pitchFamily="34" charset="0"/>
+              </a:rPr>
+              <a:t> 해당 폴더 공유를 차단하는 기능</a:t>
+            </a:r>
             <a:endParaRPr lang="en-US" altLang="ko-KR" sz="1600" dirty="0">
               <a:solidFill>
                 <a:schemeClr val="tx1"/>
@@ -8229,17 +7582,6 @@
               <a:defRPr/>
             </a:pPr>
             <a:r>
-              <a:rPr lang="ko-KR" altLang="en-US" sz="1600" dirty="0">
-                <a:solidFill>
-                  <a:schemeClr val="tx1"/>
-                </a:solidFill>
-                <a:latin typeface="맑은 고딕" panose="020B0503020000020004" pitchFamily="50" charset="-127"/>
-                <a:ea typeface="맑은 고딕" panose="020B0503020000020004" pitchFamily="50" charset="-127"/>
-                <a:cs typeface="Segoe UI" panose="020B0502040204020203" pitchFamily="34" charset="0"/>
-              </a:rPr>
-              <a:t>구현</a:t>
-            </a:r>
-            <a:r>
               <a:rPr lang="en-US" altLang="ko-KR" sz="1600" dirty="0">
                 <a:solidFill>
                   <a:schemeClr val="tx1"/>
@@ -8248,70 +7590,18 @@
                 <a:ea typeface="맑은 고딕" panose="020B0503020000020004" pitchFamily="50" charset="-127"/>
                 <a:cs typeface="Segoe UI" panose="020B0502040204020203" pitchFamily="34" charset="0"/>
               </a:rPr>
-              <a:t>?</a:t>
-            </a:r>
-          </a:p>
-          <a:p>
-            <a:pPr lvl="0" rtl="0">
-              <a:spcAft>
-                <a:spcPts val="600"/>
-              </a:spcAft>
-              <a:defRPr/>
-            </a:pPr>
-            <a:r>
-              <a:rPr lang="ko-KR" altLang="en-US" sz="1600" dirty="0">
-                <a:solidFill>
-                  <a:schemeClr val="tx1"/>
-                </a:solidFill>
-                <a:latin typeface="맑은 고딕" panose="020B0503020000020004" pitchFamily="50" charset="-127"/>
-                <a:ea typeface="맑은 고딕" panose="020B0503020000020004" pitchFamily="50" charset="-127"/>
-                <a:cs typeface="Segoe UI" panose="020B0502040204020203" pitchFamily="34" charset="0"/>
-              </a:rPr>
-              <a:t>프린트 할 때 </a:t>
-            </a:r>
-            <a:r>
-              <a:rPr lang="en-US" altLang="ko-KR" sz="1600" dirty="0" err="1">
-                <a:solidFill>
-                  <a:schemeClr val="tx1"/>
-                </a:solidFill>
-                <a:latin typeface="맑은 고딕" panose="020B0503020000020004" pitchFamily="50" charset="-127"/>
-                <a:ea typeface="맑은 고딕" panose="020B0503020000020004" pitchFamily="50" charset="-127"/>
-                <a:cs typeface="Segoe UI" panose="020B0502040204020203" pitchFamily="34" charset="0"/>
-              </a:rPr>
-              <a:t>dll</a:t>
-            </a:r>
-            <a:r>
-              <a:rPr lang="ko-KR" altLang="en-US" sz="1600" dirty="0">
-                <a:solidFill>
-                  <a:schemeClr val="tx1"/>
-                </a:solidFill>
-                <a:latin typeface="맑은 고딕" panose="020B0503020000020004" pitchFamily="50" charset="-127"/>
-                <a:ea typeface="맑은 고딕" panose="020B0503020000020004" pitchFamily="50" charset="-127"/>
-                <a:cs typeface="Segoe UI" panose="020B0502040204020203" pitchFamily="34" charset="0"/>
-              </a:rPr>
-              <a:t>을 통해 출력에 대한 부분을 </a:t>
-            </a:r>
-            <a:r>
-              <a:rPr lang="ko-KR" altLang="en-US" sz="1600" dirty="0" err="1">
-                <a:solidFill>
-                  <a:schemeClr val="tx1"/>
-                </a:solidFill>
-                <a:latin typeface="맑은 고딕" panose="020B0503020000020004" pitchFamily="50" charset="-127"/>
-                <a:ea typeface="맑은 고딕" panose="020B0503020000020004" pitchFamily="50" charset="-127"/>
-                <a:cs typeface="Segoe UI" panose="020B0502040204020203" pitchFamily="34" charset="0"/>
-              </a:rPr>
-              <a:t>후킹하여</a:t>
-            </a:r>
-            <a:r>
-              <a:rPr lang="ko-KR" altLang="en-US" sz="1600" dirty="0">
-                <a:solidFill>
-                  <a:schemeClr val="tx1"/>
-                </a:solidFill>
-                <a:latin typeface="맑은 고딕" panose="020B0503020000020004" pitchFamily="50" charset="-127"/>
-                <a:ea typeface="맑은 고딕" panose="020B0503020000020004" pitchFamily="50" charset="-127"/>
-                <a:cs typeface="Segoe UI" panose="020B0502040204020203" pitchFamily="34" charset="0"/>
-              </a:rPr>
-              <a:t> 차단하거나 워터마크 드로우 함수를 추가해 워터마크를 출력</a:t>
+              <a:t>* </a:t>
+            </a:r>
+            <a:r>
+              <a:rPr lang="ko-KR" altLang="en-US" sz="1600" dirty="0">
+                <a:solidFill>
+                  <a:schemeClr val="tx1"/>
+                </a:solidFill>
+                <a:latin typeface="맑은 고딕" panose="020B0503020000020004" pitchFamily="50" charset="-127"/>
+                <a:ea typeface="맑은 고딕" panose="020B0503020000020004" pitchFamily="50" charset="-127"/>
+                <a:cs typeface="Segoe UI" panose="020B0502040204020203" pitchFamily="34" charset="0"/>
+              </a:rPr>
+              <a:t>현재 아이피와 공유 폴더로 지정된 경로를 이용해 접근 권한을 얻은 폴더들의 권한을 해제한다</a:t>
             </a:r>
             <a:endParaRPr lang="en-US" altLang="ko-KR" sz="1600" dirty="0">
               <a:solidFill>
@@ -8330,6 +7620,39 @@
               <a:buNone/>
               <a:defRPr/>
             </a:pPr>
+            <a:r>
+              <a:rPr lang="ko-KR" altLang="en-US" sz="1600" b="1" dirty="0">
+                <a:solidFill>
+                  <a:schemeClr val="tx1"/>
+                </a:solidFill>
+                <a:latin typeface="맑은 고딕" panose="020B0503020000020004" pitchFamily="50" charset="-127"/>
+                <a:ea typeface="맑은 고딕" panose="020B0503020000020004" pitchFamily="50" charset="-127"/>
+                <a:cs typeface="Segoe UI" panose="020B0502040204020203" pitchFamily="34" charset="0"/>
+              </a:rPr>
+              <a:t>클립보드 차단정책 </a:t>
+            </a:r>
+            <a:r>
+              <a:rPr lang="en-US" altLang="ko-KR" sz="1600" dirty="0">
+                <a:solidFill>
+                  <a:schemeClr val="tx1"/>
+                </a:solidFill>
+                <a:latin typeface="맑은 고딕" panose="020B0503020000020004" pitchFamily="50" charset="-127"/>
+                <a:ea typeface="맑은 고딕" panose="020B0503020000020004" pitchFamily="50" charset="-127"/>
+                <a:cs typeface="Segoe UI" panose="020B0502040204020203" pitchFamily="34" charset="0"/>
+              </a:rPr>
+              <a:t>– </a:t>
+            </a:r>
+            <a:r>
+              <a:rPr lang="ko-KR" altLang="en-US" sz="1600" dirty="0">
+                <a:solidFill>
+                  <a:schemeClr val="tx1"/>
+                </a:solidFill>
+                <a:latin typeface="맑은 고딕" panose="020B0503020000020004" pitchFamily="50" charset="-127"/>
+                <a:ea typeface="맑은 고딕" panose="020B0503020000020004" pitchFamily="50" charset="-127"/>
+                <a:cs typeface="Segoe UI" panose="020B0502040204020203" pitchFamily="34" charset="0"/>
+              </a:rPr>
+              <a:t>제어 소프트웨어 목록에 있는 소프트웨어의 복사 붙여넣기 접근을 차단하는 기능</a:t>
+            </a:r>
             <a:endParaRPr lang="en-US" altLang="ko-KR" sz="1600" dirty="0">
               <a:solidFill>
                 <a:schemeClr val="tx1"/>
@@ -8347,51 +7670,123 @@
               <a:buNone/>
               <a:defRPr/>
             </a:pPr>
-            <a:endParaRPr lang="en-US" altLang="ko-KR" sz="1600" dirty="0">
-              <a:solidFill>
-                <a:schemeClr val="tx1"/>
-              </a:solidFill>
-              <a:latin typeface="맑은 고딕" panose="020B0503020000020004" pitchFamily="50" charset="-127"/>
-              <a:ea typeface="맑은 고딕" panose="020B0503020000020004" pitchFamily="50" charset="-127"/>
-              <a:cs typeface="Segoe UI" panose="020B0502040204020203" pitchFamily="34" charset="0"/>
-            </a:endParaRPr>
+            <a:r>
+              <a:rPr lang="en-US" altLang="ko-KR" sz="1600" dirty="0">
+                <a:solidFill>
+                  <a:schemeClr val="tx1"/>
+                </a:solidFill>
+                <a:latin typeface="맑은 고딕" panose="020B0503020000020004" pitchFamily="50" charset="-127"/>
+                <a:ea typeface="맑은 고딕" panose="020B0503020000020004" pitchFamily="50" charset="-127"/>
+                <a:cs typeface="Segoe UI" panose="020B0502040204020203" pitchFamily="34" charset="0"/>
+              </a:rPr>
+              <a:t>* Alt + c or v </a:t>
+            </a:r>
+            <a:r>
+              <a:rPr lang="ko-KR" altLang="en-US" sz="1600" dirty="0">
+                <a:solidFill>
+                  <a:schemeClr val="tx1"/>
+                </a:solidFill>
+                <a:latin typeface="맑은 고딕" panose="020B0503020000020004" pitchFamily="50" charset="-127"/>
+                <a:ea typeface="맑은 고딕" panose="020B0503020000020004" pitchFamily="50" charset="-127"/>
+                <a:cs typeface="Segoe UI" panose="020B0502040204020203" pitchFamily="34" charset="0"/>
+              </a:rPr>
+              <a:t>에 대한 키보드 동시입력을 차단하거나 프로세스 </a:t>
+            </a:r>
+            <a:r>
+              <a:rPr lang="en-US" altLang="ko-KR" sz="1600" dirty="0" err="1">
+                <a:solidFill>
+                  <a:schemeClr val="tx1"/>
+                </a:solidFill>
+                <a:latin typeface="맑은 고딕" panose="020B0503020000020004" pitchFamily="50" charset="-127"/>
+                <a:ea typeface="맑은 고딕" panose="020B0503020000020004" pitchFamily="50" charset="-127"/>
+                <a:cs typeface="Segoe UI" panose="020B0502040204020203" pitchFamily="34" charset="0"/>
+              </a:rPr>
+              <a:t>dll</a:t>
+            </a:r>
+            <a:r>
+              <a:rPr lang="ko-KR" altLang="en-US" sz="1600" dirty="0">
+                <a:solidFill>
+                  <a:schemeClr val="tx1"/>
+                </a:solidFill>
+                <a:latin typeface="맑은 고딕" panose="020B0503020000020004" pitchFamily="50" charset="-127"/>
+                <a:ea typeface="맑은 고딕" panose="020B0503020000020004" pitchFamily="50" charset="-127"/>
+                <a:cs typeface="Segoe UI" panose="020B0502040204020203" pitchFamily="34" charset="0"/>
+              </a:rPr>
+              <a:t>에서 복사</a:t>
+            </a:r>
+            <a:r>
+              <a:rPr lang="en-US" altLang="ko-KR" sz="1600" dirty="0">
+                <a:solidFill>
+                  <a:schemeClr val="tx1"/>
+                </a:solidFill>
+                <a:latin typeface="맑은 고딕" panose="020B0503020000020004" pitchFamily="50" charset="-127"/>
+                <a:ea typeface="맑은 고딕" panose="020B0503020000020004" pitchFamily="50" charset="-127"/>
+                <a:cs typeface="Segoe UI" panose="020B0502040204020203" pitchFamily="34" charset="0"/>
+              </a:rPr>
+              <a:t>, </a:t>
+            </a:r>
+            <a:r>
+              <a:rPr lang="ko-KR" altLang="en-US" sz="1600" dirty="0">
+                <a:solidFill>
+                  <a:schemeClr val="tx1"/>
+                </a:solidFill>
+                <a:latin typeface="맑은 고딕" panose="020B0503020000020004" pitchFamily="50" charset="-127"/>
+                <a:ea typeface="맑은 고딕" panose="020B0503020000020004" pitchFamily="50" charset="-127"/>
+                <a:cs typeface="Segoe UI" panose="020B0502040204020203" pitchFamily="34" charset="0"/>
+              </a:rPr>
+              <a:t>붙여넣기 함수 호출에 대한 </a:t>
+            </a:r>
+            <a:r>
+              <a:rPr lang="ko-KR" altLang="en-US" sz="1600" dirty="0" err="1">
+                <a:solidFill>
+                  <a:schemeClr val="tx1"/>
+                </a:solidFill>
+                <a:latin typeface="맑은 고딕" panose="020B0503020000020004" pitchFamily="50" charset="-127"/>
+                <a:ea typeface="맑은 고딕" panose="020B0503020000020004" pitchFamily="50" charset="-127"/>
+                <a:cs typeface="Segoe UI" panose="020B0502040204020203" pitchFamily="34" charset="0"/>
+              </a:rPr>
+              <a:t>후킹으로</a:t>
+            </a:r>
+            <a:r>
+              <a:rPr lang="ko-KR" altLang="en-US" sz="1600" dirty="0">
+                <a:solidFill>
+                  <a:schemeClr val="tx1"/>
+                </a:solidFill>
+                <a:latin typeface="맑은 고딕" panose="020B0503020000020004" pitchFamily="50" charset="-127"/>
+                <a:ea typeface="맑은 고딕" panose="020B0503020000020004" pitchFamily="50" charset="-127"/>
+                <a:cs typeface="Segoe UI" panose="020B0502040204020203" pitchFamily="34" charset="0"/>
+              </a:rPr>
+              <a:t> 차단</a:t>
+            </a:r>
+            <a:r>
+              <a:rPr lang="en-US" altLang="ko-KR" sz="1600" dirty="0">
+                <a:solidFill>
+                  <a:schemeClr val="tx1"/>
+                </a:solidFill>
+                <a:latin typeface="맑은 고딕" panose="020B0503020000020004" pitchFamily="50" charset="-127"/>
+                <a:ea typeface="맑은 고딕" panose="020B0503020000020004" pitchFamily="50" charset="-127"/>
+                <a:cs typeface="Segoe UI" panose="020B0502040204020203" pitchFamily="34" charset="0"/>
+              </a:rPr>
+              <a:t>?</a:t>
+            </a:r>
+            <a:r>
+              <a:rPr lang="ko-KR" altLang="en-US" sz="1600" dirty="0">
+                <a:solidFill>
+                  <a:schemeClr val="tx1"/>
+                </a:solidFill>
+                <a:latin typeface="맑은 고딕" panose="020B0503020000020004" pitchFamily="50" charset="-127"/>
+                <a:ea typeface="맑은 고딕" panose="020B0503020000020004" pitchFamily="50" charset="-127"/>
+                <a:cs typeface="Segoe UI" panose="020B0502040204020203" pitchFamily="34" charset="0"/>
+              </a:rPr>
+              <a:t> </a:t>
+            </a:r>
           </a:p>
         </p:txBody>
       </p:sp>
-      <p:pic>
-        <p:nvPicPr>
-          <p:cNvPr id="3" name="그림 2">
-            <a:extLst>
-              <a:ext uri="{FF2B5EF4-FFF2-40B4-BE49-F238E27FC236}">
-                <a16:creationId xmlns:a16="http://schemas.microsoft.com/office/drawing/2014/main" id="{8C85D775-81B0-444F-873E-F3BBFE8C7FDA}"/>
-              </a:ext>
-            </a:extLst>
-          </p:cNvPr>
-          <p:cNvPicPr>
-            <a:picLocks noChangeAspect="1"/>
-          </p:cNvPicPr>
-          <p:nvPr/>
-        </p:nvPicPr>
-        <p:blipFill>
-          <a:blip r:embed="rId3"/>
-          <a:stretch>
-            <a:fillRect/>
-          </a:stretch>
-        </p:blipFill>
-        <p:spPr>
-          <a:xfrm>
-            <a:off x="1844040" y="3194536"/>
-            <a:ext cx="8503919" cy="2531185"/>
-          </a:xfrm>
-          <a:prstGeom prst="rect">
-            <a:avLst/>
-          </a:prstGeom>
-        </p:spPr>
-      </p:pic>
     </p:spTree>
     <p:extLst>
       <p:ext uri="{BB962C8B-B14F-4D97-AF65-F5344CB8AC3E}">
-        <p14:creationId xmlns:p14="http://schemas.microsoft.com/office/powerpoint/2010/main" val="2944792122"/>
+        <p14:creationId xmlns:p14="http://schemas.microsoft.com/office/powerpoint/2010/main" val="2941628261"/>
       </p:ext>
     </p:extLst>
   </p:cSld>
@@ -8450,6 +7845,858 @@
           <a:p>
             <a:pPr rtl="0"/>
             <a:r>
+              <a:rPr lang="ko-KR" altLang="en-US" dirty="0">
+                <a:cs typeface="Segoe UI Light" panose="020B0502040204020203" pitchFamily="34" charset="0"/>
+              </a:rPr>
+              <a:t>출력물 보안</a:t>
+            </a:r>
+          </a:p>
+        </p:txBody>
+      </p:sp>
+      <p:sp>
+        <p:nvSpPr>
+          <p:cNvPr id="38" name="내용 개체 틀 17"/>
+          <p:cNvSpPr txBox="1">
+            <a:spLocks/>
+          </p:cNvSpPr>
+          <p:nvPr/>
+        </p:nvSpPr>
+        <p:spPr>
+          <a:xfrm>
+            <a:off x="541610" y="1524707"/>
+            <a:ext cx="11142390" cy="5221149"/>
+          </a:xfrm>
+          <a:prstGeom prst="rect">
+            <a:avLst/>
+          </a:prstGeom>
+        </p:spPr>
+        <p:txBody>
+          <a:bodyPr vert="horz" lIns="91440" tIns="45720" rIns="91440" bIns="45720" rtlCol="0">
+            <a:normAutofit fontScale="92500"/>
+          </a:bodyPr>
+          <a:lstStyle>
+            <a:lvl1pPr marL="228600" indent="-228600" algn="l" defTabSz="914400" rtl="0" eaLnBrk="1" latinLnBrk="0" hangingPunct="1">
+              <a:lnSpc>
+                <a:spcPts val="1800"/>
+              </a:lnSpc>
+              <a:spcBef>
+                <a:spcPts val="1000"/>
+              </a:spcBef>
+              <a:spcAft>
+                <a:spcPts val="1000"/>
+              </a:spcAft>
+              <a:buFont typeface="Arial" panose="020B0604020202020204" pitchFamily="34" charset="0"/>
+              <a:buChar char="•"/>
+              <a:defRPr lang="en-US" sz="1200" kern="1200" smtClean="0">
+                <a:solidFill>
+                  <a:schemeClr val="tx1">
+                    <a:lumMod val="75000"/>
+                    <a:lumOff val="25000"/>
+                  </a:schemeClr>
+                </a:solidFill>
+                <a:latin typeface="+mn-lt"/>
+                <a:ea typeface="+mn-ea"/>
+                <a:cs typeface="+mn-cs"/>
+              </a:defRPr>
+            </a:lvl1pPr>
+            <a:lvl2pPr marL="685800" indent="-228600" algn="l" defTabSz="914400" rtl="0" eaLnBrk="1" latinLnBrk="0" hangingPunct="1">
+              <a:lnSpc>
+                <a:spcPts val="1800"/>
+              </a:lnSpc>
+              <a:spcBef>
+                <a:spcPts val="1000"/>
+              </a:spcBef>
+              <a:spcAft>
+                <a:spcPts val="1000"/>
+              </a:spcAft>
+              <a:buFont typeface="Arial" panose="020B0604020202020204" pitchFamily="34" charset="0"/>
+              <a:buChar char="•"/>
+              <a:defRPr lang="en-US" sz="1200" kern="1200" smtClean="0">
+                <a:solidFill>
+                  <a:schemeClr val="tx1">
+                    <a:lumMod val="75000"/>
+                    <a:lumOff val="25000"/>
+                  </a:schemeClr>
+                </a:solidFill>
+                <a:latin typeface="+mn-lt"/>
+                <a:ea typeface="+mn-ea"/>
+                <a:cs typeface="+mn-cs"/>
+              </a:defRPr>
+            </a:lvl2pPr>
+            <a:lvl3pPr marL="1143000" indent="-228600" algn="l" defTabSz="914400" rtl="0" eaLnBrk="1" latinLnBrk="0" hangingPunct="1">
+              <a:lnSpc>
+                <a:spcPts val="1800"/>
+              </a:lnSpc>
+              <a:spcBef>
+                <a:spcPts val="1000"/>
+              </a:spcBef>
+              <a:spcAft>
+                <a:spcPts val="1000"/>
+              </a:spcAft>
+              <a:buFont typeface="Arial" panose="020B0604020202020204" pitchFamily="34" charset="0"/>
+              <a:buChar char="•"/>
+              <a:defRPr lang="en-US" sz="1200" kern="1200" smtClean="0">
+                <a:solidFill>
+                  <a:schemeClr val="tx1">
+                    <a:lumMod val="75000"/>
+                    <a:lumOff val="25000"/>
+                  </a:schemeClr>
+                </a:solidFill>
+                <a:latin typeface="+mn-lt"/>
+                <a:ea typeface="+mn-ea"/>
+                <a:cs typeface="+mn-cs"/>
+              </a:defRPr>
+            </a:lvl3pPr>
+            <a:lvl4pPr marL="1600200" indent="-228600" algn="l" defTabSz="914400" rtl="0" eaLnBrk="1" latinLnBrk="0" hangingPunct="1">
+              <a:lnSpc>
+                <a:spcPts val="1800"/>
+              </a:lnSpc>
+              <a:spcBef>
+                <a:spcPts val="1000"/>
+              </a:spcBef>
+              <a:spcAft>
+                <a:spcPts val="1000"/>
+              </a:spcAft>
+              <a:buFont typeface="Arial" panose="020B0604020202020204" pitchFamily="34" charset="0"/>
+              <a:buChar char="•"/>
+              <a:defRPr lang="en-US" sz="1200" kern="1200" smtClean="0">
+                <a:solidFill>
+                  <a:schemeClr val="tx1">
+                    <a:lumMod val="75000"/>
+                    <a:lumOff val="25000"/>
+                  </a:schemeClr>
+                </a:solidFill>
+                <a:latin typeface="+mn-lt"/>
+                <a:ea typeface="+mn-ea"/>
+                <a:cs typeface="+mn-cs"/>
+              </a:defRPr>
+            </a:lvl4pPr>
+            <a:lvl5pPr marL="2057400" indent="-228600" algn="l" defTabSz="914400" rtl="0" eaLnBrk="1" latinLnBrk="0" hangingPunct="1">
+              <a:lnSpc>
+                <a:spcPts val="1800"/>
+              </a:lnSpc>
+              <a:spcBef>
+                <a:spcPts val="1000"/>
+              </a:spcBef>
+              <a:spcAft>
+                <a:spcPts val="1000"/>
+              </a:spcAft>
+              <a:buFont typeface="Arial" panose="020B0604020202020204" pitchFamily="34" charset="0"/>
+              <a:buChar char="•"/>
+              <a:defRPr lang="en-US" sz="1200" kern="1200">
+                <a:solidFill>
+                  <a:schemeClr val="tx1">
+                    <a:lumMod val="75000"/>
+                    <a:lumOff val="25000"/>
+                  </a:schemeClr>
+                </a:solidFill>
+                <a:latin typeface="+mn-lt"/>
+                <a:ea typeface="+mn-ea"/>
+                <a:cs typeface="+mn-cs"/>
+              </a:defRPr>
+            </a:lvl5pPr>
+            <a:lvl6pPr marL="2514600" indent="-228600" algn="l" defTabSz="914400" rtl="0" eaLnBrk="1" latinLnBrk="0" hangingPunct="1">
+              <a:lnSpc>
+                <a:spcPct val="90000"/>
+              </a:lnSpc>
+              <a:spcBef>
+                <a:spcPct val="30000"/>
+              </a:spcBef>
+              <a:buFont typeface="Arial" panose="020B0604020202020204" pitchFamily="34" charset="0"/>
+              <a:buChar char="•"/>
+              <a:defRPr sz="1800" kern="1200">
+                <a:solidFill>
+                  <a:schemeClr val="tx1"/>
+                </a:solidFill>
+                <a:latin typeface="+mn-lt"/>
+                <a:ea typeface="+mn-ea"/>
+                <a:cs typeface="+mn-cs"/>
+              </a:defRPr>
+            </a:lvl6pPr>
+            <a:lvl7pPr marL="2971800" indent="-228600" algn="l" defTabSz="914400" rtl="0" eaLnBrk="1" latinLnBrk="0" hangingPunct="1">
+              <a:lnSpc>
+                <a:spcPct val="90000"/>
+              </a:lnSpc>
+              <a:spcBef>
+                <a:spcPct val="30000"/>
+              </a:spcBef>
+              <a:buFont typeface="Arial" panose="020B0604020202020204" pitchFamily="34" charset="0"/>
+              <a:buChar char="•"/>
+              <a:defRPr sz="1800" kern="1200">
+                <a:solidFill>
+                  <a:schemeClr val="tx1"/>
+                </a:solidFill>
+                <a:latin typeface="+mn-lt"/>
+                <a:ea typeface="+mn-ea"/>
+                <a:cs typeface="+mn-cs"/>
+              </a:defRPr>
+            </a:lvl7pPr>
+            <a:lvl8pPr marL="3429000" indent="-228600" algn="l" defTabSz="914400" rtl="0" eaLnBrk="1" latinLnBrk="0" hangingPunct="1">
+              <a:lnSpc>
+                <a:spcPct val="90000"/>
+              </a:lnSpc>
+              <a:spcBef>
+                <a:spcPct val="30000"/>
+              </a:spcBef>
+              <a:buFont typeface="Arial" panose="020B0604020202020204" pitchFamily="34" charset="0"/>
+              <a:buChar char="•"/>
+              <a:defRPr sz="1800" kern="1200">
+                <a:solidFill>
+                  <a:schemeClr val="tx1"/>
+                </a:solidFill>
+                <a:latin typeface="+mn-lt"/>
+                <a:ea typeface="+mn-ea"/>
+                <a:cs typeface="+mn-cs"/>
+              </a:defRPr>
+            </a:lvl8pPr>
+            <a:lvl9pPr marL="3886200" indent="-228600" algn="l" defTabSz="914400" rtl="0" eaLnBrk="1" latinLnBrk="0" hangingPunct="1">
+              <a:lnSpc>
+                <a:spcPct val="90000"/>
+              </a:lnSpc>
+              <a:spcBef>
+                <a:spcPct val="30000"/>
+              </a:spcBef>
+              <a:buFont typeface="Arial" panose="020B0604020202020204" pitchFamily="34" charset="0"/>
+              <a:buChar char="•"/>
+              <a:defRPr sz="1800" kern="1200">
+                <a:solidFill>
+                  <a:schemeClr val="tx1"/>
+                </a:solidFill>
+                <a:latin typeface="+mn-lt"/>
+                <a:ea typeface="+mn-ea"/>
+                <a:cs typeface="+mn-cs"/>
+              </a:defRPr>
+            </a:lvl9pPr>
+          </a:lstStyle>
+          <a:p>
+            <a:pPr marL="0" lvl="0" indent="0" rtl="0">
+              <a:spcAft>
+                <a:spcPts val="600"/>
+              </a:spcAft>
+              <a:buNone/>
+              <a:defRPr/>
+            </a:pPr>
+            <a:r>
+              <a:rPr lang="ko-KR" altLang="en-US" sz="1600" dirty="0">
+                <a:solidFill>
+                  <a:schemeClr val="tx1"/>
+                </a:solidFill>
+                <a:latin typeface="맑은 고딕" panose="020B0503020000020004" pitchFamily="50" charset="-127"/>
+                <a:ea typeface="맑은 고딕" panose="020B0503020000020004" pitchFamily="50" charset="-127"/>
+                <a:cs typeface="Segoe UI" panose="020B0502040204020203" pitchFamily="34" charset="0"/>
+              </a:rPr>
+              <a:t>프린트</a:t>
+            </a:r>
+            <a:r>
+              <a:rPr lang="en-US" altLang="ko-KR" sz="1600" dirty="0">
+                <a:solidFill>
+                  <a:schemeClr val="tx1"/>
+                </a:solidFill>
+                <a:latin typeface="맑은 고딕" panose="020B0503020000020004" pitchFamily="50" charset="-127"/>
+                <a:ea typeface="맑은 고딕" panose="020B0503020000020004" pitchFamily="50" charset="-127"/>
+                <a:cs typeface="Segoe UI" panose="020B0502040204020203" pitchFamily="34" charset="0"/>
+              </a:rPr>
+              <a:t>(</a:t>
+            </a:r>
+            <a:r>
+              <a:rPr lang="ko-KR" altLang="en-US" sz="1600" dirty="0">
+                <a:solidFill>
+                  <a:schemeClr val="tx1"/>
+                </a:solidFill>
+                <a:latin typeface="맑은 고딕" panose="020B0503020000020004" pitchFamily="50" charset="-127"/>
+                <a:ea typeface="맑은 고딕" panose="020B0503020000020004" pitchFamily="50" charset="-127"/>
+                <a:cs typeface="Segoe UI" panose="020B0502040204020203" pitchFamily="34" charset="0"/>
+              </a:rPr>
+              <a:t>출력</a:t>
+            </a:r>
+            <a:r>
+              <a:rPr lang="en-US" altLang="ko-KR" sz="1600" dirty="0">
+                <a:solidFill>
+                  <a:schemeClr val="tx1"/>
+                </a:solidFill>
+                <a:latin typeface="맑은 고딕" panose="020B0503020000020004" pitchFamily="50" charset="-127"/>
+                <a:ea typeface="맑은 고딕" panose="020B0503020000020004" pitchFamily="50" charset="-127"/>
+                <a:cs typeface="Segoe UI" panose="020B0502040204020203" pitchFamily="34" charset="0"/>
+              </a:rPr>
+              <a:t>)</a:t>
+            </a:r>
+            <a:r>
+              <a:rPr lang="ko-KR" altLang="en-US" sz="1600" dirty="0">
+                <a:solidFill>
+                  <a:schemeClr val="tx1"/>
+                </a:solidFill>
+                <a:latin typeface="맑은 고딕" panose="020B0503020000020004" pitchFamily="50" charset="-127"/>
+                <a:ea typeface="맑은 고딕" panose="020B0503020000020004" pitchFamily="50" charset="-127"/>
+                <a:cs typeface="Segoe UI" panose="020B0502040204020203" pitchFamily="34" charset="0"/>
+              </a:rPr>
+              <a:t>에 대해 차단 </a:t>
+            </a:r>
+            <a:r>
+              <a:rPr lang="en-US" altLang="ko-KR" sz="1600" dirty="0">
+                <a:solidFill>
+                  <a:schemeClr val="tx1"/>
+                </a:solidFill>
+                <a:latin typeface="맑은 고딕" panose="020B0503020000020004" pitchFamily="50" charset="-127"/>
+                <a:ea typeface="맑은 고딕" panose="020B0503020000020004" pitchFamily="50" charset="-127"/>
+                <a:cs typeface="Segoe UI" panose="020B0502040204020203" pitchFamily="34" charset="0"/>
+              </a:rPr>
+              <a:t>, </a:t>
+            </a:r>
+            <a:r>
+              <a:rPr lang="ko-KR" altLang="en-US" sz="1600" dirty="0">
+                <a:solidFill>
+                  <a:schemeClr val="tx1"/>
+                </a:solidFill>
+                <a:latin typeface="맑은 고딕" panose="020B0503020000020004" pitchFamily="50" charset="-127"/>
+                <a:ea typeface="맑은 고딕" panose="020B0503020000020004" pitchFamily="50" charset="-127"/>
+                <a:cs typeface="Segoe UI" panose="020B0502040204020203" pitchFamily="34" charset="0"/>
+              </a:rPr>
+              <a:t>승인 </a:t>
+            </a:r>
+            <a:r>
+              <a:rPr lang="en-US" altLang="ko-KR" sz="1600" dirty="0">
+                <a:solidFill>
+                  <a:schemeClr val="tx1"/>
+                </a:solidFill>
+                <a:latin typeface="맑은 고딕" panose="020B0503020000020004" pitchFamily="50" charset="-127"/>
+                <a:ea typeface="맑은 고딕" panose="020B0503020000020004" pitchFamily="50" charset="-127"/>
+                <a:cs typeface="Segoe UI" panose="020B0502040204020203" pitchFamily="34" charset="0"/>
+              </a:rPr>
+              <a:t>, </a:t>
+            </a:r>
+            <a:r>
+              <a:rPr lang="ko-KR" altLang="en-US" sz="1600" dirty="0">
+                <a:solidFill>
+                  <a:schemeClr val="tx1"/>
+                </a:solidFill>
+                <a:latin typeface="맑은 고딕" panose="020B0503020000020004" pitchFamily="50" charset="-127"/>
+                <a:ea typeface="맑은 고딕" panose="020B0503020000020004" pitchFamily="50" charset="-127"/>
+                <a:cs typeface="Segoe UI" panose="020B0502040204020203" pitchFamily="34" charset="0"/>
+              </a:rPr>
+              <a:t>저장 정책을 가지고 있는 기능</a:t>
+            </a:r>
+            <a:endParaRPr lang="en-US" altLang="ko-KR" sz="1600" dirty="0">
+              <a:solidFill>
+                <a:schemeClr val="tx1"/>
+              </a:solidFill>
+              <a:latin typeface="맑은 고딕" panose="020B0503020000020004" pitchFamily="50" charset="-127"/>
+              <a:ea typeface="맑은 고딕" panose="020B0503020000020004" pitchFamily="50" charset="-127"/>
+              <a:cs typeface="Segoe UI" panose="020B0502040204020203" pitchFamily="34" charset="0"/>
+            </a:endParaRPr>
+          </a:p>
+          <a:p>
+            <a:pPr marL="0" lvl="0" indent="0" rtl="0">
+              <a:spcAft>
+                <a:spcPts val="600"/>
+              </a:spcAft>
+              <a:buNone/>
+              <a:defRPr/>
+            </a:pPr>
+            <a:r>
+              <a:rPr lang="ko-KR" altLang="en-US" sz="1600" b="1" dirty="0">
+                <a:solidFill>
+                  <a:schemeClr val="tx1"/>
+                </a:solidFill>
+                <a:latin typeface="맑은 고딕" panose="020B0503020000020004" pitchFamily="50" charset="-127"/>
+                <a:ea typeface="맑은 고딕" panose="020B0503020000020004" pitchFamily="50" charset="-127"/>
+                <a:cs typeface="Segoe UI" panose="020B0502040204020203" pitchFamily="34" charset="0"/>
+              </a:rPr>
+              <a:t>출력 정책 </a:t>
+            </a:r>
+            <a:r>
+              <a:rPr lang="en-US" altLang="ko-KR" sz="1600" dirty="0">
+                <a:solidFill>
+                  <a:schemeClr val="tx1"/>
+                </a:solidFill>
+                <a:latin typeface="맑은 고딕" panose="020B0503020000020004" pitchFamily="50" charset="-127"/>
+                <a:ea typeface="맑은 고딕" panose="020B0503020000020004" pitchFamily="50" charset="-127"/>
+                <a:cs typeface="Segoe UI" panose="020B0502040204020203" pitchFamily="34" charset="0"/>
+              </a:rPr>
+              <a:t>: </a:t>
+            </a:r>
+            <a:r>
+              <a:rPr lang="ko-KR" altLang="en-US" sz="1600" dirty="0">
+                <a:solidFill>
+                  <a:schemeClr val="tx1"/>
+                </a:solidFill>
+                <a:latin typeface="맑은 고딕" panose="020B0503020000020004" pitchFamily="50" charset="-127"/>
+                <a:ea typeface="맑은 고딕" panose="020B0503020000020004" pitchFamily="50" charset="-127"/>
+                <a:cs typeface="Segoe UI" panose="020B0502040204020203" pitchFamily="34" charset="0"/>
+              </a:rPr>
+              <a:t>기본적인 출력 차단 기능과 카테고리별 설정을 통해 차단 </a:t>
+            </a:r>
+            <a:r>
+              <a:rPr lang="en-US" altLang="ko-KR" sz="1600" dirty="0">
+                <a:solidFill>
+                  <a:schemeClr val="tx1"/>
+                </a:solidFill>
+                <a:latin typeface="맑은 고딕" panose="020B0503020000020004" pitchFamily="50" charset="-127"/>
+                <a:ea typeface="맑은 고딕" panose="020B0503020000020004" pitchFamily="50" charset="-127"/>
+                <a:cs typeface="Segoe UI" panose="020B0502040204020203" pitchFamily="34" charset="0"/>
+              </a:rPr>
+              <a:t>, </a:t>
+            </a:r>
+            <a:r>
+              <a:rPr lang="ko-KR" altLang="en-US" sz="1600" dirty="0">
+                <a:solidFill>
+                  <a:schemeClr val="tx1"/>
+                </a:solidFill>
+                <a:latin typeface="맑은 고딕" panose="020B0503020000020004" pitchFamily="50" charset="-127"/>
+                <a:ea typeface="맑은 고딕" panose="020B0503020000020004" pitchFamily="50" charset="-127"/>
+                <a:cs typeface="Segoe UI" panose="020B0502040204020203" pitchFamily="34" charset="0"/>
+              </a:rPr>
+              <a:t>워터마크 등의 기능을 가지고 있다</a:t>
+            </a:r>
+            <a:r>
+              <a:rPr lang="en-US" altLang="ko-KR" sz="1600" dirty="0">
+                <a:solidFill>
+                  <a:schemeClr val="tx1"/>
+                </a:solidFill>
+                <a:latin typeface="맑은 고딕" panose="020B0503020000020004" pitchFamily="50" charset="-127"/>
+                <a:ea typeface="맑은 고딕" panose="020B0503020000020004" pitchFamily="50" charset="-127"/>
+                <a:cs typeface="Segoe UI" panose="020B0502040204020203" pitchFamily="34" charset="0"/>
+              </a:rPr>
+              <a:t>.</a:t>
+            </a:r>
+          </a:p>
+          <a:p>
+            <a:pPr marL="0" lvl="0" indent="0" rtl="0">
+              <a:spcAft>
+                <a:spcPts val="600"/>
+              </a:spcAft>
+              <a:buNone/>
+              <a:defRPr/>
+            </a:pPr>
+            <a:r>
+              <a:rPr lang="ko-KR" altLang="en-US" sz="1600" b="1" dirty="0">
+                <a:solidFill>
+                  <a:schemeClr val="tx1"/>
+                </a:solidFill>
+                <a:latin typeface="맑은 고딕" panose="020B0503020000020004" pitchFamily="50" charset="-127"/>
+                <a:ea typeface="맑은 고딕" panose="020B0503020000020004" pitchFamily="50" charset="-127"/>
+                <a:cs typeface="Segoe UI" panose="020B0502040204020203" pitchFamily="34" charset="0"/>
+              </a:rPr>
+              <a:t>승인 정책 </a:t>
+            </a:r>
+            <a:r>
+              <a:rPr lang="en-US" altLang="ko-KR" sz="1600" dirty="0">
+                <a:solidFill>
+                  <a:schemeClr val="tx1"/>
+                </a:solidFill>
+                <a:latin typeface="맑은 고딕" panose="020B0503020000020004" pitchFamily="50" charset="-127"/>
+                <a:ea typeface="맑은 고딕" panose="020B0503020000020004" pitchFamily="50" charset="-127"/>
+                <a:cs typeface="Segoe UI" panose="020B0502040204020203" pitchFamily="34" charset="0"/>
+              </a:rPr>
+              <a:t>: </a:t>
+            </a:r>
+            <a:r>
+              <a:rPr lang="ko-KR" altLang="en-US" sz="1600" dirty="0">
+                <a:solidFill>
+                  <a:schemeClr val="tx1"/>
+                </a:solidFill>
+                <a:latin typeface="맑은 고딕" panose="020B0503020000020004" pitchFamily="50" charset="-127"/>
+                <a:ea typeface="맑은 고딕" panose="020B0503020000020004" pitchFamily="50" charset="-127"/>
+                <a:cs typeface="Segoe UI" panose="020B0502040204020203" pitchFamily="34" charset="0"/>
+              </a:rPr>
+              <a:t>출력물에 대한 승인기능과 알림을 메일로 수신하거나 완료 메시지의 대상자를 정할 수 있는 기능이 있다</a:t>
+            </a:r>
+            <a:r>
+              <a:rPr lang="en-US" altLang="ko-KR" sz="1600" dirty="0">
+                <a:solidFill>
+                  <a:schemeClr val="tx1"/>
+                </a:solidFill>
+                <a:latin typeface="맑은 고딕" panose="020B0503020000020004" pitchFamily="50" charset="-127"/>
+                <a:ea typeface="맑은 고딕" panose="020B0503020000020004" pitchFamily="50" charset="-127"/>
+                <a:cs typeface="Segoe UI" panose="020B0502040204020203" pitchFamily="34" charset="0"/>
+              </a:rPr>
+              <a:t>.</a:t>
+            </a:r>
+          </a:p>
+          <a:p>
+            <a:pPr marL="0" lvl="0" indent="0" rtl="0">
+              <a:spcAft>
+                <a:spcPts val="600"/>
+              </a:spcAft>
+              <a:buNone/>
+              <a:defRPr/>
+            </a:pPr>
+            <a:r>
+              <a:rPr lang="ko-KR" altLang="en-US" sz="1600" b="1" dirty="0">
+                <a:solidFill>
+                  <a:schemeClr val="tx1"/>
+                </a:solidFill>
+                <a:latin typeface="맑은 고딕" panose="020B0503020000020004" pitchFamily="50" charset="-127"/>
+                <a:ea typeface="맑은 고딕" panose="020B0503020000020004" pitchFamily="50" charset="-127"/>
+                <a:cs typeface="Segoe UI" panose="020B0502040204020203" pitchFamily="34" charset="0"/>
+              </a:rPr>
+              <a:t>저장 정책 </a:t>
+            </a:r>
+            <a:r>
+              <a:rPr lang="en-US" altLang="ko-KR" sz="1600" dirty="0">
+                <a:solidFill>
+                  <a:schemeClr val="tx1"/>
+                </a:solidFill>
+                <a:latin typeface="맑은 고딕" panose="020B0503020000020004" pitchFamily="50" charset="-127"/>
+                <a:ea typeface="맑은 고딕" panose="020B0503020000020004" pitchFamily="50" charset="-127"/>
+                <a:cs typeface="Segoe UI" panose="020B0502040204020203" pitchFamily="34" charset="0"/>
+              </a:rPr>
+              <a:t>: </a:t>
+            </a:r>
+            <a:r>
+              <a:rPr lang="ko-KR" altLang="en-US" sz="1600" dirty="0">
+                <a:solidFill>
+                  <a:schemeClr val="tx1"/>
+                </a:solidFill>
+                <a:latin typeface="맑은 고딕" panose="020B0503020000020004" pitchFamily="50" charset="-127"/>
+                <a:ea typeface="맑은 고딕" panose="020B0503020000020004" pitchFamily="50" charset="-127"/>
+                <a:cs typeface="Segoe UI" panose="020B0502040204020203" pitchFamily="34" charset="0"/>
+              </a:rPr>
+              <a:t>출력물의 이미지나 페이지를 백업하는 기능이 있다</a:t>
+            </a:r>
+            <a:r>
+              <a:rPr lang="en-US" altLang="ko-KR" sz="1600" dirty="0">
+                <a:solidFill>
+                  <a:schemeClr val="tx1"/>
+                </a:solidFill>
+                <a:latin typeface="맑은 고딕" panose="020B0503020000020004" pitchFamily="50" charset="-127"/>
+                <a:ea typeface="맑은 고딕" panose="020B0503020000020004" pitchFamily="50" charset="-127"/>
+                <a:cs typeface="Segoe UI" panose="020B0502040204020203" pitchFamily="34" charset="0"/>
+              </a:rPr>
+              <a:t>.</a:t>
+            </a:r>
+          </a:p>
+          <a:p>
+            <a:pPr marL="0" lvl="0" indent="0" rtl="0">
+              <a:spcAft>
+                <a:spcPts val="600"/>
+              </a:spcAft>
+              <a:buNone/>
+              <a:defRPr/>
+            </a:pPr>
+            <a:endParaRPr lang="en-US" altLang="ko-KR" sz="1600" dirty="0">
+              <a:solidFill>
+                <a:schemeClr val="tx1"/>
+              </a:solidFill>
+              <a:latin typeface="맑은 고딕" panose="020B0503020000020004" pitchFamily="50" charset="-127"/>
+              <a:ea typeface="맑은 고딕" panose="020B0503020000020004" pitchFamily="50" charset="-127"/>
+              <a:cs typeface="Segoe UI" panose="020B0502040204020203" pitchFamily="34" charset="0"/>
+            </a:endParaRPr>
+          </a:p>
+          <a:p>
+            <a:pPr marL="0" lvl="0" indent="0" rtl="0">
+              <a:spcAft>
+                <a:spcPts val="600"/>
+              </a:spcAft>
+              <a:buNone/>
+              <a:defRPr/>
+            </a:pPr>
+            <a:endParaRPr lang="en-US" altLang="ko-KR" sz="1600" dirty="0">
+              <a:solidFill>
+                <a:schemeClr val="tx1"/>
+              </a:solidFill>
+              <a:latin typeface="맑은 고딕" panose="020B0503020000020004" pitchFamily="50" charset="-127"/>
+              <a:ea typeface="맑은 고딕" panose="020B0503020000020004" pitchFamily="50" charset="-127"/>
+              <a:cs typeface="Segoe UI" panose="020B0502040204020203" pitchFamily="34" charset="0"/>
+            </a:endParaRPr>
+          </a:p>
+          <a:p>
+            <a:pPr marL="0" lvl="0" indent="0" rtl="0">
+              <a:spcAft>
+                <a:spcPts val="600"/>
+              </a:spcAft>
+              <a:buNone/>
+              <a:defRPr/>
+            </a:pPr>
+            <a:endParaRPr lang="en-US" altLang="ko-KR" sz="1600" dirty="0">
+              <a:solidFill>
+                <a:schemeClr val="tx1"/>
+              </a:solidFill>
+              <a:latin typeface="맑은 고딕" panose="020B0503020000020004" pitchFamily="50" charset="-127"/>
+              <a:ea typeface="맑은 고딕" panose="020B0503020000020004" pitchFamily="50" charset="-127"/>
+              <a:cs typeface="Segoe UI" panose="020B0502040204020203" pitchFamily="34" charset="0"/>
+            </a:endParaRPr>
+          </a:p>
+          <a:p>
+            <a:pPr marL="0" lvl="0" indent="0" rtl="0">
+              <a:spcAft>
+                <a:spcPts val="600"/>
+              </a:spcAft>
+              <a:buNone/>
+              <a:defRPr/>
+            </a:pPr>
+            <a:endParaRPr lang="en-US" altLang="ko-KR" sz="1600" dirty="0">
+              <a:solidFill>
+                <a:schemeClr val="tx1"/>
+              </a:solidFill>
+              <a:latin typeface="맑은 고딕" panose="020B0503020000020004" pitchFamily="50" charset="-127"/>
+              <a:ea typeface="맑은 고딕" panose="020B0503020000020004" pitchFamily="50" charset="-127"/>
+              <a:cs typeface="Segoe UI" panose="020B0502040204020203" pitchFamily="34" charset="0"/>
+            </a:endParaRPr>
+          </a:p>
+          <a:p>
+            <a:pPr marL="0" lvl="0" indent="0" rtl="0">
+              <a:spcAft>
+                <a:spcPts val="600"/>
+              </a:spcAft>
+              <a:buNone/>
+              <a:defRPr/>
+            </a:pPr>
+            <a:endParaRPr lang="en-US" altLang="ko-KR" sz="1600" dirty="0">
+              <a:solidFill>
+                <a:schemeClr val="tx1"/>
+              </a:solidFill>
+              <a:latin typeface="맑은 고딕" panose="020B0503020000020004" pitchFamily="50" charset="-127"/>
+              <a:ea typeface="맑은 고딕" panose="020B0503020000020004" pitchFamily="50" charset="-127"/>
+              <a:cs typeface="Segoe UI" panose="020B0502040204020203" pitchFamily="34" charset="0"/>
+            </a:endParaRPr>
+          </a:p>
+          <a:p>
+            <a:pPr marL="0" lvl="0" indent="0" rtl="0">
+              <a:spcAft>
+                <a:spcPts val="600"/>
+              </a:spcAft>
+              <a:buNone/>
+              <a:defRPr/>
+            </a:pPr>
+            <a:endParaRPr lang="en-US" altLang="ko-KR" sz="1600" dirty="0">
+              <a:solidFill>
+                <a:schemeClr val="tx1"/>
+              </a:solidFill>
+              <a:latin typeface="맑은 고딕" panose="020B0503020000020004" pitchFamily="50" charset="-127"/>
+              <a:ea typeface="맑은 고딕" panose="020B0503020000020004" pitchFamily="50" charset="-127"/>
+              <a:cs typeface="Segoe UI" panose="020B0502040204020203" pitchFamily="34" charset="0"/>
+            </a:endParaRPr>
+          </a:p>
+          <a:p>
+            <a:pPr marL="0" lvl="0" indent="0" rtl="0">
+              <a:spcAft>
+                <a:spcPts val="600"/>
+              </a:spcAft>
+              <a:buNone/>
+              <a:defRPr/>
+            </a:pPr>
+            <a:r>
+              <a:rPr lang="ko-KR" altLang="en-US" sz="1600" dirty="0">
+                <a:solidFill>
+                  <a:schemeClr val="tx1"/>
+                </a:solidFill>
+                <a:latin typeface="맑은 고딕" panose="020B0503020000020004" pitchFamily="50" charset="-127"/>
+                <a:ea typeface="맑은 고딕" panose="020B0503020000020004" pitchFamily="50" charset="-127"/>
+                <a:cs typeface="Segoe UI" panose="020B0502040204020203" pitchFamily="34" charset="0"/>
+              </a:rPr>
+              <a:t>구현</a:t>
+            </a:r>
+            <a:r>
+              <a:rPr lang="en-US" altLang="ko-KR" sz="1600" dirty="0">
+                <a:solidFill>
+                  <a:schemeClr val="tx1"/>
+                </a:solidFill>
+                <a:latin typeface="맑은 고딕" panose="020B0503020000020004" pitchFamily="50" charset="-127"/>
+                <a:ea typeface="맑은 고딕" panose="020B0503020000020004" pitchFamily="50" charset="-127"/>
+                <a:cs typeface="Segoe UI" panose="020B0502040204020203" pitchFamily="34" charset="0"/>
+              </a:rPr>
+              <a:t>?</a:t>
+            </a:r>
+          </a:p>
+          <a:p>
+            <a:pPr lvl="0" rtl="0">
+              <a:spcAft>
+                <a:spcPts val="600"/>
+              </a:spcAft>
+              <a:defRPr/>
+            </a:pPr>
+            <a:r>
+              <a:rPr lang="ko-KR" altLang="en-US" sz="1600" dirty="0">
+                <a:solidFill>
+                  <a:schemeClr val="tx1"/>
+                </a:solidFill>
+                <a:latin typeface="맑은 고딕" panose="020B0503020000020004" pitchFamily="50" charset="-127"/>
+                <a:ea typeface="맑은 고딕" panose="020B0503020000020004" pitchFamily="50" charset="-127"/>
+                <a:cs typeface="Segoe UI" panose="020B0502040204020203" pitchFamily="34" charset="0"/>
+              </a:rPr>
+              <a:t>프린트 할 때 </a:t>
+            </a:r>
+            <a:r>
+              <a:rPr lang="en-US" altLang="ko-KR" sz="1600" dirty="0">
+                <a:solidFill>
+                  <a:schemeClr val="tx1"/>
+                </a:solidFill>
+                <a:latin typeface="맑은 고딕" panose="020B0503020000020004" pitchFamily="50" charset="-127"/>
+                <a:ea typeface="맑은 고딕" panose="020B0503020000020004" pitchFamily="50" charset="-127"/>
+                <a:cs typeface="Segoe UI" panose="020B0502040204020203" pitchFamily="34" charset="0"/>
+              </a:rPr>
+              <a:t>GDI32.dll</a:t>
+            </a:r>
+            <a:r>
+              <a:rPr lang="ko-KR" altLang="en-US" sz="1600" dirty="0">
+                <a:solidFill>
+                  <a:schemeClr val="tx1"/>
+                </a:solidFill>
+                <a:latin typeface="맑은 고딕" panose="020B0503020000020004" pitchFamily="50" charset="-127"/>
+                <a:ea typeface="맑은 고딕" panose="020B0503020000020004" pitchFamily="50" charset="-127"/>
+                <a:cs typeface="Segoe UI" panose="020B0502040204020203" pitchFamily="34" charset="0"/>
+              </a:rPr>
+              <a:t>을 통해 출력에 대한 부분을 </a:t>
+            </a:r>
+            <a:r>
+              <a:rPr lang="ko-KR" altLang="en-US" sz="1600" dirty="0" err="1">
+                <a:solidFill>
+                  <a:schemeClr val="tx1"/>
+                </a:solidFill>
+                <a:latin typeface="맑은 고딕" panose="020B0503020000020004" pitchFamily="50" charset="-127"/>
+                <a:ea typeface="맑은 고딕" panose="020B0503020000020004" pitchFamily="50" charset="-127"/>
+                <a:cs typeface="Segoe UI" panose="020B0502040204020203" pitchFamily="34" charset="0"/>
+              </a:rPr>
+              <a:t>후킹하여</a:t>
+            </a:r>
+            <a:r>
+              <a:rPr lang="ko-KR" altLang="en-US" sz="1600" dirty="0">
+                <a:solidFill>
+                  <a:schemeClr val="tx1"/>
+                </a:solidFill>
+                <a:latin typeface="맑은 고딕" panose="020B0503020000020004" pitchFamily="50" charset="-127"/>
+                <a:ea typeface="맑은 고딕" panose="020B0503020000020004" pitchFamily="50" charset="-127"/>
+                <a:cs typeface="Segoe UI" panose="020B0502040204020203" pitchFamily="34" charset="0"/>
+              </a:rPr>
+              <a:t> 차단하거나 워터마크 드로우 함수를 추가해 워터마크를 출력</a:t>
+            </a:r>
+            <a:endParaRPr lang="en-US" altLang="ko-KR" sz="1600" dirty="0">
+              <a:solidFill>
+                <a:schemeClr val="tx1"/>
+              </a:solidFill>
+              <a:latin typeface="맑은 고딕" panose="020B0503020000020004" pitchFamily="50" charset="-127"/>
+              <a:ea typeface="맑은 고딕" panose="020B0503020000020004" pitchFamily="50" charset="-127"/>
+              <a:cs typeface="Segoe UI" panose="020B0502040204020203" pitchFamily="34" charset="0"/>
+            </a:endParaRPr>
+          </a:p>
+          <a:p>
+            <a:pPr marL="0" lvl="0" indent="0" rtl="0">
+              <a:spcAft>
+                <a:spcPts val="600"/>
+              </a:spcAft>
+              <a:buNone/>
+              <a:defRPr/>
+            </a:pPr>
+            <a:endParaRPr lang="en-US" altLang="ko-KR" sz="1600" dirty="0">
+              <a:solidFill>
+                <a:schemeClr val="tx1"/>
+              </a:solidFill>
+              <a:latin typeface="맑은 고딕" panose="020B0503020000020004" pitchFamily="50" charset="-127"/>
+              <a:ea typeface="맑은 고딕" panose="020B0503020000020004" pitchFamily="50" charset="-127"/>
+              <a:cs typeface="Segoe UI" panose="020B0502040204020203" pitchFamily="34" charset="0"/>
+            </a:endParaRPr>
+          </a:p>
+          <a:p>
+            <a:pPr marL="0" lvl="0" indent="0" rtl="0">
+              <a:spcAft>
+                <a:spcPts val="600"/>
+              </a:spcAft>
+              <a:buNone/>
+              <a:defRPr/>
+            </a:pPr>
+            <a:endParaRPr lang="en-US" altLang="ko-KR" sz="1600" dirty="0">
+              <a:solidFill>
+                <a:schemeClr val="tx1"/>
+              </a:solidFill>
+              <a:latin typeface="맑은 고딕" panose="020B0503020000020004" pitchFamily="50" charset="-127"/>
+              <a:ea typeface="맑은 고딕" panose="020B0503020000020004" pitchFamily="50" charset="-127"/>
+              <a:cs typeface="Segoe UI" panose="020B0502040204020203" pitchFamily="34" charset="0"/>
+            </a:endParaRPr>
+          </a:p>
+        </p:txBody>
+      </p:sp>
+      <p:pic>
+        <p:nvPicPr>
+          <p:cNvPr id="3" name="그림 2">
+            <a:extLst>
+              <a:ext uri="{FF2B5EF4-FFF2-40B4-BE49-F238E27FC236}">
+                <a16:creationId xmlns:a16="http://schemas.microsoft.com/office/drawing/2014/main" id="{8C85D775-81B0-444F-873E-F3BBFE8C7FDA}"/>
+              </a:ext>
+            </a:extLst>
+          </p:cNvPr>
+          <p:cNvPicPr>
+            <a:picLocks noChangeAspect="1"/>
+          </p:cNvPicPr>
+          <p:nvPr/>
+        </p:nvPicPr>
+        <p:blipFill>
+          <a:blip r:embed="rId3"/>
+          <a:stretch>
+            <a:fillRect/>
+          </a:stretch>
+        </p:blipFill>
+        <p:spPr>
+          <a:xfrm>
+            <a:off x="1844040" y="3194536"/>
+            <a:ext cx="8503919" cy="2531185"/>
+          </a:xfrm>
+          <a:prstGeom prst="rect">
+            <a:avLst/>
+          </a:prstGeom>
+        </p:spPr>
+      </p:pic>
+    </p:spTree>
+    <p:extLst>
+      <p:ext uri="{BB962C8B-B14F-4D97-AF65-F5344CB8AC3E}">
+        <p14:creationId xmlns:p14="http://schemas.microsoft.com/office/powerpoint/2010/main" val="2944792122"/>
+      </p:ext>
+    </p:extLst>
+  </p:cSld>
+  <p:clrMapOvr>
+    <a:masterClrMapping/>
+  </p:clrMapOvr>
+  <mc:AlternateContent xmlns:mc="http://schemas.openxmlformats.org/markup-compatibility/2006" xmlns:p14="http://schemas.microsoft.com/office/powerpoint/2010/main">
+    <mc:Choice Requires="p14">
+      <p:transition p14:dur="10"/>
+    </mc:Choice>
+    <mc:Fallback xmlns="">
+      <p:transition/>
+    </mc:Fallback>
+  </mc:AlternateContent>
+</p:sld>
+</file>
+
+<file path=ppt/slides/slide18.xml><?xml version="1.0" encoding="utf-8"?>
+<p:sld xmlns:a="http://schemas.openxmlformats.org/drawingml/2006/main" xmlns:r="http://schemas.openxmlformats.org/officeDocument/2006/relationships" xmlns:p="http://schemas.openxmlformats.org/presentationml/2006/main">
+  <p:cSld>
+    <p:spTree>
+      <p:nvGrpSpPr>
+        <p:cNvPr id="1" name=""/>
+        <p:cNvGrpSpPr/>
+        <p:nvPr/>
+      </p:nvGrpSpPr>
+      <p:grpSpPr>
+        <a:xfrm>
+          <a:off x="0" y="0"/>
+          <a:ext cx="0" cy="0"/>
+          <a:chOff x="0" y="0"/>
+          <a:chExt cx="0" cy="0"/>
+        </a:xfrm>
+      </p:grpSpPr>
+      <p:sp>
+        <p:nvSpPr>
+          <p:cNvPr id="8" name="제목 7"/>
+          <p:cNvSpPr>
+            <a:spLocks noGrp="1"/>
+          </p:cNvSpPr>
+          <p:nvPr>
+            <p:ph type="title"/>
+          </p:nvPr>
+        </p:nvSpPr>
+        <p:spPr>
+          <a:xfrm>
+            <a:off x="521206" y="448056"/>
+            <a:ext cx="8613915" cy="640080"/>
+          </a:xfrm>
+        </p:spPr>
+        <p:txBody>
+          <a:bodyPr rtlCol="0">
+            <a:noAutofit/>
+          </a:bodyPr>
+          <a:lstStyle/>
+          <a:p>
+            <a:pPr rtl="0"/>
+            <a:r>
               <a:rPr lang="en-US" altLang="ko-KR" dirty="0">
                 <a:cs typeface="Segoe UI Light" panose="020B0502040204020203" pitchFamily="34" charset="0"/>
               </a:rPr>
@@ -9281,7 +9528,7 @@
 </p:sld>
 </file>
 
-<file path=ppt/slides/slide18.xml><?xml version="1.0" encoding="utf-8"?>
+<file path=ppt/slides/slide19.xml><?xml version="1.0" encoding="utf-8"?>
 <p:sld xmlns:a="http://schemas.openxmlformats.org/drawingml/2006/main" xmlns:r="http://schemas.openxmlformats.org/officeDocument/2006/relationships" xmlns:p="http://schemas.openxmlformats.org/presentationml/2006/main">
   <p:cSld>
     <p:spTree>
@@ -11629,51 +11876,7 @@
                 <a:ea typeface="맑은 고딕" panose="020B0503020000020004" pitchFamily="50" charset="-127"/>
                 <a:cs typeface="Segoe UI" panose="020B0502040204020203" pitchFamily="34" charset="0"/>
               </a:rPr>
-              <a:t>특정 자료를 저작권자가 의도한 용도로만 사용하도록 제한하는데 사용되는 모든 기술을 </a:t>
-            </a:r>
-            <a:r>
-              <a:rPr lang="ko-KR" altLang="en-US" sz="1600" dirty="0" err="1">
-                <a:solidFill>
-                  <a:schemeClr val="tx1"/>
-                </a:solidFill>
-                <a:latin typeface="맑은 고딕" panose="020B0503020000020004" pitchFamily="50" charset="-127"/>
-                <a:ea typeface="맑은 고딕" panose="020B0503020000020004" pitchFamily="50" charset="-127"/>
-                <a:cs typeface="Segoe UI" panose="020B0502040204020203" pitchFamily="34" charset="0"/>
-              </a:rPr>
-              <a:t>지칠하는</a:t>
-            </a:r>
-            <a:r>
-              <a:rPr lang="ko-KR" altLang="en-US" sz="1600" dirty="0">
-                <a:solidFill>
-                  <a:schemeClr val="tx1"/>
-                </a:solidFill>
-                <a:latin typeface="맑은 고딕" panose="020B0503020000020004" pitchFamily="50" charset="-127"/>
-                <a:ea typeface="맑은 고딕" panose="020B0503020000020004" pitchFamily="50" charset="-127"/>
-                <a:cs typeface="Segoe UI" panose="020B0502040204020203" pitchFamily="34" charset="0"/>
-              </a:rPr>
-              <a:t> </a:t>
-            </a:r>
-            <a:r>
-              <a:rPr lang="ko-KR" altLang="en-US" sz="1600" dirty="0" err="1">
-                <a:solidFill>
-                  <a:schemeClr val="tx1"/>
-                </a:solidFill>
-                <a:latin typeface="맑은 고딕" panose="020B0503020000020004" pitchFamily="50" charset="-127"/>
-                <a:ea typeface="맑은 고딕" panose="020B0503020000020004" pitchFamily="50" charset="-127"/>
-                <a:cs typeface="Segoe UI" panose="020B0502040204020203" pitchFamily="34" charset="0"/>
-              </a:rPr>
-              <a:t>용어기</a:t>
-            </a:r>
-            <a:r>
-              <a:rPr lang="ko-KR" altLang="en-US" sz="1600" dirty="0">
-                <a:solidFill>
-                  <a:schemeClr val="tx1"/>
-                </a:solidFill>
-                <a:latin typeface="맑은 고딕" panose="020B0503020000020004" pitchFamily="50" charset="-127"/>
-                <a:ea typeface="맑은 고딕" panose="020B0503020000020004" pitchFamily="50" charset="-127"/>
-                <a:cs typeface="Segoe UI" panose="020B0502040204020203" pitchFamily="34" charset="0"/>
-              </a:rPr>
-              <a:t> 때문에 복사 방지</a:t>
+              <a:t>기업 솔루션 용어로 사용될 때는 디지털 제약 관리에 가까운 의미가 되며 각 문서 단위에 권한을 주고</a:t>
             </a:r>
             <a:r>
               <a:rPr lang="en-US" altLang="ko-KR" sz="1600" dirty="0">
@@ -11695,7 +11898,7 @@
                 <a:ea typeface="맑은 고딕" panose="020B0503020000020004" pitchFamily="50" charset="-127"/>
                 <a:cs typeface="Segoe UI" panose="020B0502040204020203" pitchFamily="34" charset="0"/>
               </a:rPr>
-              <a:t>기술보호 장치도 그 일부다</a:t>
+              <a:t>사용자 권한에 따라 접근할 수 있는 범위를 제한한다</a:t>
             </a:r>
             <a:r>
               <a:rPr lang="en-US" altLang="ko-KR" sz="1600" dirty="0">
@@ -12274,966 +12477,6 @@
 </file>
 
 <file path=ppt/slides/slide5.xml><?xml version="1.0" encoding="utf-8"?>
-<p:sld xmlns:a="http://schemas.openxmlformats.org/drawingml/2006/main" xmlns:r="http://schemas.openxmlformats.org/officeDocument/2006/relationships" xmlns:p="http://schemas.openxmlformats.org/presentationml/2006/main">
-  <p:cSld>
-    <p:spTree>
-      <p:nvGrpSpPr>
-        <p:cNvPr id="1" name=""/>
-        <p:cNvGrpSpPr/>
-        <p:nvPr/>
-      </p:nvGrpSpPr>
-      <p:grpSpPr>
-        <a:xfrm>
-          <a:off x="0" y="0"/>
-          <a:ext cx="0" cy="0"/>
-          <a:chOff x="0" y="0"/>
-          <a:chExt cx="0" cy="0"/>
-        </a:xfrm>
-      </p:grpSpPr>
-      <p:sp>
-        <p:nvSpPr>
-          <p:cNvPr id="8" name="제목 7"/>
-          <p:cNvSpPr>
-            <a:spLocks noGrp="1"/>
-          </p:cNvSpPr>
-          <p:nvPr>
-            <p:ph type="title"/>
-          </p:nvPr>
-        </p:nvSpPr>
-        <p:spPr>
-          <a:xfrm>
-            <a:off x="521206" y="448056"/>
-            <a:ext cx="8613915" cy="640080"/>
-          </a:xfrm>
-        </p:spPr>
-        <p:txBody>
-          <a:bodyPr rtlCol="0">
-            <a:noAutofit/>
-          </a:bodyPr>
-          <a:lstStyle/>
-          <a:p>
-            <a:pPr rtl="0"/>
-            <a:r>
-              <a:rPr lang="en-US" altLang="ko-KR" dirty="0">
-                <a:cs typeface="Segoe UI Light" panose="020B0502040204020203" pitchFamily="34" charset="0"/>
-              </a:rPr>
-              <a:t>API Hooking</a:t>
-            </a:r>
-            <a:endParaRPr lang="ko-KR" altLang="en-US" dirty="0">
-              <a:cs typeface="Segoe UI Light" panose="020B0502040204020203" pitchFamily="34" charset="0"/>
-            </a:endParaRPr>
-          </a:p>
-        </p:txBody>
-      </p:sp>
-      <p:sp>
-        <p:nvSpPr>
-          <p:cNvPr id="38" name="내용 개체 틀 17"/>
-          <p:cNvSpPr txBox="1">
-            <a:spLocks/>
-          </p:cNvSpPr>
-          <p:nvPr/>
-        </p:nvSpPr>
-        <p:spPr>
-          <a:xfrm>
-            <a:off x="541610" y="1524708"/>
-            <a:ext cx="11142390" cy="4990392"/>
-          </a:xfrm>
-          <a:prstGeom prst="rect">
-            <a:avLst/>
-          </a:prstGeom>
-        </p:spPr>
-        <p:txBody>
-          <a:bodyPr vert="horz" lIns="91440" tIns="45720" rIns="91440" bIns="45720" rtlCol="0">
-            <a:normAutofit/>
-          </a:bodyPr>
-          <a:lstStyle>
-            <a:lvl1pPr marL="228600" indent="-228600" algn="l" defTabSz="914400" rtl="0" eaLnBrk="1" latinLnBrk="0" hangingPunct="1">
-              <a:lnSpc>
-                <a:spcPts val="1800"/>
-              </a:lnSpc>
-              <a:spcBef>
-                <a:spcPts val="1000"/>
-              </a:spcBef>
-              <a:spcAft>
-                <a:spcPts val="1000"/>
-              </a:spcAft>
-              <a:buFont typeface="Arial" panose="020B0604020202020204" pitchFamily="34" charset="0"/>
-              <a:buChar char="•"/>
-              <a:defRPr lang="en-US" sz="1200" kern="1200" smtClean="0">
-                <a:solidFill>
-                  <a:schemeClr val="tx1">
-                    <a:lumMod val="75000"/>
-                    <a:lumOff val="25000"/>
-                  </a:schemeClr>
-                </a:solidFill>
-                <a:latin typeface="+mn-lt"/>
-                <a:ea typeface="+mn-ea"/>
-                <a:cs typeface="+mn-cs"/>
-              </a:defRPr>
-            </a:lvl1pPr>
-            <a:lvl2pPr marL="685800" indent="-228600" algn="l" defTabSz="914400" rtl="0" eaLnBrk="1" latinLnBrk="0" hangingPunct="1">
-              <a:lnSpc>
-                <a:spcPts val="1800"/>
-              </a:lnSpc>
-              <a:spcBef>
-                <a:spcPts val="1000"/>
-              </a:spcBef>
-              <a:spcAft>
-                <a:spcPts val="1000"/>
-              </a:spcAft>
-              <a:buFont typeface="Arial" panose="020B0604020202020204" pitchFamily="34" charset="0"/>
-              <a:buChar char="•"/>
-              <a:defRPr lang="en-US" sz="1200" kern="1200" smtClean="0">
-                <a:solidFill>
-                  <a:schemeClr val="tx1">
-                    <a:lumMod val="75000"/>
-                    <a:lumOff val="25000"/>
-                  </a:schemeClr>
-                </a:solidFill>
-                <a:latin typeface="+mn-lt"/>
-                <a:ea typeface="+mn-ea"/>
-                <a:cs typeface="+mn-cs"/>
-              </a:defRPr>
-            </a:lvl2pPr>
-            <a:lvl3pPr marL="1143000" indent="-228600" algn="l" defTabSz="914400" rtl="0" eaLnBrk="1" latinLnBrk="0" hangingPunct="1">
-              <a:lnSpc>
-                <a:spcPts val="1800"/>
-              </a:lnSpc>
-              <a:spcBef>
-                <a:spcPts val="1000"/>
-              </a:spcBef>
-              <a:spcAft>
-                <a:spcPts val="1000"/>
-              </a:spcAft>
-              <a:buFont typeface="Arial" panose="020B0604020202020204" pitchFamily="34" charset="0"/>
-              <a:buChar char="•"/>
-              <a:defRPr lang="en-US" sz="1200" kern="1200" smtClean="0">
-                <a:solidFill>
-                  <a:schemeClr val="tx1">
-                    <a:lumMod val="75000"/>
-                    <a:lumOff val="25000"/>
-                  </a:schemeClr>
-                </a:solidFill>
-                <a:latin typeface="+mn-lt"/>
-                <a:ea typeface="+mn-ea"/>
-                <a:cs typeface="+mn-cs"/>
-              </a:defRPr>
-            </a:lvl3pPr>
-            <a:lvl4pPr marL="1600200" indent="-228600" algn="l" defTabSz="914400" rtl="0" eaLnBrk="1" latinLnBrk="0" hangingPunct="1">
-              <a:lnSpc>
-                <a:spcPts val="1800"/>
-              </a:lnSpc>
-              <a:spcBef>
-                <a:spcPts val="1000"/>
-              </a:spcBef>
-              <a:spcAft>
-                <a:spcPts val="1000"/>
-              </a:spcAft>
-              <a:buFont typeface="Arial" panose="020B0604020202020204" pitchFamily="34" charset="0"/>
-              <a:buChar char="•"/>
-              <a:defRPr lang="en-US" sz="1200" kern="1200" smtClean="0">
-                <a:solidFill>
-                  <a:schemeClr val="tx1">
-                    <a:lumMod val="75000"/>
-                    <a:lumOff val="25000"/>
-                  </a:schemeClr>
-                </a:solidFill>
-                <a:latin typeface="+mn-lt"/>
-                <a:ea typeface="+mn-ea"/>
-                <a:cs typeface="+mn-cs"/>
-              </a:defRPr>
-            </a:lvl4pPr>
-            <a:lvl5pPr marL="2057400" indent="-228600" algn="l" defTabSz="914400" rtl="0" eaLnBrk="1" latinLnBrk="0" hangingPunct="1">
-              <a:lnSpc>
-                <a:spcPts val="1800"/>
-              </a:lnSpc>
-              <a:spcBef>
-                <a:spcPts val="1000"/>
-              </a:spcBef>
-              <a:spcAft>
-                <a:spcPts val="1000"/>
-              </a:spcAft>
-              <a:buFont typeface="Arial" panose="020B0604020202020204" pitchFamily="34" charset="0"/>
-              <a:buChar char="•"/>
-              <a:defRPr lang="en-US" sz="1200" kern="1200">
-                <a:solidFill>
-                  <a:schemeClr val="tx1">
-                    <a:lumMod val="75000"/>
-                    <a:lumOff val="25000"/>
-                  </a:schemeClr>
-                </a:solidFill>
-                <a:latin typeface="+mn-lt"/>
-                <a:ea typeface="+mn-ea"/>
-                <a:cs typeface="+mn-cs"/>
-              </a:defRPr>
-            </a:lvl5pPr>
-            <a:lvl6pPr marL="2514600" indent="-228600" algn="l" defTabSz="914400" rtl="0" eaLnBrk="1" latinLnBrk="0" hangingPunct="1">
-              <a:lnSpc>
-                <a:spcPct val="90000"/>
-              </a:lnSpc>
-              <a:spcBef>
-                <a:spcPct val="30000"/>
-              </a:spcBef>
-              <a:buFont typeface="Arial" panose="020B0604020202020204" pitchFamily="34" charset="0"/>
-              <a:buChar char="•"/>
-              <a:defRPr sz="1800" kern="1200">
-                <a:solidFill>
-                  <a:schemeClr val="tx1"/>
-                </a:solidFill>
-                <a:latin typeface="+mn-lt"/>
-                <a:ea typeface="+mn-ea"/>
-                <a:cs typeface="+mn-cs"/>
-              </a:defRPr>
-            </a:lvl6pPr>
-            <a:lvl7pPr marL="2971800" indent="-228600" algn="l" defTabSz="914400" rtl="0" eaLnBrk="1" latinLnBrk="0" hangingPunct="1">
-              <a:lnSpc>
-                <a:spcPct val="90000"/>
-              </a:lnSpc>
-              <a:spcBef>
-                <a:spcPct val="30000"/>
-              </a:spcBef>
-              <a:buFont typeface="Arial" panose="020B0604020202020204" pitchFamily="34" charset="0"/>
-              <a:buChar char="•"/>
-              <a:defRPr sz="1800" kern="1200">
-                <a:solidFill>
-                  <a:schemeClr val="tx1"/>
-                </a:solidFill>
-                <a:latin typeface="+mn-lt"/>
-                <a:ea typeface="+mn-ea"/>
-                <a:cs typeface="+mn-cs"/>
-              </a:defRPr>
-            </a:lvl7pPr>
-            <a:lvl8pPr marL="3429000" indent="-228600" algn="l" defTabSz="914400" rtl="0" eaLnBrk="1" latinLnBrk="0" hangingPunct="1">
-              <a:lnSpc>
-                <a:spcPct val="90000"/>
-              </a:lnSpc>
-              <a:spcBef>
-                <a:spcPct val="30000"/>
-              </a:spcBef>
-              <a:buFont typeface="Arial" panose="020B0604020202020204" pitchFamily="34" charset="0"/>
-              <a:buChar char="•"/>
-              <a:defRPr sz="1800" kern="1200">
-                <a:solidFill>
-                  <a:schemeClr val="tx1"/>
-                </a:solidFill>
-                <a:latin typeface="+mn-lt"/>
-                <a:ea typeface="+mn-ea"/>
-                <a:cs typeface="+mn-cs"/>
-              </a:defRPr>
-            </a:lvl8pPr>
-            <a:lvl9pPr marL="3886200" indent="-228600" algn="l" defTabSz="914400" rtl="0" eaLnBrk="1" latinLnBrk="0" hangingPunct="1">
-              <a:lnSpc>
-                <a:spcPct val="90000"/>
-              </a:lnSpc>
-              <a:spcBef>
-                <a:spcPct val="30000"/>
-              </a:spcBef>
-              <a:buFont typeface="Arial" panose="020B0604020202020204" pitchFamily="34" charset="0"/>
-              <a:buChar char="•"/>
-              <a:defRPr sz="1800" kern="1200">
-                <a:solidFill>
-                  <a:schemeClr val="tx1"/>
-                </a:solidFill>
-                <a:latin typeface="+mn-lt"/>
-                <a:ea typeface="+mn-ea"/>
-                <a:cs typeface="+mn-cs"/>
-              </a:defRPr>
-            </a:lvl9pPr>
-          </a:lstStyle>
-          <a:p>
-            <a:pPr marL="0" lvl="0" indent="0" rtl="0">
-              <a:spcAft>
-                <a:spcPts val="600"/>
-              </a:spcAft>
-              <a:buNone/>
-              <a:defRPr/>
-            </a:pPr>
-            <a:r>
-              <a:rPr lang="ko-KR" altLang="en-US" sz="1600" dirty="0">
-                <a:solidFill>
-                  <a:schemeClr val="tx1"/>
-                </a:solidFill>
-                <a:latin typeface="맑은 고딕" panose="020B0503020000020004" pitchFamily="50" charset="-127"/>
-                <a:ea typeface="맑은 고딕" panose="020B0503020000020004" pitchFamily="50" charset="-127"/>
-                <a:cs typeface="Segoe UI" panose="020B0502040204020203" pitchFamily="34" charset="0"/>
-              </a:rPr>
-              <a:t>운영체제나 응용 소프트웨어 등의 각종 프로그램에서 소프트웨어 구성 요소 간에 발생하는 함수 호출 </a:t>
-            </a:r>
-            <a:r>
-              <a:rPr lang="en-US" altLang="ko-KR" sz="1600" dirty="0">
-                <a:solidFill>
-                  <a:schemeClr val="tx1"/>
-                </a:solidFill>
-                <a:latin typeface="맑은 고딕" panose="020B0503020000020004" pitchFamily="50" charset="-127"/>
-                <a:ea typeface="맑은 고딕" panose="020B0503020000020004" pitchFamily="50" charset="-127"/>
-                <a:cs typeface="Segoe UI" panose="020B0502040204020203" pitchFamily="34" charset="0"/>
-              </a:rPr>
-              <a:t>, </a:t>
-            </a:r>
-            <a:r>
-              <a:rPr lang="ko-KR" altLang="en-US" sz="1600" dirty="0">
-                <a:solidFill>
-                  <a:schemeClr val="tx1"/>
-                </a:solidFill>
-                <a:latin typeface="맑은 고딕" panose="020B0503020000020004" pitchFamily="50" charset="-127"/>
-                <a:ea typeface="맑은 고딕" panose="020B0503020000020004" pitchFamily="50" charset="-127"/>
-                <a:cs typeface="Segoe UI" panose="020B0502040204020203" pitchFamily="34" charset="0"/>
-              </a:rPr>
-              <a:t>메시지 </a:t>
-            </a:r>
-            <a:r>
-              <a:rPr lang="en-US" altLang="ko-KR" sz="1600" dirty="0">
-                <a:solidFill>
-                  <a:schemeClr val="tx1"/>
-                </a:solidFill>
-                <a:latin typeface="맑은 고딕" panose="020B0503020000020004" pitchFamily="50" charset="-127"/>
-                <a:ea typeface="맑은 고딕" panose="020B0503020000020004" pitchFamily="50" charset="-127"/>
-                <a:cs typeface="Segoe UI" panose="020B0502040204020203" pitchFamily="34" charset="0"/>
-              </a:rPr>
-              <a:t>, </a:t>
-            </a:r>
-            <a:r>
-              <a:rPr lang="ko-KR" altLang="en-US" sz="1600" dirty="0">
-                <a:solidFill>
-                  <a:schemeClr val="tx1"/>
-                </a:solidFill>
-                <a:latin typeface="맑은 고딕" panose="020B0503020000020004" pitchFamily="50" charset="-127"/>
-                <a:ea typeface="맑은 고딕" panose="020B0503020000020004" pitchFamily="50" charset="-127"/>
-                <a:cs typeface="Segoe UI" panose="020B0502040204020203" pitchFamily="34" charset="0"/>
-              </a:rPr>
-              <a:t>이벤트 등을 중간에서 가로채서 해당 요소의 동작을 변경하거나 보강하는데 사용되는 명령 </a:t>
-            </a:r>
-            <a:r>
-              <a:rPr lang="en-US" altLang="ko-KR" sz="1600" dirty="0">
-                <a:solidFill>
-                  <a:schemeClr val="tx1"/>
-                </a:solidFill>
-                <a:latin typeface="맑은 고딕" panose="020B0503020000020004" pitchFamily="50" charset="-127"/>
-                <a:ea typeface="맑은 고딕" panose="020B0503020000020004" pitchFamily="50" charset="-127"/>
-                <a:cs typeface="Segoe UI" panose="020B0502040204020203" pitchFamily="34" charset="0"/>
-              </a:rPr>
-              <a:t>, </a:t>
-            </a:r>
-            <a:r>
-              <a:rPr lang="ko-KR" altLang="en-US" sz="1600" dirty="0">
-                <a:solidFill>
-                  <a:schemeClr val="tx1"/>
-                </a:solidFill>
-                <a:latin typeface="맑은 고딕" panose="020B0503020000020004" pitchFamily="50" charset="-127"/>
-                <a:ea typeface="맑은 고딕" panose="020B0503020000020004" pitchFamily="50" charset="-127"/>
-                <a:cs typeface="Segoe UI" panose="020B0502040204020203" pitchFamily="34" charset="0"/>
-              </a:rPr>
-              <a:t>방법을 말한다</a:t>
-            </a:r>
-            <a:r>
-              <a:rPr lang="en-US" altLang="ko-KR" sz="1600" dirty="0">
-                <a:solidFill>
-                  <a:schemeClr val="tx1"/>
-                </a:solidFill>
-                <a:latin typeface="맑은 고딕" panose="020B0503020000020004" pitchFamily="50" charset="-127"/>
-                <a:ea typeface="맑은 고딕" panose="020B0503020000020004" pitchFamily="50" charset="-127"/>
-                <a:cs typeface="Segoe UI" panose="020B0502040204020203" pitchFamily="34" charset="0"/>
-              </a:rPr>
-              <a:t>.</a:t>
-            </a:r>
-          </a:p>
-        </p:txBody>
-      </p:sp>
-      <p:pic>
-        <p:nvPicPr>
-          <p:cNvPr id="5" name="그림 4">
-            <a:extLst>
-              <a:ext uri="{FF2B5EF4-FFF2-40B4-BE49-F238E27FC236}">
-                <a16:creationId xmlns:a16="http://schemas.microsoft.com/office/drawing/2014/main" id="{84A55F75-63C0-4493-ADAD-7416B92150BF}"/>
-              </a:ext>
-            </a:extLst>
-          </p:cNvPr>
-          <p:cNvPicPr>
-            <a:picLocks noChangeAspect="1"/>
-          </p:cNvPicPr>
-          <p:nvPr/>
-        </p:nvPicPr>
-        <p:blipFill>
-          <a:blip r:embed="rId3"/>
-          <a:stretch>
-            <a:fillRect/>
-          </a:stretch>
-        </p:blipFill>
-        <p:spPr>
-          <a:xfrm>
-            <a:off x="547529" y="2323398"/>
-            <a:ext cx="5548471" cy="3943900"/>
-          </a:xfrm>
-          <a:prstGeom prst="rect">
-            <a:avLst/>
-          </a:prstGeom>
-        </p:spPr>
-      </p:pic>
-      <p:pic>
-        <p:nvPicPr>
-          <p:cNvPr id="7" name="그림 6">
-            <a:extLst>
-              <a:ext uri="{FF2B5EF4-FFF2-40B4-BE49-F238E27FC236}">
-                <a16:creationId xmlns:a16="http://schemas.microsoft.com/office/drawing/2014/main" id="{C5AC6C79-1EE5-463A-AA55-5AF54D407BAA}"/>
-              </a:ext>
-            </a:extLst>
-          </p:cNvPr>
-          <p:cNvPicPr>
-            <a:picLocks noChangeAspect="1"/>
-          </p:cNvPicPr>
-          <p:nvPr/>
-        </p:nvPicPr>
-        <p:blipFill>
-          <a:blip r:embed="rId4"/>
-          <a:stretch>
-            <a:fillRect/>
-          </a:stretch>
-        </p:blipFill>
-        <p:spPr>
-          <a:xfrm>
-            <a:off x="6112805" y="2323398"/>
-            <a:ext cx="5725409" cy="3943900"/>
-          </a:xfrm>
-          <a:prstGeom prst="rect">
-            <a:avLst/>
-          </a:prstGeom>
-        </p:spPr>
-      </p:pic>
-    </p:spTree>
-    <p:extLst>
-      <p:ext uri="{BB962C8B-B14F-4D97-AF65-F5344CB8AC3E}">
-        <p14:creationId xmlns:p14="http://schemas.microsoft.com/office/powerpoint/2010/main" val="1491347099"/>
-      </p:ext>
-    </p:extLst>
-  </p:cSld>
-  <p:clrMapOvr>
-    <a:masterClrMapping/>
-  </p:clrMapOvr>
-  <mc:AlternateContent xmlns:mc="http://schemas.openxmlformats.org/markup-compatibility/2006" xmlns:p14="http://schemas.microsoft.com/office/powerpoint/2010/main">
-    <mc:Choice Requires="p14">
-      <p:transition p14:dur="10"/>
-    </mc:Choice>
-    <mc:Fallback xmlns="">
-      <p:transition/>
-    </mc:Fallback>
-  </mc:AlternateContent>
-</p:sld>
-</file>
-
-<file path=ppt/slides/slide6.xml><?xml version="1.0" encoding="utf-8"?>
-<p:sld xmlns:a="http://schemas.openxmlformats.org/drawingml/2006/main" xmlns:r="http://schemas.openxmlformats.org/officeDocument/2006/relationships" xmlns:p="http://schemas.openxmlformats.org/presentationml/2006/main">
-  <p:cSld>
-    <p:spTree>
-      <p:nvGrpSpPr>
-        <p:cNvPr id="1" name=""/>
-        <p:cNvGrpSpPr/>
-        <p:nvPr/>
-      </p:nvGrpSpPr>
-      <p:grpSpPr>
-        <a:xfrm>
-          <a:off x="0" y="0"/>
-          <a:ext cx="0" cy="0"/>
-          <a:chOff x="0" y="0"/>
-          <a:chExt cx="0" cy="0"/>
-        </a:xfrm>
-      </p:grpSpPr>
-      <p:sp>
-        <p:nvSpPr>
-          <p:cNvPr id="8" name="제목 7"/>
-          <p:cNvSpPr>
-            <a:spLocks noGrp="1"/>
-          </p:cNvSpPr>
-          <p:nvPr>
-            <p:ph type="title"/>
-          </p:nvPr>
-        </p:nvSpPr>
-        <p:spPr>
-          <a:xfrm>
-            <a:off x="521206" y="448056"/>
-            <a:ext cx="8613915" cy="640080"/>
-          </a:xfrm>
-        </p:spPr>
-        <p:txBody>
-          <a:bodyPr rtlCol="0">
-            <a:noAutofit/>
-          </a:bodyPr>
-          <a:lstStyle/>
-          <a:p>
-            <a:pPr rtl="0"/>
-            <a:r>
-              <a:rPr lang="en-US" altLang="ko-KR" dirty="0">
-                <a:cs typeface="Segoe UI Light" panose="020B0502040204020203" pitchFamily="34" charset="0"/>
-              </a:rPr>
-              <a:t>API Hooking</a:t>
-            </a:r>
-            <a:endParaRPr lang="ko-KR" altLang="en-US" dirty="0">
-              <a:cs typeface="Segoe UI Light" panose="020B0502040204020203" pitchFamily="34" charset="0"/>
-            </a:endParaRPr>
-          </a:p>
-        </p:txBody>
-      </p:sp>
-      <p:sp>
-        <p:nvSpPr>
-          <p:cNvPr id="38" name="내용 개체 틀 17"/>
-          <p:cNvSpPr txBox="1">
-            <a:spLocks/>
-          </p:cNvSpPr>
-          <p:nvPr/>
-        </p:nvSpPr>
-        <p:spPr>
-          <a:xfrm>
-            <a:off x="541610" y="1524708"/>
-            <a:ext cx="11142390" cy="4990392"/>
-          </a:xfrm>
-          <a:prstGeom prst="rect">
-            <a:avLst/>
-          </a:prstGeom>
-        </p:spPr>
-        <p:txBody>
-          <a:bodyPr vert="horz" lIns="91440" tIns="45720" rIns="91440" bIns="45720" rtlCol="0">
-            <a:normAutofit/>
-          </a:bodyPr>
-          <a:lstStyle>
-            <a:lvl1pPr marL="228600" indent="-228600" algn="l" defTabSz="914400" rtl="0" eaLnBrk="1" latinLnBrk="0" hangingPunct="1">
-              <a:lnSpc>
-                <a:spcPts val="1800"/>
-              </a:lnSpc>
-              <a:spcBef>
-                <a:spcPts val="1000"/>
-              </a:spcBef>
-              <a:spcAft>
-                <a:spcPts val="1000"/>
-              </a:spcAft>
-              <a:buFont typeface="Arial" panose="020B0604020202020204" pitchFamily="34" charset="0"/>
-              <a:buChar char="•"/>
-              <a:defRPr lang="en-US" sz="1200" kern="1200" smtClean="0">
-                <a:solidFill>
-                  <a:schemeClr val="tx1">
-                    <a:lumMod val="75000"/>
-                    <a:lumOff val="25000"/>
-                  </a:schemeClr>
-                </a:solidFill>
-                <a:latin typeface="+mn-lt"/>
-                <a:ea typeface="+mn-ea"/>
-                <a:cs typeface="+mn-cs"/>
-              </a:defRPr>
-            </a:lvl1pPr>
-            <a:lvl2pPr marL="685800" indent="-228600" algn="l" defTabSz="914400" rtl="0" eaLnBrk="1" latinLnBrk="0" hangingPunct="1">
-              <a:lnSpc>
-                <a:spcPts val="1800"/>
-              </a:lnSpc>
-              <a:spcBef>
-                <a:spcPts val="1000"/>
-              </a:spcBef>
-              <a:spcAft>
-                <a:spcPts val="1000"/>
-              </a:spcAft>
-              <a:buFont typeface="Arial" panose="020B0604020202020204" pitchFamily="34" charset="0"/>
-              <a:buChar char="•"/>
-              <a:defRPr lang="en-US" sz="1200" kern="1200" smtClean="0">
-                <a:solidFill>
-                  <a:schemeClr val="tx1">
-                    <a:lumMod val="75000"/>
-                    <a:lumOff val="25000"/>
-                  </a:schemeClr>
-                </a:solidFill>
-                <a:latin typeface="+mn-lt"/>
-                <a:ea typeface="+mn-ea"/>
-                <a:cs typeface="+mn-cs"/>
-              </a:defRPr>
-            </a:lvl2pPr>
-            <a:lvl3pPr marL="1143000" indent="-228600" algn="l" defTabSz="914400" rtl="0" eaLnBrk="1" latinLnBrk="0" hangingPunct="1">
-              <a:lnSpc>
-                <a:spcPts val="1800"/>
-              </a:lnSpc>
-              <a:spcBef>
-                <a:spcPts val="1000"/>
-              </a:spcBef>
-              <a:spcAft>
-                <a:spcPts val="1000"/>
-              </a:spcAft>
-              <a:buFont typeface="Arial" panose="020B0604020202020204" pitchFamily="34" charset="0"/>
-              <a:buChar char="•"/>
-              <a:defRPr lang="en-US" sz="1200" kern="1200" smtClean="0">
-                <a:solidFill>
-                  <a:schemeClr val="tx1">
-                    <a:lumMod val="75000"/>
-                    <a:lumOff val="25000"/>
-                  </a:schemeClr>
-                </a:solidFill>
-                <a:latin typeface="+mn-lt"/>
-                <a:ea typeface="+mn-ea"/>
-                <a:cs typeface="+mn-cs"/>
-              </a:defRPr>
-            </a:lvl3pPr>
-            <a:lvl4pPr marL="1600200" indent="-228600" algn="l" defTabSz="914400" rtl="0" eaLnBrk="1" latinLnBrk="0" hangingPunct="1">
-              <a:lnSpc>
-                <a:spcPts val="1800"/>
-              </a:lnSpc>
-              <a:spcBef>
-                <a:spcPts val="1000"/>
-              </a:spcBef>
-              <a:spcAft>
-                <a:spcPts val="1000"/>
-              </a:spcAft>
-              <a:buFont typeface="Arial" panose="020B0604020202020204" pitchFamily="34" charset="0"/>
-              <a:buChar char="•"/>
-              <a:defRPr lang="en-US" sz="1200" kern="1200" smtClean="0">
-                <a:solidFill>
-                  <a:schemeClr val="tx1">
-                    <a:lumMod val="75000"/>
-                    <a:lumOff val="25000"/>
-                  </a:schemeClr>
-                </a:solidFill>
-                <a:latin typeface="+mn-lt"/>
-                <a:ea typeface="+mn-ea"/>
-                <a:cs typeface="+mn-cs"/>
-              </a:defRPr>
-            </a:lvl4pPr>
-            <a:lvl5pPr marL="2057400" indent="-228600" algn="l" defTabSz="914400" rtl="0" eaLnBrk="1" latinLnBrk="0" hangingPunct="1">
-              <a:lnSpc>
-                <a:spcPts val="1800"/>
-              </a:lnSpc>
-              <a:spcBef>
-                <a:spcPts val="1000"/>
-              </a:spcBef>
-              <a:spcAft>
-                <a:spcPts val="1000"/>
-              </a:spcAft>
-              <a:buFont typeface="Arial" panose="020B0604020202020204" pitchFamily="34" charset="0"/>
-              <a:buChar char="•"/>
-              <a:defRPr lang="en-US" sz="1200" kern="1200">
-                <a:solidFill>
-                  <a:schemeClr val="tx1">
-                    <a:lumMod val="75000"/>
-                    <a:lumOff val="25000"/>
-                  </a:schemeClr>
-                </a:solidFill>
-                <a:latin typeface="+mn-lt"/>
-                <a:ea typeface="+mn-ea"/>
-                <a:cs typeface="+mn-cs"/>
-              </a:defRPr>
-            </a:lvl5pPr>
-            <a:lvl6pPr marL="2514600" indent="-228600" algn="l" defTabSz="914400" rtl="0" eaLnBrk="1" latinLnBrk="0" hangingPunct="1">
-              <a:lnSpc>
-                <a:spcPct val="90000"/>
-              </a:lnSpc>
-              <a:spcBef>
-                <a:spcPct val="30000"/>
-              </a:spcBef>
-              <a:buFont typeface="Arial" panose="020B0604020202020204" pitchFamily="34" charset="0"/>
-              <a:buChar char="•"/>
-              <a:defRPr sz="1800" kern="1200">
-                <a:solidFill>
-                  <a:schemeClr val="tx1"/>
-                </a:solidFill>
-                <a:latin typeface="+mn-lt"/>
-                <a:ea typeface="+mn-ea"/>
-                <a:cs typeface="+mn-cs"/>
-              </a:defRPr>
-            </a:lvl6pPr>
-            <a:lvl7pPr marL="2971800" indent="-228600" algn="l" defTabSz="914400" rtl="0" eaLnBrk="1" latinLnBrk="0" hangingPunct="1">
-              <a:lnSpc>
-                <a:spcPct val="90000"/>
-              </a:lnSpc>
-              <a:spcBef>
-                <a:spcPct val="30000"/>
-              </a:spcBef>
-              <a:buFont typeface="Arial" panose="020B0604020202020204" pitchFamily="34" charset="0"/>
-              <a:buChar char="•"/>
-              <a:defRPr sz="1800" kern="1200">
-                <a:solidFill>
-                  <a:schemeClr val="tx1"/>
-                </a:solidFill>
-                <a:latin typeface="+mn-lt"/>
-                <a:ea typeface="+mn-ea"/>
-                <a:cs typeface="+mn-cs"/>
-              </a:defRPr>
-            </a:lvl7pPr>
-            <a:lvl8pPr marL="3429000" indent="-228600" algn="l" defTabSz="914400" rtl="0" eaLnBrk="1" latinLnBrk="0" hangingPunct="1">
-              <a:lnSpc>
-                <a:spcPct val="90000"/>
-              </a:lnSpc>
-              <a:spcBef>
-                <a:spcPct val="30000"/>
-              </a:spcBef>
-              <a:buFont typeface="Arial" panose="020B0604020202020204" pitchFamily="34" charset="0"/>
-              <a:buChar char="•"/>
-              <a:defRPr sz="1800" kern="1200">
-                <a:solidFill>
-                  <a:schemeClr val="tx1"/>
-                </a:solidFill>
-                <a:latin typeface="+mn-lt"/>
-                <a:ea typeface="+mn-ea"/>
-                <a:cs typeface="+mn-cs"/>
-              </a:defRPr>
-            </a:lvl8pPr>
-            <a:lvl9pPr marL="3886200" indent="-228600" algn="l" defTabSz="914400" rtl="0" eaLnBrk="1" latinLnBrk="0" hangingPunct="1">
-              <a:lnSpc>
-                <a:spcPct val="90000"/>
-              </a:lnSpc>
-              <a:spcBef>
-                <a:spcPct val="30000"/>
-              </a:spcBef>
-              <a:buFont typeface="Arial" panose="020B0604020202020204" pitchFamily="34" charset="0"/>
-              <a:buChar char="•"/>
-              <a:defRPr sz="1800" kern="1200">
-                <a:solidFill>
-                  <a:schemeClr val="tx1"/>
-                </a:solidFill>
-                <a:latin typeface="+mn-lt"/>
-                <a:ea typeface="+mn-ea"/>
-                <a:cs typeface="+mn-cs"/>
-              </a:defRPr>
-            </a:lvl9pPr>
-          </a:lstStyle>
-          <a:p>
-            <a:pPr marL="0" lvl="0" indent="0" rtl="0">
-              <a:spcAft>
-                <a:spcPts val="600"/>
-              </a:spcAft>
-              <a:buNone/>
-              <a:defRPr/>
-            </a:pPr>
-            <a:r>
-              <a:rPr lang="en-US" altLang="ko-KR" sz="1600" dirty="0">
-                <a:solidFill>
-                  <a:schemeClr val="tx1"/>
-                </a:solidFill>
-                <a:latin typeface="맑은 고딕" panose="020B0503020000020004" pitchFamily="50" charset="-127"/>
-                <a:ea typeface="맑은 고딕" panose="020B0503020000020004" pitchFamily="50" charset="-127"/>
-                <a:cs typeface="Segoe UI" panose="020B0502040204020203" pitchFamily="34" charset="0"/>
-              </a:rPr>
-              <a:t>Windows </a:t>
-            </a:r>
-            <a:r>
-              <a:rPr lang="ko-KR" altLang="en-US" sz="1600" dirty="0">
-                <a:solidFill>
-                  <a:schemeClr val="tx1"/>
-                </a:solidFill>
-                <a:latin typeface="맑은 고딕" panose="020B0503020000020004" pitchFamily="50" charset="-127"/>
-                <a:ea typeface="맑은 고딕" panose="020B0503020000020004" pitchFamily="50" charset="-127"/>
-                <a:cs typeface="Segoe UI" panose="020B0502040204020203" pitchFamily="34" charset="0"/>
-              </a:rPr>
-              <a:t>메시지 </a:t>
-            </a:r>
-            <a:r>
-              <a:rPr lang="ko-KR" altLang="en-US" sz="1600" dirty="0" err="1">
-                <a:solidFill>
-                  <a:schemeClr val="tx1"/>
-                </a:solidFill>
-                <a:latin typeface="맑은 고딕" panose="020B0503020000020004" pitchFamily="50" charset="-127"/>
-                <a:ea typeface="맑은 고딕" panose="020B0503020000020004" pitchFamily="50" charset="-127"/>
-                <a:cs typeface="Segoe UI" panose="020B0502040204020203" pitchFamily="34" charset="0"/>
-              </a:rPr>
-              <a:t>후킹을</a:t>
-            </a:r>
-            <a:r>
-              <a:rPr lang="ko-KR" altLang="en-US" sz="1600" dirty="0">
-                <a:solidFill>
-                  <a:schemeClr val="tx1"/>
-                </a:solidFill>
-                <a:latin typeface="맑은 고딕" panose="020B0503020000020004" pitchFamily="50" charset="-127"/>
-                <a:ea typeface="맑은 고딕" panose="020B0503020000020004" pitchFamily="50" charset="-127"/>
-                <a:cs typeface="Segoe UI" panose="020B0502040204020203" pitchFamily="34" charset="0"/>
-              </a:rPr>
-              <a:t> 통해 키보드 이벤트 제어</a:t>
-            </a:r>
-            <a:endParaRPr lang="en-US" altLang="ko-KR" sz="1600" dirty="0">
-              <a:solidFill>
-                <a:schemeClr val="tx1"/>
-              </a:solidFill>
-              <a:latin typeface="맑은 고딕" panose="020B0503020000020004" pitchFamily="50" charset="-127"/>
-              <a:ea typeface="맑은 고딕" panose="020B0503020000020004" pitchFamily="50" charset="-127"/>
-              <a:cs typeface="Segoe UI" panose="020B0502040204020203" pitchFamily="34" charset="0"/>
-            </a:endParaRPr>
-          </a:p>
-          <a:p>
-            <a:pPr marL="0" lvl="0" indent="0" rtl="0">
-              <a:spcAft>
-                <a:spcPts val="600"/>
-              </a:spcAft>
-              <a:buNone/>
-              <a:defRPr/>
-            </a:pPr>
-            <a:r>
-              <a:rPr lang="en-US" altLang="ko-KR" sz="1600" dirty="0" err="1">
-                <a:solidFill>
-                  <a:schemeClr val="tx1"/>
-                </a:solidFill>
-                <a:latin typeface="맑은 고딕" panose="020B0503020000020004" pitchFamily="50" charset="-127"/>
-                <a:ea typeface="맑은 고딕" panose="020B0503020000020004" pitchFamily="50" charset="-127"/>
-                <a:cs typeface="Segoe UI" panose="020B0502040204020203" pitchFamily="34" charset="0"/>
-              </a:rPr>
-              <a:t>SetWindowsHookEx</a:t>
-            </a:r>
-            <a:r>
-              <a:rPr lang="en-US" altLang="ko-KR" sz="1600" dirty="0">
-                <a:solidFill>
-                  <a:schemeClr val="tx1"/>
-                </a:solidFill>
-                <a:latin typeface="맑은 고딕" panose="020B0503020000020004" pitchFamily="50" charset="-127"/>
-                <a:ea typeface="맑은 고딕" panose="020B0503020000020004" pitchFamily="50" charset="-127"/>
-                <a:cs typeface="Segoe UI" panose="020B0502040204020203" pitchFamily="34" charset="0"/>
-              </a:rPr>
-              <a:t> </a:t>
-            </a:r>
-            <a:r>
-              <a:rPr lang="ko-KR" altLang="en-US" sz="1600" dirty="0">
-                <a:solidFill>
-                  <a:schemeClr val="tx1"/>
-                </a:solidFill>
-                <a:latin typeface="맑은 고딕" panose="020B0503020000020004" pitchFamily="50" charset="-127"/>
-                <a:ea typeface="맑은 고딕" panose="020B0503020000020004" pitchFamily="50" charset="-127"/>
-                <a:cs typeface="Segoe UI" panose="020B0502040204020203" pitchFamily="34" charset="0"/>
-              </a:rPr>
-              <a:t>함수와 키보드 이벤트 </a:t>
-            </a:r>
-            <a:r>
-              <a:rPr lang="en-US" altLang="ko-KR" sz="1600" dirty="0">
-                <a:solidFill>
-                  <a:schemeClr val="tx1"/>
-                </a:solidFill>
-                <a:latin typeface="맑은 고딕" panose="020B0503020000020004" pitchFamily="50" charset="-127"/>
-                <a:ea typeface="맑은 고딕" panose="020B0503020000020004" pitchFamily="50" charset="-127"/>
-                <a:cs typeface="Segoe UI" panose="020B0502040204020203" pitchFamily="34" charset="0"/>
-              </a:rPr>
-              <a:t>CALL BACK </a:t>
-            </a:r>
-            <a:r>
-              <a:rPr lang="ko-KR" altLang="en-US" sz="1600" dirty="0">
-                <a:solidFill>
-                  <a:schemeClr val="tx1"/>
-                </a:solidFill>
-                <a:latin typeface="맑은 고딕" panose="020B0503020000020004" pitchFamily="50" charset="-127"/>
-                <a:ea typeface="맑은 고딕" panose="020B0503020000020004" pitchFamily="50" charset="-127"/>
-                <a:cs typeface="Segoe UI" panose="020B0502040204020203" pitchFamily="34" charset="0"/>
-              </a:rPr>
-              <a:t>함수를 이용해 키보드 로그와 차단 구현</a:t>
-            </a:r>
-            <a:endParaRPr lang="en-US" altLang="ko-KR" sz="1600" dirty="0">
-              <a:solidFill>
-                <a:schemeClr val="tx1"/>
-              </a:solidFill>
-              <a:latin typeface="맑은 고딕" panose="020B0503020000020004" pitchFamily="50" charset="-127"/>
-              <a:ea typeface="맑은 고딕" panose="020B0503020000020004" pitchFamily="50" charset="-127"/>
-              <a:cs typeface="Segoe UI" panose="020B0502040204020203" pitchFamily="34" charset="0"/>
-            </a:endParaRPr>
-          </a:p>
-        </p:txBody>
-      </p:sp>
-      <p:pic>
-        <p:nvPicPr>
-          <p:cNvPr id="3" name="그림 2">
-            <a:extLst>
-              <a:ext uri="{FF2B5EF4-FFF2-40B4-BE49-F238E27FC236}">
-                <a16:creationId xmlns:a16="http://schemas.microsoft.com/office/drawing/2014/main" id="{F03DDCAC-33F2-4D6A-83BE-3E309CD45D8D}"/>
-              </a:ext>
-            </a:extLst>
-          </p:cNvPr>
-          <p:cNvPicPr>
-            <a:picLocks noChangeAspect="1"/>
-          </p:cNvPicPr>
-          <p:nvPr/>
-        </p:nvPicPr>
-        <p:blipFill>
-          <a:blip r:embed="rId3"/>
-          <a:stretch>
-            <a:fillRect/>
-          </a:stretch>
-        </p:blipFill>
-        <p:spPr>
-          <a:xfrm>
-            <a:off x="8163533" y="2345483"/>
-            <a:ext cx="2205418" cy="3756139"/>
-          </a:xfrm>
-          <a:prstGeom prst="rect">
-            <a:avLst/>
-          </a:prstGeom>
-        </p:spPr>
-      </p:pic>
-      <p:pic>
-        <p:nvPicPr>
-          <p:cNvPr id="6" name="그림 5" descr="텍스트이(가) 표시된 사진&#10;&#10;자동 생성된 설명">
-            <a:extLst>
-              <a:ext uri="{FF2B5EF4-FFF2-40B4-BE49-F238E27FC236}">
-                <a16:creationId xmlns:a16="http://schemas.microsoft.com/office/drawing/2014/main" id="{D778D86E-7BB3-4EA1-9C3F-4C093C2AC327}"/>
-              </a:ext>
-            </a:extLst>
-          </p:cNvPr>
-          <p:cNvPicPr>
-            <a:picLocks noChangeAspect="1"/>
-          </p:cNvPicPr>
-          <p:nvPr/>
-        </p:nvPicPr>
-        <p:blipFill>
-          <a:blip r:embed="rId4"/>
-          <a:stretch>
-            <a:fillRect/>
-          </a:stretch>
-        </p:blipFill>
-        <p:spPr>
-          <a:xfrm>
-            <a:off x="1697394" y="3230741"/>
-            <a:ext cx="6261537" cy="2870881"/>
-          </a:xfrm>
-          <a:prstGeom prst="rect">
-            <a:avLst/>
-          </a:prstGeom>
-        </p:spPr>
-      </p:pic>
-      <p:pic>
-        <p:nvPicPr>
-          <p:cNvPr id="12" name="그림 11" descr="텍스트이(가) 표시된 사진&#10;&#10;자동 생성된 설명">
-            <a:extLst>
-              <a:ext uri="{FF2B5EF4-FFF2-40B4-BE49-F238E27FC236}">
-                <a16:creationId xmlns:a16="http://schemas.microsoft.com/office/drawing/2014/main" id="{6DAF6A36-BB1C-40C6-99A0-D94DED6A1CA8}"/>
-              </a:ext>
-            </a:extLst>
-          </p:cNvPr>
-          <p:cNvPicPr>
-            <a:picLocks noChangeAspect="1"/>
-          </p:cNvPicPr>
-          <p:nvPr/>
-        </p:nvPicPr>
-        <p:blipFill>
-          <a:blip r:embed="rId5"/>
-          <a:stretch>
-            <a:fillRect/>
-          </a:stretch>
-        </p:blipFill>
-        <p:spPr>
-          <a:xfrm>
-            <a:off x="1697394" y="2345483"/>
-            <a:ext cx="6261536" cy="819264"/>
-          </a:xfrm>
-          <a:prstGeom prst="rect">
-            <a:avLst/>
-          </a:prstGeom>
-        </p:spPr>
-      </p:pic>
-    </p:spTree>
-    <p:extLst>
-      <p:ext uri="{BB962C8B-B14F-4D97-AF65-F5344CB8AC3E}">
-        <p14:creationId xmlns:p14="http://schemas.microsoft.com/office/powerpoint/2010/main" val="869880717"/>
-      </p:ext>
-    </p:extLst>
-  </p:cSld>
-  <p:clrMapOvr>
-    <a:masterClrMapping/>
-  </p:clrMapOvr>
-  <mc:AlternateContent xmlns:mc="http://schemas.openxmlformats.org/markup-compatibility/2006" xmlns:p14="http://schemas.microsoft.com/office/powerpoint/2010/main">
-    <mc:Choice Requires="p14">
-      <p:transition p14:dur="10"/>
-    </mc:Choice>
-    <mc:Fallback xmlns="">
-      <p:transition/>
-    </mc:Fallback>
-  </mc:AlternateContent>
-</p:sld>
-</file>
-
-<file path=ppt/slides/slide7.xml><?xml version="1.0" encoding="utf-8"?>
 <p:sld xmlns:a="http://schemas.openxmlformats.org/drawingml/2006/main" xmlns:r="http://schemas.openxmlformats.org/officeDocument/2006/relationships" xmlns:p="http://schemas.openxmlformats.org/presentationml/2006/main">
   <p:cSld>
     <p:spTree>
@@ -13701,7 +12944,7 @@
 </p:sld>
 </file>
 
-<file path=ppt/slides/slide8.xml><?xml version="1.0" encoding="utf-8"?>
+<file path=ppt/slides/slide6.xml><?xml version="1.0" encoding="utf-8"?>
 <p:sld xmlns:a="http://schemas.openxmlformats.org/drawingml/2006/main" xmlns:r="http://schemas.openxmlformats.org/officeDocument/2006/relationships" xmlns:p="http://schemas.openxmlformats.org/presentationml/2006/main">
   <p:cSld>
     <p:spTree>
@@ -13919,6 +13162,966 @@
     <p:extLst>
       <p:ext uri="{BB962C8B-B14F-4D97-AF65-F5344CB8AC3E}">
         <p14:creationId xmlns:p14="http://schemas.microsoft.com/office/powerpoint/2010/main" val="417814648"/>
+      </p:ext>
+    </p:extLst>
+  </p:cSld>
+  <p:clrMapOvr>
+    <a:masterClrMapping/>
+  </p:clrMapOvr>
+  <mc:AlternateContent xmlns:mc="http://schemas.openxmlformats.org/markup-compatibility/2006" xmlns:p14="http://schemas.microsoft.com/office/powerpoint/2010/main">
+    <mc:Choice Requires="p14">
+      <p:transition p14:dur="10"/>
+    </mc:Choice>
+    <mc:Fallback xmlns="">
+      <p:transition/>
+    </mc:Fallback>
+  </mc:AlternateContent>
+</p:sld>
+</file>
+
+<file path=ppt/slides/slide7.xml><?xml version="1.0" encoding="utf-8"?>
+<p:sld xmlns:a="http://schemas.openxmlformats.org/drawingml/2006/main" xmlns:r="http://schemas.openxmlformats.org/officeDocument/2006/relationships" xmlns:p="http://schemas.openxmlformats.org/presentationml/2006/main">
+  <p:cSld>
+    <p:spTree>
+      <p:nvGrpSpPr>
+        <p:cNvPr id="1" name=""/>
+        <p:cNvGrpSpPr/>
+        <p:nvPr/>
+      </p:nvGrpSpPr>
+      <p:grpSpPr>
+        <a:xfrm>
+          <a:off x="0" y="0"/>
+          <a:ext cx="0" cy="0"/>
+          <a:chOff x="0" y="0"/>
+          <a:chExt cx="0" cy="0"/>
+        </a:xfrm>
+      </p:grpSpPr>
+      <p:sp>
+        <p:nvSpPr>
+          <p:cNvPr id="8" name="제목 7"/>
+          <p:cNvSpPr>
+            <a:spLocks noGrp="1"/>
+          </p:cNvSpPr>
+          <p:nvPr>
+            <p:ph type="title"/>
+          </p:nvPr>
+        </p:nvSpPr>
+        <p:spPr>
+          <a:xfrm>
+            <a:off x="521206" y="448056"/>
+            <a:ext cx="8613915" cy="640080"/>
+          </a:xfrm>
+        </p:spPr>
+        <p:txBody>
+          <a:bodyPr rtlCol="0">
+            <a:noAutofit/>
+          </a:bodyPr>
+          <a:lstStyle/>
+          <a:p>
+            <a:pPr rtl="0"/>
+            <a:r>
+              <a:rPr lang="en-US" altLang="ko-KR" dirty="0">
+                <a:cs typeface="Segoe UI Light" panose="020B0502040204020203" pitchFamily="34" charset="0"/>
+              </a:rPr>
+              <a:t>API Hooking</a:t>
+            </a:r>
+            <a:endParaRPr lang="ko-KR" altLang="en-US" dirty="0">
+              <a:cs typeface="Segoe UI Light" panose="020B0502040204020203" pitchFamily="34" charset="0"/>
+            </a:endParaRPr>
+          </a:p>
+        </p:txBody>
+      </p:sp>
+      <p:sp>
+        <p:nvSpPr>
+          <p:cNvPr id="38" name="내용 개체 틀 17"/>
+          <p:cNvSpPr txBox="1">
+            <a:spLocks/>
+          </p:cNvSpPr>
+          <p:nvPr/>
+        </p:nvSpPr>
+        <p:spPr>
+          <a:xfrm>
+            <a:off x="541610" y="1524708"/>
+            <a:ext cx="11142390" cy="4990392"/>
+          </a:xfrm>
+          <a:prstGeom prst="rect">
+            <a:avLst/>
+          </a:prstGeom>
+        </p:spPr>
+        <p:txBody>
+          <a:bodyPr vert="horz" lIns="91440" tIns="45720" rIns="91440" bIns="45720" rtlCol="0">
+            <a:normAutofit/>
+          </a:bodyPr>
+          <a:lstStyle>
+            <a:lvl1pPr marL="228600" indent="-228600" algn="l" defTabSz="914400" rtl="0" eaLnBrk="1" latinLnBrk="0" hangingPunct="1">
+              <a:lnSpc>
+                <a:spcPts val="1800"/>
+              </a:lnSpc>
+              <a:spcBef>
+                <a:spcPts val="1000"/>
+              </a:spcBef>
+              <a:spcAft>
+                <a:spcPts val="1000"/>
+              </a:spcAft>
+              <a:buFont typeface="Arial" panose="020B0604020202020204" pitchFamily="34" charset="0"/>
+              <a:buChar char="•"/>
+              <a:defRPr lang="en-US" sz="1200" kern="1200" smtClean="0">
+                <a:solidFill>
+                  <a:schemeClr val="tx1">
+                    <a:lumMod val="75000"/>
+                    <a:lumOff val="25000"/>
+                  </a:schemeClr>
+                </a:solidFill>
+                <a:latin typeface="+mn-lt"/>
+                <a:ea typeface="+mn-ea"/>
+                <a:cs typeface="+mn-cs"/>
+              </a:defRPr>
+            </a:lvl1pPr>
+            <a:lvl2pPr marL="685800" indent="-228600" algn="l" defTabSz="914400" rtl="0" eaLnBrk="1" latinLnBrk="0" hangingPunct="1">
+              <a:lnSpc>
+                <a:spcPts val="1800"/>
+              </a:lnSpc>
+              <a:spcBef>
+                <a:spcPts val="1000"/>
+              </a:spcBef>
+              <a:spcAft>
+                <a:spcPts val="1000"/>
+              </a:spcAft>
+              <a:buFont typeface="Arial" panose="020B0604020202020204" pitchFamily="34" charset="0"/>
+              <a:buChar char="•"/>
+              <a:defRPr lang="en-US" sz="1200" kern="1200" smtClean="0">
+                <a:solidFill>
+                  <a:schemeClr val="tx1">
+                    <a:lumMod val="75000"/>
+                    <a:lumOff val="25000"/>
+                  </a:schemeClr>
+                </a:solidFill>
+                <a:latin typeface="+mn-lt"/>
+                <a:ea typeface="+mn-ea"/>
+                <a:cs typeface="+mn-cs"/>
+              </a:defRPr>
+            </a:lvl2pPr>
+            <a:lvl3pPr marL="1143000" indent="-228600" algn="l" defTabSz="914400" rtl="0" eaLnBrk="1" latinLnBrk="0" hangingPunct="1">
+              <a:lnSpc>
+                <a:spcPts val="1800"/>
+              </a:lnSpc>
+              <a:spcBef>
+                <a:spcPts val="1000"/>
+              </a:spcBef>
+              <a:spcAft>
+                <a:spcPts val="1000"/>
+              </a:spcAft>
+              <a:buFont typeface="Arial" panose="020B0604020202020204" pitchFamily="34" charset="0"/>
+              <a:buChar char="•"/>
+              <a:defRPr lang="en-US" sz="1200" kern="1200" smtClean="0">
+                <a:solidFill>
+                  <a:schemeClr val="tx1">
+                    <a:lumMod val="75000"/>
+                    <a:lumOff val="25000"/>
+                  </a:schemeClr>
+                </a:solidFill>
+                <a:latin typeface="+mn-lt"/>
+                <a:ea typeface="+mn-ea"/>
+                <a:cs typeface="+mn-cs"/>
+              </a:defRPr>
+            </a:lvl3pPr>
+            <a:lvl4pPr marL="1600200" indent="-228600" algn="l" defTabSz="914400" rtl="0" eaLnBrk="1" latinLnBrk="0" hangingPunct="1">
+              <a:lnSpc>
+                <a:spcPts val="1800"/>
+              </a:lnSpc>
+              <a:spcBef>
+                <a:spcPts val="1000"/>
+              </a:spcBef>
+              <a:spcAft>
+                <a:spcPts val="1000"/>
+              </a:spcAft>
+              <a:buFont typeface="Arial" panose="020B0604020202020204" pitchFamily="34" charset="0"/>
+              <a:buChar char="•"/>
+              <a:defRPr lang="en-US" sz="1200" kern="1200" smtClean="0">
+                <a:solidFill>
+                  <a:schemeClr val="tx1">
+                    <a:lumMod val="75000"/>
+                    <a:lumOff val="25000"/>
+                  </a:schemeClr>
+                </a:solidFill>
+                <a:latin typeface="+mn-lt"/>
+                <a:ea typeface="+mn-ea"/>
+                <a:cs typeface="+mn-cs"/>
+              </a:defRPr>
+            </a:lvl4pPr>
+            <a:lvl5pPr marL="2057400" indent="-228600" algn="l" defTabSz="914400" rtl="0" eaLnBrk="1" latinLnBrk="0" hangingPunct="1">
+              <a:lnSpc>
+                <a:spcPts val="1800"/>
+              </a:lnSpc>
+              <a:spcBef>
+                <a:spcPts val="1000"/>
+              </a:spcBef>
+              <a:spcAft>
+                <a:spcPts val="1000"/>
+              </a:spcAft>
+              <a:buFont typeface="Arial" panose="020B0604020202020204" pitchFamily="34" charset="0"/>
+              <a:buChar char="•"/>
+              <a:defRPr lang="en-US" sz="1200" kern="1200">
+                <a:solidFill>
+                  <a:schemeClr val="tx1">
+                    <a:lumMod val="75000"/>
+                    <a:lumOff val="25000"/>
+                  </a:schemeClr>
+                </a:solidFill>
+                <a:latin typeface="+mn-lt"/>
+                <a:ea typeface="+mn-ea"/>
+                <a:cs typeface="+mn-cs"/>
+              </a:defRPr>
+            </a:lvl5pPr>
+            <a:lvl6pPr marL="2514600" indent="-228600" algn="l" defTabSz="914400" rtl="0" eaLnBrk="1" latinLnBrk="0" hangingPunct="1">
+              <a:lnSpc>
+                <a:spcPct val="90000"/>
+              </a:lnSpc>
+              <a:spcBef>
+                <a:spcPct val="30000"/>
+              </a:spcBef>
+              <a:buFont typeface="Arial" panose="020B0604020202020204" pitchFamily="34" charset="0"/>
+              <a:buChar char="•"/>
+              <a:defRPr sz="1800" kern="1200">
+                <a:solidFill>
+                  <a:schemeClr val="tx1"/>
+                </a:solidFill>
+                <a:latin typeface="+mn-lt"/>
+                <a:ea typeface="+mn-ea"/>
+                <a:cs typeface="+mn-cs"/>
+              </a:defRPr>
+            </a:lvl6pPr>
+            <a:lvl7pPr marL="2971800" indent="-228600" algn="l" defTabSz="914400" rtl="0" eaLnBrk="1" latinLnBrk="0" hangingPunct="1">
+              <a:lnSpc>
+                <a:spcPct val="90000"/>
+              </a:lnSpc>
+              <a:spcBef>
+                <a:spcPct val="30000"/>
+              </a:spcBef>
+              <a:buFont typeface="Arial" panose="020B0604020202020204" pitchFamily="34" charset="0"/>
+              <a:buChar char="•"/>
+              <a:defRPr sz="1800" kern="1200">
+                <a:solidFill>
+                  <a:schemeClr val="tx1"/>
+                </a:solidFill>
+                <a:latin typeface="+mn-lt"/>
+                <a:ea typeface="+mn-ea"/>
+                <a:cs typeface="+mn-cs"/>
+              </a:defRPr>
+            </a:lvl7pPr>
+            <a:lvl8pPr marL="3429000" indent="-228600" algn="l" defTabSz="914400" rtl="0" eaLnBrk="1" latinLnBrk="0" hangingPunct="1">
+              <a:lnSpc>
+                <a:spcPct val="90000"/>
+              </a:lnSpc>
+              <a:spcBef>
+                <a:spcPct val="30000"/>
+              </a:spcBef>
+              <a:buFont typeface="Arial" panose="020B0604020202020204" pitchFamily="34" charset="0"/>
+              <a:buChar char="•"/>
+              <a:defRPr sz="1800" kern="1200">
+                <a:solidFill>
+                  <a:schemeClr val="tx1"/>
+                </a:solidFill>
+                <a:latin typeface="+mn-lt"/>
+                <a:ea typeface="+mn-ea"/>
+                <a:cs typeface="+mn-cs"/>
+              </a:defRPr>
+            </a:lvl8pPr>
+            <a:lvl9pPr marL="3886200" indent="-228600" algn="l" defTabSz="914400" rtl="0" eaLnBrk="1" latinLnBrk="0" hangingPunct="1">
+              <a:lnSpc>
+                <a:spcPct val="90000"/>
+              </a:lnSpc>
+              <a:spcBef>
+                <a:spcPct val="30000"/>
+              </a:spcBef>
+              <a:buFont typeface="Arial" panose="020B0604020202020204" pitchFamily="34" charset="0"/>
+              <a:buChar char="•"/>
+              <a:defRPr sz="1800" kern="1200">
+                <a:solidFill>
+                  <a:schemeClr val="tx1"/>
+                </a:solidFill>
+                <a:latin typeface="+mn-lt"/>
+                <a:ea typeface="+mn-ea"/>
+                <a:cs typeface="+mn-cs"/>
+              </a:defRPr>
+            </a:lvl9pPr>
+          </a:lstStyle>
+          <a:p>
+            <a:pPr marL="0" lvl="0" indent="0" rtl="0">
+              <a:spcAft>
+                <a:spcPts val="600"/>
+              </a:spcAft>
+              <a:buNone/>
+              <a:defRPr/>
+            </a:pPr>
+            <a:r>
+              <a:rPr lang="ko-KR" altLang="en-US" sz="1600" dirty="0">
+                <a:solidFill>
+                  <a:schemeClr val="tx1"/>
+                </a:solidFill>
+                <a:latin typeface="맑은 고딕" panose="020B0503020000020004" pitchFamily="50" charset="-127"/>
+                <a:ea typeface="맑은 고딕" panose="020B0503020000020004" pitchFamily="50" charset="-127"/>
+                <a:cs typeface="Segoe UI" panose="020B0502040204020203" pitchFamily="34" charset="0"/>
+              </a:rPr>
+              <a:t>운영체제나 응용 소프트웨어 등의 각종 프로그램에서 소프트웨어 구성 요소 간에 발생하는 함수 호출 </a:t>
+            </a:r>
+            <a:r>
+              <a:rPr lang="en-US" altLang="ko-KR" sz="1600" dirty="0">
+                <a:solidFill>
+                  <a:schemeClr val="tx1"/>
+                </a:solidFill>
+                <a:latin typeface="맑은 고딕" panose="020B0503020000020004" pitchFamily="50" charset="-127"/>
+                <a:ea typeface="맑은 고딕" panose="020B0503020000020004" pitchFamily="50" charset="-127"/>
+                <a:cs typeface="Segoe UI" panose="020B0502040204020203" pitchFamily="34" charset="0"/>
+              </a:rPr>
+              <a:t>, </a:t>
+            </a:r>
+            <a:r>
+              <a:rPr lang="ko-KR" altLang="en-US" sz="1600" dirty="0">
+                <a:solidFill>
+                  <a:schemeClr val="tx1"/>
+                </a:solidFill>
+                <a:latin typeface="맑은 고딕" panose="020B0503020000020004" pitchFamily="50" charset="-127"/>
+                <a:ea typeface="맑은 고딕" panose="020B0503020000020004" pitchFamily="50" charset="-127"/>
+                <a:cs typeface="Segoe UI" panose="020B0502040204020203" pitchFamily="34" charset="0"/>
+              </a:rPr>
+              <a:t>메시지 </a:t>
+            </a:r>
+            <a:r>
+              <a:rPr lang="en-US" altLang="ko-KR" sz="1600" dirty="0">
+                <a:solidFill>
+                  <a:schemeClr val="tx1"/>
+                </a:solidFill>
+                <a:latin typeface="맑은 고딕" panose="020B0503020000020004" pitchFamily="50" charset="-127"/>
+                <a:ea typeface="맑은 고딕" panose="020B0503020000020004" pitchFamily="50" charset="-127"/>
+                <a:cs typeface="Segoe UI" panose="020B0502040204020203" pitchFamily="34" charset="0"/>
+              </a:rPr>
+              <a:t>, </a:t>
+            </a:r>
+            <a:r>
+              <a:rPr lang="ko-KR" altLang="en-US" sz="1600" dirty="0">
+                <a:solidFill>
+                  <a:schemeClr val="tx1"/>
+                </a:solidFill>
+                <a:latin typeface="맑은 고딕" panose="020B0503020000020004" pitchFamily="50" charset="-127"/>
+                <a:ea typeface="맑은 고딕" panose="020B0503020000020004" pitchFamily="50" charset="-127"/>
+                <a:cs typeface="Segoe UI" panose="020B0502040204020203" pitchFamily="34" charset="0"/>
+              </a:rPr>
+              <a:t>이벤트 등을 중간에서 가로채서 해당 요소의 동작을 변경하거나 보강하는데 사용되는 명령 </a:t>
+            </a:r>
+            <a:r>
+              <a:rPr lang="en-US" altLang="ko-KR" sz="1600" dirty="0">
+                <a:solidFill>
+                  <a:schemeClr val="tx1"/>
+                </a:solidFill>
+                <a:latin typeface="맑은 고딕" panose="020B0503020000020004" pitchFamily="50" charset="-127"/>
+                <a:ea typeface="맑은 고딕" panose="020B0503020000020004" pitchFamily="50" charset="-127"/>
+                <a:cs typeface="Segoe UI" panose="020B0502040204020203" pitchFamily="34" charset="0"/>
+              </a:rPr>
+              <a:t>, </a:t>
+            </a:r>
+            <a:r>
+              <a:rPr lang="ko-KR" altLang="en-US" sz="1600" dirty="0">
+                <a:solidFill>
+                  <a:schemeClr val="tx1"/>
+                </a:solidFill>
+                <a:latin typeface="맑은 고딕" panose="020B0503020000020004" pitchFamily="50" charset="-127"/>
+                <a:ea typeface="맑은 고딕" panose="020B0503020000020004" pitchFamily="50" charset="-127"/>
+                <a:cs typeface="Segoe UI" panose="020B0502040204020203" pitchFamily="34" charset="0"/>
+              </a:rPr>
+              <a:t>방법을 말한다</a:t>
+            </a:r>
+            <a:r>
+              <a:rPr lang="en-US" altLang="ko-KR" sz="1600" dirty="0">
+                <a:solidFill>
+                  <a:schemeClr val="tx1"/>
+                </a:solidFill>
+                <a:latin typeface="맑은 고딕" panose="020B0503020000020004" pitchFamily="50" charset="-127"/>
+                <a:ea typeface="맑은 고딕" panose="020B0503020000020004" pitchFamily="50" charset="-127"/>
+                <a:cs typeface="Segoe UI" panose="020B0502040204020203" pitchFamily="34" charset="0"/>
+              </a:rPr>
+              <a:t>.</a:t>
+            </a:r>
+          </a:p>
+        </p:txBody>
+      </p:sp>
+      <p:pic>
+        <p:nvPicPr>
+          <p:cNvPr id="5" name="그림 4">
+            <a:extLst>
+              <a:ext uri="{FF2B5EF4-FFF2-40B4-BE49-F238E27FC236}">
+                <a16:creationId xmlns:a16="http://schemas.microsoft.com/office/drawing/2014/main" id="{84A55F75-63C0-4493-ADAD-7416B92150BF}"/>
+              </a:ext>
+            </a:extLst>
+          </p:cNvPr>
+          <p:cNvPicPr>
+            <a:picLocks noChangeAspect="1"/>
+          </p:cNvPicPr>
+          <p:nvPr/>
+        </p:nvPicPr>
+        <p:blipFill>
+          <a:blip r:embed="rId3"/>
+          <a:stretch>
+            <a:fillRect/>
+          </a:stretch>
+        </p:blipFill>
+        <p:spPr>
+          <a:xfrm>
+            <a:off x="547529" y="2323398"/>
+            <a:ext cx="5548471" cy="3943900"/>
+          </a:xfrm>
+          <a:prstGeom prst="rect">
+            <a:avLst/>
+          </a:prstGeom>
+        </p:spPr>
+      </p:pic>
+      <p:pic>
+        <p:nvPicPr>
+          <p:cNvPr id="7" name="그림 6">
+            <a:extLst>
+              <a:ext uri="{FF2B5EF4-FFF2-40B4-BE49-F238E27FC236}">
+                <a16:creationId xmlns:a16="http://schemas.microsoft.com/office/drawing/2014/main" id="{C5AC6C79-1EE5-463A-AA55-5AF54D407BAA}"/>
+              </a:ext>
+            </a:extLst>
+          </p:cNvPr>
+          <p:cNvPicPr>
+            <a:picLocks noChangeAspect="1"/>
+          </p:cNvPicPr>
+          <p:nvPr/>
+        </p:nvPicPr>
+        <p:blipFill>
+          <a:blip r:embed="rId4"/>
+          <a:stretch>
+            <a:fillRect/>
+          </a:stretch>
+        </p:blipFill>
+        <p:spPr>
+          <a:xfrm>
+            <a:off x="6112805" y="2323398"/>
+            <a:ext cx="5725409" cy="3943900"/>
+          </a:xfrm>
+          <a:prstGeom prst="rect">
+            <a:avLst/>
+          </a:prstGeom>
+        </p:spPr>
+      </p:pic>
+    </p:spTree>
+    <p:extLst>
+      <p:ext uri="{BB962C8B-B14F-4D97-AF65-F5344CB8AC3E}">
+        <p14:creationId xmlns:p14="http://schemas.microsoft.com/office/powerpoint/2010/main" val="1491347099"/>
+      </p:ext>
+    </p:extLst>
+  </p:cSld>
+  <p:clrMapOvr>
+    <a:masterClrMapping/>
+  </p:clrMapOvr>
+  <mc:AlternateContent xmlns:mc="http://schemas.openxmlformats.org/markup-compatibility/2006" xmlns:p14="http://schemas.microsoft.com/office/powerpoint/2010/main">
+    <mc:Choice Requires="p14">
+      <p:transition p14:dur="10"/>
+    </mc:Choice>
+    <mc:Fallback xmlns="">
+      <p:transition/>
+    </mc:Fallback>
+  </mc:AlternateContent>
+</p:sld>
+</file>
+
+<file path=ppt/slides/slide8.xml><?xml version="1.0" encoding="utf-8"?>
+<p:sld xmlns:a="http://schemas.openxmlformats.org/drawingml/2006/main" xmlns:r="http://schemas.openxmlformats.org/officeDocument/2006/relationships" xmlns:p="http://schemas.openxmlformats.org/presentationml/2006/main">
+  <p:cSld>
+    <p:spTree>
+      <p:nvGrpSpPr>
+        <p:cNvPr id="1" name=""/>
+        <p:cNvGrpSpPr/>
+        <p:nvPr/>
+      </p:nvGrpSpPr>
+      <p:grpSpPr>
+        <a:xfrm>
+          <a:off x="0" y="0"/>
+          <a:ext cx="0" cy="0"/>
+          <a:chOff x="0" y="0"/>
+          <a:chExt cx="0" cy="0"/>
+        </a:xfrm>
+      </p:grpSpPr>
+      <p:sp>
+        <p:nvSpPr>
+          <p:cNvPr id="8" name="제목 7"/>
+          <p:cNvSpPr>
+            <a:spLocks noGrp="1"/>
+          </p:cNvSpPr>
+          <p:nvPr>
+            <p:ph type="title"/>
+          </p:nvPr>
+        </p:nvSpPr>
+        <p:spPr>
+          <a:xfrm>
+            <a:off x="521206" y="448056"/>
+            <a:ext cx="8613915" cy="640080"/>
+          </a:xfrm>
+        </p:spPr>
+        <p:txBody>
+          <a:bodyPr rtlCol="0">
+            <a:noAutofit/>
+          </a:bodyPr>
+          <a:lstStyle/>
+          <a:p>
+            <a:pPr rtl="0"/>
+            <a:r>
+              <a:rPr lang="en-US" altLang="ko-KR" dirty="0">
+                <a:cs typeface="Segoe UI Light" panose="020B0502040204020203" pitchFamily="34" charset="0"/>
+              </a:rPr>
+              <a:t>API Hooking</a:t>
+            </a:r>
+            <a:endParaRPr lang="ko-KR" altLang="en-US" dirty="0">
+              <a:cs typeface="Segoe UI Light" panose="020B0502040204020203" pitchFamily="34" charset="0"/>
+            </a:endParaRPr>
+          </a:p>
+        </p:txBody>
+      </p:sp>
+      <p:sp>
+        <p:nvSpPr>
+          <p:cNvPr id="38" name="내용 개체 틀 17"/>
+          <p:cNvSpPr txBox="1">
+            <a:spLocks/>
+          </p:cNvSpPr>
+          <p:nvPr/>
+        </p:nvSpPr>
+        <p:spPr>
+          <a:xfrm>
+            <a:off x="541610" y="1524708"/>
+            <a:ext cx="11142390" cy="4990392"/>
+          </a:xfrm>
+          <a:prstGeom prst="rect">
+            <a:avLst/>
+          </a:prstGeom>
+        </p:spPr>
+        <p:txBody>
+          <a:bodyPr vert="horz" lIns="91440" tIns="45720" rIns="91440" bIns="45720" rtlCol="0">
+            <a:normAutofit/>
+          </a:bodyPr>
+          <a:lstStyle>
+            <a:lvl1pPr marL="228600" indent="-228600" algn="l" defTabSz="914400" rtl="0" eaLnBrk="1" latinLnBrk="0" hangingPunct="1">
+              <a:lnSpc>
+                <a:spcPts val="1800"/>
+              </a:lnSpc>
+              <a:spcBef>
+                <a:spcPts val="1000"/>
+              </a:spcBef>
+              <a:spcAft>
+                <a:spcPts val="1000"/>
+              </a:spcAft>
+              <a:buFont typeface="Arial" panose="020B0604020202020204" pitchFamily="34" charset="0"/>
+              <a:buChar char="•"/>
+              <a:defRPr lang="en-US" sz="1200" kern="1200" smtClean="0">
+                <a:solidFill>
+                  <a:schemeClr val="tx1">
+                    <a:lumMod val="75000"/>
+                    <a:lumOff val="25000"/>
+                  </a:schemeClr>
+                </a:solidFill>
+                <a:latin typeface="+mn-lt"/>
+                <a:ea typeface="+mn-ea"/>
+                <a:cs typeface="+mn-cs"/>
+              </a:defRPr>
+            </a:lvl1pPr>
+            <a:lvl2pPr marL="685800" indent="-228600" algn="l" defTabSz="914400" rtl="0" eaLnBrk="1" latinLnBrk="0" hangingPunct="1">
+              <a:lnSpc>
+                <a:spcPts val="1800"/>
+              </a:lnSpc>
+              <a:spcBef>
+                <a:spcPts val="1000"/>
+              </a:spcBef>
+              <a:spcAft>
+                <a:spcPts val="1000"/>
+              </a:spcAft>
+              <a:buFont typeface="Arial" panose="020B0604020202020204" pitchFamily="34" charset="0"/>
+              <a:buChar char="•"/>
+              <a:defRPr lang="en-US" sz="1200" kern="1200" smtClean="0">
+                <a:solidFill>
+                  <a:schemeClr val="tx1">
+                    <a:lumMod val="75000"/>
+                    <a:lumOff val="25000"/>
+                  </a:schemeClr>
+                </a:solidFill>
+                <a:latin typeface="+mn-lt"/>
+                <a:ea typeface="+mn-ea"/>
+                <a:cs typeface="+mn-cs"/>
+              </a:defRPr>
+            </a:lvl2pPr>
+            <a:lvl3pPr marL="1143000" indent="-228600" algn="l" defTabSz="914400" rtl="0" eaLnBrk="1" latinLnBrk="0" hangingPunct="1">
+              <a:lnSpc>
+                <a:spcPts val="1800"/>
+              </a:lnSpc>
+              <a:spcBef>
+                <a:spcPts val="1000"/>
+              </a:spcBef>
+              <a:spcAft>
+                <a:spcPts val="1000"/>
+              </a:spcAft>
+              <a:buFont typeface="Arial" panose="020B0604020202020204" pitchFamily="34" charset="0"/>
+              <a:buChar char="•"/>
+              <a:defRPr lang="en-US" sz="1200" kern="1200" smtClean="0">
+                <a:solidFill>
+                  <a:schemeClr val="tx1">
+                    <a:lumMod val="75000"/>
+                    <a:lumOff val="25000"/>
+                  </a:schemeClr>
+                </a:solidFill>
+                <a:latin typeface="+mn-lt"/>
+                <a:ea typeface="+mn-ea"/>
+                <a:cs typeface="+mn-cs"/>
+              </a:defRPr>
+            </a:lvl3pPr>
+            <a:lvl4pPr marL="1600200" indent="-228600" algn="l" defTabSz="914400" rtl="0" eaLnBrk="1" latinLnBrk="0" hangingPunct="1">
+              <a:lnSpc>
+                <a:spcPts val="1800"/>
+              </a:lnSpc>
+              <a:spcBef>
+                <a:spcPts val="1000"/>
+              </a:spcBef>
+              <a:spcAft>
+                <a:spcPts val="1000"/>
+              </a:spcAft>
+              <a:buFont typeface="Arial" panose="020B0604020202020204" pitchFamily="34" charset="0"/>
+              <a:buChar char="•"/>
+              <a:defRPr lang="en-US" sz="1200" kern="1200" smtClean="0">
+                <a:solidFill>
+                  <a:schemeClr val="tx1">
+                    <a:lumMod val="75000"/>
+                    <a:lumOff val="25000"/>
+                  </a:schemeClr>
+                </a:solidFill>
+                <a:latin typeface="+mn-lt"/>
+                <a:ea typeface="+mn-ea"/>
+                <a:cs typeface="+mn-cs"/>
+              </a:defRPr>
+            </a:lvl4pPr>
+            <a:lvl5pPr marL="2057400" indent="-228600" algn="l" defTabSz="914400" rtl="0" eaLnBrk="1" latinLnBrk="0" hangingPunct="1">
+              <a:lnSpc>
+                <a:spcPts val="1800"/>
+              </a:lnSpc>
+              <a:spcBef>
+                <a:spcPts val="1000"/>
+              </a:spcBef>
+              <a:spcAft>
+                <a:spcPts val="1000"/>
+              </a:spcAft>
+              <a:buFont typeface="Arial" panose="020B0604020202020204" pitchFamily="34" charset="0"/>
+              <a:buChar char="•"/>
+              <a:defRPr lang="en-US" sz="1200" kern="1200">
+                <a:solidFill>
+                  <a:schemeClr val="tx1">
+                    <a:lumMod val="75000"/>
+                    <a:lumOff val="25000"/>
+                  </a:schemeClr>
+                </a:solidFill>
+                <a:latin typeface="+mn-lt"/>
+                <a:ea typeface="+mn-ea"/>
+                <a:cs typeface="+mn-cs"/>
+              </a:defRPr>
+            </a:lvl5pPr>
+            <a:lvl6pPr marL="2514600" indent="-228600" algn="l" defTabSz="914400" rtl="0" eaLnBrk="1" latinLnBrk="0" hangingPunct="1">
+              <a:lnSpc>
+                <a:spcPct val="90000"/>
+              </a:lnSpc>
+              <a:spcBef>
+                <a:spcPct val="30000"/>
+              </a:spcBef>
+              <a:buFont typeface="Arial" panose="020B0604020202020204" pitchFamily="34" charset="0"/>
+              <a:buChar char="•"/>
+              <a:defRPr sz="1800" kern="1200">
+                <a:solidFill>
+                  <a:schemeClr val="tx1"/>
+                </a:solidFill>
+                <a:latin typeface="+mn-lt"/>
+                <a:ea typeface="+mn-ea"/>
+                <a:cs typeface="+mn-cs"/>
+              </a:defRPr>
+            </a:lvl6pPr>
+            <a:lvl7pPr marL="2971800" indent="-228600" algn="l" defTabSz="914400" rtl="0" eaLnBrk="1" latinLnBrk="0" hangingPunct="1">
+              <a:lnSpc>
+                <a:spcPct val="90000"/>
+              </a:lnSpc>
+              <a:spcBef>
+                <a:spcPct val="30000"/>
+              </a:spcBef>
+              <a:buFont typeface="Arial" panose="020B0604020202020204" pitchFamily="34" charset="0"/>
+              <a:buChar char="•"/>
+              <a:defRPr sz="1800" kern="1200">
+                <a:solidFill>
+                  <a:schemeClr val="tx1"/>
+                </a:solidFill>
+                <a:latin typeface="+mn-lt"/>
+                <a:ea typeface="+mn-ea"/>
+                <a:cs typeface="+mn-cs"/>
+              </a:defRPr>
+            </a:lvl7pPr>
+            <a:lvl8pPr marL="3429000" indent="-228600" algn="l" defTabSz="914400" rtl="0" eaLnBrk="1" latinLnBrk="0" hangingPunct="1">
+              <a:lnSpc>
+                <a:spcPct val="90000"/>
+              </a:lnSpc>
+              <a:spcBef>
+                <a:spcPct val="30000"/>
+              </a:spcBef>
+              <a:buFont typeface="Arial" panose="020B0604020202020204" pitchFamily="34" charset="0"/>
+              <a:buChar char="•"/>
+              <a:defRPr sz="1800" kern="1200">
+                <a:solidFill>
+                  <a:schemeClr val="tx1"/>
+                </a:solidFill>
+                <a:latin typeface="+mn-lt"/>
+                <a:ea typeface="+mn-ea"/>
+                <a:cs typeface="+mn-cs"/>
+              </a:defRPr>
+            </a:lvl8pPr>
+            <a:lvl9pPr marL="3886200" indent="-228600" algn="l" defTabSz="914400" rtl="0" eaLnBrk="1" latinLnBrk="0" hangingPunct="1">
+              <a:lnSpc>
+                <a:spcPct val="90000"/>
+              </a:lnSpc>
+              <a:spcBef>
+                <a:spcPct val="30000"/>
+              </a:spcBef>
+              <a:buFont typeface="Arial" panose="020B0604020202020204" pitchFamily="34" charset="0"/>
+              <a:buChar char="•"/>
+              <a:defRPr sz="1800" kern="1200">
+                <a:solidFill>
+                  <a:schemeClr val="tx1"/>
+                </a:solidFill>
+                <a:latin typeface="+mn-lt"/>
+                <a:ea typeface="+mn-ea"/>
+                <a:cs typeface="+mn-cs"/>
+              </a:defRPr>
+            </a:lvl9pPr>
+          </a:lstStyle>
+          <a:p>
+            <a:pPr marL="0" lvl="0" indent="0" rtl="0">
+              <a:spcAft>
+                <a:spcPts val="600"/>
+              </a:spcAft>
+              <a:buNone/>
+              <a:defRPr/>
+            </a:pPr>
+            <a:r>
+              <a:rPr lang="en-US" altLang="ko-KR" sz="1600" dirty="0">
+                <a:solidFill>
+                  <a:schemeClr val="tx1"/>
+                </a:solidFill>
+                <a:latin typeface="맑은 고딕" panose="020B0503020000020004" pitchFamily="50" charset="-127"/>
+                <a:ea typeface="맑은 고딕" panose="020B0503020000020004" pitchFamily="50" charset="-127"/>
+                <a:cs typeface="Segoe UI" panose="020B0502040204020203" pitchFamily="34" charset="0"/>
+              </a:rPr>
+              <a:t>Windows </a:t>
+            </a:r>
+            <a:r>
+              <a:rPr lang="ko-KR" altLang="en-US" sz="1600" dirty="0">
+                <a:solidFill>
+                  <a:schemeClr val="tx1"/>
+                </a:solidFill>
+                <a:latin typeface="맑은 고딕" panose="020B0503020000020004" pitchFamily="50" charset="-127"/>
+                <a:ea typeface="맑은 고딕" panose="020B0503020000020004" pitchFamily="50" charset="-127"/>
+                <a:cs typeface="Segoe UI" panose="020B0502040204020203" pitchFamily="34" charset="0"/>
+              </a:rPr>
+              <a:t>메시지 </a:t>
+            </a:r>
+            <a:r>
+              <a:rPr lang="ko-KR" altLang="en-US" sz="1600" dirty="0" err="1">
+                <a:solidFill>
+                  <a:schemeClr val="tx1"/>
+                </a:solidFill>
+                <a:latin typeface="맑은 고딕" panose="020B0503020000020004" pitchFamily="50" charset="-127"/>
+                <a:ea typeface="맑은 고딕" panose="020B0503020000020004" pitchFamily="50" charset="-127"/>
+                <a:cs typeface="Segoe UI" panose="020B0502040204020203" pitchFamily="34" charset="0"/>
+              </a:rPr>
+              <a:t>후킹을</a:t>
+            </a:r>
+            <a:r>
+              <a:rPr lang="ko-KR" altLang="en-US" sz="1600" dirty="0">
+                <a:solidFill>
+                  <a:schemeClr val="tx1"/>
+                </a:solidFill>
+                <a:latin typeface="맑은 고딕" panose="020B0503020000020004" pitchFamily="50" charset="-127"/>
+                <a:ea typeface="맑은 고딕" panose="020B0503020000020004" pitchFamily="50" charset="-127"/>
+                <a:cs typeface="Segoe UI" panose="020B0502040204020203" pitchFamily="34" charset="0"/>
+              </a:rPr>
+              <a:t> 통해 키보드 이벤트 제어</a:t>
+            </a:r>
+            <a:endParaRPr lang="en-US" altLang="ko-KR" sz="1600" dirty="0">
+              <a:solidFill>
+                <a:schemeClr val="tx1"/>
+              </a:solidFill>
+              <a:latin typeface="맑은 고딕" panose="020B0503020000020004" pitchFamily="50" charset="-127"/>
+              <a:ea typeface="맑은 고딕" panose="020B0503020000020004" pitchFamily="50" charset="-127"/>
+              <a:cs typeface="Segoe UI" panose="020B0502040204020203" pitchFamily="34" charset="0"/>
+            </a:endParaRPr>
+          </a:p>
+          <a:p>
+            <a:pPr marL="0" lvl="0" indent="0" rtl="0">
+              <a:spcAft>
+                <a:spcPts val="600"/>
+              </a:spcAft>
+              <a:buNone/>
+              <a:defRPr/>
+            </a:pPr>
+            <a:r>
+              <a:rPr lang="en-US" altLang="ko-KR" sz="1600" dirty="0" err="1">
+                <a:solidFill>
+                  <a:schemeClr val="tx1"/>
+                </a:solidFill>
+                <a:latin typeface="맑은 고딕" panose="020B0503020000020004" pitchFamily="50" charset="-127"/>
+                <a:ea typeface="맑은 고딕" panose="020B0503020000020004" pitchFamily="50" charset="-127"/>
+                <a:cs typeface="Segoe UI" panose="020B0502040204020203" pitchFamily="34" charset="0"/>
+              </a:rPr>
+              <a:t>SetWindowsHookEx</a:t>
+            </a:r>
+            <a:r>
+              <a:rPr lang="en-US" altLang="ko-KR" sz="1600" dirty="0">
+                <a:solidFill>
+                  <a:schemeClr val="tx1"/>
+                </a:solidFill>
+                <a:latin typeface="맑은 고딕" panose="020B0503020000020004" pitchFamily="50" charset="-127"/>
+                <a:ea typeface="맑은 고딕" panose="020B0503020000020004" pitchFamily="50" charset="-127"/>
+                <a:cs typeface="Segoe UI" panose="020B0502040204020203" pitchFamily="34" charset="0"/>
+              </a:rPr>
+              <a:t> </a:t>
+            </a:r>
+            <a:r>
+              <a:rPr lang="ko-KR" altLang="en-US" sz="1600" dirty="0">
+                <a:solidFill>
+                  <a:schemeClr val="tx1"/>
+                </a:solidFill>
+                <a:latin typeface="맑은 고딕" panose="020B0503020000020004" pitchFamily="50" charset="-127"/>
+                <a:ea typeface="맑은 고딕" panose="020B0503020000020004" pitchFamily="50" charset="-127"/>
+                <a:cs typeface="Segoe UI" panose="020B0502040204020203" pitchFamily="34" charset="0"/>
+              </a:rPr>
+              <a:t>함수와 키보드 이벤트 </a:t>
+            </a:r>
+            <a:r>
+              <a:rPr lang="en-US" altLang="ko-KR" sz="1600" dirty="0">
+                <a:solidFill>
+                  <a:schemeClr val="tx1"/>
+                </a:solidFill>
+                <a:latin typeface="맑은 고딕" panose="020B0503020000020004" pitchFamily="50" charset="-127"/>
+                <a:ea typeface="맑은 고딕" panose="020B0503020000020004" pitchFamily="50" charset="-127"/>
+                <a:cs typeface="Segoe UI" panose="020B0502040204020203" pitchFamily="34" charset="0"/>
+              </a:rPr>
+              <a:t>CALL BACK </a:t>
+            </a:r>
+            <a:r>
+              <a:rPr lang="ko-KR" altLang="en-US" sz="1600" dirty="0">
+                <a:solidFill>
+                  <a:schemeClr val="tx1"/>
+                </a:solidFill>
+                <a:latin typeface="맑은 고딕" panose="020B0503020000020004" pitchFamily="50" charset="-127"/>
+                <a:ea typeface="맑은 고딕" panose="020B0503020000020004" pitchFamily="50" charset="-127"/>
+                <a:cs typeface="Segoe UI" panose="020B0502040204020203" pitchFamily="34" charset="0"/>
+              </a:rPr>
+              <a:t>함수를 이용해 키보드 로그와 차단 구현</a:t>
+            </a:r>
+            <a:endParaRPr lang="en-US" altLang="ko-KR" sz="1600" dirty="0">
+              <a:solidFill>
+                <a:schemeClr val="tx1"/>
+              </a:solidFill>
+              <a:latin typeface="맑은 고딕" panose="020B0503020000020004" pitchFamily="50" charset="-127"/>
+              <a:ea typeface="맑은 고딕" panose="020B0503020000020004" pitchFamily="50" charset="-127"/>
+              <a:cs typeface="Segoe UI" panose="020B0502040204020203" pitchFamily="34" charset="0"/>
+            </a:endParaRPr>
+          </a:p>
+        </p:txBody>
+      </p:sp>
+      <p:pic>
+        <p:nvPicPr>
+          <p:cNvPr id="3" name="그림 2">
+            <a:extLst>
+              <a:ext uri="{FF2B5EF4-FFF2-40B4-BE49-F238E27FC236}">
+                <a16:creationId xmlns:a16="http://schemas.microsoft.com/office/drawing/2014/main" id="{F03DDCAC-33F2-4D6A-83BE-3E309CD45D8D}"/>
+              </a:ext>
+            </a:extLst>
+          </p:cNvPr>
+          <p:cNvPicPr>
+            <a:picLocks noChangeAspect="1"/>
+          </p:cNvPicPr>
+          <p:nvPr/>
+        </p:nvPicPr>
+        <p:blipFill>
+          <a:blip r:embed="rId3"/>
+          <a:stretch>
+            <a:fillRect/>
+          </a:stretch>
+        </p:blipFill>
+        <p:spPr>
+          <a:xfrm>
+            <a:off x="8163533" y="2345483"/>
+            <a:ext cx="2205418" cy="3756139"/>
+          </a:xfrm>
+          <a:prstGeom prst="rect">
+            <a:avLst/>
+          </a:prstGeom>
+        </p:spPr>
+      </p:pic>
+      <p:pic>
+        <p:nvPicPr>
+          <p:cNvPr id="6" name="그림 5" descr="텍스트이(가) 표시된 사진&#10;&#10;자동 생성된 설명">
+            <a:extLst>
+              <a:ext uri="{FF2B5EF4-FFF2-40B4-BE49-F238E27FC236}">
+                <a16:creationId xmlns:a16="http://schemas.microsoft.com/office/drawing/2014/main" id="{D778D86E-7BB3-4EA1-9C3F-4C093C2AC327}"/>
+              </a:ext>
+            </a:extLst>
+          </p:cNvPr>
+          <p:cNvPicPr>
+            <a:picLocks noChangeAspect="1"/>
+          </p:cNvPicPr>
+          <p:nvPr/>
+        </p:nvPicPr>
+        <p:blipFill>
+          <a:blip r:embed="rId4"/>
+          <a:stretch>
+            <a:fillRect/>
+          </a:stretch>
+        </p:blipFill>
+        <p:spPr>
+          <a:xfrm>
+            <a:off x="1697394" y="3230741"/>
+            <a:ext cx="6261537" cy="2870881"/>
+          </a:xfrm>
+          <a:prstGeom prst="rect">
+            <a:avLst/>
+          </a:prstGeom>
+        </p:spPr>
+      </p:pic>
+      <p:pic>
+        <p:nvPicPr>
+          <p:cNvPr id="12" name="그림 11" descr="텍스트이(가) 표시된 사진&#10;&#10;자동 생성된 설명">
+            <a:extLst>
+              <a:ext uri="{FF2B5EF4-FFF2-40B4-BE49-F238E27FC236}">
+                <a16:creationId xmlns:a16="http://schemas.microsoft.com/office/drawing/2014/main" id="{6DAF6A36-BB1C-40C6-99A0-D94DED6A1CA8}"/>
+              </a:ext>
+            </a:extLst>
+          </p:cNvPr>
+          <p:cNvPicPr>
+            <a:picLocks noChangeAspect="1"/>
+          </p:cNvPicPr>
+          <p:nvPr/>
+        </p:nvPicPr>
+        <p:blipFill>
+          <a:blip r:embed="rId5"/>
+          <a:stretch>
+            <a:fillRect/>
+          </a:stretch>
+        </p:blipFill>
+        <p:spPr>
+          <a:xfrm>
+            <a:off x="1697394" y="2345483"/>
+            <a:ext cx="6261536" cy="819264"/>
+          </a:xfrm>
+          <a:prstGeom prst="rect">
+            <a:avLst/>
+          </a:prstGeom>
+        </p:spPr>
+      </p:pic>
+    </p:spTree>
+    <p:extLst>
+      <p:ext uri="{BB962C8B-B14F-4D97-AF65-F5344CB8AC3E}">
+        <p14:creationId xmlns:p14="http://schemas.microsoft.com/office/powerpoint/2010/main" val="869880717"/>
       </p:ext>
     </p:extLst>
   </p:cSld>
@@ -15166,21 +15369,21 @@
 </file>
 
 <file path=customXml/item1.xml><?xml version="1.0" encoding="utf-8"?>
+<p:properties xmlns:p="http://schemas.microsoft.com/office/2006/metadata/properties" xmlns:xsi="http://www.w3.org/2001/XMLSchema-instance" xmlns:pc="http://schemas.microsoft.com/office/infopath/2007/PartnerControls">
+  <documentManagement>
+    <Status xmlns="71af3243-3dd4-4a8d-8c0d-dd76da1f02a5">Not started</Status>
+    <MediaServiceKeyPoints xmlns="71af3243-3dd4-4a8d-8c0d-dd76da1f02a5" xsi:nil="true"/>
+  </documentManagement>
+</p:properties>
+</file>
+
+<file path=customXml/item2.xml><?xml version="1.0" encoding="utf-8"?>
 <?mso-contentType ?>
 <FormTemplates xmlns="http://schemas.microsoft.com/sharepoint/v3/contenttype/forms">
   <Display>DocumentLibraryForm</Display>
   <Edit>DocumentLibraryForm</Edit>
   <New>DocumentLibraryForm</New>
 </FormTemplates>
-</file>
-
-<file path=customXml/item2.xml><?xml version="1.0" encoding="utf-8"?>
-<p:properties xmlns:p="http://schemas.microsoft.com/office/2006/metadata/properties" xmlns:xsi="http://www.w3.org/2001/XMLSchema-instance" xmlns:pc="http://schemas.microsoft.com/office/infopath/2007/PartnerControls">
-  <documentManagement>
-    <Status xmlns="71af3243-3dd4-4a8d-8c0d-dd76da1f02a5">Not started</Status>
-    <MediaServiceKeyPoints xmlns="71af3243-3dd4-4a8d-8c0d-dd76da1f02a5" xsi:nil="true"/>
-  </documentManagement>
-</p:properties>
 </file>
 
 <file path=customXml/item3.xml><?xml version="1.0" encoding="utf-8"?>
@@ -15405,14 +15608,6 @@
 </file>
 
 <file path=customXml/itemProps1.xml><?xml version="1.0" encoding="utf-8"?>
-<ds:datastoreItem xmlns:ds="http://schemas.openxmlformats.org/officeDocument/2006/customXml" ds:itemID="{7EE8C63A-4744-4DE4-BB49-0FF0B5375C60}">
-  <ds:schemaRefs>
-    <ds:schemaRef ds:uri="http://schemas.microsoft.com/sharepoint/v3/contenttype/forms"/>
-  </ds:schemaRefs>
-</ds:datastoreItem>
-</file>
-
-<file path=customXml/itemProps2.xml><?xml version="1.0" encoding="utf-8"?>
 <ds:datastoreItem xmlns:ds="http://schemas.openxmlformats.org/officeDocument/2006/customXml" ds:itemID="{950072C5-DDE0-4258-BA7A-4D4B80DFA632}">
   <ds:schemaRefs>
     <ds:schemaRef ds:uri="http://purl.org/dc/terms/"/>
@@ -15425,6 +15620,14 @@
     <ds:schemaRef ds:uri="http://schemas.openxmlformats.org/package/2006/metadata/core-properties"/>
     <ds:schemaRef ds:uri="16c05727-aa75-4e4a-9b5f-8a80a1165891"/>
     <ds:schemaRef ds:uri="71af3243-3dd4-4a8d-8c0d-dd76da1f02a5"/>
+  </ds:schemaRefs>
+</ds:datastoreItem>
+</file>
+
+<file path=customXml/itemProps2.xml><?xml version="1.0" encoding="utf-8"?>
+<ds:datastoreItem xmlns:ds="http://schemas.openxmlformats.org/officeDocument/2006/customXml" ds:itemID="{7EE8C63A-4744-4DE4-BB49-0FF0B5375C60}">
+  <ds:schemaRefs>
+    <ds:schemaRef ds:uri="http://schemas.microsoft.com/sharepoint/v3/contenttype/forms"/>
   </ds:schemaRefs>
 </ds:datastoreItem>
 </file>
